--- a/design/Webアプリケーションシステム.pptx
+++ b/design/Webアプリケーションシステム.pptx
@@ -9,7 +9,7 @@
   </p:notesMasterIdLst>
   <p:sldIdLst>
     <p:sldId id="256" r:id="rId2"/>
-    <p:sldId id="257" r:id="rId3"/>
+    <p:sldId id="258" r:id="rId3"/>
   </p:sldIdLst>
   <p:sldSz cx="12192000" cy="6858000"/>
   <p:notesSz cx="6858000" cy="9144000"/>
@@ -539,11 +539,11 @@
           <a:p>
             <a:r>
               <a:rPr kumimoji="1" lang="en-US" altLang="ja-JP" dirty="0" smtClean="0"/>
-              <a:t>PHP</a:t>
+              <a:t>JavaScript</a:t>
             </a:r>
             <a:r>
               <a:rPr kumimoji="1" lang="ja-JP" altLang="en-US" dirty="0" smtClean="0"/>
-              <a:t>の</a:t>
+              <a:t>から</a:t>
             </a:r>
             <a:r>
               <a:rPr kumimoji="1" lang="en-US" altLang="ja-JP" dirty="0" smtClean="0"/>
@@ -551,7 +551,7 @@
             </a:r>
             <a:r>
               <a:rPr kumimoji="1" lang="ja-JP" altLang="en-US" dirty="0" smtClean="0"/>
-              <a:t>を使えば簡易的な暗号化になると思ったが、</a:t>
+              <a:t>を使って暗号化させて送信し、</a:t>
             </a:r>
             <a:r>
               <a:rPr kumimoji="1" lang="en-US" altLang="ja-JP" dirty="0" smtClean="0"/>
@@ -559,25 +559,26 @@
             </a:r>
             <a:r>
               <a:rPr kumimoji="1" lang="ja-JP" altLang="en-US" dirty="0" smtClean="0"/>
-              <a:t>はそもそもサーバー側で行うもの。</a:t>
+              <a:t>ではそのまま</a:t>
+            </a:r>
+            <a:r>
+              <a:rPr kumimoji="1" lang="en-US" altLang="ja-JP" dirty="0" err="1" smtClean="0"/>
+              <a:t>mySQL</a:t>
+            </a:r>
+            <a:r>
+              <a:rPr kumimoji="1" lang="ja-JP" altLang="en-US" dirty="0" err="1" smtClean="0"/>
+              <a:t>へ登</a:t>
+            </a:r>
+            <a:r>
+              <a:rPr kumimoji="1" lang="ja-JP" altLang="en-US" dirty="0" smtClean="0"/>
+              <a:t>録させる。</a:t>
             </a:r>
             <a:endParaRPr kumimoji="1" lang="en-US" altLang="ja-JP" dirty="0" smtClean="0"/>
           </a:p>
           <a:p>
             <a:r>
               <a:rPr kumimoji="1" lang="ja-JP" altLang="en-US" dirty="0" smtClean="0"/>
-              <a:t>送信中に傍受されたら元も子もない。</a:t>
-            </a:r>
-            <a:endParaRPr kumimoji="1" lang="en-US" altLang="ja-JP" dirty="0" smtClean="0"/>
-          </a:p>
-          <a:p>
-            <a:r>
-              <a:rPr kumimoji="1" lang="en-US" altLang="ja-JP" dirty="0" smtClean="0"/>
-              <a:t>JavaScript</a:t>
-            </a:r>
-            <a:r>
-              <a:rPr kumimoji="1" lang="ja-JP" altLang="en-US" dirty="0" smtClean="0"/>
-              <a:t>などユーザー側で暗号化をして送信しないといけない。</a:t>
+              <a:t>これで傍受されても大丈夫。</a:t>
             </a:r>
             <a:endParaRPr kumimoji="1" lang="ja-JP" altLang="en-US" dirty="0"/>
           </a:p>
@@ -723,13 +724,6 @@
             </a:r>
             <a:endParaRPr kumimoji="1" lang="en-US" altLang="ja-JP" dirty="0" smtClean="0"/>
           </a:p>
-          <a:p>
-            <a:r>
-              <a:rPr kumimoji="1" lang="ja-JP" altLang="en-US" dirty="0" smtClean="0"/>
-              <a:t>ただし登録の段階でもそうだが送信時点で傍受されたらどうしようもない。</a:t>
-            </a:r>
-            <a:endParaRPr kumimoji="1" lang="ja-JP" altLang="en-US" dirty="0"/>
-          </a:p>
         </p:txBody>
       </p:sp>
       <p:sp>
@@ -758,7 +752,7 @@
     </p:spTree>
     <p:extLst>
       <p:ext uri="{BB962C8B-B14F-4D97-AF65-F5344CB8AC3E}">
-        <p14:creationId xmlns:p14="http://schemas.microsoft.com/office/powerpoint/2010/main" val="2551395755"/>
+        <p14:creationId xmlns:p14="http://schemas.microsoft.com/office/powerpoint/2010/main" val="640375645"/>
       </p:ext>
     </p:extLst>
   </p:cSld>
@@ -3968,7 +3962,7 @@
         </p:nvSpPr>
         <p:spPr>
           <a:xfrm>
-            <a:off x="990216" y="2675809"/>
+            <a:off x="491022" y="2675808"/>
             <a:ext cx="1638384" cy="523220"/>
           </a:xfrm>
           <a:prstGeom prst="rect">
@@ -4004,8 +3998,8 @@
         </p:nvCxnSpPr>
         <p:spPr>
           <a:xfrm>
-            <a:off x="2856543" y="2972629"/>
-            <a:ext cx="1440772" cy="0"/>
+            <a:off x="2264384" y="2937418"/>
+            <a:ext cx="712501" cy="0"/>
           </a:xfrm>
           <a:prstGeom prst="straightConnector1">
             <a:avLst/>
@@ -4040,7 +4034,7 @@
         </p:nvSpPr>
         <p:spPr>
           <a:xfrm>
-            <a:off x="3041624" y="1664579"/>
+            <a:off x="2225337" y="1797599"/>
             <a:ext cx="1070609" cy="1077218"/>
           </a:xfrm>
           <a:prstGeom prst="rect">
@@ -4076,7 +4070,7 @@
         </p:nvSpPr>
         <p:spPr>
           <a:xfrm>
-            <a:off x="2478172" y="4192784"/>
+            <a:off x="3122236" y="2582430"/>
             <a:ext cx="2197511" cy="584775"/>
           </a:xfrm>
           <a:prstGeom prst="rect">
@@ -4100,10 +4094,6 @@
               <a:rPr kumimoji="1" lang="en-US" altLang="ja-JP" sz="3200" dirty="0" err="1" smtClean="0"/>
               <a:t>Javascript</a:t>
             </a:r>
-            <a:r>
-              <a:rPr kumimoji="1" lang="en-US" altLang="ja-JP" sz="3200" dirty="0" smtClean="0"/>
-              <a:t>?</a:t>
-            </a:r>
             <a:endParaRPr kumimoji="1" lang="ja-JP" altLang="en-US" sz="3200" dirty="0"/>
           </a:p>
         </p:txBody>
@@ -4116,7 +4106,7 @@
         </p:nvCxnSpPr>
         <p:spPr>
           <a:xfrm>
-            <a:off x="6631511" y="2999564"/>
+            <a:off x="8125031" y="2906642"/>
             <a:ext cx="1440772" cy="0"/>
           </a:xfrm>
           <a:prstGeom prst="straightConnector1">
@@ -4152,7 +4142,7 @@
         </p:nvSpPr>
         <p:spPr>
           <a:xfrm>
-            <a:off x="6386051" y="1555751"/>
+            <a:off x="7879571" y="1462829"/>
             <a:ext cx="2365005" cy="1077218"/>
           </a:xfrm>
           <a:prstGeom prst="rect">
@@ -4196,7 +4186,7 @@
         </p:nvSpPr>
         <p:spPr>
           <a:xfrm>
-            <a:off x="4750976" y="2696908"/>
+            <a:off x="6675117" y="2614254"/>
             <a:ext cx="1204454" cy="584775"/>
           </a:xfrm>
           <a:prstGeom prst="rect">
@@ -4232,7 +4222,7 @@
         </p:nvSpPr>
         <p:spPr>
           <a:xfrm>
-            <a:off x="8795472" y="2707176"/>
+            <a:off x="10288992" y="2614254"/>
             <a:ext cx="1435512" cy="584775"/>
           </a:xfrm>
           <a:prstGeom prst="rect">
@@ -4262,14 +4252,14 @@
       </p:sp>
       <p:cxnSp>
         <p:nvCxnSpPr>
-          <p:cNvPr id="22" name="直線矢印コネクタ 21"/>
+          <p:cNvPr id="29" name="直線矢印コネクタ 28"/>
           <p:cNvCxnSpPr/>
           <p:nvPr/>
         </p:nvCxnSpPr>
         <p:spPr>
           <a:xfrm flipV="1">
-            <a:off x="3576927" y="3072341"/>
-            <a:ext cx="4838" cy="993756"/>
+            <a:off x="5611505" y="2906641"/>
+            <a:ext cx="818152" cy="3072"/>
           </a:xfrm>
           <a:prstGeom prst="straightConnector1">
             <a:avLst/>
@@ -4296,6 +4286,80 @@
           </a:fontRef>
         </p:style>
       </p:cxnSp>
+      <p:sp>
+        <p:nvSpPr>
+          <p:cNvPr id="37" name="テキスト ボックス 36"/>
+          <p:cNvSpPr txBox="1"/>
+          <p:nvPr/>
+        </p:nvSpPr>
+        <p:spPr>
+          <a:xfrm>
+            <a:off x="4995096" y="1537036"/>
+            <a:ext cx="2365005" cy="1077218"/>
+          </a:xfrm>
+          <a:prstGeom prst="rect">
+            <a:avLst/>
+          </a:prstGeom>
+          <a:noFill/>
+        </p:spPr>
+        <p:txBody>
+          <a:bodyPr wrap="square" rtlCol="0">
+            <a:spAutoFit/>
+          </a:bodyPr>
+          <a:lstStyle/>
+          <a:p>
+            <a:r>
+              <a:rPr kumimoji="1" lang="en-US" altLang="ja-JP" sz="3200" dirty="0" smtClean="0"/>
+              <a:t>ID</a:t>
+            </a:r>
+          </a:p>
+          <a:p>
+            <a:r>
+              <a:rPr lang="en-US" altLang="ja-JP" sz="3200" dirty="0" smtClean="0"/>
+              <a:t>PW(</a:t>
+            </a:r>
+            <a:r>
+              <a:rPr lang="ja-JP" altLang="en-US" sz="3200" dirty="0" smtClean="0"/>
+              <a:t>暗号化</a:t>
+            </a:r>
+            <a:r>
+              <a:rPr lang="en-US" altLang="ja-JP" sz="3200" dirty="0" smtClean="0"/>
+              <a:t>)</a:t>
+            </a:r>
+            <a:endParaRPr kumimoji="1" lang="ja-JP" altLang="en-US" sz="3200" dirty="0"/>
+          </a:p>
+        </p:txBody>
+      </p:sp>
+      <p:sp>
+        <p:nvSpPr>
+          <p:cNvPr id="38" name="テキスト ボックス 37"/>
+          <p:cNvSpPr txBox="1"/>
+          <p:nvPr/>
+        </p:nvSpPr>
+        <p:spPr>
+          <a:xfrm>
+            <a:off x="5712804" y="3214423"/>
+            <a:ext cx="615553" cy="2407920"/>
+          </a:xfrm>
+          <a:prstGeom prst="rect">
+            <a:avLst/>
+          </a:prstGeom>
+          <a:noFill/>
+        </p:spPr>
+        <p:txBody>
+          <a:bodyPr vert="eaVert" wrap="square" rtlCol="0">
+            <a:spAutoFit/>
+          </a:bodyPr>
+          <a:lstStyle/>
+          <a:p>
+            <a:r>
+              <a:rPr kumimoji="1" lang="ja-JP" altLang="en-US" sz="2800" dirty="0" smtClean="0"/>
+              <a:t>サーバーへ送信</a:t>
+            </a:r>
+            <a:endParaRPr kumimoji="1" lang="ja-JP" altLang="en-US" sz="2800" dirty="0"/>
+          </a:p>
+        </p:txBody>
+      </p:sp>
     </p:spTree>
     <p:extLst>
       <p:ext uri="{BB962C8B-B14F-4D97-AF65-F5344CB8AC3E}">
@@ -4367,13 +4431,13 @@
       </p:sp>
       <p:sp>
         <p:nvSpPr>
-          <p:cNvPr id="3" name="テキスト ボックス 2"/>
+          <p:cNvPr id="15" name="テキスト ボックス 14"/>
           <p:cNvSpPr txBox="1"/>
           <p:nvPr/>
         </p:nvSpPr>
         <p:spPr>
           <a:xfrm>
-            <a:off x="1170739" y="3596663"/>
+            <a:off x="491022" y="2675808"/>
             <a:ext cx="1638384" cy="523220"/>
           </a:xfrm>
           <a:prstGeom prst="rect">
@@ -4403,14 +4467,14 @@
       </p:sp>
       <p:cxnSp>
         <p:nvCxnSpPr>
-          <p:cNvPr id="4" name="直線矢印コネクタ 3"/>
+          <p:cNvPr id="16" name="直線矢印コネクタ 15"/>
           <p:cNvCxnSpPr/>
           <p:nvPr/>
         </p:nvCxnSpPr>
         <p:spPr>
           <a:xfrm>
-            <a:off x="3054663" y="3775619"/>
-            <a:ext cx="1440772" cy="0"/>
+            <a:off x="2264384" y="2937418"/>
+            <a:ext cx="712501" cy="0"/>
           </a:xfrm>
           <a:prstGeom prst="straightConnector1">
             <a:avLst/>
@@ -4439,13 +4503,13 @@
       </p:cxnSp>
       <p:sp>
         <p:nvSpPr>
-          <p:cNvPr id="5" name="テキスト ボックス 4"/>
+          <p:cNvPr id="17" name="テキスト ボックス 16"/>
           <p:cNvSpPr txBox="1"/>
           <p:nvPr/>
         </p:nvSpPr>
         <p:spPr>
           <a:xfrm>
-            <a:off x="3141785" y="2582583"/>
+            <a:off x="2225337" y="1797599"/>
             <a:ext cx="1070609" cy="1077218"/>
           </a:xfrm>
           <a:prstGeom prst="rect">
@@ -4475,58 +4539,14 @@
       </p:sp>
       <p:sp>
         <p:nvSpPr>
-          <p:cNvPr id="8" name="テキスト ボックス 7"/>
+          <p:cNvPr id="18" name="テキスト ボックス 17"/>
           <p:cNvSpPr txBox="1"/>
           <p:nvPr/>
         </p:nvSpPr>
         <p:spPr>
           <a:xfrm>
-            <a:off x="6426576" y="2523334"/>
-            <a:ext cx="2365005" cy="1077218"/>
-          </a:xfrm>
-          <a:prstGeom prst="rect">
-            <a:avLst/>
-          </a:prstGeom>
-          <a:noFill/>
-        </p:spPr>
-        <p:txBody>
-          <a:bodyPr wrap="square" rtlCol="0">
-            <a:spAutoFit/>
-          </a:bodyPr>
-          <a:lstStyle/>
-          <a:p>
-            <a:r>
-              <a:rPr kumimoji="1" lang="en-US" altLang="ja-JP" sz="3200" dirty="0" smtClean="0"/>
-              <a:t>ID</a:t>
-            </a:r>
-          </a:p>
-          <a:p>
-            <a:r>
-              <a:rPr lang="en-US" altLang="ja-JP" sz="3200" dirty="0" smtClean="0"/>
-              <a:t>PW(</a:t>
-            </a:r>
-            <a:r>
-              <a:rPr lang="ja-JP" altLang="en-US" sz="3200" dirty="0" smtClean="0"/>
-              <a:t>暗号化</a:t>
-            </a:r>
-            <a:r>
-              <a:rPr lang="en-US" altLang="ja-JP" sz="3200" dirty="0" smtClean="0"/>
-              <a:t>)</a:t>
-            </a:r>
-            <a:endParaRPr kumimoji="1" lang="ja-JP" altLang="en-US" sz="3200" dirty="0"/>
-          </a:p>
-        </p:txBody>
-      </p:sp>
-      <p:sp>
-        <p:nvSpPr>
-          <p:cNvPr id="9" name="テキスト ボックス 8"/>
-          <p:cNvSpPr txBox="1"/>
-          <p:nvPr/>
-        </p:nvSpPr>
-        <p:spPr>
-          <a:xfrm>
-            <a:off x="4949096" y="3535108"/>
-            <a:ext cx="1204454" cy="584775"/>
+            <a:off x="3122236" y="2582430"/>
+            <a:ext cx="2197511" cy="584775"/>
           </a:xfrm>
           <a:prstGeom prst="rect">
             <a:avLst/>
@@ -4546,8 +4566,8 @@
           <a:p>
             <a:pPr algn="ctr"/>
             <a:r>
-              <a:rPr kumimoji="1" lang="en-US" altLang="ja-JP" sz="3200" dirty="0" smtClean="0"/>
-              <a:t>PHP</a:t>
+              <a:rPr kumimoji="1" lang="en-US" altLang="ja-JP" sz="3200" dirty="0" err="1" smtClean="0"/>
+              <a:t>Javascript</a:t>
             </a:r>
             <a:endParaRPr kumimoji="1" lang="ja-JP" altLang="en-US" sz="3200" dirty="0"/>
           </a:p>
@@ -4555,14 +4575,58 @@
       </p:sp>
       <p:sp>
         <p:nvSpPr>
-          <p:cNvPr id="10" name="テキスト ボックス 9"/>
+          <p:cNvPr id="20" name="テキスト ボックス 19"/>
           <p:cNvSpPr txBox="1"/>
           <p:nvPr/>
         </p:nvSpPr>
         <p:spPr>
           <a:xfrm>
-            <a:off x="8993592" y="3545376"/>
-            <a:ext cx="1435512" cy="584775"/>
+            <a:off x="7879571" y="1462829"/>
+            <a:ext cx="2365005" cy="1077218"/>
+          </a:xfrm>
+          <a:prstGeom prst="rect">
+            <a:avLst/>
+          </a:prstGeom>
+          <a:noFill/>
+        </p:spPr>
+        <p:txBody>
+          <a:bodyPr wrap="square" rtlCol="0">
+            <a:spAutoFit/>
+          </a:bodyPr>
+          <a:lstStyle/>
+          <a:p>
+            <a:r>
+              <a:rPr kumimoji="1" lang="en-US" altLang="ja-JP" sz="3200" dirty="0" smtClean="0"/>
+              <a:t>ID</a:t>
+            </a:r>
+          </a:p>
+          <a:p>
+            <a:r>
+              <a:rPr lang="en-US" altLang="ja-JP" sz="3200" dirty="0" smtClean="0"/>
+              <a:t>PW(</a:t>
+            </a:r>
+            <a:r>
+              <a:rPr lang="ja-JP" altLang="en-US" sz="3200" dirty="0" smtClean="0"/>
+              <a:t>暗号化</a:t>
+            </a:r>
+            <a:r>
+              <a:rPr lang="en-US" altLang="ja-JP" sz="3200" dirty="0" smtClean="0"/>
+              <a:t>)</a:t>
+            </a:r>
+            <a:endParaRPr kumimoji="1" lang="ja-JP" altLang="en-US" sz="3200" dirty="0"/>
+          </a:p>
+        </p:txBody>
+      </p:sp>
+      <p:sp>
+        <p:nvSpPr>
+          <p:cNvPr id="21" name="テキスト ボックス 20"/>
+          <p:cNvSpPr txBox="1"/>
+          <p:nvPr/>
+        </p:nvSpPr>
+        <p:spPr>
+          <a:xfrm>
+            <a:off x="6675117" y="2614254"/>
+            <a:ext cx="1204454" cy="584775"/>
           </a:xfrm>
           <a:prstGeom prst="rect">
             <a:avLst/>
@@ -4582,6 +4646,42 @@
           <a:p>
             <a:pPr algn="ctr"/>
             <a:r>
+              <a:rPr kumimoji="1" lang="en-US" altLang="ja-JP" sz="3200" dirty="0" smtClean="0"/>
+              <a:t>PHP</a:t>
+            </a:r>
+            <a:endParaRPr kumimoji="1" lang="ja-JP" altLang="en-US" sz="3200" dirty="0"/>
+          </a:p>
+        </p:txBody>
+      </p:sp>
+      <p:sp>
+        <p:nvSpPr>
+          <p:cNvPr id="22" name="テキスト ボックス 21"/>
+          <p:cNvSpPr txBox="1"/>
+          <p:nvPr/>
+        </p:nvSpPr>
+        <p:spPr>
+          <a:xfrm>
+            <a:off x="10288992" y="2614254"/>
+            <a:ext cx="1435512" cy="584775"/>
+          </a:xfrm>
+          <a:prstGeom prst="rect">
+            <a:avLst/>
+          </a:prstGeom>
+          <a:noFill/>
+          <a:ln>
+            <a:solidFill>
+              <a:schemeClr val="tx1"/>
+            </a:solidFill>
+          </a:ln>
+        </p:spPr>
+        <p:txBody>
+          <a:bodyPr wrap="square" rtlCol="0">
+            <a:spAutoFit/>
+          </a:bodyPr>
+          <a:lstStyle/>
+          <a:p>
+            <a:pPr algn="ctr"/>
+            <a:r>
               <a:rPr kumimoji="1" lang="en-US" altLang="ja-JP" sz="3200" dirty="0" err="1" smtClean="0"/>
               <a:t>mySQL</a:t>
             </a:r>
@@ -4591,14 +4691,14 @@
       </p:sp>
       <p:cxnSp>
         <p:nvCxnSpPr>
-          <p:cNvPr id="12" name="直線矢印コネクタ 11"/>
+          <p:cNvPr id="23" name="直線矢印コネクタ 22"/>
           <p:cNvCxnSpPr/>
           <p:nvPr/>
         </p:nvCxnSpPr>
         <p:spPr>
-          <a:xfrm flipH="1">
-            <a:off x="6584171" y="3810829"/>
-            <a:ext cx="1639415" cy="0"/>
+          <a:xfrm flipV="1">
+            <a:off x="5611505" y="2906641"/>
+            <a:ext cx="818152" cy="3072"/>
           </a:xfrm>
           <a:prstGeom prst="straightConnector1">
             <a:avLst/>
@@ -4627,14 +4727,14 @@
       </p:cxnSp>
       <p:sp>
         <p:nvSpPr>
-          <p:cNvPr id="17" name="テキスト ボックス 16"/>
+          <p:cNvPr id="24" name="テキスト ボックス 23"/>
           <p:cNvSpPr txBox="1"/>
           <p:nvPr/>
         </p:nvSpPr>
         <p:spPr>
           <a:xfrm>
-            <a:off x="3239744" y="4074716"/>
-            <a:ext cx="1127760" cy="523220"/>
+            <a:off x="4995096" y="1537036"/>
+            <a:ext cx="2365005" cy="1077218"/>
           </a:xfrm>
           <a:prstGeom prst="rect">
             <a:avLst/>
@@ -4648,71 +4748,37 @@
           <a:lstStyle/>
           <a:p>
             <a:r>
-              <a:rPr kumimoji="1" lang="ja-JP" altLang="en-US" sz="2800" dirty="0" smtClean="0"/>
-              <a:t>承認</a:t>
-            </a:r>
-            <a:endParaRPr kumimoji="1" lang="ja-JP" altLang="en-US" sz="2800" dirty="0"/>
-          </a:p>
-        </p:txBody>
-      </p:sp>
-      <p:sp>
-        <p:nvSpPr>
-          <p:cNvPr id="18" name="円弧 17"/>
-          <p:cNvSpPr/>
-          <p:nvPr/>
-        </p:nvSpPr>
-        <p:spPr>
-          <a:xfrm rot="20435301">
-            <a:off x="4790058" y="2700040"/>
-            <a:ext cx="415395" cy="1805055"/>
-          </a:xfrm>
-          <a:prstGeom prst="arc">
-            <a:avLst>
-              <a:gd name="adj1" fmla="val 10682716"/>
-              <a:gd name="adj2" fmla="val 19351861"/>
-            </a:avLst>
-          </a:prstGeom>
-          <a:ln w="31750">
-            <a:solidFill>
-              <a:srgbClr val="7030A0"/>
-            </a:solidFill>
-            <a:headEnd type="none"/>
-            <a:tailEnd type="stealth"/>
-          </a:ln>
-        </p:spPr>
-        <p:style>
-          <a:lnRef idx="1">
-            <a:schemeClr val="accent1"/>
-          </a:lnRef>
-          <a:fillRef idx="0">
-            <a:schemeClr val="accent1"/>
-          </a:fillRef>
-          <a:effectRef idx="0">
-            <a:schemeClr val="accent1"/>
-          </a:effectRef>
-          <a:fontRef idx="minor">
-            <a:schemeClr val="tx1"/>
-          </a:fontRef>
-        </p:style>
-        <p:txBody>
-          <a:bodyPr rtlCol="0" anchor="ctr"/>
-          <a:lstStyle/>
-          <a:p>
-            <a:pPr algn="ctr"/>
-            <a:endParaRPr kumimoji="1" lang="ja-JP" altLang="en-US"/>
-          </a:p>
-        </p:txBody>
-      </p:sp>
-      <p:sp>
-        <p:nvSpPr>
-          <p:cNvPr id="19" name="テキスト ボックス 18"/>
+              <a:rPr kumimoji="1" lang="en-US" altLang="ja-JP" sz="3200" dirty="0" smtClean="0"/>
+              <a:t>ID</a:t>
+            </a:r>
+          </a:p>
+          <a:p>
+            <a:r>
+              <a:rPr lang="en-US" altLang="ja-JP" sz="3200" dirty="0" smtClean="0"/>
+              <a:t>PW(</a:t>
+            </a:r>
+            <a:r>
+              <a:rPr lang="ja-JP" altLang="en-US" sz="3200" dirty="0" smtClean="0"/>
+              <a:t>暗号化</a:t>
+            </a:r>
+            <a:r>
+              <a:rPr lang="en-US" altLang="ja-JP" sz="3200" dirty="0" smtClean="0"/>
+              <a:t>)</a:t>
+            </a:r>
+            <a:endParaRPr kumimoji="1" lang="ja-JP" altLang="en-US" sz="3200" dirty="0"/>
+          </a:p>
+        </p:txBody>
+      </p:sp>
+      <p:sp>
+        <p:nvSpPr>
+          <p:cNvPr id="25" name="テキスト ボックス 24"/>
           <p:cNvSpPr txBox="1"/>
           <p:nvPr/>
         </p:nvSpPr>
         <p:spPr>
           <a:xfrm>
-            <a:off x="3788545" y="2086709"/>
-            <a:ext cx="2365005" cy="584775"/>
+            <a:off x="5712804" y="3214423"/>
+            <a:ext cx="615553" cy="2407920"/>
           </a:xfrm>
           <a:prstGeom prst="rect">
             <a:avLst/>
@@ -4720,44 +4786,36 @@
           <a:noFill/>
         </p:spPr>
         <p:txBody>
-          <a:bodyPr wrap="square" rtlCol="0">
+          <a:bodyPr vert="eaVert" wrap="square" rtlCol="0">
             <a:spAutoFit/>
           </a:bodyPr>
           <a:lstStyle/>
           <a:p>
             <a:r>
-              <a:rPr lang="en-US" altLang="ja-JP" sz="3200" dirty="0" smtClean="0"/>
-              <a:t>PW(</a:t>
-            </a:r>
-            <a:r>
-              <a:rPr lang="ja-JP" altLang="en-US" sz="3200" dirty="0" smtClean="0"/>
-              <a:t>暗号化</a:t>
-            </a:r>
-            <a:r>
-              <a:rPr lang="en-US" altLang="ja-JP" sz="3200" dirty="0" smtClean="0"/>
-              <a:t>)</a:t>
-            </a:r>
-            <a:endParaRPr kumimoji="1" lang="ja-JP" altLang="en-US" sz="3200" dirty="0"/>
+              <a:rPr kumimoji="1" lang="ja-JP" altLang="en-US" sz="2800" dirty="0" smtClean="0"/>
+              <a:t>サーバーへ送信</a:t>
+            </a:r>
+            <a:endParaRPr kumimoji="1" lang="ja-JP" altLang="en-US" sz="2800" dirty="0"/>
           </a:p>
         </p:txBody>
       </p:sp>
       <p:cxnSp>
         <p:nvCxnSpPr>
-          <p:cNvPr id="20" name="直線矢印コネクタ 19"/>
+          <p:cNvPr id="26" name="直線矢印コネクタ 25"/>
           <p:cNvCxnSpPr/>
           <p:nvPr/>
         </p:nvCxnSpPr>
         <p:spPr>
           <a:xfrm flipH="1">
-            <a:off x="3039219" y="3961858"/>
-            <a:ext cx="1456216" cy="0"/>
+            <a:off x="8169131" y="2892230"/>
+            <a:ext cx="1639415" cy="0"/>
           </a:xfrm>
           <a:prstGeom prst="straightConnector1">
             <a:avLst/>
           </a:prstGeom>
           <a:ln w="25400">
             <a:solidFill>
-              <a:srgbClr val="C00000"/>
+              <a:srgbClr val="00B050"/>
             </a:solidFill>
             <a:tailEnd type="triangle"/>
           </a:ln>
@@ -4779,14 +4837,14 @@
       </p:cxnSp>
       <p:sp>
         <p:nvSpPr>
-          <p:cNvPr id="21" name="テキスト ボックス 20"/>
+          <p:cNvPr id="27" name="テキスト ボックス 26"/>
           <p:cNvSpPr txBox="1"/>
           <p:nvPr/>
         </p:nvSpPr>
         <p:spPr>
           <a:xfrm>
-            <a:off x="5625177" y="4178033"/>
-            <a:ext cx="1142194" cy="584775"/>
+            <a:off x="7467600" y="3355655"/>
+            <a:ext cx="1143000" cy="523220"/>
           </a:xfrm>
           <a:prstGeom prst="rect">
             <a:avLst/>
@@ -4800,17 +4858,94 @@
           <a:lstStyle/>
           <a:p>
             <a:r>
-              <a:rPr kumimoji="1" lang="ja-JP" altLang="en-US" sz="3200" dirty="0" smtClean="0"/>
+              <a:rPr kumimoji="1" lang="ja-JP" altLang="en-US" sz="2800" dirty="0" smtClean="0"/>
               <a:t>比較</a:t>
             </a:r>
-            <a:endParaRPr kumimoji="1" lang="ja-JP" altLang="en-US" sz="3200" dirty="0"/>
+            <a:endParaRPr kumimoji="1" lang="ja-JP" altLang="en-US" sz="2800" dirty="0"/>
+          </a:p>
+        </p:txBody>
+      </p:sp>
+      <p:sp>
+        <p:nvSpPr>
+          <p:cNvPr id="29" name="円弧 28"/>
+          <p:cNvSpPr/>
+          <p:nvPr/>
+        </p:nvSpPr>
+        <p:spPr>
+          <a:xfrm>
+            <a:off x="2129406" y="2259011"/>
+            <a:ext cx="4746016" cy="1524000"/>
+          </a:xfrm>
+          <a:prstGeom prst="arc">
+            <a:avLst>
+              <a:gd name="adj1" fmla="val 589712"/>
+              <a:gd name="adj2" fmla="val 10293142"/>
+            </a:avLst>
+          </a:prstGeom>
+          <a:ln w="25400">
+            <a:solidFill>
+              <a:srgbClr val="C00000"/>
+            </a:solidFill>
+            <a:tailEnd type="stealth"/>
+          </a:ln>
+        </p:spPr>
+        <p:style>
+          <a:lnRef idx="1">
+            <a:schemeClr val="accent1"/>
+          </a:lnRef>
+          <a:fillRef idx="0">
+            <a:schemeClr val="accent1"/>
+          </a:fillRef>
+          <a:effectRef idx="0">
+            <a:schemeClr val="accent1"/>
+          </a:effectRef>
+          <a:fontRef idx="minor">
+            <a:schemeClr val="tx1"/>
+          </a:fontRef>
+        </p:style>
+        <p:txBody>
+          <a:bodyPr rtlCol="0" anchor="ctr"/>
+          <a:lstStyle/>
+          <a:p>
+            <a:pPr algn="ctr"/>
+            <a:endParaRPr kumimoji="1" lang="ja-JP" altLang="en-US"/>
+          </a:p>
+        </p:txBody>
+      </p:sp>
+      <p:sp>
+        <p:nvSpPr>
+          <p:cNvPr id="30" name="テキスト ボックス 29"/>
+          <p:cNvSpPr txBox="1"/>
+          <p:nvPr/>
+        </p:nvSpPr>
+        <p:spPr>
+          <a:xfrm>
+            <a:off x="2789157" y="3829304"/>
+            <a:ext cx="1031562" cy="523220"/>
+          </a:xfrm>
+          <a:prstGeom prst="rect">
+            <a:avLst/>
+          </a:prstGeom>
+          <a:noFill/>
+        </p:spPr>
+        <p:txBody>
+          <a:bodyPr wrap="square" rtlCol="0">
+            <a:spAutoFit/>
+          </a:bodyPr>
+          <a:lstStyle/>
+          <a:p>
+            <a:r>
+              <a:rPr kumimoji="1" lang="ja-JP" altLang="en-US" sz="2800" dirty="0" smtClean="0"/>
+              <a:t>承認</a:t>
+            </a:r>
+            <a:endParaRPr kumimoji="1" lang="ja-JP" altLang="en-US" sz="2800" dirty="0"/>
           </a:p>
         </p:txBody>
       </p:sp>
     </p:spTree>
     <p:extLst>
       <p:ext uri="{BB962C8B-B14F-4D97-AF65-F5344CB8AC3E}">
-        <p14:creationId xmlns:p14="http://schemas.microsoft.com/office/powerpoint/2010/main" val="3875861879"/>
+        <p14:creationId xmlns:p14="http://schemas.microsoft.com/office/powerpoint/2010/main" val="4048000036"/>
       </p:ext>
     </p:extLst>
   </p:cSld>

--- a/design/Webアプリケーションシステム.pptx
+++ b/design/Webアプリケーションシステム.pptx
@@ -108,6 +108,11 @@
       </a:defRPr>
     </a:lvl9pPr>
   </p:defaultTextStyle>
+  <p:extLst>
+    <p:ext uri="{EFAFB233-063F-42B5-8137-9DF3F51BA10A}">
+      <p15:sldGuideLst xmlns:p15="http://schemas.microsoft.com/office/powerpoint/2012/main"/>
+    </p:ext>
+  </p:extLst>
 </p:presentation>
 </file>
 
@@ -4942,6 +4947,72 @@
           </a:p>
         </p:txBody>
       </p:sp>
+      <p:sp>
+        <p:nvSpPr>
+          <p:cNvPr id="3" name="テキスト ボックス 2"/>
+          <p:cNvSpPr txBox="1"/>
+          <p:nvPr/>
+        </p:nvSpPr>
+        <p:spPr>
+          <a:xfrm>
+            <a:off x="405186" y="5114511"/>
+            <a:ext cx="3515919" cy="1015663"/>
+          </a:xfrm>
+          <a:prstGeom prst="rect">
+            <a:avLst/>
+          </a:prstGeom>
+          <a:noFill/>
+        </p:spPr>
+        <p:txBody>
+          <a:bodyPr wrap="square" rtlCol="0">
+            <a:spAutoFit/>
+          </a:bodyPr>
+          <a:lstStyle/>
+          <a:p>
+            <a:r>
+              <a:rPr kumimoji="1" lang="ja-JP" altLang="en-US" sz="2000" dirty="0" smtClean="0"/>
+              <a:t>ここを傍受されたら勝手にログインされる気が・・・・・（認証なしログインをされる危険がある）</a:t>
+            </a:r>
+            <a:endParaRPr kumimoji="1" lang="ja-JP" altLang="en-US" sz="2000" dirty="0"/>
+          </a:p>
+        </p:txBody>
+      </p:sp>
+      <p:cxnSp>
+        <p:nvCxnSpPr>
+          <p:cNvPr id="5" name="直線矢印コネクタ 4"/>
+          <p:cNvCxnSpPr/>
+          <p:nvPr/>
+        </p:nvCxnSpPr>
+        <p:spPr>
+          <a:xfrm flipV="1">
+            <a:off x="2620634" y="4352524"/>
+            <a:ext cx="356251" cy="585236"/>
+          </a:xfrm>
+          <a:prstGeom prst="straightConnector1">
+            <a:avLst/>
+          </a:prstGeom>
+          <a:ln w="25400">
+            <a:solidFill>
+              <a:srgbClr val="0070C0"/>
+            </a:solidFill>
+            <a:tailEnd type="triangle"/>
+          </a:ln>
+        </p:spPr>
+        <p:style>
+          <a:lnRef idx="1">
+            <a:schemeClr val="accent1"/>
+          </a:lnRef>
+          <a:fillRef idx="0">
+            <a:schemeClr val="accent1"/>
+          </a:fillRef>
+          <a:effectRef idx="0">
+            <a:schemeClr val="accent1"/>
+          </a:effectRef>
+          <a:fontRef idx="minor">
+            <a:schemeClr val="tx1"/>
+          </a:fontRef>
+        </p:style>
+      </p:cxnSp>
     </p:spTree>
     <p:extLst>
       <p:ext uri="{BB962C8B-B14F-4D97-AF65-F5344CB8AC3E}">

--- a/design/Webアプリケーションシステム.pptx
+++ b/design/Webアプリケーションシステム.pptx
@@ -5,11 +5,12 @@
     <p:sldMasterId id="2147483648" r:id="rId1"/>
   </p:sldMasterIdLst>
   <p:notesMasterIdLst>
-    <p:notesMasterId r:id="rId4"/>
+    <p:notesMasterId r:id="rId5"/>
   </p:notesMasterIdLst>
   <p:sldIdLst>
     <p:sldId id="256" r:id="rId2"/>
-    <p:sldId id="258" r:id="rId3"/>
+    <p:sldId id="259" r:id="rId3"/>
+    <p:sldId id="258" r:id="rId4"/>
   </p:sldIdLst>
   <p:sldSz cx="12192000" cy="6858000"/>
   <p:notesSz cx="6858000" cy="9144000"/>
@@ -198,7 +199,7 @@
           <a:p>
             <a:fld id="{D69DC826-EC42-4CF3-9404-97187E0C6B30}" type="datetimeFigureOut">
               <a:rPr kumimoji="1" lang="ja-JP" altLang="en-US" smtClean="0"/>
-              <a:t>2013/12/29</a:t>
+              <a:t>2013/12/30</a:t>
             </a:fld>
             <a:endParaRPr kumimoji="1" lang="ja-JP" altLang="en-US"/>
           </a:p>
@@ -670,6 +671,120 @@
           <a:lstStyle/>
           <a:p>
             <a:r>
+              <a:rPr kumimoji="1" lang="en-US" altLang="ja-JP" dirty="0" smtClean="0"/>
+              <a:t>PHP</a:t>
+            </a:r>
+            <a:r>
+              <a:rPr kumimoji="1" lang="ja-JP" altLang="en-US" dirty="0" smtClean="0"/>
+              <a:t>のセッション機能を使うとデータはサーバー側で持っているため、ユーザー側で色々いじられることを防げる。</a:t>
+            </a:r>
+            <a:endParaRPr kumimoji="1" lang="en-US" altLang="ja-JP" dirty="0" smtClean="0"/>
+          </a:p>
+          <a:p>
+            <a:r>
+              <a:rPr kumimoji="1" lang="ja-JP" altLang="en-US" dirty="0" smtClean="0"/>
+              <a:t>ユーザー側でいじれた場合、例えば会員番号を適当な数を入れればその番号の会員に入れてしまう可能性がある（認証なしログイン</a:t>
+            </a:r>
+            <a:r>
+              <a:rPr kumimoji="1" lang="en-US" altLang="ja-JP" dirty="0" smtClean="0"/>
+              <a:t>)</a:t>
+            </a:r>
+            <a:r>
+              <a:rPr kumimoji="1" lang="ja-JP" altLang="en-US" dirty="0" err="1" smtClean="0"/>
+              <a:t>。</a:t>
+            </a:r>
+            <a:endParaRPr kumimoji="1" lang="en-US" altLang="ja-JP" dirty="0" smtClean="0"/>
+          </a:p>
+          <a:p>
+            <a:r>
+              <a:rPr kumimoji="1" lang="ja-JP" altLang="en-US" smtClean="0"/>
+              <a:t>元々自動ログインとして考えていたが、そのまま普通のログインシステムでも使えそう。</a:t>
+            </a:r>
+            <a:endParaRPr kumimoji="1" lang="ja-JP" altLang="en-US"/>
+          </a:p>
+        </p:txBody>
+      </p:sp>
+      <p:sp>
+        <p:nvSpPr>
+          <p:cNvPr id="4" name="スライド番号プレースホルダー 3"/>
+          <p:cNvSpPr>
+            <a:spLocks noGrp="1"/>
+          </p:cNvSpPr>
+          <p:nvPr>
+            <p:ph type="sldNum" sz="quarter" idx="10"/>
+          </p:nvPr>
+        </p:nvSpPr>
+        <p:spPr/>
+        <p:txBody>
+          <a:bodyPr/>
+          <a:lstStyle/>
+          <a:p>
+            <a:fld id="{A8862BAD-2502-446F-B5D0-7AFF7B587C61}" type="slidenum">
+              <a:rPr kumimoji="1" lang="ja-JP" altLang="en-US" smtClean="0"/>
+              <a:t>2</a:t>
+            </a:fld>
+            <a:endParaRPr kumimoji="1" lang="ja-JP" altLang="en-US"/>
+          </a:p>
+        </p:txBody>
+      </p:sp>
+    </p:spTree>
+    <p:extLst>
+      <p:ext uri="{BB962C8B-B14F-4D97-AF65-F5344CB8AC3E}">
+        <p14:creationId xmlns:p14="http://schemas.microsoft.com/office/powerpoint/2010/main" val="1415947574"/>
+      </p:ext>
+    </p:extLst>
+  </p:cSld>
+  <p:clrMapOvr>
+    <a:masterClrMapping/>
+  </p:clrMapOvr>
+</p:notes>
+</file>
+
+<file path=ppt/notesSlides/notesSlide3.xml><?xml version="1.0" encoding="utf-8"?>
+<p:notes xmlns:a="http://schemas.openxmlformats.org/drawingml/2006/main" xmlns:r="http://schemas.openxmlformats.org/officeDocument/2006/relationships" xmlns:p="http://schemas.openxmlformats.org/presentationml/2006/main">
+  <p:cSld>
+    <p:spTree>
+      <p:nvGrpSpPr>
+        <p:cNvPr id="1" name=""/>
+        <p:cNvGrpSpPr/>
+        <p:nvPr/>
+      </p:nvGrpSpPr>
+      <p:grpSpPr>
+        <a:xfrm>
+          <a:off x="0" y="0"/>
+          <a:ext cx="0" cy="0"/>
+          <a:chOff x="0" y="0"/>
+          <a:chExt cx="0" cy="0"/>
+        </a:xfrm>
+      </p:grpSpPr>
+      <p:sp>
+        <p:nvSpPr>
+          <p:cNvPr id="2" name="スライド イメージ プレースホルダー 1"/>
+          <p:cNvSpPr>
+            <a:spLocks noGrp="1" noRot="1" noChangeAspect="1"/>
+          </p:cNvSpPr>
+          <p:nvPr>
+            <p:ph type="sldImg"/>
+          </p:nvPr>
+        </p:nvSpPr>
+        <p:spPr/>
+      </p:sp>
+      <p:sp>
+        <p:nvSpPr>
+          <p:cNvPr id="3" name="ノート プレースホルダー 2"/>
+          <p:cNvSpPr>
+            <a:spLocks noGrp="1"/>
+          </p:cNvSpPr>
+          <p:nvPr>
+            <p:ph type="body" idx="1"/>
+          </p:nvPr>
+        </p:nvSpPr>
+        <p:spPr/>
+        <p:txBody>
+          <a:bodyPr/>
+          <a:lstStyle/>
+          <a:p>
+            <a:r>
               <a:rPr kumimoji="1" lang="ja-JP" altLang="en-US" dirty="0" smtClean="0"/>
               <a:t>ユーザーが入力した</a:t>
             </a:r>
@@ -748,7 +863,7 @@
           <a:p>
             <a:fld id="{A8862BAD-2502-446F-B5D0-7AFF7B587C61}" type="slidenum">
               <a:rPr kumimoji="1" lang="ja-JP" altLang="en-US" smtClean="0"/>
-              <a:t>2</a:t>
+              <a:t>3</a:t>
             </a:fld>
             <a:endParaRPr kumimoji="1" lang="ja-JP" altLang="en-US"/>
           </a:p>
@@ -898,7 +1013,7 @@
           <a:p>
             <a:fld id="{F168E968-C88F-4183-9E10-2B943E46417A}" type="datetimeFigureOut">
               <a:rPr kumimoji="1" lang="ja-JP" altLang="en-US" smtClean="0"/>
-              <a:t>2013/12/29</a:t>
+              <a:t>2013/12/30</a:t>
             </a:fld>
             <a:endParaRPr kumimoji="1" lang="ja-JP" altLang="en-US"/>
           </a:p>
@@ -1100,7 +1215,7 @@
           <a:p>
             <a:fld id="{F168E968-C88F-4183-9E10-2B943E46417A}" type="datetimeFigureOut">
               <a:rPr kumimoji="1" lang="ja-JP" altLang="en-US" smtClean="0"/>
-              <a:t>2013/12/29</a:t>
+              <a:t>2013/12/30</a:t>
             </a:fld>
             <a:endParaRPr kumimoji="1" lang="ja-JP" altLang="en-US"/>
           </a:p>
@@ -1312,7 +1427,7 @@
           <a:p>
             <a:fld id="{F168E968-C88F-4183-9E10-2B943E46417A}" type="datetimeFigureOut">
               <a:rPr kumimoji="1" lang="ja-JP" altLang="en-US" smtClean="0"/>
-              <a:t>2013/12/29</a:t>
+              <a:t>2013/12/30</a:t>
             </a:fld>
             <a:endParaRPr kumimoji="1" lang="ja-JP" altLang="en-US"/>
           </a:p>
@@ -1514,7 +1629,7 @@
           <a:p>
             <a:fld id="{F168E968-C88F-4183-9E10-2B943E46417A}" type="datetimeFigureOut">
               <a:rPr kumimoji="1" lang="ja-JP" altLang="en-US" smtClean="0"/>
-              <a:t>2013/12/29</a:t>
+              <a:t>2013/12/30</a:t>
             </a:fld>
             <a:endParaRPr kumimoji="1" lang="ja-JP" altLang="en-US"/>
           </a:p>
@@ -1760,7 +1875,7 @@
           <a:p>
             <a:fld id="{F168E968-C88F-4183-9E10-2B943E46417A}" type="datetimeFigureOut">
               <a:rPr kumimoji="1" lang="ja-JP" altLang="en-US" smtClean="0"/>
-              <a:t>2013/12/29</a:t>
+              <a:t>2013/12/30</a:t>
             </a:fld>
             <a:endParaRPr kumimoji="1" lang="ja-JP" altLang="en-US"/>
           </a:p>
@@ -2056,7 +2171,7 @@
           <a:p>
             <a:fld id="{F168E968-C88F-4183-9E10-2B943E46417A}" type="datetimeFigureOut">
               <a:rPr kumimoji="1" lang="ja-JP" altLang="en-US" smtClean="0"/>
-              <a:t>2013/12/29</a:t>
+              <a:t>2013/12/30</a:t>
             </a:fld>
             <a:endParaRPr kumimoji="1" lang="ja-JP" altLang="en-US"/>
           </a:p>
@@ -2487,7 +2602,7 @@
           <a:p>
             <a:fld id="{F168E968-C88F-4183-9E10-2B943E46417A}" type="datetimeFigureOut">
               <a:rPr kumimoji="1" lang="ja-JP" altLang="en-US" smtClean="0"/>
-              <a:t>2013/12/29</a:t>
+              <a:t>2013/12/30</a:t>
             </a:fld>
             <a:endParaRPr kumimoji="1" lang="ja-JP" altLang="en-US"/>
           </a:p>
@@ -2605,7 +2720,7 @@
           <a:p>
             <a:fld id="{F168E968-C88F-4183-9E10-2B943E46417A}" type="datetimeFigureOut">
               <a:rPr kumimoji="1" lang="ja-JP" altLang="en-US" smtClean="0"/>
-              <a:t>2013/12/29</a:t>
+              <a:t>2013/12/30</a:t>
             </a:fld>
             <a:endParaRPr kumimoji="1" lang="ja-JP" altLang="en-US"/>
           </a:p>
@@ -2700,7 +2815,7 @@
           <a:p>
             <a:fld id="{F168E968-C88F-4183-9E10-2B943E46417A}" type="datetimeFigureOut">
               <a:rPr kumimoji="1" lang="ja-JP" altLang="en-US" smtClean="0"/>
-              <a:t>2013/12/29</a:t>
+              <a:t>2013/12/30</a:t>
             </a:fld>
             <a:endParaRPr kumimoji="1" lang="ja-JP" altLang="en-US"/>
           </a:p>
@@ -3009,7 +3124,7 @@
           <a:p>
             <a:fld id="{F168E968-C88F-4183-9E10-2B943E46417A}" type="datetimeFigureOut">
               <a:rPr kumimoji="1" lang="ja-JP" altLang="en-US" smtClean="0"/>
-              <a:t>2013/12/29</a:t>
+              <a:t>2013/12/30</a:t>
             </a:fld>
             <a:endParaRPr kumimoji="1" lang="ja-JP" altLang="en-US"/>
           </a:p>
@@ -3262,7 +3377,7 @@
           <a:p>
             <a:fld id="{F168E968-C88F-4183-9E10-2B943E46417A}" type="datetimeFigureOut">
               <a:rPr kumimoji="1" lang="ja-JP" altLang="en-US" smtClean="0"/>
-              <a:t>2013/12/29</a:t>
+              <a:t>2013/12/30</a:t>
             </a:fld>
             <a:endParaRPr kumimoji="1" lang="ja-JP" altLang="en-US"/>
           </a:p>
@@ -3507,7 +3622,7 @@
           <a:p>
             <a:fld id="{F168E968-C88F-4183-9E10-2B943E46417A}" type="datetimeFigureOut">
               <a:rPr kumimoji="1" lang="ja-JP" altLang="en-US" smtClean="0"/>
-              <a:t>2013/12/29</a:t>
+              <a:t>2013/12/30</a:t>
             </a:fld>
             <a:endParaRPr kumimoji="1" lang="ja-JP" altLang="en-US"/>
           </a:p>
@@ -4379,6 +4494,335 @@
 </file>
 
 <file path=ppt/slides/slide2.xml><?xml version="1.0" encoding="utf-8"?>
+<p:sld xmlns:a="http://schemas.openxmlformats.org/drawingml/2006/main" xmlns:r="http://schemas.openxmlformats.org/officeDocument/2006/relationships" xmlns:p="http://schemas.openxmlformats.org/presentationml/2006/main">
+  <p:cSld>
+    <p:spTree>
+      <p:nvGrpSpPr>
+        <p:cNvPr id="1" name=""/>
+        <p:cNvGrpSpPr/>
+        <p:nvPr/>
+      </p:nvGrpSpPr>
+      <p:grpSpPr>
+        <a:xfrm>
+          <a:off x="0" y="0"/>
+          <a:ext cx="0" cy="0"/>
+          <a:chOff x="0" y="0"/>
+          <a:chExt cx="0" cy="0"/>
+        </a:xfrm>
+      </p:grpSpPr>
+      <p:sp>
+        <p:nvSpPr>
+          <p:cNvPr id="2" name="テキスト ボックス 1"/>
+          <p:cNvSpPr txBox="1"/>
+          <p:nvPr/>
+        </p:nvSpPr>
+        <p:spPr>
+          <a:xfrm>
+            <a:off x="2601962" y="197906"/>
+            <a:ext cx="6968758" cy="769441"/>
+          </a:xfrm>
+          <a:prstGeom prst="rect">
+            <a:avLst/>
+          </a:prstGeom>
+          <a:noFill/>
+        </p:spPr>
+        <p:txBody>
+          <a:bodyPr wrap="square" rtlCol="0">
+            <a:spAutoFit/>
+          </a:bodyPr>
+          <a:lstStyle/>
+          <a:p>
+            <a:pPr algn="ctr"/>
+            <a:r>
+              <a:rPr lang="en-US" altLang="ja-JP" sz="4400" b="1" dirty="0" smtClean="0">
+                <a:solidFill>
+                  <a:srgbClr val="7030A0"/>
+                </a:solidFill>
+              </a:rPr>
+              <a:t>1</a:t>
+            </a:r>
+            <a:r>
+              <a:rPr lang="ja-JP" altLang="en-US" sz="4400" b="1" dirty="0" smtClean="0">
+                <a:solidFill>
+                  <a:srgbClr val="7030A0"/>
+                </a:solidFill>
+              </a:rPr>
+              <a:t>週間自動ログインシステム</a:t>
+            </a:r>
+            <a:endParaRPr kumimoji="1" lang="ja-JP" altLang="en-US" sz="4400" b="1" dirty="0">
+              <a:solidFill>
+                <a:srgbClr val="7030A0"/>
+              </a:solidFill>
+            </a:endParaRPr>
+          </a:p>
+        </p:txBody>
+      </p:sp>
+      <p:sp>
+        <p:nvSpPr>
+          <p:cNvPr id="3" name="テキスト ボックス 2"/>
+          <p:cNvSpPr txBox="1"/>
+          <p:nvPr/>
+        </p:nvSpPr>
+        <p:spPr>
+          <a:xfrm>
+            <a:off x="3199544" y="2930533"/>
+            <a:ext cx="1638384" cy="523220"/>
+          </a:xfrm>
+          <a:prstGeom prst="rect">
+            <a:avLst/>
+          </a:prstGeom>
+          <a:noFill/>
+          <a:ln>
+            <a:solidFill>
+              <a:schemeClr val="tx1"/>
+            </a:solidFill>
+          </a:ln>
+        </p:spPr>
+        <p:txBody>
+          <a:bodyPr wrap="square" rtlCol="0">
+            <a:spAutoFit/>
+          </a:bodyPr>
+          <a:lstStyle/>
+          <a:p>
+            <a:pPr algn="ctr"/>
+            <a:r>
+              <a:rPr kumimoji="1" lang="ja-JP" altLang="en-US" sz="2800" dirty="0" smtClean="0"/>
+              <a:t>ユーザー</a:t>
+            </a:r>
+            <a:endParaRPr kumimoji="1" lang="ja-JP" altLang="en-US" sz="2800" dirty="0"/>
+          </a:p>
+        </p:txBody>
+      </p:sp>
+      <p:cxnSp>
+        <p:nvCxnSpPr>
+          <p:cNvPr id="4" name="直線矢印コネクタ 3"/>
+          <p:cNvCxnSpPr/>
+          <p:nvPr/>
+        </p:nvCxnSpPr>
+        <p:spPr>
+          <a:xfrm flipV="1">
+            <a:off x="5225370" y="3096391"/>
+            <a:ext cx="1477983" cy="4313"/>
+          </a:xfrm>
+          <a:prstGeom prst="straightConnector1">
+            <a:avLst/>
+          </a:prstGeom>
+          <a:ln w="25400">
+            <a:solidFill>
+              <a:srgbClr val="00B050"/>
+            </a:solidFill>
+            <a:tailEnd type="triangle"/>
+          </a:ln>
+        </p:spPr>
+        <p:style>
+          <a:lnRef idx="1">
+            <a:schemeClr val="accent1"/>
+          </a:lnRef>
+          <a:fillRef idx="0">
+            <a:schemeClr val="accent1"/>
+          </a:fillRef>
+          <a:effectRef idx="0">
+            <a:schemeClr val="accent1"/>
+          </a:effectRef>
+          <a:fontRef idx="minor">
+            <a:schemeClr val="tx1"/>
+          </a:fontRef>
+        </p:style>
+      </p:cxnSp>
+      <p:sp>
+        <p:nvSpPr>
+          <p:cNvPr id="5" name="テキスト ボックス 4"/>
+          <p:cNvSpPr txBox="1"/>
+          <p:nvPr/>
+        </p:nvSpPr>
+        <p:spPr>
+          <a:xfrm>
+            <a:off x="5429057" y="1820164"/>
+            <a:ext cx="1070609" cy="1077218"/>
+          </a:xfrm>
+          <a:prstGeom prst="rect">
+            <a:avLst/>
+          </a:prstGeom>
+          <a:noFill/>
+        </p:spPr>
+        <p:txBody>
+          <a:bodyPr wrap="square" rtlCol="0">
+            <a:spAutoFit/>
+          </a:bodyPr>
+          <a:lstStyle/>
+          <a:p>
+            <a:r>
+              <a:rPr kumimoji="1" lang="en-US" altLang="ja-JP" sz="3200" dirty="0" smtClean="0"/>
+              <a:t>ID</a:t>
+            </a:r>
+          </a:p>
+          <a:p>
+            <a:r>
+              <a:rPr lang="en-US" altLang="ja-JP" sz="3200" dirty="0" smtClean="0"/>
+              <a:t>PW</a:t>
+            </a:r>
+            <a:endParaRPr kumimoji="1" lang="ja-JP" altLang="en-US" sz="3200" dirty="0"/>
+          </a:p>
+        </p:txBody>
+      </p:sp>
+      <p:sp>
+        <p:nvSpPr>
+          <p:cNvPr id="9" name="テキスト ボックス 8"/>
+          <p:cNvSpPr txBox="1"/>
+          <p:nvPr/>
+        </p:nvSpPr>
+        <p:spPr>
+          <a:xfrm>
+            <a:off x="7090793" y="2914404"/>
+            <a:ext cx="1204454" cy="584775"/>
+          </a:xfrm>
+          <a:prstGeom prst="rect">
+            <a:avLst/>
+          </a:prstGeom>
+          <a:noFill/>
+          <a:ln>
+            <a:solidFill>
+              <a:schemeClr val="tx1"/>
+            </a:solidFill>
+          </a:ln>
+        </p:spPr>
+        <p:txBody>
+          <a:bodyPr wrap="square" rtlCol="0">
+            <a:spAutoFit/>
+          </a:bodyPr>
+          <a:lstStyle/>
+          <a:p>
+            <a:pPr algn="ctr"/>
+            <a:r>
+              <a:rPr kumimoji="1" lang="en-US" altLang="ja-JP" sz="3200" dirty="0" smtClean="0"/>
+              <a:t>PHP</a:t>
+            </a:r>
+            <a:endParaRPr kumimoji="1" lang="ja-JP" altLang="en-US" sz="3200" dirty="0"/>
+          </a:p>
+        </p:txBody>
+      </p:sp>
+      <p:cxnSp>
+        <p:nvCxnSpPr>
+          <p:cNvPr id="16" name="直線矢印コネクタ 15"/>
+          <p:cNvCxnSpPr/>
+          <p:nvPr/>
+        </p:nvCxnSpPr>
+        <p:spPr>
+          <a:xfrm flipH="1">
+            <a:off x="5225369" y="3387348"/>
+            <a:ext cx="1477983" cy="0"/>
+          </a:xfrm>
+          <a:prstGeom prst="straightConnector1">
+            <a:avLst/>
+          </a:prstGeom>
+          <a:ln w="25400">
+            <a:solidFill>
+              <a:srgbClr val="C00000"/>
+            </a:solidFill>
+            <a:tailEnd type="triangle"/>
+          </a:ln>
+        </p:spPr>
+        <p:style>
+          <a:lnRef idx="1">
+            <a:schemeClr val="accent1"/>
+          </a:lnRef>
+          <a:fillRef idx="0">
+            <a:schemeClr val="accent1"/>
+          </a:fillRef>
+          <a:effectRef idx="0">
+            <a:schemeClr val="accent1"/>
+          </a:effectRef>
+          <a:fontRef idx="minor">
+            <a:schemeClr val="tx1"/>
+          </a:fontRef>
+        </p:style>
+      </p:cxnSp>
+      <p:sp>
+        <p:nvSpPr>
+          <p:cNvPr id="20" name="テキスト ボックス 19"/>
+          <p:cNvSpPr txBox="1"/>
+          <p:nvPr/>
+        </p:nvSpPr>
+        <p:spPr>
+          <a:xfrm>
+            <a:off x="4989915" y="3673993"/>
+            <a:ext cx="2150791" cy="523220"/>
+          </a:xfrm>
+          <a:prstGeom prst="rect">
+            <a:avLst/>
+          </a:prstGeom>
+          <a:noFill/>
+        </p:spPr>
+        <p:txBody>
+          <a:bodyPr wrap="square" rtlCol="0">
+            <a:spAutoFit/>
+          </a:bodyPr>
+          <a:lstStyle/>
+          <a:p>
+            <a:r>
+              <a:rPr kumimoji="1" lang="ja-JP" altLang="en-US" sz="2800" dirty="0" smtClean="0"/>
+              <a:t>セッション</a:t>
+            </a:r>
+            <a:r>
+              <a:rPr kumimoji="1" lang="en-US" altLang="ja-JP" sz="2800" dirty="0" smtClean="0"/>
+              <a:t>ID</a:t>
+            </a:r>
+            <a:endParaRPr kumimoji="1" lang="ja-JP" altLang="en-US" sz="2800" dirty="0"/>
+          </a:p>
+        </p:txBody>
+      </p:sp>
+      <p:sp>
+        <p:nvSpPr>
+          <p:cNvPr id="21" name="テキスト ボックス 20"/>
+          <p:cNvSpPr txBox="1"/>
+          <p:nvPr/>
+        </p:nvSpPr>
+        <p:spPr>
+          <a:xfrm>
+            <a:off x="7807567" y="3673993"/>
+            <a:ext cx="2784233" cy="1384995"/>
+          </a:xfrm>
+          <a:prstGeom prst="rect">
+            <a:avLst/>
+          </a:prstGeom>
+          <a:noFill/>
+        </p:spPr>
+        <p:txBody>
+          <a:bodyPr wrap="square" rtlCol="0">
+            <a:spAutoFit/>
+          </a:bodyPr>
+          <a:lstStyle/>
+          <a:p>
+            <a:r>
+              <a:rPr kumimoji="1" lang="ja-JP" altLang="en-US" sz="2800" dirty="0" smtClean="0"/>
+              <a:t>セッション</a:t>
+            </a:r>
+            <a:r>
+              <a:rPr kumimoji="1" lang="en-US" altLang="ja-JP" sz="2800" dirty="0" smtClean="0"/>
+              <a:t>ID</a:t>
+            </a:r>
+            <a:r>
+              <a:rPr kumimoji="1" lang="ja-JP" altLang="en-US" sz="2800" dirty="0" smtClean="0"/>
+              <a:t>に対する会員番号を保持</a:t>
+            </a:r>
+            <a:endParaRPr kumimoji="1" lang="ja-JP" altLang="en-US" sz="2800" dirty="0"/>
+          </a:p>
+        </p:txBody>
+      </p:sp>
+    </p:spTree>
+    <p:extLst>
+      <p:ext uri="{BB962C8B-B14F-4D97-AF65-F5344CB8AC3E}">
+        <p14:creationId xmlns:p14="http://schemas.microsoft.com/office/powerpoint/2010/main" val="2520671165"/>
+      </p:ext>
+    </p:extLst>
+  </p:cSld>
+  <p:clrMapOvr>
+    <a:masterClrMapping/>
+  </p:clrMapOvr>
+</p:sld>
+</file>
+
+<file path=ppt/slides/slide3.xml><?xml version="1.0" encoding="utf-8"?>
 <p:sld xmlns:a="http://schemas.openxmlformats.org/drawingml/2006/main" xmlns:r="http://schemas.openxmlformats.org/officeDocument/2006/relationships" xmlns:p="http://schemas.openxmlformats.org/presentationml/2006/main">
   <p:cSld>
     <p:spTree>

--- a/design/Webアプリケーションシステム.pptx
+++ b/design/Webアプリケーションシステム.pptx
@@ -5,12 +5,14 @@
     <p:sldMasterId id="2147483648" r:id="rId1"/>
   </p:sldMasterIdLst>
   <p:notesMasterIdLst>
-    <p:notesMasterId r:id="rId5"/>
+    <p:notesMasterId r:id="rId7"/>
   </p:notesMasterIdLst>
   <p:sldIdLst>
     <p:sldId id="256" r:id="rId2"/>
-    <p:sldId id="259" r:id="rId3"/>
-    <p:sldId id="258" r:id="rId4"/>
+    <p:sldId id="260" r:id="rId3"/>
+    <p:sldId id="259" r:id="rId4"/>
+    <p:sldId id="258" r:id="rId5"/>
+    <p:sldId id="261" r:id="rId6"/>
   </p:sldIdLst>
   <p:sldSz cx="12192000" cy="6858000"/>
   <p:notesSz cx="6858000" cy="9144000"/>
@@ -553,11 +555,15 @@
             </a:r>
             <a:r>
               <a:rPr kumimoji="1" lang="en-US" altLang="ja-JP" dirty="0" smtClean="0"/>
-              <a:t>HASH</a:t>
+              <a:t>HASH(SHA1)</a:t>
             </a:r>
             <a:r>
               <a:rPr kumimoji="1" lang="ja-JP" altLang="en-US" dirty="0" smtClean="0"/>
-              <a:t>を使って暗号化させて送信し、</a:t>
+              <a:t>を</a:t>
+            </a:r>
+            <a:r>
+              <a:rPr kumimoji="1" lang="ja-JP" altLang="en-US" dirty="0" smtClean="0"/>
+              <a:t>使って暗号化させて送信し、</a:t>
             </a:r>
             <a:r>
               <a:rPr kumimoji="1" lang="en-US" altLang="ja-JP" dirty="0" smtClean="0"/>
@@ -697,10 +703,10 @@
           </a:p>
           <a:p>
             <a:r>
-              <a:rPr kumimoji="1" lang="ja-JP" altLang="en-US" smtClean="0"/>
+              <a:rPr kumimoji="1" lang="ja-JP" altLang="en-US" dirty="0" smtClean="0"/>
               <a:t>元々自動ログインとして考えていたが、そのまま普通のログインシステムでも使えそう。</a:t>
             </a:r>
-            <a:endParaRPr kumimoji="1" lang="ja-JP" altLang="en-US"/>
+            <a:endParaRPr kumimoji="1" lang="ja-JP" altLang="en-US" dirty="0"/>
           </a:p>
         </p:txBody>
       </p:sp>
@@ -721,7 +727,7 @@
           <a:p>
             <a:fld id="{A8862BAD-2502-446F-B5D0-7AFF7B587C61}" type="slidenum">
               <a:rPr kumimoji="1" lang="ja-JP" altLang="en-US" smtClean="0"/>
-              <a:t>2</a:t>
+              <a:t>3</a:t>
             </a:fld>
             <a:endParaRPr kumimoji="1" lang="ja-JP" altLang="en-US"/>
           </a:p>
@@ -797,12 +803,16 @@
               <a:t>を</a:t>
             </a:r>
             <a:r>
-              <a:rPr kumimoji="1" lang="en-US" altLang="ja-JP" dirty="0" smtClean="0"/>
-              <a:t>HASH</a:t>
+              <a:rPr kumimoji="1" lang="en-US" altLang="ja-JP" smtClean="0"/>
+              <a:t>HASH(SHA1)</a:t>
+            </a:r>
+            <a:r>
+              <a:rPr kumimoji="1" lang="ja-JP" altLang="en-US" smtClean="0"/>
+              <a:t>で</a:t>
             </a:r>
             <a:r>
               <a:rPr kumimoji="1" lang="ja-JP" altLang="en-US" dirty="0" smtClean="0"/>
-              <a:t>で暗号化して、そのまま暗号化してある</a:t>
+              <a:t>暗号化して、そのまま暗号化してある</a:t>
             </a:r>
             <a:r>
               <a:rPr kumimoji="1" lang="en-US" altLang="ja-JP" dirty="0" smtClean="0"/>
@@ -863,7 +873,7 @@
           <a:p>
             <a:fld id="{A8862BAD-2502-446F-B5D0-7AFF7B587C61}" type="slidenum">
               <a:rPr kumimoji="1" lang="ja-JP" altLang="en-US" smtClean="0"/>
-              <a:t>3</a:t>
+              <a:t>4</a:t>
             </a:fld>
             <a:endParaRPr kumimoji="1" lang="ja-JP" altLang="en-US"/>
           </a:p>
@@ -4518,8 +4528,8 @@
         </p:nvSpPr>
         <p:spPr>
           <a:xfrm>
-            <a:off x="2601962" y="197906"/>
-            <a:ext cx="6968758" cy="769441"/>
+            <a:off x="3122236" y="214644"/>
+            <a:ext cx="5551438" cy="769441"/>
           </a:xfrm>
           <a:prstGeom prst="rect">
             <a:avLst/>
@@ -4533,13 +4543,29 @@
           <a:lstStyle/>
           <a:p>
             <a:pPr algn="ctr"/>
+            <a:r>
+              <a:rPr lang="ja-JP" altLang="en-US" sz="4400" b="1" dirty="0" smtClean="0">
+                <a:solidFill>
+                  <a:srgbClr val="7030A0"/>
+                </a:solidFill>
+              </a:rPr>
+              <a:t>会員登録</a:t>
+            </a:r>
+            <a:r>
+              <a:rPr lang="ja-JP" altLang="en-US" sz="4400" b="1" dirty="0" smtClean="0">
+                <a:solidFill>
+                  <a:srgbClr val="7030A0"/>
+                </a:solidFill>
+              </a:rPr>
+              <a:t>システム</a:t>
+            </a:r>
             <a:r>
               <a:rPr lang="en-US" altLang="ja-JP" sz="4400" b="1" dirty="0" smtClean="0">
                 <a:solidFill>
                   <a:srgbClr val="7030A0"/>
                 </a:solidFill>
               </a:rPr>
-              <a:t>1</a:t>
+              <a:t>(</a:t>
             </a:r>
             <a:r>
               <a:rPr lang="ja-JP" altLang="en-US" sz="4400" b="1" dirty="0" smtClean="0">
@@ -4547,7 +4573,15 @@
                   <a:srgbClr val="7030A0"/>
                 </a:solidFill>
               </a:rPr>
-              <a:t>週間自動ログインシステム</a:t>
+              <a:t>例</a:t>
+            </a:r>
+            <a:r>
+              <a:rPr lang="en-US" altLang="ja-JP" sz="4400" b="1" dirty="0" smtClean="0">
+                <a:solidFill>
+                  <a:srgbClr val="7030A0"/>
+                </a:solidFill>
+              </a:rPr>
+              <a:t>)</a:t>
             </a:r>
             <a:endParaRPr kumimoji="1" lang="ja-JP" altLang="en-US" sz="4400" b="1" dirty="0">
               <a:solidFill>
@@ -4565,7 +4599,7 @@
         </p:nvSpPr>
         <p:spPr>
           <a:xfrm>
-            <a:off x="3199544" y="2930533"/>
+            <a:off x="368396" y="3285408"/>
             <a:ext cx="1638384" cy="523220"/>
           </a:xfrm>
           <a:prstGeom prst="rect">
@@ -4600,9 +4634,9 @@
           <p:nvPr/>
         </p:nvCxnSpPr>
         <p:spPr>
-          <a:xfrm flipV="1">
-            <a:off x="5225370" y="3096391"/>
-            <a:ext cx="1477983" cy="4313"/>
+          <a:xfrm>
+            <a:off x="2141758" y="3547018"/>
+            <a:ext cx="712501" cy="0"/>
           </a:xfrm>
           <a:prstGeom prst="straightConnector1">
             <a:avLst/>
@@ -4637,8 +4671,8 @@
         </p:nvSpPr>
         <p:spPr>
           <a:xfrm>
-            <a:off x="5429057" y="1820164"/>
-            <a:ext cx="1070609" cy="1077218"/>
+            <a:off x="1497979" y="2056978"/>
+            <a:ext cx="2600386" cy="1077218"/>
           </a:xfrm>
           <a:prstGeom prst="rect">
             <a:avLst/>
@@ -4652,14 +4686,15 @@
           <a:lstStyle/>
           <a:p>
             <a:r>
-              <a:rPr kumimoji="1" lang="en-US" altLang="ja-JP" sz="3200" dirty="0" smtClean="0"/>
-              <a:t>ID</a:t>
-            </a:r>
-          </a:p>
-          <a:p>
-            <a:r>
-              <a:rPr lang="en-US" altLang="ja-JP" sz="3200" dirty="0" smtClean="0"/>
-              <a:t>PW</a:t>
+              <a:rPr kumimoji="1" lang="en-US" altLang="ja-JP" sz="3200" dirty="0" err="1" smtClean="0"/>
+              <a:t>ID:hirose</a:t>
+            </a:r>
+            <a:endParaRPr kumimoji="1" lang="en-US" altLang="ja-JP" sz="3200" dirty="0" smtClean="0"/>
+          </a:p>
+          <a:p>
+            <a:r>
+              <a:rPr lang="en-US" altLang="ja-JP" sz="3200" dirty="0" err="1" smtClean="0"/>
+              <a:t>PW:hirose</a:t>
             </a:r>
             <a:endParaRPr kumimoji="1" lang="ja-JP" altLang="en-US" sz="3200" dirty="0"/>
           </a:p>
@@ -4667,14 +4702,14 @@
       </p:sp>
       <p:sp>
         <p:nvSpPr>
-          <p:cNvPr id="9" name="テキスト ボックス 8"/>
+          <p:cNvPr id="6" name="テキスト ボックス 5"/>
           <p:cNvSpPr txBox="1"/>
           <p:nvPr/>
         </p:nvSpPr>
         <p:spPr>
           <a:xfrm>
-            <a:off x="7090793" y="2914404"/>
-            <a:ext cx="1204454" cy="584775"/>
+            <a:off x="2999610" y="3192030"/>
+            <a:ext cx="2197511" cy="584775"/>
           </a:xfrm>
           <a:prstGeom prst="rect">
             <a:avLst/>
@@ -4694,8 +4729,8 @@
           <a:p>
             <a:pPr algn="ctr"/>
             <a:r>
-              <a:rPr kumimoji="1" lang="en-US" altLang="ja-JP" sz="3200" dirty="0" smtClean="0"/>
-              <a:t>PHP</a:t>
+              <a:rPr kumimoji="1" lang="en-US" altLang="ja-JP" sz="3200" dirty="0" err="1" smtClean="0"/>
+              <a:t>Javascript</a:t>
             </a:r>
             <a:endParaRPr kumimoji="1" lang="ja-JP" altLang="en-US" sz="3200" dirty="0"/>
           </a:p>
@@ -4703,21 +4738,21 @@
       </p:sp>
       <p:cxnSp>
         <p:nvCxnSpPr>
-          <p:cNvPr id="16" name="直線矢印コネクタ 15"/>
+          <p:cNvPr id="7" name="直線矢印コネクタ 6"/>
           <p:cNvCxnSpPr/>
           <p:nvPr/>
         </p:nvCxnSpPr>
         <p:spPr>
-          <a:xfrm flipH="1">
-            <a:off x="5225369" y="3387348"/>
-            <a:ext cx="1477983" cy="0"/>
+          <a:xfrm>
+            <a:off x="8002405" y="3516242"/>
+            <a:ext cx="1440772" cy="0"/>
           </a:xfrm>
           <a:prstGeom prst="straightConnector1">
             <a:avLst/>
           </a:prstGeom>
           <a:ln w="25400">
             <a:solidFill>
-              <a:srgbClr val="C00000"/>
+              <a:srgbClr val="00B050"/>
             </a:solidFill>
             <a:tailEnd type="triangle"/>
           </a:ln>
@@ -4739,19 +4774,24 @@
       </p:cxnSp>
       <p:sp>
         <p:nvSpPr>
-          <p:cNvPr id="20" name="テキスト ボックス 19"/>
+          <p:cNvPr id="9" name="テキスト ボックス 8"/>
           <p:cNvSpPr txBox="1"/>
           <p:nvPr/>
         </p:nvSpPr>
         <p:spPr>
           <a:xfrm>
-            <a:off x="4989915" y="3673993"/>
-            <a:ext cx="2150791" cy="523220"/>
+            <a:off x="6552491" y="3223854"/>
+            <a:ext cx="1204454" cy="584775"/>
           </a:xfrm>
           <a:prstGeom prst="rect">
             <a:avLst/>
           </a:prstGeom>
           <a:noFill/>
+          <a:ln>
+            <a:solidFill>
+              <a:schemeClr val="tx1"/>
+            </a:solidFill>
+          </a:ln>
         </p:spPr>
         <p:txBody>
           <a:bodyPr wrap="square" rtlCol="0">
@@ -4759,33 +4799,35 @@
           </a:bodyPr>
           <a:lstStyle/>
           <a:p>
-            <a:r>
-              <a:rPr kumimoji="1" lang="ja-JP" altLang="en-US" sz="2800" dirty="0" smtClean="0"/>
-              <a:t>セッション</a:t>
-            </a:r>
-            <a:r>
-              <a:rPr kumimoji="1" lang="en-US" altLang="ja-JP" sz="2800" dirty="0" smtClean="0"/>
-              <a:t>ID</a:t>
-            </a:r>
-            <a:endParaRPr kumimoji="1" lang="ja-JP" altLang="en-US" sz="2800" dirty="0"/>
-          </a:p>
-        </p:txBody>
-      </p:sp>
-      <p:sp>
-        <p:nvSpPr>
-          <p:cNvPr id="21" name="テキスト ボックス 20"/>
+            <a:pPr algn="ctr"/>
+            <a:r>
+              <a:rPr kumimoji="1" lang="en-US" altLang="ja-JP" sz="3200" dirty="0" smtClean="0"/>
+              <a:t>PHP</a:t>
+            </a:r>
+            <a:endParaRPr kumimoji="1" lang="ja-JP" altLang="en-US" sz="3200" dirty="0"/>
+          </a:p>
+        </p:txBody>
+      </p:sp>
+      <p:sp>
+        <p:nvSpPr>
+          <p:cNvPr id="10" name="テキスト ボックス 9"/>
           <p:cNvSpPr txBox="1"/>
           <p:nvPr/>
         </p:nvSpPr>
         <p:spPr>
           <a:xfrm>
-            <a:off x="7807567" y="3673993"/>
-            <a:ext cx="2784233" cy="1384995"/>
+            <a:off x="10166366" y="3223854"/>
+            <a:ext cx="1435512" cy="584775"/>
           </a:xfrm>
           <a:prstGeom prst="rect">
             <a:avLst/>
           </a:prstGeom>
           <a:noFill/>
+          <a:ln>
+            <a:solidFill>
+              <a:schemeClr val="tx1"/>
+            </a:solidFill>
+          </a:ln>
         </p:spPr>
         <p:txBody>
           <a:bodyPr wrap="square" rtlCol="0">
@@ -4793,26 +4835,432 @@
           </a:bodyPr>
           <a:lstStyle/>
           <a:p>
+            <a:pPr algn="ctr"/>
+            <a:r>
+              <a:rPr kumimoji="1" lang="en-US" altLang="ja-JP" sz="3200" dirty="0" err="1" smtClean="0"/>
+              <a:t>mySQL</a:t>
+            </a:r>
+            <a:endParaRPr kumimoji="1" lang="ja-JP" altLang="en-US" sz="3200" dirty="0"/>
+          </a:p>
+        </p:txBody>
+      </p:sp>
+      <p:cxnSp>
+        <p:nvCxnSpPr>
+          <p:cNvPr id="11" name="直線矢印コネクタ 10"/>
+          <p:cNvCxnSpPr/>
+          <p:nvPr/>
+        </p:nvCxnSpPr>
+        <p:spPr>
+          <a:xfrm flipV="1">
+            <a:off x="5488879" y="3516241"/>
+            <a:ext cx="818152" cy="3072"/>
+          </a:xfrm>
+          <a:prstGeom prst="straightConnector1">
+            <a:avLst/>
+          </a:prstGeom>
+          <a:ln w="25400">
+            <a:solidFill>
+              <a:srgbClr val="00B050"/>
+            </a:solidFill>
+            <a:tailEnd type="triangle"/>
+          </a:ln>
+        </p:spPr>
+        <p:style>
+          <a:lnRef idx="1">
+            <a:schemeClr val="accent1"/>
+          </a:lnRef>
+          <a:fillRef idx="0">
+            <a:schemeClr val="accent1"/>
+          </a:fillRef>
+          <a:effectRef idx="0">
+            <a:schemeClr val="accent1"/>
+          </a:effectRef>
+          <a:fontRef idx="minor">
+            <a:schemeClr val="tx1"/>
+          </a:fontRef>
+        </p:style>
+      </p:cxnSp>
+      <p:sp>
+        <p:nvSpPr>
+          <p:cNvPr id="12" name="テキスト ボックス 11"/>
+          <p:cNvSpPr txBox="1"/>
+          <p:nvPr/>
+        </p:nvSpPr>
+        <p:spPr>
+          <a:xfrm>
+            <a:off x="4407443" y="1421828"/>
+            <a:ext cx="2747275" cy="1692771"/>
+          </a:xfrm>
+          <a:prstGeom prst="rect">
+            <a:avLst/>
+          </a:prstGeom>
+          <a:noFill/>
+        </p:spPr>
+        <p:txBody>
+          <a:bodyPr wrap="square" rtlCol="0">
+            <a:spAutoFit/>
+          </a:bodyPr>
+          <a:lstStyle/>
+          <a:p>
+            <a:r>
+              <a:rPr kumimoji="1" lang="en-US" altLang="ja-JP" sz="3200" dirty="0" err="1" smtClean="0"/>
+              <a:t>ID:hirose</a:t>
+            </a:r>
+            <a:endParaRPr kumimoji="1" lang="en-US" altLang="ja-JP" sz="3200" dirty="0" smtClean="0"/>
+          </a:p>
+          <a:p>
+            <a:r>
+              <a:rPr lang="en-US" altLang="ja-JP" sz="3200" dirty="0" smtClean="0"/>
+              <a:t>PW(</a:t>
+            </a:r>
+            <a:r>
+              <a:rPr lang="ja-JP" altLang="en-US" sz="3200" dirty="0" smtClean="0"/>
+              <a:t>暗号化</a:t>
+            </a:r>
+            <a:r>
+              <a:rPr lang="en-US" altLang="ja-JP" sz="3200" dirty="0" smtClean="0"/>
+              <a:t>):</a:t>
+            </a:r>
+          </a:p>
+          <a:p>
+            <a:r>
+              <a:rPr lang="en-US" altLang="ja-JP" sz="2000" dirty="0"/>
+              <a:t>b415f121bed5418d497277b7e51556dff74b8e55</a:t>
+            </a:r>
+            <a:endParaRPr lang="ja-JP" altLang="en-US" sz="2000" dirty="0"/>
+          </a:p>
+        </p:txBody>
+      </p:sp>
+      <p:sp>
+        <p:nvSpPr>
+          <p:cNvPr id="13" name="テキスト ボックス 12"/>
+          <p:cNvSpPr txBox="1"/>
+          <p:nvPr/>
+        </p:nvSpPr>
+        <p:spPr>
+          <a:xfrm>
+            <a:off x="5590178" y="3824023"/>
+            <a:ext cx="615553" cy="2407920"/>
+          </a:xfrm>
+          <a:prstGeom prst="rect">
+            <a:avLst/>
+          </a:prstGeom>
+          <a:noFill/>
+        </p:spPr>
+        <p:txBody>
+          <a:bodyPr vert="eaVert" wrap="square" rtlCol="0">
+            <a:spAutoFit/>
+          </a:bodyPr>
+          <a:lstStyle/>
+          <a:p>
             <a:r>
               <a:rPr kumimoji="1" lang="ja-JP" altLang="en-US" sz="2800" dirty="0" smtClean="0"/>
-              <a:t>セッション</a:t>
-            </a:r>
-            <a:r>
-              <a:rPr kumimoji="1" lang="en-US" altLang="ja-JP" sz="2800" dirty="0" smtClean="0"/>
-              <a:t>ID</a:t>
-            </a:r>
-            <a:r>
-              <a:rPr kumimoji="1" lang="ja-JP" altLang="en-US" sz="2800" dirty="0" smtClean="0"/>
-              <a:t>に対する会員番号を保持</a:t>
+              <a:t>サーバーへ送信</a:t>
             </a:r>
             <a:endParaRPr kumimoji="1" lang="ja-JP" altLang="en-US" sz="2800" dirty="0"/>
           </a:p>
         </p:txBody>
       </p:sp>
+      <p:graphicFrame>
+        <p:nvGraphicFramePr>
+          <p:cNvPr id="14" name="表 13"/>
+          <p:cNvGraphicFramePr>
+            <a:graphicFrameLocks noGrp="1"/>
+          </p:cNvGraphicFramePr>
+          <p:nvPr>
+            <p:extLst>
+              <p:ext uri="{D42A27DB-BD31-4B8C-83A1-F6EECF244321}">
+                <p14:modId xmlns:p14="http://schemas.microsoft.com/office/powerpoint/2010/main" val="3778553311"/>
+              </p:ext>
+            </p:extLst>
+          </p:nvPr>
+        </p:nvGraphicFramePr>
+        <p:xfrm>
+          <a:off x="7878865" y="4632576"/>
+          <a:ext cx="4083829" cy="2072640"/>
+        </p:xfrm>
+        <a:graphic>
+          <a:graphicData uri="http://schemas.openxmlformats.org/drawingml/2006/table">
+            <a:tbl>
+              <a:tblPr firstRow="1" bandRow="1">
+                <a:tableStyleId>{5C22544A-7EE6-4342-B048-85BDC9FD1C3A}</a:tableStyleId>
+              </a:tblPr>
+              <a:tblGrid>
+                <a:gridCol w="1438081"/>
+                <a:gridCol w="1135809"/>
+                <a:gridCol w="1509939"/>
+              </a:tblGrid>
+              <a:tr h="457584">
+                <a:tc gridSpan="3">
+                  <a:txBody>
+                    <a:bodyPr/>
+                    <a:lstStyle/>
+                    <a:p>
+                      <a:pPr algn="ctr"/>
+                      <a:r>
+                        <a:rPr kumimoji="1" lang="en-US" altLang="ja-JP" sz="2800" dirty="0" smtClean="0"/>
+                        <a:t>account</a:t>
+                      </a:r>
+                      <a:endParaRPr kumimoji="1" lang="ja-JP" altLang="en-US" sz="2800" dirty="0"/>
+                    </a:p>
+                  </a:txBody>
+                  <a:tcPr/>
+                </a:tc>
+                <a:tc hMerge="1">
+                  <a:txBody>
+                    <a:bodyPr/>
+                    <a:lstStyle/>
+                    <a:p>
+                      <a:endParaRPr kumimoji="1" lang="ja-JP" altLang="en-US" dirty="0"/>
+                    </a:p>
+                  </a:txBody>
+                  <a:tcPr/>
+                </a:tc>
+                <a:tc hMerge="1">
+                  <a:txBody>
+                    <a:bodyPr/>
+                    <a:lstStyle/>
+                    <a:p>
+                      <a:endParaRPr kumimoji="1" lang="ja-JP" altLang="en-US" dirty="0"/>
+                    </a:p>
+                  </a:txBody>
+                  <a:tcPr/>
+                </a:tc>
+              </a:tr>
+              <a:tr h="207619">
+                <a:tc>
+                  <a:txBody>
+                    <a:bodyPr/>
+                    <a:lstStyle/>
+                    <a:p>
+                      <a:pPr marL="0" marR="0" indent="0" algn="l" defTabSz="914400" rtl="0" eaLnBrk="1" fontAlgn="auto" latinLnBrk="0" hangingPunct="1">
+                        <a:lnSpc>
+                          <a:spcPct val="100000"/>
+                        </a:lnSpc>
+                        <a:spcBef>
+                          <a:spcPts val="0"/>
+                        </a:spcBef>
+                        <a:spcAft>
+                          <a:spcPts val="0"/>
+                        </a:spcAft>
+                        <a:buClrTx/>
+                        <a:buSzTx/>
+                        <a:buFontTx/>
+                        <a:buNone/>
+                        <a:tabLst/>
+                        <a:defRPr/>
+                      </a:pPr>
+                      <a:r>
+                        <a:rPr kumimoji="1" lang="en-US" altLang="ja-JP" dirty="0" smtClean="0"/>
+                        <a:t>number</a:t>
+                      </a:r>
+                      <a:endParaRPr kumimoji="1" lang="ja-JP" altLang="en-US" dirty="0" smtClean="0"/>
+                    </a:p>
+                  </a:txBody>
+                  <a:tcPr/>
+                </a:tc>
+                <a:tc>
+                  <a:txBody>
+                    <a:bodyPr/>
+                    <a:lstStyle/>
+                    <a:p>
+                      <a:pPr marL="0" marR="0" indent="0" algn="l" defTabSz="914400" rtl="0" eaLnBrk="1" fontAlgn="auto" latinLnBrk="0" hangingPunct="1">
+                        <a:lnSpc>
+                          <a:spcPct val="100000"/>
+                        </a:lnSpc>
+                        <a:spcBef>
+                          <a:spcPts val="0"/>
+                        </a:spcBef>
+                        <a:spcAft>
+                          <a:spcPts val="0"/>
+                        </a:spcAft>
+                        <a:buClrTx/>
+                        <a:buSzTx/>
+                        <a:buFontTx/>
+                        <a:buNone/>
+                        <a:tabLst/>
+                        <a:defRPr/>
+                      </a:pPr>
+                      <a:r>
+                        <a:rPr kumimoji="1" lang="en-US" altLang="ja-JP" dirty="0" smtClean="0"/>
+                        <a:t>id</a:t>
+                      </a:r>
+                      <a:endParaRPr kumimoji="1" lang="ja-JP" altLang="en-US" dirty="0" smtClean="0"/>
+                    </a:p>
+                  </a:txBody>
+                  <a:tcPr/>
+                </a:tc>
+                <a:tc>
+                  <a:txBody>
+                    <a:bodyPr/>
+                    <a:lstStyle/>
+                    <a:p>
+                      <a:pPr marL="0" marR="0" indent="0" algn="l" defTabSz="914400" rtl="0" eaLnBrk="1" fontAlgn="auto" latinLnBrk="0" hangingPunct="1">
+                        <a:lnSpc>
+                          <a:spcPct val="100000"/>
+                        </a:lnSpc>
+                        <a:spcBef>
+                          <a:spcPts val="0"/>
+                        </a:spcBef>
+                        <a:spcAft>
+                          <a:spcPts val="0"/>
+                        </a:spcAft>
+                        <a:buClrTx/>
+                        <a:buSzTx/>
+                        <a:buFontTx/>
+                        <a:buNone/>
+                        <a:tabLst/>
+                        <a:defRPr/>
+                      </a:pPr>
+                      <a:r>
+                        <a:rPr kumimoji="1" lang="en-US" altLang="ja-JP" dirty="0" smtClean="0"/>
+                        <a:t>password</a:t>
+                      </a:r>
+                      <a:endParaRPr kumimoji="1" lang="ja-JP" altLang="en-US" dirty="0" smtClean="0"/>
+                    </a:p>
+                  </a:txBody>
+                  <a:tcPr/>
+                </a:tc>
+              </a:tr>
+              <a:tr h="738456">
+                <a:tc>
+                  <a:txBody>
+                    <a:bodyPr/>
+                    <a:lstStyle/>
+                    <a:p>
+                      <a:r>
+                        <a:rPr kumimoji="1" lang="en-US" altLang="ja-JP" dirty="0" smtClean="0"/>
+                        <a:t>1</a:t>
+                      </a:r>
+                      <a:endParaRPr kumimoji="1" lang="ja-JP" altLang="en-US" dirty="0"/>
+                    </a:p>
+                  </a:txBody>
+                  <a:tcPr/>
+                </a:tc>
+                <a:tc>
+                  <a:txBody>
+                    <a:bodyPr/>
+                    <a:lstStyle/>
+                    <a:p>
+                      <a:r>
+                        <a:rPr kumimoji="1" lang="en-US" altLang="ja-JP" dirty="0" err="1" smtClean="0"/>
+                        <a:t>hirose</a:t>
+                      </a:r>
+                      <a:endParaRPr kumimoji="1" lang="ja-JP" altLang="en-US" dirty="0"/>
+                    </a:p>
+                  </a:txBody>
+                  <a:tcPr/>
+                </a:tc>
+                <a:tc>
+                  <a:txBody>
+                    <a:bodyPr/>
+                    <a:lstStyle/>
+                    <a:p>
+                      <a:r>
+                        <a:rPr kumimoji="1" lang="en-US" altLang="ja-JP" dirty="0" smtClean="0"/>
+                        <a:t>b415f121bed5418d497277b7e51556dff74b8e55</a:t>
+                      </a:r>
+                      <a:endParaRPr kumimoji="1" lang="ja-JP" altLang="en-US" dirty="0"/>
+                    </a:p>
+                  </a:txBody>
+                  <a:tcPr/>
+                </a:tc>
+              </a:tr>
+            </a:tbl>
+          </a:graphicData>
+        </a:graphic>
+      </p:graphicFrame>
+      <p:sp>
+        <p:nvSpPr>
+          <p:cNvPr id="15" name="テキスト ボックス 14"/>
+          <p:cNvSpPr txBox="1"/>
+          <p:nvPr/>
+        </p:nvSpPr>
+        <p:spPr>
+          <a:xfrm>
+            <a:off x="7470682" y="1441425"/>
+            <a:ext cx="2747275" cy="1692771"/>
+          </a:xfrm>
+          <a:prstGeom prst="rect">
+            <a:avLst/>
+          </a:prstGeom>
+          <a:noFill/>
+        </p:spPr>
+        <p:txBody>
+          <a:bodyPr wrap="square" rtlCol="0">
+            <a:spAutoFit/>
+          </a:bodyPr>
+          <a:lstStyle/>
+          <a:p>
+            <a:r>
+              <a:rPr kumimoji="1" lang="en-US" altLang="ja-JP" sz="3200" dirty="0" err="1" smtClean="0"/>
+              <a:t>ID:hirose</a:t>
+            </a:r>
+            <a:endParaRPr kumimoji="1" lang="en-US" altLang="ja-JP" sz="3200" dirty="0" smtClean="0"/>
+          </a:p>
+          <a:p>
+            <a:r>
+              <a:rPr lang="en-US" altLang="ja-JP" sz="3200" dirty="0" smtClean="0"/>
+              <a:t>PW(</a:t>
+            </a:r>
+            <a:r>
+              <a:rPr lang="ja-JP" altLang="en-US" sz="3200" dirty="0" smtClean="0"/>
+              <a:t>暗号化</a:t>
+            </a:r>
+            <a:r>
+              <a:rPr lang="en-US" altLang="ja-JP" sz="3200" dirty="0" smtClean="0"/>
+              <a:t>):</a:t>
+            </a:r>
+          </a:p>
+          <a:p>
+            <a:r>
+              <a:rPr lang="en-US" altLang="ja-JP" sz="2000" dirty="0"/>
+              <a:t>b415f121bed5418d497277b7e51556dff74b8e55</a:t>
+            </a:r>
+            <a:endParaRPr lang="ja-JP" altLang="en-US" sz="2000" dirty="0"/>
+          </a:p>
+        </p:txBody>
+      </p:sp>
+      <p:cxnSp>
+        <p:nvCxnSpPr>
+          <p:cNvPr id="16" name="直線矢印コネクタ 15"/>
+          <p:cNvCxnSpPr/>
+          <p:nvPr/>
+        </p:nvCxnSpPr>
+        <p:spPr>
+          <a:xfrm flipH="1">
+            <a:off x="10012681" y="3898287"/>
+            <a:ext cx="640079" cy="612753"/>
+          </a:xfrm>
+          <a:prstGeom prst="straightConnector1">
+            <a:avLst/>
+          </a:prstGeom>
+          <a:ln w="25400">
+            <a:solidFill>
+              <a:srgbClr val="00B050"/>
+            </a:solidFill>
+            <a:tailEnd type="triangle"/>
+          </a:ln>
+        </p:spPr>
+        <p:style>
+          <a:lnRef idx="1">
+            <a:schemeClr val="accent1"/>
+          </a:lnRef>
+          <a:fillRef idx="0">
+            <a:schemeClr val="accent1"/>
+          </a:fillRef>
+          <a:effectRef idx="0">
+            <a:schemeClr val="accent1"/>
+          </a:effectRef>
+          <a:fontRef idx="minor">
+            <a:schemeClr val="tx1"/>
+          </a:fontRef>
+        </p:style>
+      </p:cxnSp>
     </p:spTree>
     <p:extLst>
       <p:ext uri="{BB962C8B-B14F-4D97-AF65-F5344CB8AC3E}">
-        <p14:creationId xmlns:p14="http://schemas.microsoft.com/office/powerpoint/2010/main" val="2520671165"/>
+        <p14:creationId xmlns:p14="http://schemas.microsoft.com/office/powerpoint/2010/main" val="3107396067"/>
       </p:ext>
     </p:extLst>
   </p:cSld>
@@ -4847,6 +5295,335 @@
         </p:nvSpPr>
         <p:spPr>
           <a:xfrm>
+            <a:off x="2601962" y="197906"/>
+            <a:ext cx="6968758" cy="769441"/>
+          </a:xfrm>
+          <a:prstGeom prst="rect">
+            <a:avLst/>
+          </a:prstGeom>
+          <a:noFill/>
+        </p:spPr>
+        <p:txBody>
+          <a:bodyPr wrap="square" rtlCol="0">
+            <a:spAutoFit/>
+          </a:bodyPr>
+          <a:lstStyle/>
+          <a:p>
+            <a:pPr algn="ctr"/>
+            <a:r>
+              <a:rPr lang="en-US" altLang="ja-JP" sz="4400" b="1" dirty="0" smtClean="0">
+                <a:solidFill>
+                  <a:srgbClr val="7030A0"/>
+                </a:solidFill>
+              </a:rPr>
+              <a:t>1</a:t>
+            </a:r>
+            <a:r>
+              <a:rPr lang="ja-JP" altLang="en-US" sz="4400" b="1" dirty="0" smtClean="0">
+                <a:solidFill>
+                  <a:srgbClr val="7030A0"/>
+                </a:solidFill>
+              </a:rPr>
+              <a:t>週間自動ログインシステム</a:t>
+            </a:r>
+            <a:endParaRPr kumimoji="1" lang="ja-JP" altLang="en-US" sz="4400" b="1" dirty="0">
+              <a:solidFill>
+                <a:srgbClr val="7030A0"/>
+              </a:solidFill>
+            </a:endParaRPr>
+          </a:p>
+        </p:txBody>
+      </p:sp>
+      <p:sp>
+        <p:nvSpPr>
+          <p:cNvPr id="3" name="テキスト ボックス 2"/>
+          <p:cNvSpPr txBox="1"/>
+          <p:nvPr/>
+        </p:nvSpPr>
+        <p:spPr>
+          <a:xfrm>
+            <a:off x="3199544" y="2930533"/>
+            <a:ext cx="1638384" cy="523220"/>
+          </a:xfrm>
+          <a:prstGeom prst="rect">
+            <a:avLst/>
+          </a:prstGeom>
+          <a:noFill/>
+          <a:ln>
+            <a:solidFill>
+              <a:schemeClr val="tx1"/>
+            </a:solidFill>
+          </a:ln>
+        </p:spPr>
+        <p:txBody>
+          <a:bodyPr wrap="square" rtlCol="0">
+            <a:spAutoFit/>
+          </a:bodyPr>
+          <a:lstStyle/>
+          <a:p>
+            <a:pPr algn="ctr"/>
+            <a:r>
+              <a:rPr kumimoji="1" lang="ja-JP" altLang="en-US" sz="2800" dirty="0" smtClean="0"/>
+              <a:t>ユーザー</a:t>
+            </a:r>
+            <a:endParaRPr kumimoji="1" lang="ja-JP" altLang="en-US" sz="2800" dirty="0"/>
+          </a:p>
+        </p:txBody>
+      </p:sp>
+      <p:cxnSp>
+        <p:nvCxnSpPr>
+          <p:cNvPr id="4" name="直線矢印コネクタ 3"/>
+          <p:cNvCxnSpPr/>
+          <p:nvPr/>
+        </p:nvCxnSpPr>
+        <p:spPr>
+          <a:xfrm flipV="1">
+            <a:off x="5225370" y="3096391"/>
+            <a:ext cx="1477983" cy="4313"/>
+          </a:xfrm>
+          <a:prstGeom prst="straightConnector1">
+            <a:avLst/>
+          </a:prstGeom>
+          <a:ln w="25400">
+            <a:solidFill>
+              <a:srgbClr val="00B050"/>
+            </a:solidFill>
+            <a:tailEnd type="triangle"/>
+          </a:ln>
+        </p:spPr>
+        <p:style>
+          <a:lnRef idx="1">
+            <a:schemeClr val="accent1"/>
+          </a:lnRef>
+          <a:fillRef idx="0">
+            <a:schemeClr val="accent1"/>
+          </a:fillRef>
+          <a:effectRef idx="0">
+            <a:schemeClr val="accent1"/>
+          </a:effectRef>
+          <a:fontRef idx="minor">
+            <a:schemeClr val="tx1"/>
+          </a:fontRef>
+        </p:style>
+      </p:cxnSp>
+      <p:sp>
+        <p:nvSpPr>
+          <p:cNvPr id="5" name="テキスト ボックス 4"/>
+          <p:cNvSpPr txBox="1"/>
+          <p:nvPr/>
+        </p:nvSpPr>
+        <p:spPr>
+          <a:xfrm>
+            <a:off x="5429057" y="1820164"/>
+            <a:ext cx="1070609" cy="1077218"/>
+          </a:xfrm>
+          <a:prstGeom prst="rect">
+            <a:avLst/>
+          </a:prstGeom>
+          <a:noFill/>
+        </p:spPr>
+        <p:txBody>
+          <a:bodyPr wrap="square" rtlCol="0">
+            <a:spAutoFit/>
+          </a:bodyPr>
+          <a:lstStyle/>
+          <a:p>
+            <a:r>
+              <a:rPr kumimoji="1" lang="en-US" altLang="ja-JP" sz="3200" dirty="0" smtClean="0"/>
+              <a:t>ID</a:t>
+            </a:r>
+          </a:p>
+          <a:p>
+            <a:r>
+              <a:rPr lang="en-US" altLang="ja-JP" sz="3200" dirty="0" smtClean="0"/>
+              <a:t>PW</a:t>
+            </a:r>
+            <a:endParaRPr kumimoji="1" lang="ja-JP" altLang="en-US" sz="3200" dirty="0"/>
+          </a:p>
+        </p:txBody>
+      </p:sp>
+      <p:sp>
+        <p:nvSpPr>
+          <p:cNvPr id="9" name="テキスト ボックス 8"/>
+          <p:cNvSpPr txBox="1"/>
+          <p:nvPr/>
+        </p:nvSpPr>
+        <p:spPr>
+          <a:xfrm>
+            <a:off x="7090793" y="2914404"/>
+            <a:ext cx="1204454" cy="584775"/>
+          </a:xfrm>
+          <a:prstGeom prst="rect">
+            <a:avLst/>
+          </a:prstGeom>
+          <a:noFill/>
+          <a:ln>
+            <a:solidFill>
+              <a:schemeClr val="tx1"/>
+            </a:solidFill>
+          </a:ln>
+        </p:spPr>
+        <p:txBody>
+          <a:bodyPr wrap="square" rtlCol="0">
+            <a:spAutoFit/>
+          </a:bodyPr>
+          <a:lstStyle/>
+          <a:p>
+            <a:pPr algn="ctr"/>
+            <a:r>
+              <a:rPr kumimoji="1" lang="en-US" altLang="ja-JP" sz="3200" dirty="0" smtClean="0"/>
+              <a:t>PHP</a:t>
+            </a:r>
+            <a:endParaRPr kumimoji="1" lang="ja-JP" altLang="en-US" sz="3200" dirty="0"/>
+          </a:p>
+        </p:txBody>
+      </p:sp>
+      <p:cxnSp>
+        <p:nvCxnSpPr>
+          <p:cNvPr id="16" name="直線矢印コネクタ 15"/>
+          <p:cNvCxnSpPr/>
+          <p:nvPr/>
+        </p:nvCxnSpPr>
+        <p:spPr>
+          <a:xfrm flipH="1">
+            <a:off x="5225369" y="3387348"/>
+            <a:ext cx="1477983" cy="0"/>
+          </a:xfrm>
+          <a:prstGeom prst="straightConnector1">
+            <a:avLst/>
+          </a:prstGeom>
+          <a:ln w="25400">
+            <a:solidFill>
+              <a:srgbClr val="C00000"/>
+            </a:solidFill>
+            <a:tailEnd type="triangle"/>
+          </a:ln>
+        </p:spPr>
+        <p:style>
+          <a:lnRef idx="1">
+            <a:schemeClr val="accent1"/>
+          </a:lnRef>
+          <a:fillRef idx="0">
+            <a:schemeClr val="accent1"/>
+          </a:fillRef>
+          <a:effectRef idx="0">
+            <a:schemeClr val="accent1"/>
+          </a:effectRef>
+          <a:fontRef idx="minor">
+            <a:schemeClr val="tx1"/>
+          </a:fontRef>
+        </p:style>
+      </p:cxnSp>
+      <p:sp>
+        <p:nvSpPr>
+          <p:cNvPr id="20" name="テキスト ボックス 19"/>
+          <p:cNvSpPr txBox="1"/>
+          <p:nvPr/>
+        </p:nvSpPr>
+        <p:spPr>
+          <a:xfrm>
+            <a:off x="4989915" y="3673993"/>
+            <a:ext cx="2150791" cy="523220"/>
+          </a:xfrm>
+          <a:prstGeom prst="rect">
+            <a:avLst/>
+          </a:prstGeom>
+          <a:noFill/>
+        </p:spPr>
+        <p:txBody>
+          <a:bodyPr wrap="square" rtlCol="0">
+            <a:spAutoFit/>
+          </a:bodyPr>
+          <a:lstStyle/>
+          <a:p>
+            <a:r>
+              <a:rPr kumimoji="1" lang="ja-JP" altLang="en-US" sz="2800" dirty="0" smtClean="0"/>
+              <a:t>セッション</a:t>
+            </a:r>
+            <a:r>
+              <a:rPr kumimoji="1" lang="en-US" altLang="ja-JP" sz="2800" dirty="0" smtClean="0"/>
+              <a:t>ID</a:t>
+            </a:r>
+            <a:endParaRPr kumimoji="1" lang="ja-JP" altLang="en-US" sz="2800" dirty="0"/>
+          </a:p>
+        </p:txBody>
+      </p:sp>
+      <p:sp>
+        <p:nvSpPr>
+          <p:cNvPr id="21" name="テキスト ボックス 20"/>
+          <p:cNvSpPr txBox="1"/>
+          <p:nvPr/>
+        </p:nvSpPr>
+        <p:spPr>
+          <a:xfrm>
+            <a:off x="7807567" y="3673993"/>
+            <a:ext cx="2784233" cy="1384995"/>
+          </a:xfrm>
+          <a:prstGeom prst="rect">
+            <a:avLst/>
+          </a:prstGeom>
+          <a:noFill/>
+        </p:spPr>
+        <p:txBody>
+          <a:bodyPr wrap="square" rtlCol="0">
+            <a:spAutoFit/>
+          </a:bodyPr>
+          <a:lstStyle/>
+          <a:p>
+            <a:r>
+              <a:rPr kumimoji="1" lang="ja-JP" altLang="en-US" sz="2800" dirty="0" smtClean="0"/>
+              <a:t>セッション</a:t>
+            </a:r>
+            <a:r>
+              <a:rPr kumimoji="1" lang="en-US" altLang="ja-JP" sz="2800" dirty="0" smtClean="0"/>
+              <a:t>ID</a:t>
+            </a:r>
+            <a:r>
+              <a:rPr kumimoji="1" lang="ja-JP" altLang="en-US" sz="2800" dirty="0" smtClean="0"/>
+              <a:t>に対する会員番号を保持</a:t>
+            </a:r>
+            <a:endParaRPr kumimoji="1" lang="ja-JP" altLang="en-US" sz="2800" dirty="0"/>
+          </a:p>
+        </p:txBody>
+      </p:sp>
+    </p:spTree>
+    <p:extLst>
+      <p:ext uri="{BB962C8B-B14F-4D97-AF65-F5344CB8AC3E}">
+        <p14:creationId xmlns:p14="http://schemas.microsoft.com/office/powerpoint/2010/main" val="2520671165"/>
+      </p:ext>
+    </p:extLst>
+  </p:cSld>
+  <p:clrMapOvr>
+    <a:masterClrMapping/>
+  </p:clrMapOvr>
+</p:sld>
+</file>
+
+<file path=ppt/slides/slide4.xml><?xml version="1.0" encoding="utf-8"?>
+<p:sld xmlns:a="http://schemas.openxmlformats.org/drawingml/2006/main" xmlns:r="http://schemas.openxmlformats.org/officeDocument/2006/relationships" xmlns:p="http://schemas.openxmlformats.org/presentationml/2006/main">
+  <p:cSld>
+    <p:spTree>
+      <p:nvGrpSpPr>
+        <p:cNvPr id="1" name=""/>
+        <p:cNvGrpSpPr/>
+        <p:nvPr/>
+      </p:nvGrpSpPr>
+      <p:grpSpPr>
+        <a:xfrm>
+          <a:off x="0" y="0"/>
+          <a:ext cx="0" cy="0"/>
+          <a:chOff x="0" y="0"/>
+          <a:chExt cx="0" cy="0"/>
+        </a:xfrm>
+      </p:grpSpPr>
+      <p:sp>
+        <p:nvSpPr>
+          <p:cNvPr id="2" name="テキスト ボックス 1"/>
+          <p:cNvSpPr txBox="1"/>
+          <p:nvPr/>
+        </p:nvSpPr>
+        <p:spPr>
+          <a:xfrm>
             <a:off x="3181082" y="167426"/>
             <a:ext cx="5228823" cy="769441"/>
           </a:xfrm>
@@ -5461,6 +6238,938 @@
     <p:extLst>
       <p:ext uri="{BB962C8B-B14F-4D97-AF65-F5344CB8AC3E}">
         <p14:creationId xmlns:p14="http://schemas.microsoft.com/office/powerpoint/2010/main" val="4048000036"/>
+      </p:ext>
+    </p:extLst>
+  </p:cSld>
+  <p:clrMapOvr>
+    <a:masterClrMapping/>
+  </p:clrMapOvr>
+</p:sld>
+</file>
+
+<file path=ppt/slides/slide5.xml><?xml version="1.0" encoding="utf-8"?>
+<p:sld xmlns:a="http://schemas.openxmlformats.org/drawingml/2006/main" xmlns:r="http://schemas.openxmlformats.org/officeDocument/2006/relationships" xmlns:p="http://schemas.openxmlformats.org/presentationml/2006/main">
+  <p:cSld>
+    <p:spTree>
+      <p:nvGrpSpPr>
+        <p:cNvPr id="1" name=""/>
+        <p:cNvGrpSpPr/>
+        <p:nvPr/>
+      </p:nvGrpSpPr>
+      <p:grpSpPr>
+        <a:xfrm>
+          <a:off x="0" y="0"/>
+          <a:ext cx="0" cy="0"/>
+          <a:chOff x="0" y="0"/>
+          <a:chExt cx="0" cy="0"/>
+        </a:xfrm>
+      </p:grpSpPr>
+      <p:sp>
+        <p:nvSpPr>
+          <p:cNvPr id="2" name="テキスト ボックス 1"/>
+          <p:cNvSpPr txBox="1"/>
+          <p:nvPr/>
+        </p:nvSpPr>
+        <p:spPr>
+          <a:xfrm>
+            <a:off x="3181082" y="167426"/>
+            <a:ext cx="5228823" cy="769441"/>
+          </a:xfrm>
+          <a:prstGeom prst="rect">
+            <a:avLst/>
+          </a:prstGeom>
+          <a:noFill/>
+        </p:spPr>
+        <p:txBody>
+          <a:bodyPr wrap="square" rtlCol="0">
+            <a:spAutoFit/>
+          </a:bodyPr>
+          <a:lstStyle/>
+          <a:p>
+            <a:pPr algn="ctr"/>
+            <a:r>
+              <a:rPr lang="ja-JP" altLang="en-US" sz="4400" b="1" dirty="0" smtClean="0">
+                <a:solidFill>
+                  <a:srgbClr val="7030A0"/>
+                </a:solidFill>
+              </a:rPr>
+              <a:t>ログインシステム</a:t>
+            </a:r>
+            <a:r>
+              <a:rPr lang="en-US" altLang="ja-JP" sz="4400" b="1" dirty="0" smtClean="0">
+                <a:solidFill>
+                  <a:srgbClr val="7030A0"/>
+                </a:solidFill>
+              </a:rPr>
+              <a:t>(</a:t>
+            </a:r>
+            <a:r>
+              <a:rPr lang="ja-JP" altLang="en-US" sz="4400" b="1" dirty="0" smtClean="0">
+                <a:solidFill>
+                  <a:srgbClr val="7030A0"/>
+                </a:solidFill>
+              </a:rPr>
+              <a:t>例</a:t>
+            </a:r>
+            <a:r>
+              <a:rPr lang="en-US" altLang="ja-JP" sz="4400" b="1" dirty="0" smtClean="0">
+                <a:solidFill>
+                  <a:srgbClr val="7030A0"/>
+                </a:solidFill>
+              </a:rPr>
+              <a:t>)</a:t>
+            </a:r>
+            <a:endParaRPr kumimoji="1" lang="ja-JP" altLang="en-US" sz="4400" b="1" dirty="0">
+              <a:solidFill>
+                <a:srgbClr val="7030A0"/>
+              </a:solidFill>
+            </a:endParaRPr>
+          </a:p>
+        </p:txBody>
+      </p:sp>
+      <p:sp>
+        <p:nvSpPr>
+          <p:cNvPr id="3" name="テキスト ボックス 2"/>
+          <p:cNvSpPr txBox="1"/>
+          <p:nvPr/>
+        </p:nvSpPr>
+        <p:spPr>
+          <a:xfrm>
+            <a:off x="491022" y="2675808"/>
+            <a:ext cx="1638384" cy="523220"/>
+          </a:xfrm>
+          <a:prstGeom prst="rect">
+            <a:avLst/>
+          </a:prstGeom>
+          <a:noFill/>
+          <a:ln>
+            <a:solidFill>
+              <a:schemeClr val="tx1"/>
+            </a:solidFill>
+          </a:ln>
+        </p:spPr>
+        <p:txBody>
+          <a:bodyPr wrap="square" rtlCol="0">
+            <a:spAutoFit/>
+          </a:bodyPr>
+          <a:lstStyle/>
+          <a:p>
+            <a:pPr algn="ctr"/>
+            <a:r>
+              <a:rPr kumimoji="1" lang="ja-JP" altLang="en-US" sz="2800" dirty="0" smtClean="0"/>
+              <a:t>ユーザー</a:t>
+            </a:r>
+            <a:endParaRPr kumimoji="1" lang="ja-JP" altLang="en-US" sz="2800" dirty="0"/>
+          </a:p>
+        </p:txBody>
+      </p:sp>
+      <p:cxnSp>
+        <p:nvCxnSpPr>
+          <p:cNvPr id="4" name="直線矢印コネクタ 3"/>
+          <p:cNvCxnSpPr/>
+          <p:nvPr/>
+        </p:nvCxnSpPr>
+        <p:spPr>
+          <a:xfrm>
+            <a:off x="2264384" y="2937418"/>
+            <a:ext cx="712501" cy="0"/>
+          </a:xfrm>
+          <a:prstGeom prst="straightConnector1">
+            <a:avLst/>
+          </a:prstGeom>
+          <a:ln w="25400">
+            <a:solidFill>
+              <a:srgbClr val="00B050"/>
+            </a:solidFill>
+            <a:tailEnd type="triangle"/>
+          </a:ln>
+        </p:spPr>
+        <p:style>
+          <a:lnRef idx="1">
+            <a:schemeClr val="accent1"/>
+          </a:lnRef>
+          <a:fillRef idx="0">
+            <a:schemeClr val="accent1"/>
+          </a:fillRef>
+          <a:effectRef idx="0">
+            <a:schemeClr val="accent1"/>
+          </a:effectRef>
+          <a:fontRef idx="minor">
+            <a:schemeClr val="tx1"/>
+          </a:fontRef>
+        </p:style>
+      </p:cxnSp>
+      <p:sp>
+        <p:nvSpPr>
+          <p:cNvPr id="5" name="テキスト ボックス 4"/>
+          <p:cNvSpPr txBox="1"/>
+          <p:nvPr/>
+        </p:nvSpPr>
+        <p:spPr>
+          <a:xfrm>
+            <a:off x="1651604" y="1344739"/>
+            <a:ext cx="1910647" cy="1077218"/>
+          </a:xfrm>
+          <a:prstGeom prst="rect">
+            <a:avLst/>
+          </a:prstGeom>
+          <a:noFill/>
+        </p:spPr>
+        <p:txBody>
+          <a:bodyPr wrap="square" rtlCol="0">
+            <a:spAutoFit/>
+          </a:bodyPr>
+          <a:lstStyle/>
+          <a:p>
+            <a:r>
+              <a:rPr kumimoji="1" lang="en-US" altLang="ja-JP" sz="3200" dirty="0" err="1" smtClean="0"/>
+              <a:t>ID:hirose</a:t>
+            </a:r>
+            <a:endParaRPr kumimoji="1" lang="en-US" altLang="ja-JP" sz="3200" dirty="0" smtClean="0"/>
+          </a:p>
+          <a:p>
+            <a:r>
+              <a:rPr lang="en-US" altLang="ja-JP" sz="3200" dirty="0" err="1" smtClean="0"/>
+              <a:t>PW:hirose</a:t>
+            </a:r>
+            <a:endParaRPr kumimoji="1" lang="ja-JP" altLang="en-US" sz="3200" dirty="0"/>
+          </a:p>
+        </p:txBody>
+      </p:sp>
+      <p:sp>
+        <p:nvSpPr>
+          <p:cNvPr id="6" name="テキスト ボックス 5"/>
+          <p:cNvSpPr txBox="1"/>
+          <p:nvPr/>
+        </p:nvSpPr>
+        <p:spPr>
+          <a:xfrm>
+            <a:off x="3122236" y="2582430"/>
+            <a:ext cx="2197511" cy="584775"/>
+          </a:xfrm>
+          <a:prstGeom prst="rect">
+            <a:avLst/>
+          </a:prstGeom>
+          <a:noFill/>
+          <a:ln>
+            <a:solidFill>
+              <a:schemeClr val="tx1"/>
+            </a:solidFill>
+          </a:ln>
+        </p:spPr>
+        <p:txBody>
+          <a:bodyPr wrap="square" rtlCol="0">
+            <a:spAutoFit/>
+          </a:bodyPr>
+          <a:lstStyle/>
+          <a:p>
+            <a:pPr algn="ctr"/>
+            <a:r>
+              <a:rPr kumimoji="1" lang="en-US" altLang="ja-JP" sz="3200" dirty="0" err="1" smtClean="0"/>
+              <a:t>Javascript</a:t>
+            </a:r>
+            <a:endParaRPr kumimoji="1" lang="ja-JP" altLang="en-US" sz="3200" dirty="0"/>
+          </a:p>
+        </p:txBody>
+      </p:sp>
+      <p:sp>
+        <p:nvSpPr>
+          <p:cNvPr id="7" name="テキスト ボックス 6"/>
+          <p:cNvSpPr txBox="1"/>
+          <p:nvPr/>
+        </p:nvSpPr>
+        <p:spPr>
+          <a:xfrm>
+            <a:off x="7918146" y="921483"/>
+            <a:ext cx="2834968" cy="1692771"/>
+          </a:xfrm>
+          <a:prstGeom prst="rect">
+            <a:avLst/>
+          </a:prstGeom>
+          <a:noFill/>
+        </p:spPr>
+        <p:txBody>
+          <a:bodyPr wrap="square" rtlCol="0">
+            <a:spAutoFit/>
+          </a:bodyPr>
+          <a:lstStyle/>
+          <a:p>
+            <a:r>
+              <a:rPr kumimoji="1" lang="en-US" altLang="ja-JP" sz="3200" dirty="0" err="1" smtClean="0"/>
+              <a:t>ID:hirose</a:t>
+            </a:r>
+            <a:endParaRPr kumimoji="1" lang="en-US" altLang="ja-JP" sz="3200" dirty="0" smtClean="0"/>
+          </a:p>
+          <a:p>
+            <a:r>
+              <a:rPr lang="en-US" altLang="ja-JP" sz="3200" dirty="0" smtClean="0"/>
+              <a:t>PW(</a:t>
+            </a:r>
+            <a:r>
+              <a:rPr lang="ja-JP" altLang="en-US" sz="3200" dirty="0" smtClean="0"/>
+              <a:t>暗号化</a:t>
+            </a:r>
+            <a:r>
+              <a:rPr lang="en-US" altLang="ja-JP" sz="3200" dirty="0" smtClean="0"/>
+              <a:t>):</a:t>
+            </a:r>
+          </a:p>
+          <a:p>
+            <a:r>
+              <a:rPr lang="en-US" altLang="ja-JP" sz="2000" dirty="0" smtClean="0"/>
+              <a:t>b415f121bed5418d497277b7e51556dff74b8e55</a:t>
+            </a:r>
+            <a:endParaRPr lang="ja-JP" altLang="en-US" sz="2000" dirty="0"/>
+          </a:p>
+        </p:txBody>
+      </p:sp>
+      <p:sp>
+        <p:nvSpPr>
+          <p:cNvPr id="8" name="テキスト ボックス 7"/>
+          <p:cNvSpPr txBox="1"/>
+          <p:nvPr/>
+        </p:nvSpPr>
+        <p:spPr>
+          <a:xfrm>
+            <a:off x="6675117" y="2614254"/>
+            <a:ext cx="1204454" cy="584775"/>
+          </a:xfrm>
+          <a:prstGeom prst="rect">
+            <a:avLst/>
+          </a:prstGeom>
+          <a:noFill/>
+          <a:ln>
+            <a:solidFill>
+              <a:schemeClr val="tx1"/>
+            </a:solidFill>
+          </a:ln>
+        </p:spPr>
+        <p:txBody>
+          <a:bodyPr wrap="square" rtlCol="0">
+            <a:spAutoFit/>
+          </a:bodyPr>
+          <a:lstStyle/>
+          <a:p>
+            <a:pPr algn="ctr"/>
+            <a:r>
+              <a:rPr kumimoji="1" lang="en-US" altLang="ja-JP" sz="3200" dirty="0" smtClean="0"/>
+              <a:t>PHP</a:t>
+            </a:r>
+            <a:endParaRPr kumimoji="1" lang="ja-JP" altLang="en-US" sz="3200" dirty="0"/>
+          </a:p>
+        </p:txBody>
+      </p:sp>
+      <p:sp>
+        <p:nvSpPr>
+          <p:cNvPr id="9" name="テキスト ボックス 8"/>
+          <p:cNvSpPr txBox="1"/>
+          <p:nvPr/>
+        </p:nvSpPr>
+        <p:spPr>
+          <a:xfrm>
+            <a:off x="10288992" y="2614254"/>
+            <a:ext cx="1435512" cy="584775"/>
+          </a:xfrm>
+          <a:prstGeom prst="rect">
+            <a:avLst/>
+          </a:prstGeom>
+          <a:noFill/>
+          <a:ln>
+            <a:solidFill>
+              <a:schemeClr val="tx1"/>
+            </a:solidFill>
+          </a:ln>
+        </p:spPr>
+        <p:txBody>
+          <a:bodyPr wrap="square" rtlCol="0">
+            <a:spAutoFit/>
+          </a:bodyPr>
+          <a:lstStyle/>
+          <a:p>
+            <a:pPr algn="ctr"/>
+            <a:r>
+              <a:rPr kumimoji="1" lang="en-US" altLang="ja-JP" sz="3200" dirty="0" err="1" smtClean="0"/>
+              <a:t>mySQL</a:t>
+            </a:r>
+            <a:endParaRPr kumimoji="1" lang="ja-JP" altLang="en-US" sz="3200" dirty="0"/>
+          </a:p>
+        </p:txBody>
+      </p:sp>
+      <p:cxnSp>
+        <p:nvCxnSpPr>
+          <p:cNvPr id="10" name="直線矢印コネクタ 9"/>
+          <p:cNvCxnSpPr/>
+          <p:nvPr/>
+        </p:nvCxnSpPr>
+        <p:spPr>
+          <a:xfrm flipV="1">
+            <a:off x="5611505" y="2906641"/>
+            <a:ext cx="818152" cy="3072"/>
+          </a:xfrm>
+          <a:prstGeom prst="straightConnector1">
+            <a:avLst/>
+          </a:prstGeom>
+          <a:ln w="25400">
+            <a:solidFill>
+              <a:srgbClr val="00B050"/>
+            </a:solidFill>
+            <a:tailEnd type="triangle"/>
+          </a:ln>
+        </p:spPr>
+        <p:style>
+          <a:lnRef idx="1">
+            <a:schemeClr val="accent1"/>
+          </a:lnRef>
+          <a:fillRef idx="0">
+            <a:schemeClr val="accent1"/>
+          </a:fillRef>
+          <a:effectRef idx="0">
+            <a:schemeClr val="accent1"/>
+          </a:effectRef>
+          <a:fontRef idx="minor">
+            <a:schemeClr val="tx1"/>
+          </a:fontRef>
+        </p:style>
+      </p:cxnSp>
+      <p:sp>
+        <p:nvSpPr>
+          <p:cNvPr id="11" name="テキスト ボックス 10"/>
+          <p:cNvSpPr txBox="1"/>
+          <p:nvPr/>
+        </p:nvSpPr>
+        <p:spPr>
+          <a:xfrm>
+            <a:off x="4782294" y="927511"/>
+            <a:ext cx="2734072" cy="1692771"/>
+          </a:xfrm>
+          <a:prstGeom prst="rect">
+            <a:avLst/>
+          </a:prstGeom>
+          <a:noFill/>
+        </p:spPr>
+        <p:txBody>
+          <a:bodyPr wrap="square" rtlCol="0">
+            <a:spAutoFit/>
+          </a:bodyPr>
+          <a:lstStyle/>
+          <a:p>
+            <a:r>
+              <a:rPr kumimoji="1" lang="en-US" altLang="ja-JP" sz="3200" dirty="0" err="1" smtClean="0"/>
+              <a:t>ID:hirose</a:t>
+            </a:r>
+            <a:endParaRPr kumimoji="1" lang="en-US" altLang="ja-JP" sz="3200" dirty="0" smtClean="0"/>
+          </a:p>
+          <a:p>
+            <a:r>
+              <a:rPr lang="en-US" altLang="ja-JP" sz="3200" dirty="0" smtClean="0"/>
+              <a:t>PW(</a:t>
+            </a:r>
+            <a:r>
+              <a:rPr lang="ja-JP" altLang="en-US" sz="3200" dirty="0" smtClean="0"/>
+              <a:t>暗号化</a:t>
+            </a:r>
+            <a:r>
+              <a:rPr lang="en-US" altLang="ja-JP" sz="3200" dirty="0" smtClean="0"/>
+              <a:t>):</a:t>
+            </a:r>
+          </a:p>
+          <a:p>
+            <a:r>
+              <a:rPr lang="en-US" altLang="ja-JP" sz="2000" dirty="0" smtClean="0"/>
+              <a:t>b415f121bed5418d497277b7e51556dff74b8e55</a:t>
+            </a:r>
+            <a:endParaRPr lang="ja-JP" altLang="en-US" sz="2000" dirty="0"/>
+          </a:p>
+        </p:txBody>
+      </p:sp>
+      <p:sp>
+        <p:nvSpPr>
+          <p:cNvPr id="12" name="テキスト ボックス 11"/>
+          <p:cNvSpPr txBox="1"/>
+          <p:nvPr/>
+        </p:nvSpPr>
+        <p:spPr>
+          <a:xfrm>
+            <a:off x="5712804" y="3214423"/>
+            <a:ext cx="615553" cy="2407920"/>
+          </a:xfrm>
+          <a:prstGeom prst="rect">
+            <a:avLst/>
+          </a:prstGeom>
+          <a:noFill/>
+        </p:spPr>
+        <p:txBody>
+          <a:bodyPr vert="eaVert" wrap="square" rtlCol="0">
+            <a:spAutoFit/>
+          </a:bodyPr>
+          <a:lstStyle/>
+          <a:p>
+            <a:r>
+              <a:rPr kumimoji="1" lang="ja-JP" altLang="en-US" sz="2800" dirty="0" smtClean="0"/>
+              <a:t>サーバーへ送信</a:t>
+            </a:r>
+            <a:endParaRPr kumimoji="1" lang="ja-JP" altLang="en-US" sz="2800" dirty="0"/>
+          </a:p>
+        </p:txBody>
+      </p:sp>
+      <p:cxnSp>
+        <p:nvCxnSpPr>
+          <p:cNvPr id="13" name="直線矢印コネクタ 12"/>
+          <p:cNvCxnSpPr/>
+          <p:nvPr/>
+        </p:nvCxnSpPr>
+        <p:spPr>
+          <a:xfrm flipH="1">
+            <a:off x="8169131" y="2892230"/>
+            <a:ext cx="1639415" cy="0"/>
+          </a:xfrm>
+          <a:prstGeom prst="straightConnector1">
+            <a:avLst/>
+          </a:prstGeom>
+          <a:ln w="25400">
+            <a:solidFill>
+              <a:srgbClr val="00B050"/>
+            </a:solidFill>
+            <a:tailEnd type="triangle"/>
+          </a:ln>
+        </p:spPr>
+        <p:style>
+          <a:lnRef idx="1">
+            <a:schemeClr val="accent1"/>
+          </a:lnRef>
+          <a:fillRef idx="0">
+            <a:schemeClr val="accent1"/>
+          </a:fillRef>
+          <a:effectRef idx="0">
+            <a:schemeClr val="accent1"/>
+          </a:effectRef>
+          <a:fontRef idx="minor">
+            <a:schemeClr val="tx1"/>
+          </a:fontRef>
+        </p:style>
+      </p:cxnSp>
+      <p:sp>
+        <p:nvSpPr>
+          <p:cNvPr id="14" name="テキスト ボックス 13"/>
+          <p:cNvSpPr txBox="1"/>
+          <p:nvPr/>
+        </p:nvSpPr>
+        <p:spPr>
+          <a:xfrm>
+            <a:off x="7467600" y="3355655"/>
+            <a:ext cx="1143000" cy="523220"/>
+          </a:xfrm>
+          <a:prstGeom prst="rect">
+            <a:avLst/>
+          </a:prstGeom>
+          <a:noFill/>
+        </p:spPr>
+        <p:txBody>
+          <a:bodyPr wrap="square" rtlCol="0">
+            <a:spAutoFit/>
+          </a:bodyPr>
+          <a:lstStyle/>
+          <a:p>
+            <a:r>
+              <a:rPr kumimoji="1" lang="ja-JP" altLang="en-US" sz="2800" dirty="0" smtClean="0"/>
+              <a:t>比較</a:t>
+            </a:r>
+            <a:endParaRPr kumimoji="1" lang="ja-JP" altLang="en-US" sz="2800" dirty="0"/>
+          </a:p>
+        </p:txBody>
+      </p:sp>
+      <p:sp>
+        <p:nvSpPr>
+          <p:cNvPr id="15" name="円弧 14"/>
+          <p:cNvSpPr/>
+          <p:nvPr/>
+        </p:nvSpPr>
+        <p:spPr>
+          <a:xfrm>
+            <a:off x="2129406" y="2259011"/>
+            <a:ext cx="4746016" cy="1524000"/>
+          </a:xfrm>
+          <a:prstGeom prst="arc">
+            <a:avLst>
+              <a:gd name="adj1" fmla="val 589712"/>
+              <a:gd name="adj2" fmla="val 10293142"/>
+            </a:avLst>
+          </a:prstGeom>
+          <a:ln w="25400">
+            <a:solidFill>
+              <a:srgbClr val="C00000"/>
+            </a:solidFill>
+            <a:tailEnd type="stealth"/>
+          </a:ln>
+        </p:spPr>
+        <p:style>
+          <a:lnRef idx="1">
+            <a:schemeClr val="accent1"/>
+          </a:lnRef>
+          <a:fillRef idx="0">
+            <a:schemeClr val="accent1"/>
+          </a:fillRef>
+          <a:effectRef idx="0">
+            <a:schemeClr val="accent1"/>
+          </a:effectRef>
+          <a:fontRef idx="minor">
+            <a:schemeClr val="tx1"/>
+          </a:fontRef>
+        </p:style>
+        <p:txBody>
+          <a:bodyPr rtlCol="0" anchor="ctr"/>
+          <a:lstStyle/>
+          <a:p>
+            <a:pPr algn="ctr"/>
+            <a:endParaRPr kumimoji="1" lang="ja-JP" altLang="en-US"/>
+          </a:p>
+        </p:txBody>
+      </p:sp>
+      <p:sp>
+        <p:nvSpPr>
+          <p:cNvPr id="16" name="テキスト ボックス 15"/>
+          <p:cNvSpPr txBox="1"/>
+          <p:nvPr/>
+        </p:nvSpPr>
+        <p:spPr>
+          <a:xfrm>
+            <a:off x="2789157" y="3829304"/>
+            <a:ext cx="1031562" cy="523220"/>
+          </a:xfrm>
+          <a:prstGeom prst="rect">
+            <a:avLst/>
+          </a:prstGeom>
+          <a:noFill/>
+        </p:spPr>
+        <p:txBody>
+          <a:bodyPr wrap="square" rtlCol="0">
+            <a:spAutoFit/>
+          </a:bodyPr>
+          <a:lstStyle/>
+          <a:p>
+            <a:r>
+              <a:rPr kumimoji="1" lang="ja-JP" altLang="en-US" sz="2800" dirty="0" smtClean="0"/>
+              <a:t>承認</a:t>
+            </a:r>
+            <a:endParaRPr kumimoji="1" lang="ja-JP" altLang="en-US" sz="2800" dirty="0"/>
+          </a:p>
+        </p:txBody>
+      </p:sp>
+      <p:sp>
+        <p:nvSpPr>
+          <p:cNvPr id="17" name="テキスト ボックス 16"/>
+          <p:cNvSpPr txBox="1"/>
+          <p:nvPr/>
+        </p:nvSpPr>
+        <p:spPr>
+          <a:xfrm>
+            <a:off x="405186" y="5114511"/>
+            <a:ext cx="3515919" cy="1015663"/>
+          </a:xfrm>
+          <a:prstGeom prst="rect">
+            <a:avLst/>
+          </a:prstGeom>
+          <a:noFill/>
+        </p:spPr>
+        <p:txBody>
+          <a:bodyPr wrap="square" rtlCol="0">
+            <a:spAutoFit/>
+          </a:bodyPr>
+          <a:lstStyle/>
+          <a:p>
+            <a:r>
+              <a:rPr kumimoji="1" lang="ja-JP" altLang="en-US" sz="2000" dirty="0" smtClean="0"/>
+              <a:t>ここを傍受されたら勝手にログインされる気が・・・・・（認証なしログインをされる危険がある）</a:t>
+            </a:r>
+            <a:endParaRPr kumimoji="1" lang="ja-JP" altLang="en-US" sz="2000" dirty="0"/>
+          </a:p>
+        </p:txBody>
+      </p:sp>
+      <p:cxnSp>
+        <p:nvCxnSpPr>
+          <p:cNvPr id="18" name="直線矢印コネクタ 17"/>
+          <p:cNvCxnSpPr/>
+          <p:nvPr/>
+        </p:nvCxnSpPr>
+        <p:spPr>
+          <a:xfrm flipV="1">
+            <a:off x="2620634" y="4352524"/>
+            <a:ext cx="356251" cy="585236"/>
+          </a:xfrm>
+          <a:prstGeom prst="straightConnector1">
+            <a:avLst/>
+          </a:prstGeom>
+          <a:ln w="25400">
+            <a:solidFill>
+              <a:srgbClr val="0070C0"/>
+            </a:solidFill>
+            <a:tailEnd type="triangle"/>
+          </a:ln>
+        </p:spPr>
+        <p:style>
+          <a:lnRef idx="1">
+            <a:schemeClr val="accent1"/>
+          </a:lnRef>
+          <a:fillRef idx="0">
+            <a:schemeClr val="accent1"/>
+          </a:fillRef>
+          <a:effectRef idx="0">
+            <a:schemeClr val="accent1"/>
+          </a:effectRef>
+          <a:fontRef idx="minor">
+            <a:schemeClr val="tx1"/>
+          </a:fontRef>
+        </p:style>
+      </p:cxnSp>
+      <p:graphicFrame>
+        <p:nvGraphicFramePr>
+          <p:cNvPr id="22" name="表 21"/>
+          <p:cNvGraphicFramePr>
+            <a:graphicFrameLocks noGrp="1"/>
+          </p:cNvGraphicFramePr>
+          <p:nvPr>
+            <p:extLst>
+              <p:ext uri="{D42A27DB-BD31-4B8C-83A1-F6EECF244321}">
+                <p14:modId xmlns:p14="http://schemas.microsoft.com/office/powerpoint/2010/main" val="1400757154"/>
+              </p:ext>
+            </p:extLst>
+          </p:nvPr>
+        </p:nvGraphicFramePr>
+        <p:xfrm>
+          <a:off x="7869840" y="4581497"/>
+          <a:ext cx="4083829" cy="2072640"/>
+        </p:xfrm>
+        <a:graphic>
+          <a:graphicData uri="http://schemas.openxmlformats.org/drawingml/2006/table">
+            <a:tbl>
+              <a:tblPr firstRow="1" bandRow="1">
+                <a:tableStyleId>{5C22544A-7EE6-4342-B048-85BDC9FD1C3A}</a:tableStyleId>
+              </a:tblPr>
+              <a:tblGrid>
+                <a:gridCol w="1438081"/>
+                <a:gridCol w="1135809"/>
+                <a:gridCol w="1509939"/>
+              </a:tblGrid>
+              <a:tr h="457584">
+                <a:tc gridSpan="3">
+                  <a:txBody>
+                    <a:bodyPr/>
+                    <a:lstStyle/>
+                    <a:p>
+                      <a:pPr algn="ctr"/>
+                      <a:r>
+                        <a:rPr kumimoji="1" lang="en-US" altLang="ja-JP" sz="2800" dirty="0" smtClean="0"/>
+                        <a:t>account</a:t>
+                      </a:r>
+                      <a:endParaRPr kumimoji="1" lang="ja-JP" altLang="en-US" sz="2800" dirty="0"/>
+                    </a:p>
+                  </a:txBody>
+                  <a:tcPr/>
+                </a:tc>
+                <a:tc hMerge="1">
+                  <a:txBody>
+                    <a:bodyPr/>
+                    <a:lstStyle/>
+                    <a:p>
+                      <a:endParaRPr kumimoji="1" lang="ja-JP" altLang="en-US" dirty="0"/>
+                    </a:p>
+                  </a:txBody>
+                  <a:tcPr/>
+                </a:tc>
+                <a:tc hMerge="1">
+                  <a:txBody>
+                    <a:bodyPr/>
+                    <a:lstStyle/>
+                    <a:p>
+                      <a:endParaRPr kumimoji="1" lang="ja-JP" altLang="en-US" dirty="0"/>
+                    </a:p>
+                  </a:txBody>
+                  <a:tcPr/>
+                </a:tc>
+              </a:tr>
+              <a:tr h="207619">
+                <a:tc>
+                  <a:txBody>
+                    <a:bodyPr/>
+                    <a:lstStyle/>
+                    <a:p>
+                      <a:pPr marL="0" marR="0" indent="0" algn="l" defTabSz="914400" rtl="0" eaLnBrk="1" fontAlgn="auto" latinLnBrk="0" hangingPunct="1">
+                        <a:lnSpc>
+                          <a:spcPct val="100000"/>
+                        </a:lnSpc>
+                        <a:spcBef>
+                          <a:spcPts val="0"/>
+                        </a:spcBef>
+                        <a:spcAft>
+                          <a:spcPts val="0"/>
+                        </a:spcAft>
+                        <a:buClrTx/>
+                        <a:buSzTx/>
+                        <a:buFontTx/>
+                        <a:buNone/>
+                        <a:tabLst/>
+                        <a:defRPr/>
+                      </a:pPr>
+                      <a:r>
+                        <a:rPr kumimoji="1" lang="en-US" altLang="ja-JP" dirty="0" smtClean="0"/>
+                        <a:t>number</a:t>
+                      </a:r>
+                      <a:endParaRPr kumimoji="1" lang="ja-JP" altLang="en-US" dirty="0" smtClean="0"/>
+                    </a:p>
+                  </a:txBody>
+                  <a:tcPr/>
+                </a:tc>
+                <a:tc>
+                  <a:txBody>
+                    <a:bodyPr/>
+                    <a:lstStyle/>
+                    <a:p>
+                      <a:pPr marL="0" marR="0" indent="0" algn="l" defTabSz="914400" rtl="0" eaLnBrk="1" fontAlgn="auto" latinLnBrk="0" hangingPunct="1">
+                        <a:lnSpc>
+                          <a:spcPct val="100000"/>
+                        </a:lnSpc>
+                        <a:spcBef>
+                          <a:spcPts val="0"/>
+                        </a:spcBef>
+                        <a:spcAft>
+                          <a:spcPts val="0"/>
+                        </a:spcAft>
+                        <a:buClrTx/>
+                        <a:buSzTx/>
+                        <a:buFontTx/>
+                        <a:buNone/>
+                        <a:tabLst/>
+                        <a:defRPr/>
+                      </a:pPr>
+                      <a:r>
+                        <a:rPr kumimoji="1" lang="en-US" altLang="ja-JP" dirty="0" smtClean="0"/>
+                        <a:t>id</a:t>
+                      </a:r>
+                      <a:endParaRPr kumimoji="1" lang="ja-JP" altLang="en-US" dirty="0" smtClean="0"/>
+                    </a:p>
+                  </a:txBody>
+                  <a:tcPr/>
+                </a:tc>
+                <a:tc>
+                  <a:txBody>
+                    <a:bodyPr/>
+                    <a:lstStyle/>
+                    <a:p>
+                      <a:pPr marL="0" marR="0" indent="0" algn="l" defTabSz="914400" rtl="0" eaLnBrk="1" fontAlgn="auto" latinLnBrk="0" hangingPunct="1">
+                        <a:lnSpc>
+                          <a:spcPct val="100000"/>
+                        </a:lnSpc>
+                        <a:spcBef>
+                          <a:spcPts val="0"/>
+                        </a:spcBef>
+                        <a:spcAft>
+                          <a:spcPts val="0"/>
+                        </a:spcAft>
+                        <a:buClrTx/>
+                        <a:buSzTx/>
+                        <a:buFontTx/>
+                        <a:buNone/>
+                        <a:tabLst/>
+                        <a:defRPr/>
+                      </a:pPr>
+                      <a:r>
+                        <a:rPr kumimoji="1" lang="en-US" altLang="ja-JP" dirty="0" smtClean="0"/>
+                        <a:t>password</a:t>
+                      </a:r>
+                      <a:endParaRPr kumimoji="1" lang="ja-JP" altLang="en-US" dirty="0" smtClean="0"/>
+                    </a:p>
+                  </a:txBody>
+                  <a:tcPr/>
+                </a:tc>
+              </a:tr>
+              <a:tr h="738456">
+                <a:tc>
+                  <a:txBody>
+                    <a:bodyPr/>
+                    <a:lstStyle/>
+                    <a:p>
+                      <a:r>
+                        <a:rPr kumimoji="1" lang="en-US" altLang="ja-JP" dirty="0" smtClean="0"/>
+                        <a:t>1</a:t>
+                      </a:r>
+                      <a:endParaRPr kumimoji="1" lang="ja-JP" altLang="en-US" dirty="0"/>
+                    </a:p>
+                  </a:txBody>
+                  <a:tcPr/>
+                </a:tc>
+                <a:tc>
+                  <a:txBody>
+                    <a:bodyPr/>
+                    <a:lstStyle/>
+                    <a:p>
+                      <a:r>
+                        <a:rPr kumimoji="1" lang="en-US" altLang="ja-JP" dirty="0" err="1" smtClean="0"/>
+                        <a:t>hirose</a:t>
+                      </a:r>
+                      <a:endParaRPr kumimoji="1" lang="ja-JP" altLang="en-US" dirty="0"/>
+                    </a:p>
+                  </a:txBody>
+                  <a:tcPr/>
+                </a:tc>
+                <a:tc>
+                  <a:txBody>
+                    <a:bodyPr/>
+                    <a:lstStyle/>
+                    <a:p>
+                      <a:r>
+                        <a:rPr kumimoji="1" lang="en-US" altLang="ja-JP" dirty="0" smtClean="0"/>
+                        <a:t>b415f121bed5418d497277b7e51556dff74b8e55</a:t>
+                      </a:r>
+                      <a:endParaRPr kumimoji="1" lang="ja-JP" altLang="en-US" dirty="0"/>
+                    </a:p>
+                  </a:txBody>
+                  <a:tcPr/>
+                </a:tc>
+              </a:tr>
+            </a:tbl>
+          </a:graphicData>
+        </a:graphic>
+      </p:graphicFrame>
+      <p:cxnSp>
+        <p:nvCxnSpPr>
+          <p:cNvPr id="23" name="直線矢印コネクタ 22"/>
+          <p:cNvCxnSpPr/>
+          <p:nvPr/>
+        </p:nvCxnSpPr>
+        <p:spPr>
+          <a:xfrm flipV="1">
+            <a:off x="9868312" y="3368312"/>
+            <a:ext cx="841359" cy="1050071"/>
+          </a:xfrm>
+          <a:prstGeom prst="straightConnector1">
+            <a:avLst/>
+          </a:prstGeom>
+          <a:ln w="25400">
+            <a:solidFill>
+              <a:srgbClr val="00B050"/>
+            </a:solidFill>
+            <a:tailEnd type="triangle"/>
+          </a:ln>
+        </p:spPr>
+        <p:style>
+          <a:lnRef idx="1">
+            <a:schemeClr val="accent1"/>
+          </a:lnRef>
+          <a:fillRef idx="0">
+            <a:schemeClr val="accent1"/>
+          </a:fillRef>
+          <a:effectRef idx="0">
+            <a:schemeClr val="accent1"/>
+          </a:effectRef>
+          <a:fontRef idx="minor">
+            <a:schemeClr val="tx1"/>
+          </a:fontRef>
+        </p:style>
+      </p:cxnSp>
+    </p:spTree>
+    <p:extLst>
+      <p:ext uri="{BB962C8B-B14F-4D97-AF65-F5344CB8AC3E}">
+        <p14:creationId xmlns:p14="http://schemas.microsoft.com/office/powerpoint/2010/main" val="4160863369"/>
       </p:ext>
     </p:extLst>
   </p:cSld>

--- a/design/Webアプリケーションシステム.pptx
+++ b/design/Webアプリケーションシステム.pptx
@@ -201,7 +201,7 @@
           <a:p>
             <a:fld id="{D69DC826-EC42-4CF3-9404-97187E0C6B30}" type="datetimeFigureOut">
               <a:rPr kumimoji="1" lang="ja-JP" altLang="en-US" smtClean="0"/>
-              <a:t>2013/12/30</a:t>
+              <a:t>2013/12/31</a:t>
             </a:fld>
             <a:endParaRPr kumimoji="1" lang="ja-JP" altLang="en-US"/>
           </a:p>
@@ -559,11 +559,7 @@
             </a:r>
             <a:r>
               <a:rPr kumimoji="1" lang="ja-JP" altLang="en-US" dirty="0" smtClean="0"/>
-              <a:t>を</a:t>
-            </a:r>
-            <a:r>
-              <a:rPr kumimoji="1" lang="ja-JP" altLang="en-US" dirty="0" smtClean="0"/>
-              <a:t>使って暗号化させて送信し、</a:t>
+              <a:t>を使って暗号化させて送信し、</a:t>
             </a:r>
             <a:r>
               <a:rPr kumimoji="1" lang="en-US" altLang="ja-JP" dirty="0" smtClean="0"/>
@@ -1023,7 +1019,7 @@
           <a:p>
             <a:fld id="{F168E968-C88F-4183-9E10-2B943E46417A}" type="datetimeFigureOut">
               <a:rPr kumimoji="1" lang="ja-JP" altLang="en-US" smtClean="0"/>
-              <a:t>2013/12/30</a:t>
+              <a:t>2013/12/31</a:t>
             </a:fld>
             <a:endParaRPr kumimoji="1" lang="ja-JP" altLang="en-US"/>
           </a:p>
@@ -1225,7 +1221,7 @@
           <a:p>
             <a:fld id="{F168E968-C88F-4183-9E10-2B943E46417A}" type="datetimeFigureOut">
               <a:rPr kumimoji="1" lang="ja-JP" altLang="en-US" smtClean="0"/>
-              <a:t>2013/12/30</a:t>
+              <a:t>2013/12/31</a:t>
             </a:fld>
             <a:endParaRPr kumimoji="1" lang="ja-JP" altLang="en-US"/>
           </a:p>
@@ -1437,7 +1433,7 @@
           <a:p>
             <a:fld id="{F168E968-C88F-4183-9E10-2B943E46417A}" type="datetimeFigureOut">
               <a:rPr kumimoji="1" lang="ja-JP" altLang="en-US" smtClean="0"/>
-              <a:t>2013/12/30</a:t>
+              <a:t>2013/12/31</a:t>
             </a:fld>
             <a:endParaRPr kumimoji="1" lang="ja-JP" altLang="en-US"/>
           </a:p>
@@ -1639,7 +1635,7 @@
           <a:p>
             <a:fld id="{F168E968-C88F-4183-9E10-2B943E46417A}" type="datetimeFigureOut">
               <a:rPr kumimoji="1" lang="ja-JP" altLang="en-US" smtClean="0"/>
-              <a:t>2013/12/30</a:t>
+              <a:t>2013/12/31</a:t>
             </a:fld>
             <a:endParaRPr kumimoji="1" lang="ja-JP" altLang="en-US"/>
           </a:p>
@@ -1885,7 +1881,7 @@
           <a:p>
             <a:fld id="{F168E968-C88F-4183-9E10-2B943E46417A}" type="datetimeFigureOut">
               <a:rPr kumimoji="1" lang="ja-JP" altLang="en-US" smtClean="0"/>
-              <a:t>2013/12/30</a:t>
+              <a:t>2013/12/31</a:t>
             </a:fld>
             <a:endParaRPr kumimoji="1" lang="ja-JP" altLang="en-US"/>
           </a:p>
@@ -2181,7 +2177,7 @@
           <a:p>
             <a:fld id="{F168E968-C88F-4183-9E10-2B943E46417A}" type="datetimeFigureOut">
               <a:rPr kumimoji="1" lang="ja-JP" altLang="en-US" smtClean="0"/>
-              <a:t>2013/12/30</a:t>
+              <a:t>2013/12/31</a:t>
             </a:fld>
             <a:endParaRPr kumimoji="1" lang="ja-JP" altLang="en-US"/>
           </a:p>
@@ -2612,7 +2608,7 @@
           <a:p>
             <a:fld id="{F168E968-C88F-4183-9E10-2B943E46417A}" type="datetimeFigureOut">
               <a:rPr kumimoji="1" lang="ja-JP" altLang="en-US" smtClean="0"/>
-              <a:t>2013/12/30</a:t>
+              <a:t>2013/12/31</a:t>
             </a:fld>
             <a:endParaRPr kumimoji="1" lang="ja-JP" altLang="en-US"/>
           </a:p>
@@ -2730,7 +2726,7 @@
           <a:p>
             <a:fld id="{F168E968-C88F-4183-9E10-2B943E46417A}" type="datetimeFigureOut">
               <a:rPr kumimoji="1" lang="ja-JP" altLang="en-US" smtClean="0"/>
-              <a:t>2013/12/30</a:t>
+              <a:t>2013/12/31</a:t>
             </a:fld>
             <a:endParaRPr kumimoji="1" lang="ja-JP" altLang="en-US"/>
           </a:p>
@@ -2825,7 +2821,7 @@
           <a:p>
             <a:fld id="{F168E968-C88F-4183-9E10-2B943E46417A}" type="datetimeFigureOut">
               <a:rPr kumimoji="1" lang="ja-JP" altLang="en-US" smtClean="0"/>
-              <a:t>2013/12/30</a:t>
+              <a:t>2013/12/31</a:t>
             </a:fld>
             <a:endParaRPr kumimoji="1" lang="ja-JP" altLang="en-US"/>
           </a:p>
@@ -3134,7 +3130,7 @@
           <a:p>
             <a:fld id="{F168E968-C88F-4183-9E10-2B943E46417A}" type="datetimeFigureOut">
               <a:rPr kumimoji="1" lang="ja-JP" altLang="en-US" smtClean="0"/>
-              <a:t>2013/12/30</a:t>
+              <a:t>2013/12/31</a:t>
             </a:fld>
             <a:endParaRPr kumimoji="1" lang="ja-JP" altLang="en-US"/>
           </a:p>
@@ -3387,7 +3383,7 @@
           <a:p>
             <a:fld id="{F168E968-C88F-4183-9E10-2B943E46417A}" type="datetimeFigureOut">
               <a:rPr kumimoji="1" lang="ja-JP" altLang="en-US" smtClean="0"/>
-              <a:t>2013/12/30</a:t>
+              <a:t>2013/12/31</a:t>
             </a:fld>
             <a:endParaRPr kumimoji="1" lang="ja-JP" altLang="en-US"/>
           </a:p>
@@ -3632,7 +3628,7 @@
           <a:p>
             <a:fld id="{F168E968-C88F-4183-9E10-2B943E46417A}" type="datetimeFigureOut">
               <a:rPr kumimoji="1" lang="ja-JP" altLang="en-US" smtClean="0"/>
-              <a:t>2013/12/30</a:t>
+              <a:t>2013/12/31</a:t>
             </a:fld>
             <a:endParaRPr kumimoji="1" lang="ja-JP" altLang="en-US"/>
           </a:p>
@@ -4164,8 +4160,8 @@
         </p:nvSpPr>
         <p:spPr>
           <a:xfrm>
-            <a:off x="2225337" y="1797599"/>
-            <a:ext cx="1070609" cy="1077218"/>
+            <a:off x="1942081" y="1012770"/>
+            <a:ext cx="2478001" cy="1569660"/>
           </a:xfrm>
           <a:prstGeom prst="rect">
             <a:avLst/>
@@ -4182,6 +4178,13 @@
               <a:rPr kumimoji="1" lang="en-US" altLang="ja-JP" sz="3200" dirty="0" smtClean="0"/>
               <a:t>ID</a:t>
             </a:r>
+          </a:p>
+          <a:p>
+            <a:r>
+              <a:rPr lang="ja-JP" altLang="en-US" sz="3200" dirty="0"/>
+              <a:t>ニックネーム</a:t>
+            </a:r>
+            <a:endParaRPr kumimoji="1" lang="en-US" altLang="ja-JP" sz="3200" dirty="0" smtClean="0"/>
           </a:p>
           <a:p>
             <a:r>
@@ -4272,8 +4275,8 @@
         </p:nvSpPr>
         <p:spPr>
           <a:xfrm>
-            <a:off x="7879571" y="1462829"/>
-            <a:ext cx="2365005" cy="1077218"/>
+            <a:off x="7901779" y="1106148"/>
+            <a:ext cx="2365005" cy="1569660"/>
           </a:xfrm>
           <a:prstGeom prst="rect">
             <a:avLst/>
@@ -4290,6 +4293,13 @@
               <a:rPr kumimoji="1" lang="en-US" altLang="ja-JP" sz="3200" dirty="0" smtClean="0"/>
               <a:t>ID</a:t>
             </a:r>
+          </a:p>
+          <a:p>
+            <a:r>
+              <a:rPr lang="ja-JP" altLang="en-US" sz="3200" dirty="0"/>
+              <a:t>ニックネーム</a:t>
+            </a:r>
+            <a:endParaRPr kumimoji="1" lang="en-US" altLang="ja-JP" sz="3200" dirty="0" smtClean="0"/>
           </a:p>
           <a:p>
             <a:r>
@@ -4424,8 +4434,8 @@
         </p:nvSpPr>
         <p:spPr>
           <a:xfrm>
-            <a:off x="4995096" y="1537036"/>
-            <a:ext cx="2365005" cy="1077218"/>
+            <a:off x="4912339" y="1044594"/>
+            <a:ext cx="2365005" cy="1569660"/>
           </a:xfrm>
           <a:prstGeom prst="rect">
             <a:avLst/>
@@ -4442,6 +4452,13 @@
               <a:rPr kumimoji="1" lang="en-US" altLang="ja-JP" sz="3200" dirty="0" smtClean="0"/>
               <a:t>ID</a:t>
             </a:r>
+          </a:p>
+          <a:p>
+            <a:r>
+              <a:rPr lang="ja-JP" altLang="en-US" sz="3200" dirty="0"/>
+              <a:t>ニックネーム</a:t>
+            </a:r>
+            <a:endParaRPr kumimoji="1" lang="en-US" altLang="ja-JP" sz="3200" dirty="0" smtClean="0"/>
           </a:p>
           <a:p>
             <a:r>
@@ -4549,15 +4566,7 @@
                   <a:srgbClr val="7030A0"/>
                 </a:solidFill>
               </a:rPr>
-              <a:t>会員登録</a:t>
-            </a:r>
-            <a:r>
-              <a:rPr lang="ja-JP" altLang="en-US" sz="4400" b="1" dirty="0" smtClean="0">
-                <a:solidFill>
-                  <a:srgbClr val="7030A0"/>
-                </a:solidFill>
-              </a:rPr>
-              <a:t>システム</a:t>
+              <a:t>会員登録システム</a:t>
             </a:r>
             <a:r>
               <a:rPr lang="en-US" altLang="ja-JP" sz="4400" b="1" dirty="0" smtClean="0">
@@ -4671,8 +4680,8 @@
         </p:nvSpPr>
         <p:spPr>
           <a:xfrm>
-            <a:off x="1497979" y="2056978"/>
-            <a:ext cx="2600386" cy="1077218"/>
+            <a:off x="1481387" y="1279409"/>
+            <a:ext cx="2600386" cy="1815882"/>
           </a:xfrm>
           <a:prstGeom prst="rect">
             <a:avLst/>
@@ -4686,17 +4695,24 @@
           <a:lstStyle/>
           <a:p>
             <a:r>
-              <a:rPr kumimoji="1" lang="en-US" altLang="ja-JP" sz="3200" dirty="0" err="1" smtClean="0"/>
+              <a:rPr kumimoji="1" lang="en-US" altLang="ja-JP" sz="2800" dirty="0" err="1" smtClean="0"/>
               <a:t>ID:hirose</a:t>
             </a:r>
-            <a:endParaRPr kumimoji="1" lang="en-US" altLang="ja-JP" sz="3200" dirty="0" smtClean="0"/>
-          </a:p>
-          <a:p>
-            <a:r>
-              <a:rPr lang="en-US" altLang="ja-JP" sz="3200" dirty="0" err="1" smtClean="0"/>
+            <a:endParaRPr kumimoji="1" lang="en-US" altLang="ja-JP" sz="2800" dirty="0" smtClean="0"/>
+          </a:p>
+          <a:p>
+            <a:r>
+              <a:rPr kumimoji="1" lang="ja-JP" altLang="en-US" sz="2800" dirty="0" smtClean="0"/>
+              <a:t>ニックネーム：広瀬太郎</a:t>
+            </a:r>
+            <a:endParaRPr kumimoji="1" lang="en-US" altLang="ja-JP" sz="2800" dirty="0" smtClean="0"/>
+          </a:p>
+          <a:p>
+            <a:r>
+              <a:rPr lang="en-US" altLang="ja-JP" sz="2800" dirty="0" err="1" smtClean="0"/>
               <a:t>PW:hirose</a:t>
             </a:r>
-            <a:endParaRPr kumimoji="1" lang="ja-JP" altLang="en-US" sz="3200" dirty="0"/>
+            <a:endParaRPr kumimoji="1" lang="ja-JP" altLang="en-US" sz="2800" dirty="0"/>
           </a:p>
         </p:txBody>
       </p:sp>
@@ -4888,8 +4904,8 @@
         </p:nvSpPr>
         <p:spPr>
           <a:xfrm>
-            <a:off x="4407443" y="1421828"/>
-            <a:ext cx="2747275" cy="1692771"/>
+            <a:off x="4648075" y="1110879"/>
+            <a:ext cx="2747275" cy="2123658"/>
           </a:xfrm>
           <a:prstGeom prst="rect">
             <a:avLst/>
@@ -4903,31 +4919,45 @@
           <a:lstStyle/>
           <a:p>
             <a:r>
-              <a:rPr kumimoji="1" lang="en-US" altLang="ja-JP" sz="3200" dirty="0" err="1" smtClean="0"/>
+              <a:rPr kumimoji="1" lang="en-US" altLang="ja-JP" sz="2400" dirty="0" err="1" smtClean="0"/>
               <a:t>ID:hirose</a:t>
             </a:r>
-            <a:endParaRPr kumimoji="1" lang="en-US" altLang="ja-JP" sz="3200" dirty="0" smtClean="0"/>
-          </a:p>
-          <a:p>
-            <a:r>
-              <a:rPr lang="en-US" altLang="ja-JP" sz="3200" dirty="0" smtClean="0"/>
+            <a:endParaRPr kumimoji="1" lang="en-US" altLang="ja-JP" sz="2400" dirty="0" smtClean="0"/>
+          </a:p>
+          <a:p>
+            <a:r>
+              <a:rPr lang="ja-JP" altLang="en-US" sz="2400" dirty="0" smtClean="0"/>
+              <a:t>ニックネーム：</a:t>
+            </a:r>
+            <a:endParaRPr lang="en-US" altLang="ja-JP" sz="2400" dirty="0" smtClean="0"/>
+          </a:p>
+          <a:p>
+            <a:r>
+              <a:rPr kumimoji="1" lang="ja-JP" altLang="en-US" sz="2400" dirty="0" smtClean="0"/>
+              <a:t>広瀬太郎</a:t>
+            </a:r>
+            <a:endParaRPr kumimoji="1" lang="en-US" altLang="ja-JP" sz="2400" dirty="0" smtClean="0"/>
+          </a:p>
+          <a:p>
+            <a:r>
+              <a:rPr lang="en-US" altLang="ja-JP" sz="2400" dirty="0" smtClean="0"/>
               <a:t>PW(</a:t>
             </a:r>
             <a:r>
-              <a:rPr lang="ja-JP" altLang="en-US" sz="3200" dirty="0" smtClean="0"/>
+              <a:rPr lang="ja-JP" altLang="en-US" sz="2400" dirty="0" smtClean="0"/>
               <a:t>暗号化</a:t>
             </a:r>
             <a:r>
-              <a:rPr lang="en-US" altLang="ja-JP" sz="3200" dirty="0" smtClean="0"/>
+              <a:rPr lang="en-US" altLang="ja-JP" sz="2400" dirty="0" smtClean="0"/>
               <a:t>):</a:t>
             </a:r>
           </a:p>
           <a:p>
             <a:r>
-              <a:rPr lang="en-US" altLang="ja-JP" sz="2000" dirty="0"/>
+              <a:rPr lang="en-US" altLang="ja-JP" sz="1600" dirty="0"/>
               <a:t>b415f121bed5418d497277b7e51556dff74b8e55</a:t>
             </a:r>
-            <a:endParaRPr lang="ja-JP" altLang="en-US" sz="2000" dirty="0"/>
+            <a:endParaRPr lang="ja-JP" altLang="en-US" sz="1600" dirty="0"/>
           </a:p>
         </p:txBody>
       </p:sp>
@@ -4970,14 +5000,14 @@
           <p:nvPr>
             <p:extLst>
               <p:ext uri="{D42A27DB-BD31-4B8C-83A1-F6EECF244321}">
-                <p14:modId xmlns:p14="http://schemas.microsoft.com/office/powerpoint/2010/main" val="3778553311"/>
+                <p14:modId xmlns:p14="http://schemas.microsoft.com/office/powerpoint/2010/main" val="1682193232"/>
               </p:ext>
             </p:extLst>
           </p:nvPr>
         </p:nvGraphicFramePr>
         <p:xfrm>
-          <a:off x="7878865" y="4632576"/>
-          <a:ext cx="4083829" cy="2072640"/>
+          <a:off x="7154718" y="4632576"/>
+          <a:ext cx="4888889" cy="1798320"/>
         </p:xfrm>
         <a:graphic>
           <a:graphicData uri="http://schemas.openxmlformats.org/drawingml/2006/table">
@@ -4986,12 +5016,13 @@
                 <a:tableStyleId>{5C22544A-7EE6-4342-B048-85BDC9FD1C3A}</a:tableStyleId>
               </a:tblPr>
               <a:tblGrid>
-                <a:gridCol w="1438081"/>
-                <a:gridCol w="1135809"/>
-                <a:gridCol w="1509939"/>
+                <a:gridCol w="1090122"/>
+                <a:gridCol w="807720"/>
+                <a:gridCol w="1218566"/>
+                <a:gridCol w="1772481"/>
               </a:tblGrid>
               <a:tr h="457584">
-                <a:tc gridSpan="3">
+                <a:tc gridSpan="4">
                   <a:txBody>
                     <a:bodyPr/>
                     <a:lstStyle/>
@@ -5012,6 +5043,16 @@
                     <a:lstStyle/>
                     <a:p>
                       <a:endParaRPr kumimoji="1" lang="ja-JP" altLang="en-US" dirty="0"/>
+                    </a:p>
+                  </a:txBody>
+                  <a:tcPr/>
+                </a:tc>
+                <a:tc hMerge="1">
+                  <a:txBody>
+                    <a:bodyPr/>
+                    <a:lstStyle/>
+                    <a:p>
+                      <a:endParaRPr kumimoji="1" lang="ja-JP" altLang="en-US"/>
                     </a:p>
                   </a:txBody>
                   <a:tcPr/>
@@ -5114,6 +5155,37 @@
                       </a:pPr>
                       <a:r>
                         <a:rPr kumimoji="1" lang="en-US" altLang="ja-JP" dirty="0" smtClean="0"/>
+                        <a:t>nickname</a:t>
+                      </a:r>
+                      <a:endParaRPr kumimoji="1" lang="ja-JP" altLang="en-US" dirty="0" smtClean="0"/>
+                    </a:p>
+                  </a:txBody>
+                  <a:tcPr/>
+                </a:tc>
+                <a:tc>
+                  <a:txBody>
+                    <a:bodyPr/>
+                    <a:lstStyle/>
+                    <a:p>
+                      <a:pPr marL="0" marR="0" indent="0" algn="l" defTabSz="914400" rtl="0" eaLnBrk="1" fontAlgn="auto" latinLnBrk="0" hangingPunct="1">
+                        <a:lnSpc>
+                          <a:spcPct val="100000"/>
+                        </a:lnSpc>
+                        <a:spcBef>
+                          <a:spcPts val="0"/>
+                        </a:spcBef>
+                        <a:spcAft>
+                          <a:spcPts val="0"/>
+                        </a:spcAft>
+                        <a:buClrTx/>
+                        <a:buSzTx/>
+                        <a:buFontTx/>
+                        <a:buNone/>
+                        <a:tabLst/>
+                        <a:defRPr/>
+                      </a:pPr>
+                      <a:r>
+                        <a:rPr kumimoji="1" lang="en-US" altLang="ja-JP" dirty="0" smtClean="0"/>
                         <a:t>password</a:t>
                       </a:r>
                       <a:endParaRPr kumimoji="1" lang="ja-JP" altLang="en-US" dirty="0" smtClean="0"/>
@@ -5157,6 +5229,20 @@
                     <a:lstStyle/>
                     <a:p>
                       <a:r>
+                        <a:rPr kumimoji="1" lang="ja-JP" altLang="en-US" dirty="0" smtClean="0"/>
+                        <a:t>広瀬太郎</a:t>
+                      </a:r>
+                      <a:endParaRPr kumimoji="1" lang="ja-JP" altLang="en-US" dirty="0"/>
+                    </a:p>
+                  </a:txBody>
+                  <a:tcPr/>
+                </a:tc>
+                <a:tc>
+                  <a:txBody>
+                    <a:bodyPr/>
+                    <a:lstStyle/>
+                    <a:p>
+                      <a:r>
                         <a:rPr kumimoji="1" lang="en-US" altLang="ja-JP" dirty="0" smtClean="0"/>
                         <a:t>b415f121bed5418d497277b7e51556dff74b8e55</a:t>
                       </a:r>
@@ -5178,8 +5264,8 @@
         </p:nvSpPr>
         <p:spPr>
           <a:xfrm>
-            <a:off x="7470682" y="1441425"/>
-            <a:ext cx="2747275" cy="1692771"/>
+            <a:off x="7756945" y="1161750"/>
+            <a:ext cx="2747275" cy="2123658"/>
           </a:xfrm>
           <a:prstGeom prst="rect">
             <a:avLst/>
@@ -5193,31 +5279,49 @@
           <a:lstStyle/>
           <a:p>
             <a:r>
-              <a:rPr kumimoji="1" lang="en-US" altLang="ja-JP" sz="3200" dirty="0" err="1" smtClean="0"/>
+              <a:rPr kumimoji="1" lang="en-US" altLang="ja-JP" sz="2400" dirty="0" err="1" smtClean="0"/>
               <a:t>ID:hirose</a:t>
             </a:r>
-            <a:endParaRPr kumimoji="1" lang="en-US" altLang="ja-JP" sz="3200" dirty="0" smtClean="0"/>
-          </a:p>
-          <a:p>
-            <a:r>
-              <a:rPr lang="en-US" altLang="ja-JP" sz="3200" dirty="0" smtClean="0"/>
+            <a:endParaRPr kumimoji="1" lang="en-US" altLang="ja-JP" sz="2400" dirty="0" smtClean="0"/>
+          </a:p>
+          <a:p>
+            <a:r>
+              <a:rPr lang="ja-JP" altLang="en-US" sz="2400" dirty="0" smtClean="0"/>
+              <a:t>ニックネーム：</a:t>
+            </a:r>
+            <a:endParaRPr lang="en-US" altLang="ja-JP" sz="2400" dirty="0" smtClean="0"/>
+          </a:p>
+          <a:p>
+            <a:r>
+              <a:rPr kumimoji="1" lang="ja-JP" altLang="en-US" sz="2400" dirty="0" smtClean="0"/>
+              <a:t>広瀬</a:t>
+            </a:r>
+            <a:r>
+              <a:rPr kumimoji="1" lang="ja-JP" altLang="en-US" sz="2400" dirty="0"/>
+              <a:t>太郎</a:t>
+            </a:r>
+            <a:endParaRPr kumimoji="1" lang="en-US" altLang="ja-JP" sz="2400" dirty="0" smtClean="0"/>
+          </a:p>
+          <a:p>
+            <a:r>
+              <a:rPr lang="en-US" altLang="ja-JP" sz="2400" dirty="0" smtClean="0"/>
               <a:t>PW(</a:t>
             </a:r>
             <a:r>
-              <a:rPr lang="ja-JP" altLang="en-US" sz="3200" dirty="0" smtClean="0"/>
+              <a:rPr lang="ja-JP" altLang="en-US" sz="2400" dirty="0" smtClean="0"/>
               <a:t>暗号化</a:t>
             </a:r>
             <a:r>
-              <a:rPr lang="en-US" altLang="ja-JP" sz="3200" dirty="0" smtClean="0"/>
+              <a:rPr lang="en-US" altLang="ja-JP" sz="2400" dirty="0" smtClean="0"/>
               <a:t>):</a:t>
             </a:r>
           </a:p>
           <a:p>
             <a:r>
-              <a:rPr lang="en-US" altLang="ja-JP" sz="2000" dirty="0"/>
+              <a:rPr lang="en-US" altLang="ja-JP" sz="1600" dirty="0"/>
               <a:t>b415f121bed5418d497277b7e51556dff74b8e55</a:t>
             </a:r>
-            <a:endParaRPr lang="ja-JP" altLang="en-US" sz="2000" dirty="0"/>
+            <a:endParaRPr lang="ja-JP" altLang="en-US" sz="1600" dirty="0"/>
           </a:p>
         </p:txBody>
       </p:sp>
@@ -6407,8 +6511,8 @@
         </p:nvSpPr>
         <p:spPr>
           <a:xfrm>
-            <a:off x="1651604" y="1344739"/>
-            <a:ext cx="1910647" cy="1077218"/>
+            <a:off x="1515612" y="1435646"/>
+            <a:ext cx="2885230" cy="1077218"/>
           </a:xfrm>
           <a:prstGeom prst="rect">
             <a:avLst/>
@@ -6480,8 +6584,8 @@
         </p:nvSpPr>
         <p:spPr>
           <a:xfrm>
-            <a:off x="7918146" y="921483"/>
-            <a:ext cx="2834968" cy="1692771"/>
+            <a:off x="7885537" y="1106149"/>
+            <a:ext cx="2834968" cy="1508105"/>
           </a:xfrm>
           <a:prstGeom prst="rect">
             <a:avLst/>
@@ -6495,31 +6599,35 @@
           <a:lstStyle/>
           <a:p>
             <a:r>
-              <a:rPr kumimoji="1" lang="en-US" altLang="ja-JP" sz="3200" dirty="0" err="1" smtClean="0"/>
+              <a:rPr kumimoji="1" lang="en-US" altLang="ja-JP" sz="2800" dirty="0" err="1" smtClean="0"/>
               <a:t>ID:hirose</a:t>
             </a:r>
-            <a:endParaRPr kumimoji="1" lang="en-US" altLang="ja-JP" sz="3200" dirty="0" smtClean="0"/>
-          </a:p>
-          <a:p>
-            <a:r>
-              <a:rPr lang="en-US" altLang="ja-JP" sz="3200" dirty="0" smtClean="0"/>
-              <a:t>PW(</a:t>
-            </a:r>
-            <a:r>
-              <a:rPr lang="ja-JP" altLang="en-US" sz="3200" dirty="0" smtClean="0"/>
+            <a:endParaRPr kumimoji="1" lang="en-US" altLang="ja-JP" sz="2800" dirty="0" smtClean="0"/>
+          </a:p>
+          <a:p>
+            <a:r>
+              <a:rPr lang="en-US" altLang="ja-JP" sz="2800" dirty="0" smtClean="0"/>
+              <a:t>PW</a:t>
+            </a:r>
+            <a:r>
+              <a:rPr lang="en-US" altLang="ja-JP" sz="2800" dirty="0" smtClean="0"/>
+              <a:t>(</a:t>
+            </a:r>
+            <a:r>
+              <a:rPr lang="ja-JP" altLang="en-US" sz="2800" dirty="0" smtClean="0"/>
               <a:t>暗号化</a:t>
             </a:r>
             <a:r>
-              <a:rPr lang="en-US" altLang="ja-JP" sz="3200" dirty="0" smtClean="0"/>
+              <a:rPr lang="en-US" altLang="ja-JP" sz="2800" dirty="0" smtClean="0"/>
               <a:t>):</a:t>
             </a:r>
           </a:p>
           <a:p>
             <a:r>
-              <a:rPr lang="en-US" altLang="ja-JP" sz="2000" dirty="0" smtClean="0"/>
+              <a:rPr lang="en-US" altLang="ja-JP" dirty="0" smtClean="0"/>
               <a:t>b415f121bed5418d497277b7e51556dff74b8e55</a:t>
             </a:r>
-            <a:endParaRPr lang="ja-JP" altLang="en-US" sz="2000" dirty="0"/>
+            <a:endParaRPr lang="ja-JP" altLang="en-US" dirty="0"/>
           </a:p>
         </p:txBody>
       </p:sp>
@@ -6639,8 +6747,8 @@
         </p:nvSpPr>
         <p:spPr>
           <a:xfrm>
-            <a:off x="4782294" y="927511"/>
-            <a:ext cx="2734072" cy="1692771"/>
+            <a:off x="4755144" y="1064486"/>
+            <a:ext cx="2734072" cy="1508105"/>
           </a:xfrm>
           <a:prstGeom prst="rect">
             <a:avLst/>
@@ -6654,31 +6762,35 @@
           <a:lstStyle/>
           <a:p>
             <a:r>
-              <a:rPr kumimoji="1" lang="en-US" altLang="ja-JP" sz="3200" dirty="0" err="1" smtClean="0"/>
+              <a:rPr kumimoji="1" lang="en-US" altLang="ja-JP" sz="2800" dirty="0" err="1" smtClean="0"/>
               <a:t>ID:hirose</a:t>
             </a:r>
-            <a:endParaRPr kumimoji="1" lang="en-US" altLang="ja-JP" sz="3200" dirty="0" smtClean="0"/>
-          </a:p>
-          <a:p>
-            <a:r>
-              <a:rPr lang="en-US" altLang="ja-JP" sz="3200" dirty="0" smtClean="0"/>
-              <a:t>PW(</a:t>
-            </a:r>
-            <a:r>
-              <a:rPr lang="ja-JP" altLang="en-US" sz="3200" dirty="0" smtClean="0"/>
+            <a:endParaRPr kumimoji="1" lang="en-US" altLang="ja-JP" sz="2800" dirty="0" smtClean="0"/>
+          </a:p>
+          <a:p>
+            <a:r>
+              <a:rPr lang="en-US" altLang="ja-JP" sz="2800" dirty="0" smtClean="0"/>
+              <a:t>PW</a:t>
+            </a:r>
+            <a:r>
+              <a:rPr lang="en-US" altLang="ja-JP" sz="2800" dirty="0" smtClean="0"/>
+              <a:t>(</a:t>
+            </a:r>
+            <a:r>
+              <a:rPr lang="ja-JP" altLang="en-US" sz="2800" dirty="0" smtClean="0"/>
               <a:t>暗号化</a:t>
             </a:r>
             <a:r>
-              <a:rPr lang="en-US" altLang="ja-JP" sz="3200" dirty="0" smtClean="0"/>
+              <a:rPr lang="en-US" altLang="ja-JP" sz="2800" dirty="0" smtClean="0"/>
               <a:t>):</a:t>
             </a:r>
           </a:p>
           <a:p>
             <a:r>
-              <a:rPr lang="en-US" altLang="ja-JP" sz="2000" dirty="0" smtClean="0"/>
+              <a:rPr lang="en-US" altLang="ja-JP" dirty="0" smtClean="0"/>
               <a:t>b415f121bed5418d497277b7e51556dff74b8e55</a:t>
             </a:r>
-            <a:endParaRPr lang="ja-JP" altLang="en-US" sz="2000" dirty="0"/>
+            <a:endParaRPr lang="ja-JP" altLang="en-US" dirty="0"/>
           </a:p>
         </p:txBody>
       </p:sp>
@@ -6930,14 +7042,14 @@
           <p:nvPr>
             <p:extLst>
               <p:ext uri="{D42A27DB-BD31-4B8C-83A1-F6EECF244321}">
-                <p14:modId xmlns:p14="http://schemas.microsoft.com/office/powerpoint/2010/main" val="1400757154"/>
+                <p14:modId xmlns:p14="http://schemas.microsoft.com/office/powerpoint/2010/main" val="1395389353"/>
               </p:ext>
             </p:extLst>
           </p:nvPr>
         </p:nvGraphicFramePr>
         <p:xfrm>
-          <a:off x="7869840" y="4581497"/>
-          <a:ext cx="4083829" cy="2072640"/>
+          <a:off x="7178040" y="4581497"/>
+          <a:ext cx="4775630" cy="1798320"/>
         </p:xfrm>
         <a:graphic>
           <a:graphicData uri="http://schemas.openxmlformats.org/drawingml/2006/table">
@@ -6946,12 +7058,13 @@
                 <a:tableStyleId>{5C22544A-7EE6-4342-B048-85BDC9FD1C3A}</a:tableStyleId>
               </a:tblPr>
               <a:tblGrid>
-                <a:gridCol w="1438081"/>
-                <a:gridCol w="1135809"/>
-                <a:gridCol w="1509939"/>
+                <a:gridCol w="975360"/>
+                <a:gridCol w="822960"/>
+                <a:gridCol w="1211588"/>
+                <a:gridCol w="1765722"/>
               </a:tblGrid>
               <a:tr h="457584">
-                <a:tc gridSpan="3">
+                <a:tc gridSpan="4">
                   <a:txBody>
                     <a:bodyPr/>
                     <a:lstStyle/>
@@ -6972,6 +7085,16 @@
                     <a:lstStyle/>
                     <a:p>
                       <a:endParaRPr kumimoji="1" lang="ja-JP" altLang="en-US" dirty="0"/>
+                    </a:p>
+                  </a:txBody>
+                  <a:tcPr/>
+                </a:tc>
+                <a:tc hMerge="1">
+                  <a:txBody>
+                    <a:bodyPr/>
+                    <a:lstStyle/>
+                    <a:p>
+                      <a:endParaRPr kumimoji="1" lang="ja-JP" altLang="en-US"/>
                     </a:p>
                   </a:txBody>
                   <a:tcPr/>
@@ -7074,6 +7197,37 @@
                       </a:pPr>
                       <a:r>
                         <a:rPr kumimoji="1" lang="en-US" altLang="ja-JP" dirty="0" smtClean="0"/>
+                        <a:t>nickname</a:t>
+                      </a:r>
+                      <a:endParaRPr kumimoji="1" lang="ja-JP" altLang="en-US" dirty="0" smtClean="0"/>
+                    </a:p>
+                  </a:txBody>
+                  <a:tcPr/>
+                </a:tc>
+                <a:tc>
+                  <a:txBody>
+                    <a:bodyPr/>
+                    <a:lstStyle/>
+                    <a:p>
+                      <a:pPr marL="0" marR="0" indent="0" algn="l" defTabSz="914400" rtl="0" eaLnBrk="1" fontAlgn="auto" latinLnBrk="0" hangingPunct="1">
+                        <a:lnSpc>
+                          <a:spcPct val="100000"/>
+                        </a:lnSpc>
+                        <a:spcBef>
+                          <a:spcPts val="0"/>
+                        </a:spcBef>
+                        <a:spcAft>
+                          <a:spcPts val="0"/>
+                        </a:spcAft>
+                        <a:buClrTx/>
+                        <a:buSzTx/>
+                        <a:buFontTx/>
+                        <a:buNone/>
+                        <a:tabLst/>
+                        <a:defRPr/>
+                      </a:pPr>
+                      <a:r>
+                        <a:rPr kumimoji="1" lang="en-US" altLang="ja-JP" dirty="0" smtClean="0"/>
                         <a:t>password</a:t>
                       </a:r>
                       <a:endParaRPr kumimoji="1" lang="ja-JP" altLang="en-US" dirty="0" smtClean="0"/>
@@ -7105,6 +7259,20 @@
                       <a:r>
                         <a:rPr kumimoji="1" lang="en-US" altLang="ja-JP" dirty="0" err="1" smtClean="0"/>
                         <a:t>hirose</a:t>
+                      </a:r>
+                      <a:endParaRPr kumimoji="1" lang="ja-JP" altLang="en-US" dirty="0"/>
+                    </a:p>
+                  </a:txBody>
+                  <a:tcPr/>
+                </a:tc>
+                <a:tc>
+                  <a:txBody>
+                    <a:bodyPr/>
+                    <a:lstStyle/>
+                    <a:p>
+                      <a:r>
+                        <a:rPr kumimoji="1" lang="ja-JP" altLang="en-US" dirty="0" smtClean="0"/>
+                        <a:t>広瀬太郎</a:t>
                       </a:r>
                       <a:endParaRPr kumimoji="1" lang="ja-JP" altLang="en-US" dirty="0"/>
                     </a:p>

--- a/design/Webアプリケーションシステム.pptx
+++ b/design/Webアプリケーションシステム.pptx
@@ -5,14 +5,15 @@
     <p:sldMasterId id="2147483648" r:id="rId1"/>
   </p:sldMasterIdLst>
   <p:notesMasterIdLst>
-    <p:notesMasterId r:id="rId7"/>
+    <p:notesMasterId r:id="rId8"/>
   </p:notesMasterIdLst>
   <p:sldIdLst>
     <p:sldId id="256" r:id="rId2"/>
     <p:sldId id="260" r:id="rId3"/>
-    <p:sldId id="259" r:id="rId4"/>
-    <p:sldId id="258" r:id="rId5"/>
-    <p:sldId id="261" r:id="rId6"/>
+    <p:sldId id="262" r:id="rId4"/>
+    <p:sldId id="259" r:id="rId5"/>
+    <p:sldId id="258" r:id="rId6"/>
+    <p:sldId id="261" r:id="rId7"/>
   </p:sldIdLst>
   <p:sldSz cx="12192000" cy="6858000"/>
   <p:notesSz cx="6858000" cy="9144000"/>
@@ -723,7 +724,7 @@
           <a:p>
             <a:fld id="{A8862BAD-2502-446F-B5D0-7AFF7B587C61}" type="slidenum">
               <a:rPr kumimoji="1" lang="ja-JP" altLang="en-US" smtClean="0"/>
-              <a:t>3</a:t>
+              <a:t>4</a:t>
             </a:fld>
             <a:endParaRPr kumimoji="1" lang="ja-JP" altLang="en-US"/>
           </a:p>
@@ -869,7 +870,7 @@
           <a:p>
             <a:fld id="{A8862BAD-2502-446F-B5D0-7AFF7B587C61}" type="slidenum">
               <a:rPr kumimoji="1" lang="ja-JP" altLang="en-US" smtClean="0"/>
-              <a:t>4</a:t>
+              <a:t>5</a:t>
             </a:fld>
             <a:endParaRPr kumimoji="1" lang="ja-JP" altLang="en-US"/>
           </a:p>
@@ -5393,6 +5394,527 @@
       </p:grpSpPr>
       <p:sp>
         <p:nvSpPr>
+          <p:cNvPr id="3" name="テキスト ボックス 2"/>
+          <p:cNvSpPr txBox="1"/>
+          <p:nvPr/>
+        </p:nvSpPr>
+        <p:spPr>
+          <a:xfrm>
+            <a:off x="2466916" y="0"/>
+            <a:ext cx="7393364" cy="769441"/>
+          </a:xfrm>
+          <a:prstGeom prst="rect">
+            <a:avLst/>
+          </a:prstGeom>
+          <a:noFill/>
+        </p:spPr>
+        <p:txBody>
+          <a:bodyPr wrap="square" rtlCol="0">
+            <a:spAutoFit/>
+          </a:bodyPr>
+          <a:lstStyle/>
+          <a:p>
+            <a:pPr algn="ctr"/>
+            <a:r>
+              <a:rPr lang="ja-JP" altLang="en-US" sz="4400" b="1" dirty="0" smtClean="0">
+                <a:solidFill>
+                  <a:srgbClr val="7030A0"/>
+                </a:solidFill>
+              </a:rPr>
+              <a:t>会員</a:t>
+            </a:r>
+            <a:r>
+              <a:rPr lang="ja-JP" altLang="en-US" sz="4400" b="1" dirty="0" smtClean="0">
+                <a:solidFill>
+                  <a:srgbClr val="7030A0"/>
+                </a:solidFill>
+              </a:rPr>
+              <a:t>情報のデータベース定義</a:t>
+            </a:r>
+            <a:endParaRPr kumimoji="1" lang="ja-JP" altLang="en-US" sz="4400" b="1" dirty="0">
+              <a:solidFill>
+                <a:srgbClr val="7030A0"/>
+              </a:solidFill>
+            </a:endParaRPr>
+          </a:p>
+        </p:txBody>
+      </p:sp>
+      <p:graphicFrame>
+        <p:nvGraphicFramePr>
+          <p:cNvPr id="14" name="表 13"/>
+          <p:cNvGraphicFramePr>
+            <a:graphicFrameLocks noGrp="1"/>
+          </p:cNvGraphicFramePr>
+          <p:nvPr>
+            <p:extLst>
+              <p:ext uri="{D42A27DB-BD31-4B8C-83A1-F6EECF244321}">
+                <p14:modId xmlns:p14="http://schemas.microsoft.com/office/powerpoint/2010/main" val="3232099986"/>
+              </p:ext>
+            </p:extLst>
+          </p:nvPr>
+        </p:nvGraphicFramePr>
+        <p:xfrm>
+          <a:off x="2216734" y="5047257"/>
+          <a:ext cx="7893727" cy="1495802"/>
+        </p:xfrm>
+        <a:graphic>
+          <a:graphicData uri="http://schemas.openxmlformats.org/drawingml/2006/table">
+            <a:tbl>
+              <a:tblPr firstRow="1" bandRow="1">
+                <a:tableStyleId>{5C22544A-7EE6-4342-B048-85BDC9FD1C3A}</a:tableStyleId>
+              </a:tblPr>
+              <a:tblGrid>
+                <a:gridCol w="1075106"/>
+                <a:gridCol w="853440"/>
+                <a:gridCol w="1249680"/>
+                <a:gridCol w="4715501"/>
+              </a:tblGrid>
+              <a:tr h="429346">
+                <a:tc gridSpan="4">
+                  <a:txBody>
+                    <a:bodyPr/>
+                    <a:lstStyle/>
+                    <a:p>
+                      <a:pPr algn="ctr"/>
+                      <a:r>
+                        <a:rPr kumimoji="1" lang="en-US" altLang="ja-JP" sz="2800" dirty="0" smtClean="0"/>
+                        <a:t>account</a:t>
+                      </a:r>
+                      <a:endParaRPr kumimoji="1" lang="ja-JP" altLang="en-US" sz="2800" dirty="0"/>
+                    </a:p>
+                  </a:txBody>
+                  <a:tcPr/>
+                </a:tc>
+                <a:tc hMerge="1">
+                  <a:txBody>
+                    <a:bodyPr/>
+                    <a:lstStyle/>
+                    <a:p>
+                      <a:endParaRPr kumimoji="1" lang="ja-JP" altLang="en-US" dirty="0"/>
+                    </a:p>
+                  </a:txBody>
+                  <a:tcPr/>
+                </a:tc>
+                <a:tc hMerge="1">
+                  <a:txBody>
+                    <a:bodyPr/>
+                    <a:lstStyle/>
+                    <a:p>
+                      <a:endParaRPr kumimoji="1" lang="ja-JP" altLang="en-US"/>
+                    </a:p>
+                  </a:txBody>
+                  <a:tcPr/>
+                </a:tc>
+                <a:tc hMerge="1">
+                  <a:txBody>
+                    <a:bodyPr/>
+                    <a:lstStyle/>
+                    <a:p>
+                      <a:endParaRPr kumimoji="1" lang="ja-JP" altLang="en-US" dirty="0"/>
+                    </a:p>
+                  </a:txBody>
+                  <a:tcPr/>
+                </a:tc>
+              </a:tr>
+              <a:tr h="303067">
+                <a:tc>
+                  <a:txBody>
+                    <a:bodyPr/>
+                    <a:lstStyle/>
+                    <a:p>
+                      <a:pPr marL="0" marR="0" indent="0" algn="l" defTabSz="914400" rtl="0" eaLnBrk="1" fontAlgn="auto" latinLnBrk="0" hangingPunct="1">
+                        <a:lnSpc>
+                          <a:spcPct val="100000"/>
+                        </a:lnSpc>
+                        <a:spcBef>
+                          <a:spcPts val="0"/>
+                        </a:spcBef>
+                        <a:spcAft>
+                          <a:spcPts val="0"/>
+                        </a:spcAft>
+                        <a:buClrTx/>
+                        <a:buSzTx/>
+                        <a:buFontTx/>
+                        <a:buNone/>
+                        <a:tabLst/>
+                        <a:defRPr/>
+                      </a:pPr>
+                      <a:r>
+                        <a:rPr kumimoji="1" lang="en-US" altLang="ja-JP" dirty="0" smtClean="0"/>
+                        <a:t>number</a:t>
+                      </a:r>
+                      <a:endParaRPr kumimoji="1" lang="ja-JP" altLang="en-US" dirty="0" smtClean="0"/>
+                    </a:p>
+                  </a:txBody>
+                  <a:tcPr/>
+                </a:tc>
+                <a:tc>
+                  <a:txBody>
+                    <a:bodyPr/>
+                    <a:lstStyle/>
+                    <a:p>
+                      <a:pPr marL="0" marR="0" indent="0" algn="l" defTabSz="914400" rtl="0" eaLnBrk="1" fontAlgn="auto" latinLnBrk="0" hangingPunct="1">
+                        <a:lnSpc>
+                          <a:spcPct val="100000"/>
+                        </a:lnSpc>
+                        <a:spcBef>
+                          <a:spcPts val="0"/>
+                        </a:spcBef>
+                        <a:spcAft>
+                          <a:spcPts val="0"/>
+                        </a:spcAft>
+                        <a:buClrTx/>
+                        <a:buSzTx/>
+                        <a:buFontTx/>
+                        <a:buNone/>
+                        <a:tabLst/>
+                        <a:defRPr/>
+                      </a:pPr>
+                      <a:r>
+                        <a:rPr kumimoji="1" lang="en-US" altLang="ja-JP" dirty="0" smtClean="0"/>
+                        <a:t>id</a:t>
+                      </a:r>
+                      <a:endParaRPr kumimoji="1" lang="ja-JP" altLang="en-US" dirty="0" smtClean="0"/>
+                    </a:p>
+                  </a:txBody>
+                  <a:tcPr/>
+                </a:tc>
+                <a:tc>
+                  <a:txBody>
+                    <a:bodyPr/>
+                    <a:lstStyle/>
+                    <a:p>
+                      <a:pPr marL="0" marR="0" indent="0" algn="l" defTabSz="914400" rtl="0" eaLnBrk="1" fontAlgn="auto" latinLnBrk="0" hangingPunct="1">
+                        <a:lnSpc>
+                          <a:spcPct val="100000"/>
+                        </a:lnSpc>
+                        <a:spcBef>
+                          <a:spcPts val="0"/>
+                        </a:spcBef>
+                        <a:spcAft>
+                          <a:spcPts val="0"/>
+                        </a:spcAft>
+                        <a:buClrTx/>
+                        <a:buSzTx/>
+                        <a:buFontTx/>
+                        <a:buNone/>
+                        <a:tabLst/>
+                        <a:defRPr/>
+                      </a:pPr>
+                      <a:r>
+                        <a:rPr kumimoji="1" lang="en-US" altLang="ja-JP" dirty="0" smtClean="0"/>
+                        <a:t>nickname</a:t>
+                      </a:r>
+                      <a:endParaRPr kumimoji="1" lang="ja-JP" altLang="en-US" dirty="0" smtClean="0"/>
+                    </a:p>
+                  </a:txBody>
+                  <a:tcPr/>
+                </a:tc>
+                <a:tc>
+                  <a:txBody>
+                    <a:bodyPr/>
+                    <a:lstStyle/>
+                    <a:p>
+                      <a:pPr marL="0" marR="0" indent="0" algn="l" defTabSz="914400" rtl="0" eaLnBrk="1" fontAlgn="auto" latinLnBrk="0" hangingPunct="1">
+                        <a:lnSpc>
+                          <a:spcPct val="100000"/>
+                        </a:lnSpc>
+                        <a:spcBef>
+                          <a:spcPts val="0"/>
+                        </a:spcBef>
+                        <a:spcAft>
+                          <a:spcPts val="0"/>
+                        </a:spcAft>
+                        <a:buClrTx/>
+                        <a:buSzTx/>
+                        <a:buFontTx/>
+                        <a:buNone/>
+                        <a:tabLst/>
+                        <a:defRPr/>
+                      </a:pPr>
+                      <a:r>
+                        <a:rPr kumimoji="1" lang="en-US" altLang="ja-JP" dirty="0" smtClean="0"/>
+                        <a:t>password</a:t>
+                      </a:r>
+                      <a:endParaRPr kumimoji="1" lang="ja-JP" altLang="en-US" dirty="0" smtClean="0"/>
+                    </a:p>
+                  </a:txBody>
+                  <a:tcPr/>
+                </a:tc>
+              </a:tr>
+              <a:tr h="611882">
+                <a:tc>
+                  <a:txBody>
+                    <a:bodyPr/>
+                    <a:lstStyle/>
+                    <a:p>
+                      <a:r>
+                        <a:rPr kumimoji="1" lang="en-US" altLang="ja-JP" dirty="0" smtClean="0"/>
+                        <a:t>1</a:t>
+                      </a:r>
+                      <a:endParaRPr kumimoji="1" lang="ja-JP" altLang="en-US" dirty="0"/>
+                    </a:p>
+                  </a:txBody>
+                  <a:tcPr/>
+                </a:tc>
+                <a:tc>
+                  <a:txBody>
+                    <a:bodyPr/>
+                    <a:lstStyle/>
+                    <a:p>
+                      <a:r>
+                        <a:rPr kumimoji="1" lang="en-US" altLang="ja-JP" dirty="0" err="1" smtClean="0"/>
+                        <a:t>hirose</a:t>
+                      </a:r>
+                      <a:endParaRPr kumimoji="1" lang="ja-JP" altLang="en-US" dirty="0"/>
+                    </a:p>
+                  </a:txBody>
+                  <a:tcPr/>
+                </a:tc>
+                <a:tc>
+                  <a:txBody>
+                    <a:bodyPr/>
+                    <a:lstStyle/>
+                    <a:p>
+                      <a:r>
+                        <a:rPr kumimoji="1" lang="ja-JP" altLang="en-US" dirty="0" smtClean="0"/>
+                        <a:t>広瀬太郎</a:t>
+                      </a:r>
+                      <a:endParaRPr kumimoji="1" lang="ja-JP" altLang="en-US" dirty="0"/>
+                    </a:p>
+                  </a:txBody>
+                  <a:tcPr/>
+                </a:tc>
+                <a:tc>
+                  <a:txBody>
+                    <a:bodyPr/>
+                    <a:lstStyle/>
+                    <a:p>
+                      <a:r>
+                        <a:rPr kumimoji="1" lang="en-US" altLang="ja-JP" dirty="0" smtClean="0"/>
+                        <a:t>b415f121bed5418d497277b7e51556dff74b8e55</a:t>
+                      </a:r>
+                      <a:endParaRPr kumimoji="1" lang="ja-JP" altLang="en-US" dirty="0"/>
+                    </a:p>
+                  </a:txBody>
+                  <a:tcPr/>
+                </a:tc>
+              </a:tr>
+            </a:tbl>
+          </a:graphicData>
+        </a:graphic>
+      </p:graphicFrame>
+      <p:sp>
+        <p:nvSpPr>
+          <p:cNvPr id="21" name="コンテンツ プレースホルダー 20"/>
+          <p:cNvSpPr>
+            <a:spLocks noGrp="1"/>
+          </p:cNvSpPr>
+          <p:nvPr>
+            <p:ph idx="1"/>
+          </p:nvPr>
+        </p:nvSpPr>
+        <p:spPr>
+          <a:xfrm>
+            <a:off x="570518" y="1104721"/>
+            <a:ext cx="10515600" cy="3508375"/>
+          </a:xfrm>
+        </p:spPr>
+        <p:txBody>
+          <a:bodyPr/>
+          <a:lstStyle/>
+          <a:p>
+            <a:r>
+              <a:rPr lang="ja-JP" altLang="en-US" dirty="0" smtClean="0"/>
+              <a:t>テーブル名 → </a:t>
+            </a:r>
+            <a:r>
+              <a:rPr lang="en-US" altLang="ja-JP" dirty="0" smtClean="0"/>
+              <a:t>account</a:t>
+            </a:r>
+          </a:p>
+          <a:p>
+            <a:pPr lvl="1"/>
+            <a:r>
+              <a:rPr lang="ja-JP" altLang="en-US" dirty="0" smtClean="0"/>
+              <a:t>会員番号 → </a:t>
+            </a:r>
+            <a:r>
+              <a:rPr lang="en-US" altLang="ja-JP" dirty="0" smtClean="0"/>
+              <a:t>number</a:t>
+            </a:r>
+          </a:p>
+          <a:p>
+            <a:pPr lvl="2"/>
+            <a:r>
+              <a:rPr lang="en-US" altLang="ja-JP" dirty="0" smtClean="0"/>
+              <a:t>AUTO INCREMENT</a:t>
+            </a:r>
+            <a:r>
+              <a:rPr lang="ja-JP" altLang="en-US" dirty="0" smtClean="0"/>
+              <a:t>にして、</a:t>
+            </a:r>
+            <a:r>
+              <a:rPr lang="en-US" altLang="ja-JP" dirty="0" smtClean="0"/>
+              <a:t>SQL</a:t>
+            </a:r>
+            <a:r>
+              <a:rPr lang="ja-JP" altLang="en-US" dirty="0" smtClean="0"/>
+              <a:t>側で自動で入れるようにす</a:t>
+            </a:r>
+            <a:r>
+              <a:rPr lang="ja-JP" altLang="en-US" dirty="0"/>
+              <a:t>る</a:t>
+            </a:r>
+            <a:endParaRPr lang="en-US" altLang="ja-JP" dirty="0" smtClean="0"/>
+          </a:p>
+          <a:p>
+            <a:pPr lvl="1"/>
+            <a:r>
+              <a:rPr lang="en-US" altLang="ja-JP" dirty="0" smtClean="0"/>
+              <a:t>ID </a:t>
+            </a:r>
+            <a:r>
+              <a:rPr lang="ja-JP" altLang="en-US" dirty="0" smtClean="0"/>
+              <a:t>→ </a:t>
+            </a:r>
+            <a:r>
+              <a:rPr lang="en-US" altLang="ja-JP" dirty="0" smtClean="0"/>
+              <a:t>id</a:t>
+            </a:r>
+          </a:p>
+          <a:p>
+            <a:pPr lvl="2"/>
+            <a:r>
+              <a:rPr lang="en-US" altLang="ja-JP" dirty="0"/>
+              <a:t>1</a:t>
+            </a:r>
+            <a:r>
+              <a:rPr lang="ja-JP" altLang="en-US" dirty="0" smtClean="0"/>
+              <a:t>～</a:t>
+            </a:r>
+            <a:r>
+              <a:rPr lang="en-US" altLang="ja-JP" dirty="0" smtClean="0"/>
+              <a:t>15</a:t>
+            </a:r>
+            <a:r>
+              <a:rPr lang="ja-JP" altLang="en-US" dirty="0" smtClean="0"/>
+              <a:t>文字の半角英数字にする</a:t>
+            </a:r>
+            <a:endParaRPr lang="en-US" altLang="ja-JP" dirty="0" smtClean="0"/>
+          </a:p>
+          <a:p>
+            <a:pPr lvl="1"/>
+            <a:r>
+              <a:rPr kumimoji="1" lang="ja-JP" altLang="en-US" dirty="0" smtClean="0"/>
+              <a:t>ニックネーム </a:t>
+            </a:r>
+            <a:r>
+              <a:rPr lang="ja-JP" altLang="en-US" dirty="0" smtClean="0"/>
+              <a:t>→ </a:t>
+            </a:r>
+            <a:r>
+              <a:rPr lang="en-US" altLang="ja-JP" dirty="0" smtClean="0"/>
+              <a:t>nickname</a:t>
+            </a:r>
+          </a:p>
+          <a:p>
+            <a:pPr lvl="2"/>
+            <a:r>
+              <a:rPr lang="en-US" altLang="ja-JP" dirty="0"/>
+              <a:t>1</a:t>
+            </a:r>
+            <a:r>
+              <a:rPr lang="ja-JP" altLang="en-US" dirty="0" smtClean="0"/>
+              <a:t>～</a:t>
+            </a:r>
+            <a:r>
+              <a:rPr lang="en-US" altLang="ja-JP" dirty="0"/>
+              <a:t>8</a:t>
+            </a:r>
+            <a:r>
+              <a:rPr lang="ja-JP" altLang="en-US" dirty="0" smtClean="0"/>
+              <a:t>文字の日本語または半角英数字にする</a:t>
+            </a:r>
+            <a:endParaRPr lang="en-US" altLang="ja-JP" dirty="0" smtClean="0"/>
+          </a:p>
+          <a:p>
+            <a:pPr lvl="1"/>
+            <a:r>
+              <a:rPr kumimoji="1" lang="en-US" altLang="ja-JP" dirty="0" smtClean="0"/>
+              <a:t>PW </a:t>
+            </a:r>
+            <a:r>
+              <a:rPr kumimoji="1" lang="ja-JP" altLang="en-US" dirty="0" smtClean="0"/>
+              <a:t>→ </a:t>
+            </a:r>
+            <a:r>
+              <a:rPr kumimoji="1" lang="en-US" altLang="ja-JP" dirty="0" smtClean="0"/>
+              <a:t>password</a:t>
+            </a:r>
+          </a:p>
+          <a:p>
+            <a:pPr lvl="2"/>
+            <a:r>
+              <a:rPr lang="en-US" altLang="ja-JP" dirty="0" smtClean="0"/>
+              <a:t>SHA1</a:t>
+            </a:r>
+            <a:r>
+              <a:rPr lang="ja-JP" altLang="en-US" dirty="0" smtClean="0"/>
+              <a:t>を使って暗号化するため</a:t>
+            </a:r>
+            <a:r>
+              <a:rPr lang="en-US" altLang="ja-JP" dirty="0" smtClean="0"/>
+              <a:t>40</a:t>
+            </a:r>
+            <a:r>
+              <a:rPr lang="ja-JP" altLang="en-US" dirty="0" smtClean="0"/>
+              <a:t>文字の</a:t>
+            </a:r>
+            <a:r>
+              <a:rPr lang="en-US" altLang="ja-JP" dirty="0" smtClean="0"/>
+              <a:t>16</a:t>
+            </a:r>
+            <a:r>
+              <a:rPr lang="ja-JP" altLang="en-US" dirty="0" smtClean="0"/>
+              <a:t>進数を保存する</a:t>
+            </a:r>
+            <a:endParaRPr kumimoji="1" lang="ja-JP" altLang="en-US" dirty="0"/>
+          </a:p>
+        </p:txBody>
+      </p:sp>
+    </p:spTree>
+    <p:extLst>
+      <p:ext uri="{BB962C8B-B14F-4D97-AF65-F5344CB8AC3E}">
+        <p14:creationId xmlns:p14="http://schemas.microsoft.com/office/powerpoint/2010/main" val="1123032910"/>
+      </p:ext>
+    </p:extLst>
+  </p:cSld>
+  <p:clrMapOvr>
+    <a:masterClrMapping/>
+  </p:clrMapOvr>
+</p:sld>
+</file>
+
+<file path=ppt/slides/slide4.xml><?xml version="1.0" encoding="utf-8"?>
+<p:sld xmlns:a="http://schemas.openxmlformats.org/drawingml/2006/main" xmlns:r="http://schemas.openxmlformats.org/officeDocument/2006/relationships" xmlns:p="http://schemas.openxmlformats.org/presentationml/2006/main">
+  <p:cSld>
+    <p:spTree>
+      <p:nvGrpSpPr>
+        <p:cNvPr id="1" name=""/>
+        <p:cNvGrpSpPr/>
+        <p:nvPr/>
+      </p:nvGrpSpPr>
+      <p:grpSpPr>
+        <a:xfrm>
+          <a:off x="0" y="0"/>
+          <a:ext cx="0" cy="0"/>
+          <a:chOff x="0" y="0"/>
+          <a:chExt cx="0" cy="0"/>
+        </a:xfrm>
+      </p:grpSpPr>
+      <p:sp>
+        <p:nvSpPr>
           <p:cNvPr id="2" name="テキスト ボックス 1"/>
           <p:cNvSpPr txBox="1"/>
           <p:nvPr/>
@@ -5703,7 +6225,7 @@
 </p:sld>
 </file>
 
-<file path=ppt/slides/slide4.xml><?xml version="1.0" encoding="utf-8"?>
+<file path=ppt/slides/slide5.xml><?xml version="1.0" encoding="utf-8"?>
 <p:sld xmlns:a="http://schemas.openxmlformats.org/drawingml/2006/main" xmlns:r="http://schemas.openxmlformats.org/officeDocument/2006/relationships" xmlns:p="http://schemas.openxmlformats.org/presentationml/2006/main">
   <p:cSld>
     <p:spTree>
@@ -6351,7 +6873,7 @@
 </p:sld>
 </file>
 
-<file path=ppt/slides/slide5.xml><?xml version="1.0" encoding="utf-8"?>
+<file path=ppt/slides/slide6.xml><?xml version="1.0" encoding="utf-8"?>
 <p:sld xmlns:a="http://schemas.openxmlformats.org/drawingml/2006/main" xmlns:r="http://schemas.openxmlformats.org/officeDocument/2006/relationships" xmlns:p="http://schemas.openxmlformats.org/presentationml/2006/main">
   <p:cSld>
     <p:spTree>

--- a/design/Webアプリケーションシステム.pptx
+++ b/design/Webアプリケーションシステム.pptx
@@ -202,7 +202,7 @@
           <a:p>
             <a:fld id="{D69DC826-EC42-4CF3-9404-97187E0C6B30}" type="datetimeFigureOut">
               <a:rPr kumimoji="1" lang="ja-JP" altLang="en-US" smtClean="0"/>
-              <a:t>2013/12/31</a:t>
+              <a:t>2014/1/2</a:t>
             </a:fld>
             <a:endParaRPr kumimoji="1" lang="ja-JP" altLang="en-US"/>
           </a:p>
@@ -1020,7 +1020,7 @@
           <a:p>
             <a:fld id="{F168E968-C88F-4183-9E10-2B943E46417A}" type="datetimeFigureOut">
               <a:rPr kumimoji="1" lang="ja-JP" altLang="en-US" smtClean="0"/>
-              <a:t>2013/12/31</a:t>
+              <a:t>2014/1/2</a:t>
             </a:fld>
             <a:endParaRPr kumimoji="1" lang="ja-JP" altLang="en-US"/>
           </a:p>
@@ -1222,7 +1222,7 @@
           <a:p>
             <a:fld id="{F168E968-C88F-4183-9E10-2B943E46417A}" type="datetimeFigureOut">
               <a:rPr kumimoji="1" lang="ja-JP" altLang="en-US" smtClean="0"/>
-              <a:t>2013/12/31</a:t>
+              <a:t>2014/1/2</a:t>
             </a:fld>
             <a:endParaRPr kumimoji="1" lang="ja-JP" altLang="en-US"/>
           </a:p>
@@ -1434,7 +1434,7 @@
           <a:p>
             <a:fld id="{F168E968-C88F-4183-9E10-2B943E46417A}" type="datetimeFigureOut">
               <a:rPr kumimoji="1" lang="ja-JP" altLang="en-US" smtClean="0"/>
-              <a:t>2013/12/31</a:t>
+              <a:t>2014/1/2</a:t>
             </a:fld>
             <a:endParaRPr kumimoji="1" lang="ja-JP" altLang="en-US"/>
           </a:p>
@@ -1636,7 +1636,7 @@
           <a:p>
             <a:fld id="{F168E968-C88F-4183-9E10-2B943E46417A}" type="datetimeFigureOut">
               <a:rPr kumimoji="1" lang="ja-JP" altLang="en-US" smtClean="0"/>
-              <a:t>2013/12/31</a:t>
+              <a:t>2014/1/2</a:t>
             </a:fld>
             <a:endParaRPr kumimoji="1" lang="ja-JP" altLang="en-US"/>
           </a:p>
@@ -1882,7 +1882,7 @@
           <a:p>
             <a:fld id="{F168E968-C88F-4183-9E10-2B943E46417A}" type="datetimeFigureOut">
               <a:rPr kumimoji="1" lang="ja-JP" altLang="en-US" smtClean="0"/>
-              <a:t>2013/12/31</a:t>
+              <a:t>2014/1/2</a:t>
             </a:fld>
             <a:endParaRPr kumimoji="1" lang="ja-JP" altLang="en-US"/>
           </a:p>
@@ -2178,7 +2178,7 @@
           <a:p>
             <a:fld id="{F168E968-C88F-4183-9E10-2B943E46417A}" type="datetimeFigureOut">
               <a:rPr kumimoji="1" lang="ja-JP" altLang="en-US" smtClean="0"/>
-              <a:t>2013/12/31</a:t>
+              <a:t>2014/1/2</a:t>
             </a:fld>
             <a:endParaRPr kumimoji="1" lang="ja-JP" altLang="en-US"/>
           </a:p>
@@ -2609,7 +2609,7 @@
           <a:p>
             <a:fld id="{F168E968-C88F-4183-9E10-2B943E46417A}" type="datetimeFigureOut">
               <a:rPr kumimoji="1" lang="ja-JP" altLang="en-US" smtClean="0"/>
-              <a:t>2013/12/31</a:t>
+              <a:t>2014/1/2</a:t>
             </a:fld>
             <a:endParaRPr kumimoji="1" lang="ja-JP" altLang="en-US"/>
           </a:p>
@@ -2727,7 +2727,7 @@
           <a:p>
             <a:fld id="{F168E968-C88F-4183-9E10-2B943E46417A}" type="datetimeFigureOut">
               <a:rPr kumimoji="1" lang="ja-JP" altLang="en-US" smtClean="0"/>
-              <a:t>2013/12/31</a:t>
+              <a:t>2014/1/2</a:t>
             </a:fld>
             <a:endParaRPr kumimoji="1" lang="ja-JP" altLang="en-US"/>
           </a:p>
@@ -2822,7 +2822,7 @@
           <a:p>
             <a:fld id="{F168E968-C88F-4183-9E10-2B943E46417A}" type="datetimeFigureOut">
               <a:rPr kumimoji="1" lang="ja-JP" altLang="en-US" smtClean="0"/>
-              <a:t>2013/12/31</a:t>
+              <a:t>2014/1/2</a:t>
             </a:fld>
             <a:endParaRPr kumimoji="1" lang="ja-JP" altLang="en-US"/>
           </a:p>
@@ -3131,7 +3131,7 @@
           <a:p>
             <a:fld id="{F168E968-C88F-4183-9E10-2B943E46417A}" type="datetimeFigureOut">
               <a:rPr kumimoji="1" lang="ja-JP" altLang="en-US" smtClean="0"/>
-              <a:t>2013/12/31</a:t>
+              <a:t>2014/1/2</a:t>
             </a:fld>
             <a:endParaRPr kumimoji="1" lang="ja-JP" altLang="en-US"/>
           </a:p>
@@ -3384,7 +3384,7 @@
           <a:p>
             <a:fld id="{F168E968-C88F-4183-9E10-2B943E46417A}" type="datetimeFigureOut">
               <a:rPr kumimoji="1" lang="ja-JP" altLang="en-US" smtClean="0"/>
-              <a:t>2013/12/31</a:t>
+              <a:t>2014/1/2</a:t>
             </a:fld>
             <a:endParaRPr kumimoji="1" lang="ja-JP" altLang="en-US"/>
           </a:p>
@@ -3629,7 +3629,7 @@
           <a:p>
             <a:fld id="{F168E968-C88F-4183-9E10-2B943E46417A}" type="datetimeFigureOut">
               <a:rPr kumimoji="1" lang="ja-JP" altLang="en-US" smtClean="0"/>
-              <a:t>2013/12/31</a:t>
+              <a:t>2014/1/2</a:t>
             </a:fld>
             <a:endParaRPr kumimoji="1" lang="ja-JP" altLang="en-US"/>
           </a:p>
@@ -5421,15 +5421,7 @@
                   <a:srgbClr val="7030A0"/>
                 </a:solidFill>
               </a:rPr>
-              <a:t>会員</a:t>
-            </a:r>
-            <a:r>
-              <a:rPr lang="ja-JP" altLang="en-US" sz="4400" b="1" dirty="0" smtClean="0">
-                <a:solidFill>
-                  <a:srgbClr val="7030A0"/>
-                </a:solidFill>
-              </a:rPr>
-              <a:t>情報のデータベース定義</a:t>
+              <a:t>会員情報のデータベース定義</a:t>
             </a:r>
             <a:endParaRPr kumimoji="1" lang="ja-JP" altLang="en-US" sz="4400" b="1" dirty="0">
               <a:solidFill>
@@ -5721,7 +5713,9 @@
           </a:xfrm>
         </p:spPr>
         <p:txBody>
-          <a:bodyPr/>
+          <a:bodyPr>
+            <a:normAutofit lnSpcReduction="10000"/>
+          </a:bodyPr>
           <a:lstStyle/>
           <a:p>
             <a:r>
@@ -5877,7 +5871,43 @@
             </a:r>
             <a:r>
               <a:rPr lang="ja-JP" altLang="en-US" dirty="0" smtClean="0"/>
-              <a:t>進数を保存する</a:t>
+              <a:t>進数を保存</a:t>
+            </a:r>
+            <a:r>
+              <a:rPr lang="ja-JP" altLang="en-US" dirty="0" smtClean="0"/>
+              <a:t>する</a:t>
+            </a:r>
+            <a:endParaRPr lang="en-US" altLang="ja-JP" dirty="0" smtClean="0"/>
+          </a:p>
+          <a:p>
+            <a:pPr lvl="2"/>
+            <a:r>
+              <a:rPr lang="ja-JP" altLang="en-US" dirty="0" smtClean="0"/>
+              <a:t>ただし実際の</a:t>
+            </a:r>
+            <a:r>
+              <a:rPr lang="en-US" altLang="ja-JP" dirty="0" smtClean="0"/>
+              <a:t>PW</a:t>
+            </a:r>
+            <a:r>
+              <a:rPr lang="ja-JP" altLang="en-US" dirty="0" smtClean="0"/>
+              <a:t>は</a:t>
+            </a:r>
+            <a:r>
+              <a:rPr lang="en-US" altLang="ja-JP" dirty="0" smtClean="0"/>
+              <a:t>4</a:t>
+            </a:r>
+            <a:r>
+              <a:rPr lang="ja-JP" altLang="en-US" dirty="0" smtClean="0"/>
+              <a:t>～</a:t>
+            </a:r>
+            <a:r>
+              <a:rPr lang="en-US" altLang="ja-JP" dirty="0" smtClean="0"/>
+              <a:t>20</a:t>
+            </a:r>
+            <a:r>
+              <a:rPr lang="ja-JP" altLang="en-US" smtClean="0"/>
+              <a:t>文字の半角英数字とする。</a:t>
             </a:r>
             <a:endParaRPr kumimoji="1" lang="ja-JP" altLang="en-US" dirty="0"/>
           </a:p>
@@ -7129,11 +7159,7 @@
           <a:p>
             <a:r>
               <a:rPr lang="en-US" altLang="ja-JP" sz="2800" dirty="0" smtClean="0"/>
-              <a:t>PW</a:t>
-            </a:r>
-            <a:r>
-              <a:rPr lang="en-US" altLang="ja-JP" sz="2800" dirty="0" smtClean="0"/>
-              <a:t>(</a:t>
+              <a:t>PW(</a:t>
             </a:r>
             <a:r>
               <a:rPr lang="ja-JP" altLang="en-US" sz="2800" dirty="0" smtClean="0"/>
@@ -7292,11 +7318,7 @@
           <a:p>
             <a:r>
               <a:rPr lang="en-US" altLang="ja-JP" sz="2800" dirty="0" smtClean="0"/>
-              <a:t>PW</a:t>
-            </a:r>
-            <a:r>
-              <a:rPr lang="en-US" altLang="ja-JP" sz="2800" dirty="0" smtClean="0"/>
-              <a:t>(</a:t>
+              <a:t>PW(</a:t>
             </a:r>
             <a:r>
               <a:rPr lang="ja-JP" altLang="en-US" sz="2800" dirty="0" smtClean="0"/>

--- a/design/Webアプリケーションシステム.pptx
+++ b/design/Webアプリケーションシステム.pptx
@@ -5,15 +5,19 @@
     <p:sldMasterId id="2147483648" r:id="rId1"/>
   </p:sldMasterIdLst>
   <p:notesMasterIdLst>
-    <p:notesMasterId r:id="rId8"/>
+    <p:notesMasterId r:id="rId12"/>
   </p:notesMasterIdLst>
   <p:sldIdLst>
     <p:sldId id="256" r:id="rId2"/>
     <p:sldId id="260" r:id="rId3"/>
-    <p:sldId id="262" r:id="rId4"/>
-    <p:sldId id="259" r:id="rId5"/>
-    <p:sldId id="258" r:id="rId6"/>
-    <p:sldId id="261" r:id="rId7"/>
+    <p:sldId id="263" r:id="rId4"/>
+    <p:sldId id="264" r:id="rId5"/>
+    <p:sldId id="262" r:id="rId6"/>
+    <p:sldId id="259" r:id="rId7"/>
+    <p:sldId id="258" r:id="rId8"/>
+    <p:sldId id="261" r:id="rId9"/>
+    <p:sldId id="265" r:id="rId10"/>
+    <p:sldId id="266" r:id="rId11"/>
   </p:sldIdLst>
   <p:sldSz cx="12192000" cy="6858000"/>
   <p:notesSz cx="6858000" cy="9144000"/>
@@ -675,33 +679,48 @@
           <a:p>
             <a:r>
               <a:rPr kumimoji="1" lang="en-US" altLang="ja-JP" dirty="0" smtClean="0"/>
+              <a:t>JavaScript</a:t>
+            </a:r>
+            <a:r>
+              <a:rPr kumimoji="1" lang="ja-JP" altLang="en-US" dirty="0" smtClean="0"/>
+              <a:t>で暗号化してフォーム送信を行えない場合の処理。</a:t>
+            </a:r>
+            <a:endParaRPr kumimoji="1" lang="en-US" altLang="ja-JP" dirty="0" smtClean="0"/>
+          </a:p>
+          <a:p>
+            <a:r>
+              <a:rPr kumimoji="1" lang="ja-JP" altLang="en-US" dirty="0" smtClean="0"/>
+              <a:t>思っていたよりも暗号化してフォーム送信するのが難しくて（</a:t>
+            </a:r>
+            <a:r>
+              <a:rPr kumimoji="1" lang="ja-JP" altLang="en-US" dirty="0" err="1" smtClean="0"/>
+              <a:t>て</a:t>
+            </a:r>
+            <a:r>
+              <a:rPr kumimoji="1" lang="ja-JP" altLang="en-US" dirty="0" smtClean="0"/>
+              <a:t>いうかどこにも書いてない）、</a:t>
+            </a:r>
+            <a:endParaRPr kumimoji="1" lang="en-US" altLang="ja-JP" dirty="0" smtClean="0"/>
+          </a:p>
+          <a:p>
+            <a:r>
+              <a:rPr kumimoji="1" lang="ja-JP" altLang="en-US" dirty="0" smtClean="0"/>
+              <a:t>仮に出来ても未実装なブラウザがあるらしい（フォーム情報を簡単に取得できる方法は最近できたらしい）。</a:t>
+            </a:r>
+            <a:endParaRPr kumimoji="1" lang="en-US" altLang="ja-JP" dirty="0" smtClean="0"/>
+          </a:p>
+          <a:p>
+            <a:r>
+              <a:rPr kumimoji="1" lang="ja-JP" altLang="en-US" dirty="0" smtClean="0"/>
+              <a:t>結局出来ても未実装なブラウザにも対応するように</a:t>
+            </a:r>
+            <a:r>
+              <a:rPr kumimoji="1" lang="en-US" altLang="ja-JP" dirty="0" smtClean="0"/>
               <a:t>PHP</a:t>
             </a:r>
             <a:r>
               <a:rPr kumimoji="1" lang="ja-JP" altLang="en-US" dirty="0" smtClean="0"/>
-              <a:t>のセッション機能を使うとデータはサーバー側で持っているため、ユーザー側で色々いじられることを防げる。</a:t>
-            </a:r>
-            <a:endParaRPr kumimoji="1" lang="en-US" altLang="ja-JP" dirty="0" smtClean="0"/>
-          </a:p>
-          <a:p>
-            <a:r>
-              <a:rPr kumimoji="1" lang="ja-JP" altLang="en-US" dirty="0" smtClean="0"/>
-              <a:t>ユーザー側でいじれた場合、例えば会員番号を適当な数を入れればその番号の会員に入れてしまう可能性がある（認証なしログイン</a:t>
-            </a:r>
-            <a:r>
-              <a:rPr kumimoji="1" lang="en-US" altLang="ja-JP" dirty="0" smtClean="0"/>
-              <a:t>)</a:t>
-            </a:r>
-            <a:r>
-              <a:rPr kumimoji="1" lang="ja-JP" altLang="en-US" dirty="0" err="1" smtClean="0"/>
-              <a:t>。</a:t>
-            </a:r>
-            <a:endParaRPr kumimoji="1" lang="en-US" altLang="ja-JP" dirty="0" smtClean="0"/>
-          </a:p>
-          <a:p>
-            <a:r>
-              <a:rPr kumimoji="1" lang="ja-JP" altLang="en-US" dirty="0" smtClean="0"/>
-              <a:t>元々自動ログインとして考えていたが、そのまま普通のログインシステムでも使えそう。</a:t>
+              <a:t>側でも暗号化をするようなシステムにしないといけなくなった。</a:t>
             </a:r>
             <a:endParaRPr kumimoji="1" lang="ja-JP" altLang="en-US" dirty="0"/>
           </a:p>
@@ -724,7 +743,7 @@
           <a:p>
             <a:fld id="{A8862BAD-2502-446F-B5D0-7AFF7B587C61}" type="slidenum">
               <a:rPr kumimoji="1" lang="ja-JP" altLang="en-US" smtClean="0"/>
-              <a:t>4</a:t>
+              <a:t>3</a:t>
             </a:fld>
             <a:endParaRPr kumimoji="1" lang="ja-JP" altLang="en-US"/>
           </a:p>
@@ -733,7 +752,7 @@
     </p:spTree>
     <p:extLst>
       <p:ext uri="{BB962C8B-B14F-4D97-AF65-F5344CB8AC3E}">
-        <p14:creationId xmlns:p14="http://schemas.microsoft.com/office/powerpoint/2010/main" val="1415947574"/>
+        <p14:creationId xmlns:p14="http://schemas.microsoft.com/office/powerpoint/2010/main" val="3405568753"/>
       </p:ext>
     </p:extLst>
   </p:cSld>
@@ -788,68 +807,36 @@
           <a:lstStyle/>
           <a:p>
             <a:r>
+              <a:rPr kumimoji="1" lang="en-US" altLang="ja-JP" dirty="0" smtClean="0"/>
+              <a:t>PHP</a:t>
+            </a:r>
+            <a:r>
               <a:rPr kumimoji="1" lang="ja-JP" altLang="en-US" dirty="0" smtClean="0"/>
-              <a:t>ユーザーが入力した</a:t>
+              <a:t>のセッション機能を使うとデータはサーバー側で持っているため、ユーザー側で色々いじられることを防げる。</a:t>
+            </a:r>
+            <a:endParaRPr kumimoji="1" lang="en-US" altLang="ja-JP" dirty="0" smtClean="0"/>
+          </a:p>
+          <a:p>
+            <a:r>
+              <a:rPr kumimoji="1" lang="ja-JP" altLang="en-US" dirty="0" smtClean="0"/>
+              <a:t>ユーザー側でいじれた場合、例えば会員番号を適当な数を入れればその番号の会員に入れてしまう可能性がある（認証なしログイン</a:t>
             </a:r>
             <a:r>
               <a:rPr kumimoji="1" lang="en-US" altLang="ja-JP" dirty="0" smtClean="0"/>
-              <a:t>PW</a:t>
-            </a:r>
+              <a:t>)</a:t>
+            </a:r>
+            <a:r>
+              <a:rPr kumimoji="1" lang="ja-JP" altLang="en-US" dirty="0" err="1" smtClean="0"/>
+              <a:t>。</a:t>
+            </a:r>
+            <a:endParaRPr kumimoji="1" lang="en-US" altLang="ja-JP" dirty="0" smtClean="0"/>
+          </a:p>
+          <a:p>
             <a:r>
               <a:rPr kumimoji="1" lang="ja-JP" altLang="en-US" dirty="0" smtClean="0"/>
-              <a:t>を</a:t>
-            </a:r>
-            <a:r>
-              <a:rPr kumimoji="1" lang="en-US" altLang="ja-JP" smtClean="0"/>
-              <a:t>HASH(SHA1)</a:t>
-            </a:r>
-            <a:r>
-              <a:rPr kumimoji="1" lang="ja-JP" altLang="en-US" smtClean="0"/>
-              <a:t>で</a:t>
-            </a:r>
-            <a:r>
-              <a:rPr kumimoji="1" lang="ja-JP" altLang="en-US" dirty="0" smtClean="0"/>
-              <a:t>暗号化して、そのまま暗号化してある</a:t>
-            </a:r>
-            <a:r>
-              <a:rPr kumimoji="1" lang="en-US" altLang="ja-JP" dirty="0" smtClean="0"/>
-              <a:t>PW</a:t>
-            </a:r>
-            <a:r>
-              <a:rPr kumimoji="1" lang="ja-JP" altLang="en-US" dirty="0" smtClean="0"/>
-              <a:t>を</a:t>
-            </a:r>
-            <a:r>
-              <a:rPr kumimoji="1" lang="en-US" altLang="ja-JP" dirty="0" err="1" smtClean="0"/>
-              <a:t>mySQL</a:t>
-            </a:r>
-            <a:r>
-              <a:rPr kumimoji="1" lang="ja-JP" altLang="en-US" dirty="0" smtClean="0"/>
-              <a:t>から貰って比較する。</a:t>
-            </a:r>
-            <a:endParaRPr kumimoji="1" lang="en-US" altLang="ja-JP" dirty="0" smtClean="0"/>
-          </a:p>
-          <a:p>
-            <a:r>
-              <a:rPr kumimoji="1" lang="ja-JP" altLang="en-US" dirty="0" smtClean="0"/>
-              <a:t>これが一致すれば承認する。</a:t>
-            </a:r>
-            <a:endParaRPr kumimoji="1" lang="en-US" altLang="ja-JP" dirty="0" smtClean="0"/>
-          </a:p>
-          <a:p>
-            <a:r>
-              <a:rPr kumimoji="1" lang="ja-JP" altLang="en-US" dirty="0" smtClean="0"/>
-              <a:t>これにより管理者でさえもユーザーの</a:t>
-            </a:r>
-            <a:r>
-              <a:rPr kumimoji="1" lang="en-US" altLang="ja-JP" dirty="0" smtClean="0"/>
-              <a:t>PW</a:t>
-            </a:r>
-            <a:r>
-              <a:rPr kumimoji="1" lang="ja-JP" altLang="en-US" dirty="0" smtClean="0"/>
-              <a:t>を知らずに承認させることが可能。</a:t>
-            </a:r>
-            <a:endParaRPr kumimoji="1" lang="en-US" altLang="ja-JP" dirty="0" smtClean="0"/>
+              <a:t>元々自動ログインとして考えていたが、そのまま普通のログインシステムでも使えそう。</a:t>
+            </a:r>
+            <a:endParaRPr kumimoji="1" lang="ja-JP" altLang="en-US" dirty="0"/>
           </a:p>
         </p:txBody>
       </p:sp>
@@ -870,7 +857,153 @@
           <a:p>
             <a:fld id="{A8862BAD-2502-446F-B5D0-7AFF7B587C61}" type="slidenum">
               <a:rPr kumimoji="1" lang="ja-JP" altLang="en-US" smtClean="0"/>
-              <a:t>5</a:t>
+              <a:t>6</a:t>
+            </a:fld>
+            <a:endParaRPr kumimoji="1" lang="ja-JP" altLang="en-US"/>
+          </a:p>
+        </p:txBody>
+      </p:sp>
+    </p:spTree>
+    <p:extLst>
+      <p:ext uri="{BB962C8B-B14F-4D97-AF65-F5344CB8AC3E}">
+        <p14:creationId xmlns:p14="http://schemas.microsoft.com/office/powerpoint/2010/main" val="1415947574"/>
+      </p:ext>
+    </p:extLst>
+  </p:cSld>
+  <p:clrMapOvr>
+    <a:masterClrMapping/>
+  </p:clrMapOvr>
+</p:notes>
+</file>
+
+<file path=ppt/notesSlides/notesSlide4.xml><?xml version="1.0" encoding="utf-8"?>
+<p:notes xmlns:a="http://schemas.openxmlformats.org/drawingml/2006/main" xmlns:r="http://schemas.openxmlformats.org/officeDocument/2006/relationships" xmlns:p="http://schemas.openxmlformats.org/presentationml/2006/main">
+  <p:cSld>
+    <p:spTree>
+      <p:nvGrpSpPr>
+        <p:cNvPr id="1" name=""/>
+        <p:cNvGrpSpPr/>
+        <p:nvPr/>
+      </p:nvGrpSpPr>
+      <p:grpSpPr>
+        <a:xfrm>
+          <a:off x="0" y="0"/>
+          <a:ext cx="0" cy="0"/>
+          <a:chOff x="0" y="0"/>
+          <a:chExt cx="0" cy="0"/>
+        </a:xfrm>
+      </p:grpSpPr>
+      <p:sp>
+        <p:nvSpPr>
+          <p:cNvPr id="2" name="スライド イメージ プレースホルダー 1"/>
+          <p:cNvSpPr>
+            <a:spLocks noGrp="1" noRot="1" noChangeAspect="1"/>
+          </p:cNvSpPr>
+          <p:nvPr>
+            <p:ph type="sldImg"/>
+          </p:nvPr>
+        </p:nvSpPr>
+        <p:spPr/>
+      </p:sp>
+      <p:sp>
+        <p:nvSpPr>
+          <p:cNvPr id="3" name="ノート プレースホルダー 2"/>
+          <p:cNvSpPr>
+            <a:spLocks noGrp="1"/>
+          </p:cNvSpPr>
+          <p:nvPr>
+            <p:ph type="body" idx="1"/>
+          </p:nvPr>
+        </p:nvSpPr>
+        <p:spPr/>
+        <p:txBody>
+          <a:bodyPr/>
+          <a:lstStyle/>
+          <a:p>
+            <a:r>
+              <a:rPr kumimoji="1" lang="ja-JP" altLang="en-US" dirty="0" smtClean="0"/>
+              <a:t>ユーザーが入力した</a:t>
+            </a:r>
+            <a:r>
+              <a:rPr kumimoji="1" lang="en-US" altLang="ja-JP" dirty="0" smtClean="0"/>
+              <a:t>PW</a:t>
+            </a:r>
+            <a:r>
+              <a:rPr kumimoji="1" lang="ja-JP" altLang="en-US" dirty="0" smtClean="0"/>
+              <a:t>を</a:t>
+            </a:r>
+            <a:r>
+              <a:rPr kumimoji="1" lang="en-US" altLang="ja-JP" smtClean="0"/>
+              <a:t>HASH(SHA1)</a:t>
+            </a:r>
+            <a:r>
+              <a:rPr kumimoji="1" lang="ja-JP" altLang="en-US" smtClean="0"/>
+              <a:t>で</a:t>
+            </a:r>
+            <a:r>
+              <a:rPr kumimoji="1" lang="ja-JP" altLang="en-US" dirty="0" smtClean="0"/>
+              <a:t>暗号化して、そのまま暗号化してある</a:t>
+            </a:r>
+            <a:r>
+              <a:rPr kumimoji="1" lang="en-US" altLang="ja-JP" dirty="0" smtClean="0"/>
+              <a:t>PW</a:t>
+            </a:r>
+            <a:r>
+              <a:rPr kumimoji="1" lang="ja-JP" altLang="en-US" dirty="0" smtClean="0"/>
+              <a:t>を</a:t>
+            </a:r>
+            <a:r>
+              <a:rPr kumimoji="1" lang="en-US" altLang="ja-JP" dirty="0" err="1" smtClean="0"/>
+              <a:t>mySQL</a:t>
+            </a:r>
+            <a:r>
+              <a:rPr kumimoji="1" lang="ja-JP" altLang="en-US" dirty="0" smtClean="0"/>
+              <a:t>から貰って比較する。</a:t>
+            </a:r>
+            <a:endParaRPr kumimoji="1" lang="en-US" altLang="ja-JP" dirty="0" smtClean="0"/>
+          </a:p>
+          <a:p>
+            <a:r>
+              <a:rPr kumimoji="1" lang="ja-JP" altLang="en-US" dirty="0" smtClean="0"/>
+              <a:t>これが一致すれば承認する。</a:t>
+            </a:r>
+            <a:endParaRPr kumimoji="1" lang="en-US" altLang="ja-JP" dirty="0" smtClean="0"/>
+          </a:p>
+          <a:p>
+            <a:r>
+              <a:rPr kumimoji="1" lang="ja-JP" altLang="en-US" dirty="0" smtClean="0"/>
+              <a:t>これにより管理者でさえもユーザーの</a:t>
+            </a:r>
+            <a:r>
+              <a:rPr kumimoji="1" lang="en-US" altLang="ja-JP" dirty="0" smtClean="0"/>
+              <a:t>PW</a:t>
+            </a:r>
+            <a:r>
+              <a:rPr kumimoji="1" lang="ja-JP" altLang="en-US" dirty="0" smtClean="0"/>
+              <a:t>を知らずに承認させることが可能。</a:t>
+            </a:r>
+            <a:endParaRPr kumimoji="1" lang="en-US" altLang="ja-JP" dirty="0" smtClean="0"/>
+          </a:p>
+        </p:txBody>
+      </p:sp>
+      <p:sp>
+        <p:nvSpPr>
+          <p:cNvPr id="4" name="スライド番号プレースホルダー 3"/>
+          <p:cNvSpPr>
+            <a:spLocks noGrp="1"/>
+          </p:cNvSpPr>
+          <p:nvPr>
+            <p:ph type="sldNum" sz="quarter" idx="10"/>
+          </p:nvPr>
+        </p:nvSpPr>
+        <p:spPr/>
+        <p:txBody>
+          <a:bodyPr/>
+          <a:lstStyle/>
+          <a:p>
+            <a:fld id="{A8862BAD-2502-446F-B5D0-7AFF7B587C61}" type="slidenum">
+              <a:rPr kumimoji="1" lang="ja-JP" altLang="en-US" smtClean="0"/>
+              <a:t>7</a:t>
             </a:fld>
             <a:endParaRPr kumimoji="1" lang="ja-JP" altLang="en-US"/>
           </a:p>
@@ -880,6 +1013,201 @@
     <p:extLst>
       <p:ext uri="{BB962C8B-B14F-4D97-AF65-F5344CB8AC3E}">
         <p14:creationId xmlns:p14="http://schemas.microsoft.com/office/powerpoint/2010/main" val="640375645"/>
+      </p:ext>
+    </p:extLst>
+  </p:cSld>
+  <p:clrMapOvr>
+    <a:masterClrMapping/>
+  </p:clrMapOvr>
+</p:notes>
+</file>
+
+<file path=ppt/notesSlides/notesSlide5.xml><?xml version="1.0" encoding="utf-8"?>
+<p:notes xmlns:a="http://schemas.openxmlformats.org/drawingml/2006/main" xmlns:r="http://schemas.openxmlformats.org/officeDocument/2006/relationships" xmlns:p="http://schemas.openxmlformats.org/presentationml/2006/main">
+  <p:cSld>
+    <p:spTree>
+      <p:nvGrpSpPr>
+        <p:cNvPr id="1" name=""/>
+        <p:cNvGrpSpPr/>
+        <p:nvPr/>
+      </p:nvGrpSpPr>
+      <p:grpSpPr>
+        <a:xfrm>
+          <a:off x="0" y="0"/>
+          <a:ext cx="0" cy="0"/>
+          <a:chOff x="0" y="0"/>
+          <a:chExt cx="0" cy="0"/>
+        </a:xfrm>
+      </p:grpSpPr>
+      <p:sp>
+        <p:nvSpPr>
+          <p:cNvPr id="2" name="スライド イメージ プレースホルダー 1"/>
+          <p:cNvSpPr>
+            <a:spLocks noGrp="1" noRot="1" noChangeAspect="1"/>
+          </p:cNvSpPr>
+          <p:nvPr>
+            <p:ph type="sldImg"/>
+          </p:nvPr>
+        </p:nvSpPr>
+        <p:spPr/>
+      </p:sp>
+      <p:sp>
+        <p:nvSpPr>
+          <p:cNvPr id="3" name="ノート プレースホルダー 2"/>
+          <p:cNvSpPr>
+            <a:spLocks noGrp="1"/>
+          </p:cNvSpPr>
+          <p:nvPr>
+            <p:ph type="body" idx="1"/>
+          </p:nvPr>
+        </p:nvSpPr>
+        <p:spPr/>
+        <p:txBody>
+          <a:bodyPr/>
+          <a:lstStyle/>
+          <a:p>
+            <a:r>
+              <a:rPr kumimoji="1" lang="ja-JP" altLang="en-US" dirty="0" smtClean="0"/>
+              <a:t>会員登録システムと同様。</a:t>
+            </a:r>
+            <a:endParaRPr kumimoji="1" lang="en-US" altLang="ja-JP" dirty="0" smtClean="0"/>
+          </a:p>
+          <a:p>
+            <a:r>
+              <a:rPr kumimoji="1" lang="en-US" altLang="ja-JP" dirty="0" smtClean="0"/>
+              <a:t>JavaScript</a:t>
+            </a:r>
+            <a:r>
+              <a:rPr kumimoji="1" lang="ja-JP" altLang="en-US" dirty="0" smtClean="0"/>
+              <a:t>で暗号化して送信できない場合は</a:t>
+            </a:r>
+            <a:r>
+              <a:rPr kumimoji="1" lang="en-US" altLang="ja-JP" dirty="0" smtClean="0"/>
+              <a:t>PHP</a:t>
+            </a:r>
+            <a:r>
+              <a:rPr kumimoji="1" lang="ja-JP" altLang="en-US" dirty="0" smtClean="0"/>
+              <a:t>側で暗号化して比較をする。</a:t>
+            </a:r>
+            <a:endParaRPr kumimoji="1" lang="ja-JP" altLang="en-US" dirty="0"/>
+          </a:p>
+        </p:txBody>
+      </p:sp>
+      <p:sp>
+        <p:nvSpPr>
+          <p:cNvPr id="4" name="スライド番号プレースホルダー 3"/>
+          <p:cNvSpPr>
+            <a:spLocks noGrp="1"/>
+          </p:cNvSpPr>
+          <p:nvPr>
+            <p:ph type="sldNum" sz="quarter" idx="10"/>
+          </p:nvPr>
+        </p:nvSpPr>
+        <p:spPr/>
+        <p:txBody>
+          <a:bodyPr/>
+          <a:lstStyle/>
+          <a:p>
+            <a:fld id="{A8862BAD-2502-446F-B5D0-7AFF7B587C61}" type="slidenum">
+              <a:rPr kumimoji="1" lang="ja-JP" altLang="en-US" smtClean="0"/>
+              <a:t>9</a:t>
+            </a:fld>
+            <a:endParaRPr kumimoji="1" lang="ja-JP" altLang="en-US"/>
+          </a:p>
+        </p:txBody>
+      </p:sp>
+    </p:spTree>
+    <p:extLst>
+      <p:ext uri="{BB962C8B-B14F-4D97-AF65-F5344CB8AC3E}">
+        <p14:creationId xmlns:p14="http://schemas.microsoft.com/office/powerpoint/2010/main" val="2150292507"/>
+      </p:ext>
+    </p:extLst>
+  </p:cSld>
+  <p:clrMapOvr>
+    <a:masterClrMapping/>
+  </p:clrMapOvr>
+</p:notes>
+</file>
+
+<file path=ppt/notesSlides/notesSlide6.xml><?xml version="1.0" encoding="utf-8"?>
+<p:notes xmlns:a="http://schemas.openxmlformats.org/drawingml/2006/main" xmlns:r="http://schemas.openxmlformats.org/officeDocument/2006/relationships" xmlns:p="http://schemas.openxmlformats.org/presentationml/2006/main">
+  <p:cSld>
+    <p:spTree>
+      <p:nvGrpSpPr>
+        <p:cNvPr id="1" name=""/>
+        <p:cNvGrpSpPr/>
+        <p:nvPr/>
+      </p:nvGrpSpPr>
+      <p:grpSpPr>
+        <a:xfrm>
+          <a:off x="0" y="0"/>
+          <a:ext cx="0" cy="0"/>
+          <a:chOff x="0" y="0"/>
+          <a:chExt cx="0" cy="0"/>
+        </a:xfrm>
+      </p:grpSpPr>
+      <p:sp>
+        <p:nvSpPr>
+          <p:cNvPr id="2" name="スライド イメージ プレースホルダー 1"/>
+          <p:cNvSpPr>
+            <a:spLocks noGrp="1" noRot="1" noChangeAspect="1"/>
+          </p:cNvSpPr>
+          <p:nvPr>
+            <p:ph type="sldImg"/>
+          </p:nvPr>
+        </p:nvSpPr>
+        <p:spPr/>
+      </p:sp>
+      <p:sp>
+        <p:nvSpPr>
+          <p:cNvPr id="3" name="ノート プレースホルダー 2"/>
+          <p:cNvSpPr>
+            <a:spLocks noGrp="1"/>
+          </p:cNvSpPr>
+          <p:nvPr>
+            <p:ph type="body" idx="1"/>
+          </p:nvPr>
+        </p:nvSpPr>
+        <p:spPr/>
+        <p:txBody>
+          <a:bodyPr/>
+          <a:lstStyle/>
+          <a:p>
+            <a:r>
+              <a:rPr kumimoji="1" lang="ja-JP" altLang="en-US" smtClean="0"/>
+              <a:t>処理の順番は一応書いた方がいいのだろうか・・・・・。</a:t>
+            </a:r>
+            <a:endParaRPr kumimoji="1" lang="ja-JP" altLang="en-US"/>
+          </a:p>
+        </p:txBody>
+      </p:sp>
+      <p:sp>
+        <p:nvSpPr>
+          <p:cNvPr id="4" name="スライド番号プレースホルダー 3"/>
+          <p:cNvSpPr>
+            <a:spLocks noGrp="1"/>
+          </p:cNvSpPr>
+          <p:nvPr>
+            <p:ph type="sldNum" sz="quarter" idx="10"/>
+          </p:nvPr>
+        </p:nvSpPr>
+        <p:spPr/>
+        <p:txBody>
+          <a:bodyPr/>
+          <a:lstStyle/>
+          <a:p>
+            <a:fld id="{A8862BAD-2502-446F-B5D0-7AFF7B587C61}" type="slidenum">
+              <a:rPr kumimoji="1" lang="ja-JP" altLang="en-US" smtClean="0"/>
+              <a:t>10</a:t>
+            </a:fld>
+            <a:endParaRPr kumimoji="1" lang="ja-JP" altLang="en-US"/>
+          </a:p>
+        </p:txBody>
+      </p:sp>
+    </p:spTree>
+    <p:extLst>
+      <p:ext uri="{BB962C8B-B14F-4D97-AF65-F5344CB8AC3E}">
+        <p14:creationId xmlns:p14="http://schemas.microsoft.com/office/powerpoint/2010/main" val="1391820370"/>
       </p:ext>
     </p:extLst>
   </p:cSld>
@@ -4521,6 +4849,1233 @@
 </p:sld>
 </file>
 
+<file path=ppt/slides/slide10.xml><?xml version="1.0" encoding="utf-8"?>
+<p:sld xmlns:a="http://schemas.openxmlformats.org/drawingml/2006/main" xmlns:r="http://schemas.openxmlformats.org/officeDocument/2006/relationships" xmlns:p="http://schemas.openxmlformats.org/presentationml/2006/main">
+  <p:cSld>
+    <p:spTree>
+      <p:nvGrpSpPr>
+        <p:cNvPr id="1" name=""/>
+        <p:cNvGrpSpPr/>
+        <p:nvPr/>
+      </p:nvGrpSpPr>
+      <p:grpSpPr>
+        <a:xfrm>
+          <a:off x="0" y="0"/>
+          <a:ext cx="0" cy="0"/>
+          <a:chOff x="0" y="0"/>
+          <a:chExt cx="0" cy="0"/>
+        </a:xfrm>
+      </p:grpSpPr>
+      <p:sp>
+        <p:nvSpPr>
+          <p:cNvPr id="2" name="テキスト ボックス 1"/>
+          <p:cNvSpPr txBox="1"/>
+          <p:nvPr/>
+        </p:nvSpPr>
+        <p:spPr>
+          <a:xfrm>
+            <a:off x="339249" y="4401321"/>
+            <a:ext cx="1638384" cy="523220"/>
+          </a:xfrm>
+          <a:prstGeom prst="rect">
+            <a:avLst/>
+          </a:prstGeom>
+          <a:noFill/>
+          <a:ln>
+            <a:solidFill>
+              <a:schemeClr val="tx1"/>
+            </a:solidFill>
+          </a:ln>
+        </p:spPr>
+        <p:txBody>
+          <a:bodyPr wrap="square" rtlCol="0">
+            <a:spAutoFit/>
+          </a:bodyPr>
+          <a:lstStyle/>
+          <a:p>
+            <a:pPr algn="ctr"/>
+            <a:r>
+              <a:rPr kumimoji="1" lang="ja-JP" altLang="en-US" sz="2800" dirty="0" smtClean="0"/>
+              <a:t>ユーザー</a:t>
+            </a:r>
+            <a:endParaRPr kumimoji="1" lang="ja-JP" altLang="en-US" sz="2800" dirty="0"/>
+          </a:p>
+        </p:txBody>
+      </p:sp>
+      <p:cxnSp>
+        <p:nvCxnSpPr>
+          <p:cNvPr id="3" name="直線矢印コネクタ 2"/>
+          <p:cNvCxnSpPr/>
+          <p:nvPr/>
+        </p:nvCxnSpPr>
+        <p:spPr>
+          <a:xfrm flipV="1">
+            <a:off x="2073833" y="3369873"/>
+            <a:ext cx="2385997" cy="891181"/>
+          </a:xfrm>
+          <a:prstGeom prst="straightConnector1">
+            <a:avLst/>
+          </a:prstGeom>
+          <a:ln w="25400">
+            <a:solidFill>
+              <a:srgbClr val="00B050"/>
+            </a:solidFill>
+            <a:tailEnd type="triangle"/>
+          </a:ln>
+        </p:spPr>
+        <p:style>
+          <a:lnRef idx="1">
+            <a:schemeClr val="accent1"/>
+          </a:lnRef>
+          <a:fillRef idx="0">
+            <a:schemeClr val="accent1"/>
+          </a:fillRef>
+          <a:effectRef idx="0">
+            <a:schemeClr val="accent1"/>
+          </a:effectRef>
+          <a:fontRef idx="minor">
+            <a:schemeClr val="tx1"/>
+          </a:fontRef>
+        </p:style>
+      </p:cxnSp>
+      <p:sp>
+        <p:nvSpPr>
+          <p:cNvPr id="4" name="テキスト ボックス 3"/>
+          <p:cNvSpPr txBox="1"/>
+          <p:nvPr/>
+        </p:nvSpPr>
+        <p:spPr>
+          <a:xfrm>
+            <a:off x="2624390" y="1576504"/>
+            <a:ext cx="1746476" cy="954107"/>
+          </a:xfrm>
+          <a:prstGeom prst="rect">
+            <a:avLst/>
+          </a:prstGeom>
+          <a:noFill/>
+        </p:spPr>
+        <p:txBody>
+          <a:bodyPr wrap="square" rtlCol="0">
+            <a:spAutoFit/>
+          </a:bodyPr>
+          <a:lstStyle/>
+          <a:p>
+            <a:r>
+              <a:rPr kumimoji="1" lang="en-US" altLang="ja-JP" sz="2800" dirty="0" err="1" smtClean="0"/>
+              <a:t>ID:hirose</a:t>
+            </a:r>
+            <a:endParaRPr kumimoji="1" lang="en-US" altLang="ja-JP" sz="2800" dirty="0" smtClean="0"/>
+          </a:p>
+          <a:p>
+            <a:r>
+              <a:rPr lang="en-US" altLang="ja-JP" sz="2800" dirty="0" err="1" smtClean="0"/>
+              <a:t>PW:hirose</a:t>
+            </a:r>
+            <a:endParaRPr kumimoji="1" lang="ja-JP" altLang="en-US" sz="2800" dirty="0"/>
+          </a:p>
+        </p:txBody>
+      </p:sp>
+      <p:sp>
+        <p:nvSpPr>
+          <p:cNvPr id="6" name="テキスト ボックス 5"/>
+          <p:cNvSpPr txBox="1"/>
+          <p:nvPr/>
+        </p:nvSpPr>
+        <p:spPr>
+          <a:xfrm>
+            <a:off x="4646555" y="2751914"/>
+            <a:ext cx="1204454" cy="584775"/>
+          </a:xfrm>
+          <a:prstGeom prst="rect">
+            <a:avLst/>
+          </a:prstGeom>
+          <a:noFill/>
+          <a:ln>
+            <a:solidFill>
+              <a:schemeClr val="tx1"/>
+            </a:solidFill>
+          </a:ln>
+        </p:spPr>
+        <p:txBody>
+          <a:bodyPr wrap="square" rtlCol="0">
+            <a:spAutoFit/>
+          </a:bodyPr>
+          <a:lstStyle/>
+          <a:p>
+            <a:pPr algn="ctr"/>
+            <a:r>
+              <a:rPr kumimoji="1" lang="en-US" altLang="ja-JP" sz="3200" dirty="0" smtClean="0"/>
+              <a:t>PHP</a:t>
+            </a:r>
+            <a:endParaRPr kumimoji="1" lang="ja-JP" altLang="en-US" sz="3200" dirty="0"/>
+          </a:p>
+        </p:txBody>
+      </p:sp>
+      <p:sp>
+        <p:nvSpPr>
+          <p:cNvPr id="7" name="テキスト ボックス 6"/>
+          <p:cNvSpPr txBox="1"/>
+          <p:nvPr/>
+        </p:nvSpPr>
+        <p:spPr>
+          <a:xfrm>
+            <a:off x="8955846" y="2778321"/>
+            <a:ext cx="1435512" cy="584775"/>
+          </a:xfrm>
+          <a:prstGeom prst="rect">
+            <a:avLst/>
+          </a:prstGeom>
+          <a:noFill/>
+          <a:ln>
+            <a:solidFill>
+              <a:schemeClr val="tx1"/>
+            </a:solidFill>
+          </a:ln>
+        </p:spPr>
+        <p:txBody>
+          <a:bodyPr wrap="square" rtlCol="0">
+            <a:spAutoFit/>
+          </a:bodyPr>
+          <a:lstStyle/>
+          <a:p>
+            <a:pPr algn="ctr"/>
+            <a:r>
+              <a:rPr kumimoji="1" lang="en-US" altLang="ja-JP" sz="3200" dirty="0" err="1" smtClean="0"/>
+              <a:t>mySQL</a:t>
+            </a:r>
+            <a:endParaRPr kumimoji="1" lang="ja-JP" altLang="en-US" sz="3200" dirty="0"/>
+          </a:p>
+        </p:txBody>
+      </p:sp>
+      <p:cxnSp>
+        <p:nvCxnSpPr>
+          <p:cNvPr id="8" name="直線矢印コネクタ 7"/>
+          <p:cNvCxnSpPr/>
+          <p:nvPr/>
+        </p:nvCxnSpPr>
+        <p:spPr>
+          <a:xfrm flipV="1">
+            <a:off x="3004569" y="3118525"/>
+            <a:ext cx="818152" cy="3072"/>
+          </a:xfrm>
+          <a:prstGeom prst="straightConnector1">
+            <a:avLst/>
+          </a:prstGeom>
+          <a:ln w="25400">
+            <a:solidFill>
+              <a:srgbClr val="00B050"/>
+            </a:solidFill>
+            <a:tailEnd type="triangle"/>
+          </a:ln>
+        </p:spPr>
+        <p:style>
+          <a:lnRef idx="1">
+            <a:schemeClr val="accent1"/>
+          </a:lnRef>
+          <a:fillRef idx="0">
+            <a:schemeClr val="accent1"/>
+          </a:fillRef>
+          <a:effectRef idx="0">
+            <a:schemeClr val="accent1"/>
+          </a:effectRef>
+          <a:fontRef idx="minor">
+            <a:schemeClr val="tx1"/>
+          </a:fontRef>
+        </p:style>
+      </p:cxnSp>
+      <p:graphicFrame>
+        <p:nvGraphicFramePr>
+          <p:cNvPr id="9" name="表 8"/>
+          <p:cNvGraphicFramePr>
+            <a:graphicFrameLocks noGrp="1"/>
+          </p:cNvGraphicFramePr>
+          <p:nvPr>
+            <p:extLst>
+              <p:ext uri="{D42A27DB-BD31-4B8C-83A1-F6EECF244321}">
+                <p14:modId xmlns:p14="http://schemas.microsoft.com/office/powerpoint/2010/main" val="2149692944"/>
+              </p:ext>
+            </p:extLst>
+          </p:nvPr>
+        </p:nvGraphicFramePr>
+        <p:xfrm>
+          <a:off x="7224589" y="4533053"/>
+          <a:ext cx="4888889" cy="1798320"/>
+        </p:xfrm>
+        <a:graphic>
+          <a:graphicData uri="http://schemas.openxmlformats.org/drawingml/2006/table">
+            <a:tbl>
+              <a:tblPr firstRow="1" bandRow="1">
+                <a:tableStyleId>{5C22544A-7EE6-4342-B048-85BDC9FD1C3A}</a:tableStyleId>
+              </a:tblPr>
+              <a:tblGrid>
+                <a:gridCol w="1090122"/>
+                <a:gridCol w="807720"/>
+                <a:gridCol w="1218566"/>
+                <a:gridCol w="1772481"/>
+              </a:tblGrid>
+              <a:tr h="457584">
+                <a:tc gridSpan="4">
+                  <a:txBody>
+                    <a:bodyPr/>
+                    <a:lstStyle/>
+                    <a:p>
+                      <a:pPr algn="ctr"/>
+                      <a:r>
+                        <a:rPr kumimoji="1" lang="en-US" altLang="ja-JP" sz="2800" dirty="0" smtClean="0"/>
+                        <a:t>account</a:t>
+                      </a:r>
+                      <a:endParaRPr kumimoji="1" lang="ja-JP" altLang="en-US" sz="2800" dirty="0"/>
+                    </a:p>
+                  </a:txBody>
+                  <a:tcPr/>
+                </a:tc>
+                <a:tc hMerge="1">
+                  <a:txBody>
+                    <a:bodyPr/>
+                    <a:lstStyle/>
+                    <a:p>
+                      <a:endParaRPr kumimoji="1" lang="ja-JP" altLang="en-US" dirty="0"/>
+                    </a:p>
+                  </a:txBody>
+                  <a:tcPr/>
+                </a:tc>
+                <a:tc hMerge="1">
+                  <a:txBody>
+                    <a:bodyPr/>
+                    <a:lstStyle/>
+                    <a:p>
+                      <a:endParaRPr kumimoji="1" lang="ja-JP" altLang="en-US"/>
+                    </a:p>
+                  </a:txBody>
+                  <a:tcPr/>
+                </a:tc>
+                <a:tc hMerge="1">
+                  <a:txBody>
+                    <a:bodyPr/>
+                    <a:lstStyle/>
+                    <a:p>
+                      <a:endParaRPr kumimoji="1" lang="ja-JP" altLang="en-US" dirty="0"/>
+                    </a:p>
+                  </a:txBody>
+                  <a:tcPr/>
+                </a:tc>
+              </a:tr>
+              <a:tr h="207619">
+                <a:tc>
+                  <a:txBody>
+                    <a:bodyPr/>
+                    <a:lstStyle/>
+                    <a:p>
+                      <a:pPr marL="0" marR="0" indent="0" algn="l" defTabSz="914400" rtl="0" eaLnBrk="1" fontAlgn="auto" latinLnBrk="0" hangingPunct="1">
+                        <a:lnSpc>
+                          <a:spcPct val="100000"/>
+                        </a:lnSpc>
+                        <a:spcBef>
+                          <a:spcPts val="0"/>
+                        </a:spcBef>
+                        <a:spcAft>
+                          <a:spcPts val="0"/>
+                        </a:spcAft>
+                        <a:buClrTx/>
+                        <a:buSzTx/>
+                        <a:buFontTx/>
+                        <a:buNone/>
+                        <a:tabLst/>
+                        <a:defRPr/>
+                      </a:pPr>
+                      <a:r>
+                        <a:rPr kumimoji="1" lang="en-US" altLang="ja-JP" dirty="0" smtClean="0"/>
+                        <a:t>number</a:t>
+                      </a:r>
+                      <a:endParaRPr kumimoji="1" lang="ja-JP" altLang="en-US" dirty="0" smtClean="0"/>
+                    </a:p>
+                  </a:txBody>
+                  <a:tcPr/>
+                </a:tc>
+                <a:tc>
+                  <a:txBody>
+                    <a:bodyPr/>
+                    <a:lstStyle/>
+                    <a:p>
+                      <a:pPr marL="0" marR="0" indent="0" algn="l" defTabSz="914400" rtl="0" eaLnBrk="1" fontAlgn="auto" latinLnBrk="0" hangingPunct="1">
+                        <a:lnSpc>
+                          <a:spcPct val="100000"/>
+                        </a:lnSpc>
+                        <a:spcBef>
+                          <a:spcPts val="0"/>
+                        </a:spcBef>
+                        <a:spcAft>
+                          <a:spcPts val="0"/>
+                        </a:spcAft>
+                        <a:buClrTx/>
+                        <a:buSzTx/>
+                        <a:buFontTx/>
+                        <a:buNone/>
+                        <a:tabLst/>
+                        <a:defRPr/>
+                      </a:pPr>
+                      <a:r>
+                        <a:rPr kumimoji="1" lang="en-US" altLang="ja-JP" dirty="0" smtClean="0"/>
+                        <a:t>id</a:t>
+                      </a:r>
+                      <a:endParaRPr kumimoji="1" lang="ja-JP" altLang="en-US" dirty="0" smtClean="0"/>
+                    </a:p>
+                  </a:txBody>
+                  <a:tcPr/>
+                </a:tc>
+                <a:tc>
+                  <a:txBody>
+                    <a:bodyPr/>
+                    <a:lstStyle/>
+                    <a:p>
+                      <a:pPr marL="0" marR="0" indent="0" algn="l" defTabSz="914400" rtl="0" eaLnBrk="1" fontAlgn="auto" latinLnBrk="0" hangingPunct="1">
+                        <a:lnSpc>
+                          <a:spcPct val="100000"/>
+                        </a:lnSpc>
+                        <a:spcBef>
+                          <a:spcPts val="0"/>
+                        </a:spcBef>
+                        <a:spcAft>
+                          <a:spcPts val="0"/>
+                        </a:spcAft>
+                        <a:buClrTx/>
+                        <a:buSzTx/>
+                        <a:buFontTx/>
+                        <a:buNone/>
+                        <a:tabLst/>
+                        <a:defRPr/>
+                      </a:pPr>
+                      <a:r>
+                        <a:rPr kumimoji="1" lang="en-US" altLang="ja-JP" dirty="0" smtClean="0"/>
+                        <a:t>nickname</a:t>
+                      </a:r>
+                      <a:endParaRPr kumimoji="1" lang="ja-JP" altLang="en-US" dirty="0" smtClean="0"/>
+                    </a:p>
+                  </a:txBody>
+                  <a:tcPr/>
+                </a:tc>
+                <a:tc>
+                  <a:txBody>
+                    <a:bodyPr/>
+                    <a:lstStyle/>
+                    <a:p>
+                      <a:pPr marL="0" marR="0" indent="0" algn="l" defTabSz="914400" rtl="0" eaLnBrk="1" fontAlgn="auto" latinLnBrk="0" hangingPunct="1">
+                        <a:lnSpc>
+                          <a:spcPct val="100000"/>
+                        </a:lnSpc>
+                        <a:spcBef>
+                          <a:spcPts val="0"/>
+                        </a:spcBef>
+                        <a:spcAft>
+                          <a:spcPts val="0"/>
+                        </a:spcAft>
+                        <a:buClrTx/>
+                        <a:buSzTx/>
+                        <a:buFontTx/>
+                        <a:buNone/>
+                        <a:tabLst/>
+                        <a:defRPr/>
+                      </a:pPr>
+                      <a:r>
+                        <a:rPr kumimoji="1" lang="en-US" altLang="ja-JP" dirty="0" smtClean="0"/>
+                        <a:t>password</a:t>
+                      </a:r>
+                      <a:endParaRPr kumimoji="1" lang="ja-JP" altLang="en-US" dirty="0" smtClean="0"/>
+                    </a:p>
+                  </a:txBody>
+                  <a:tcPr/>
+                </a:tc>
+              </a:tr>
+              <a:tr h="738456">
+                <a:tc>
+                  <a:txBody>
+                    <a:bodyPr/>
+                    <a:lstStyle/>
+                    <a:p>
+                      <a:r>
+                        <a:rPr kumimoji="1" lang="en-US" altLang="ja-JP" dirty="0" smtClean="0"/>
+                        <a:t>1</a:t>
+                      </a:r>
+                      <a:endParaRPr kumimoji="1" lang="ja-JP" altLang="en-US" dirty="0"/>
+                    </a:p>
+                  </a:txBody>
+                  <a:tcPr/>
+                </a:tc>
+                <a:tc>
+                  <a:txBody>
+                    <a:bodyPr/>
+                    <a:lstStyle/>
+                    <a:p>
+                      <a:r>
+                        <a:rPr kumimoji="1" lang="en-US" altLang="ja-JP" dirty="0" err="1" smtClean="0"/>
+                        <a:t>hirose</a:t>
+                      </a:r>
+                      <a:endParaRPr kumimoji="1" lang="ja-JP" altLang="en-US" dirty="0"/>
+                    </a:p>
+                  </a:txBody>
+                  <a:tcPr/>
+                </a:tc>
+                <a:tc>
+                  <a:txBody>
+                    <a:bodyPr/>
+                    <a:lstStyle/>
+                    <a:p>
+                      <a:r>
+                        <a:rPr kumimoji="1" lang="ja-JP" altLang="en-US" dirty="0" smtClean="0"/>
+                        <a:t>広瀬太郎</a:t>
+                      </a:r>
+                      <a:endParaRPr kumimoji="1" lang="ja-JP" altLang="en-US" dirty="0"/>
+                    </a:p>
+                  </a:txBody>
+                  <a:tcPr/>
+                </a:tc>
+                <a:tc>
+                  <a:txBody>
+                    <a:bodyPr/>
+                    <a:lstStyle/>
+                    <a:p>
+                      <a:r>
+                        <a:rPr kumimoji="1" lang="en-US" altLang="ja-JP" dirty="0" smtClean="0"/>
+                        <a:t>b415f121bed5418d497277b7e51556dff74b8e55</a:t>
+                      </a:r>
+                      <a:endParaRPr kumimoji="1" lang="ja-JP" altLang="en-US" dirty="0"/>
+                    </a:p>
+                  </a:txBody>
+                  <a:tcPr/>
+                </a:tc>
+              </a:tr>
+            </a:tbl>
+          </a:graphicData>
+        </a:graphic>
+      </p:graphicFrame>
+      <p:sp>
+        <p:nvSpPr>
+          <p:cNvPr id="10" name="テキスト ボックス 9"/>
+          <p:cNvSpPr txBox="1"/>
+          <p:nvPr/>
+        </p:nvSpPr>
+        <p:spPr>
+          <a:xfrm>
+            <a:off x="6315224" y="845901"/>
+            <a:ext cx="2747275" cy="2123658"/>
+          </a:xfrm>
+          <a:prstGeom prst="rect">
+            <a:avLst/>
+          </a:prstGeom>
+          <a:noFill/>
+        </p:spPr>
+        <p:txBody>
+          <a:bodyPr wrap="square" rtlCol="0">
+            <a:spAutoFit/>
+          </a:bodyPr>
+          <a:lstStyle/>
+          <a:p>
+            <a:r>
+              <a:rPr kumimoji="1" lang="en-US" altLang="ja-JP" sz="2400" dirty="0" err="1" smtClean="0"/>
+              <a:t>ID:hirose</a:t>
+            </a:r>
+            <a:endParaRPr kumimoji="1" lang="en-US" altLang="ja-JP" sz="2400" dirty="0" smtClean="0"/>
+          </a:p>
+          <a:p>
+            <a:r>
+              <a:rPr lang="ja-JP" altLang="en-US" sz="2400" dirty="0" smtClean="0"/>
+              <a:t>ニックネーム：</a:t>
+            </a:r>
+            <a:endParaRPr lang="en-US" altLang="ja-JP" sz="2400" dirty="0" smtClean="0"/>
+          </a:p>
+          <a:p>
+            <a:r>
+              <a:rPr kumimoji="1" lang="ja-JP" altLang="en-US" sz="2400" dirty="0" smtClean="0"/>
+              <a:t>広瀬</a:t>
+            </a:r>
+            <a:r>
+              <a:rPr kumimoji="1" lang="ja-JP" altLang="en-US" sz="2400" dirty="0"/>
+              <a:t>太郎</a:t>
+            </a:r>
+            <a:endParaRPr kumimoji="1" lang="en-US" altLang="ja-JP" sz="2400" dirty="0" smtClean="0"/>
+          </a:p>
+          <a:p>
+            <a:r>
+              <a:rPr lang="en-US" altLang="ja-JP" sz="2400" dirty="0" smtClean="0"/>
+              <a:t>PW(</a:t>
+            </a:r>
+            <a:r>
+              <a:rPr lang="ja-JP" altLang="en-US" sz="2400" dirty="0" smtClean="0"/>
+              <a:t>暗号化</a:t>
+            </a:r>
+            <a:r>
+              <a:rPr lang="en-US" altLang="ja-JP" sz="2400" dirty="0" smtClean="0"/>
+              <a:t>):</a:t>
+            </a:r>
+          </a:p>
+          <a:p>
+            <a:r>
+              <a:rPr lang="en-US" altLang="ja-JP" sz="1600" dirty="0"/>
+              <a:t>b415f121bed5418d497277b7e51556dff74b8e55</a:t>
+            </a:r>
+            <a:endParaRPr lang="ja-JP" altLang="en-US" sz="1600" dirty="0"/>
+          </a:p>
+        </p:txBody>
+      </p:sp>
+      <p:sp>
+        <p:nvSpPr>
+          <p:cNvPr id="12" name="テキスト ボックス 11"/>
+          <p:cNvSpPr txBox="1"/>
+          <p:nvPr/>
+        </p:nvSpPr>
+        <p:spPr>
+          <a:xfrm>
+            <a:off x="950142" y="92429"/>
+            <a:ext cx="10511178" cy="769441"/>
+          </a:xfrm>
+          <a:prstGeom prst="rect">
+            <a:avLst/>
+          </a:prstGeom>
+          <a:noFill/>
+        </p:spPr>
+        <p:txBody>
+          <a:bodyPr wrap="square" rtlCol="0">
+            <a:spAutoFit/>
+          </a:bodyPr>
+          <a:lstStyle/>
+          <a:p>
+            <a:pPr algn="ctr"/>
+            <a:r>
+              <a:rPr lang="ja-JP" altLang="en-US" sz="4400" b="1" dirty="0">
+                <a:solidFill>
+                  <a:srgbClr val="7030A0"/>
+                </a:solidFill>
+              </a:rPr>
+              <a:t>ログイン</a:t>
+            </a:r>
+            <a:r>
+              <a:rPr lang="ja-JP" altLang="en-US" sz="4400" b="1" dirty="0" smtClean="0">
+                <a:solidFill>
+                  <a:srgbClr val="7030A0"/>
+                </a:solidFill>
+              </a:rPr>
+              <a:t>システム（</a:t>
+            </a:r>
+            <a:r>
+              <a:rPr lang="en-US" altLang="ja-JP" sz="4400" b="1" dirty="0" smtClean="0">
+                <a:solidFill>
+                  <a:srgbClr val="7030A0"/>
+                </a:solidFill>
+              </a:rPr>
+              <a:t>JavaScript</a:t>
+            </a:r>
+            <a:r>
+              <a:rPr lang="ja-JP" altLang="en-US" sz="4400" b="1" dirty="0" smtClean="0">
+                <a:solidFill>
+                  <a:srgbClr val="7030A0"/>
+                </a:solidFill>
+              </a:rPr>
+              <a:t>未対応</a:t>
+            </a:r>
+            <a:r>
+              <a:rPr lang="ja-JP" altLang="en-US" sz="4400" b="1" dirty="0" smtClean="0">
+                <a:solidFill>
+                  <a:srgbClr val="7030A0"/>
+                </a:solidFill>
+              </a:rPr>
+              <a:t>）（例）</a:t>
+            </a:r>
+            <a:endParaRPr kumimoji="1" lang="ja-JP" altLang="en-US" sz="4400" b="1" dirty="0">
+              <a:solidFill>
+                <a:srgbClr val="7030A0"/>
+              </a:solidFill>
+            </a:endParaRPr>
+          </a:p>
+        </p:txBody>
+      </p:sp>
+      <p:sp>
+        <p:nvSpPr>
+          <p:cNvPr id="13" name="テキスト ボックス 12"/>
+          <p:cNvSpPr txBox="1"/>
+          <p:nvPr/>
+        </p:nvSpPr>
+        <p:spPr>
+          <a:xfrm>
+            <a:off x="241957" y="2808234"/>
+            <a:ext cx="2197511" cy="584775"/>
+          </a:xfrm>
+          <a:prstGeom prst="rect">
+            <a:avLst/>
+          </a:prstGeom>
+          <a:noFill/>
+          <a:ln>
+            <a:solidFill>
+              <a:schemeClr val="tx1"/>
+            </a:solidFill>
+          </a:ln>
+        </p:spPr>
+        <p:txBody>
+          <a:bodyPr wrap="square" rtlCol="0">
+            <a:spAutoFit/>
+          </a:bodyPr>
+          <a:lstStyle/>
+          <a:p>
+            <a:pPr algn="ctr"/>
+            <a:r>
+              <a:rPr kumimoji="1" lang="en-US" altLang="ja-JP" sz="3200" dirty="0" err="1" smtClean="0"/>
+              <a:t>Javascript</a:t>
+            </a:r>
+            <a:endParaRPr kumimoji="1" lang="ja-JP" altLang="en-US" sz="3200" dirty="0"/>
+          </a:p>
+        </p:txBody>
+      </p:sp>
+      <p:cxnSp>
+        <p:nvCxnSpPr>
+          <p:cNvPr id="14" name="直線コネクタ 13"/>
+          <p:cNvCxnSpPr/>
+          <p:nvPr/>
+        </p:nvCxnSpPr>
+        <p:spPr>
+          <a:xfrm>
+            <a:off x="251763" y="2497752"/>
+            <a:ext cx="2333056" cy="1096092"/>
+          </a:xfrm>
+          <a:prstGeom prst="line">
+            <a:avLst/>
+          </a:prstGeom>
+          <a:ln w="25400">
+            <a:solidFill>
+              <a:schemeClr val="tx1"/>
+            </a:solidFill>
+          </a:ln>
+        </p:spPr>
+        <p:style>
+          <a:lnRef idx="1">
+            <a:schemeClr val="accent1"/>
+          </a:lnRef>
+          <a:fillRef idx="0">
+            <a:schemeClr val="accent1"/>
+          </a:fillRef>
+          <a:effectRef idx="0">
+            <a:schemeClr val="accent1"/>
+          </a:effectRef>
+          <a:fontRef idx="minor">
+            <a:schemeClr val="tx1"/>
+          </a:fontRef>
+        </p:style>
+      </p:cxnSp>
+      <p:cxnSp>
+        <p:nvCxnSpPr>
+          <p:cNvPr id="15" name="直線コネクタ 14"/>
+          <p:cNvCxnSpPr/>
+          <p:nvPr/>
+        </p:nvCxnSpPr>
+        <p:spPr>
+          <a:xfrm flipH="1">
+            <a:off x="190259" y="2518767"/>
+            <a:ext cx="2315768" cy="1137066"/>
+          </a:xfrm>
+          <a:prstGeom prst="line">
+            <a:avLst/>
+          </a:prstGeom>
+          <a:ln w="25400">
+            <a:solidFill>
+              <a:schemeClr val="tx1"/>
+            </a:solidFill>
+          </a:ln>
+        </p:spPr>
+        <p:style>
+          <a:lnRef idx="1">
+            <a:schemeClr val="accent1"/>
+          </a:lnRef>
+          <a:fillRef idx="0">
+            <a:schemeClr val="accent1"/>
+          </a:fillRef>
+          <a:effectRef idx="0">
+            <a:schemeClr val="accent1"/>
+          </a:effectRef>
+          <a:fontRef idx="minor">
+            <a:schemeClr val="tx1"/>
+          </a:fontRef>
+        </p:style>
+      </p:cxnSp>
+      <p:sp>
+        <p:nvSpPr>
+          <p:cNvPr id="16" name="円弧 15"/>
+          <p:cNvSpPr/>
+          <p:nvPr/>
+        </p:nvSpPr>
+        <p:spPr>
+          <a:xfrm rot="3706451">
+            <a:off x="4847423" y="3223183"/>
+            <a:ext cx="1787660" cy="585386"/>
+          </a:xfrm>
+          <a:prstGeom prst="arc">
+            <a:avLst>
+              <a:gd name="adj1" fmla="val 13933702"/>
+              <a:gd name="adj2" fmla="val 6737379"/>
+            </a:avLst>
+          </a:prstGeom>
+          <a:ln w="31750">
+            <a:solidFill>
+              <a:srgbClr val="7030A0"/>
+            </a:solidFill>
+            <a:tailEnd type="stealth"/>
+          </a:ln>
+        </p:spPr>
+        <p:style>
+          <a:lnRef idx="1">
+            <a:schemeClr val="accent1"/>
+          </a:lnRef>
+          <a:fillRef idx="0">
+            <a:schemeClr val="accent1"/>
+          </a:fillRef>
+          <a:effectRef idx="0">
+            <a:schemeClr val="accent1"/>
+          </a:effectRef>
+          <a:fontRef idx="minor">
+            <a:schemeClr val="tx1"/>
+          </a:fontRef>
+        </p:style>
+        <p:txBody>
+          <a:bodyPr rtlCol="0" anchor="ctr"/>
+          <a:lstStyle/>
+          <a:p>
+            <a:pPr algn="ctr"/>
+            <a:endParaRPr kumimoji="1" lang="ja-JP" altLang="en-US"/>
+          </a:p>
+        </p:txBody>
+      </p:sp>
+      <p:sp>
+        <p:nvSpPr>
+          <p:cNvPr id="17" name="テキスト ボックス 16"/>
+          <p:cNvSpPr txBox="1"/>
+          <p:nvPr/>
+        </p:nvSpPr>
+        <p:spPr>
+          <a:xfrm>
+            <a:off x="4744003" y="4357605"/>
+            <a:ext cx="2365005" cy="954107"/>
+          </a:xfrm>
+          <a:prstGeom prst="rect">
+            <a:avLst/>
+          </a:prstGeom>
+          <a:noFill/>
+        </p:spPr>
+        <p:txBody>
+          <a:bodyPr wrap="square" rtlCol="0">
+            <a:spAutoFit/>
+          </a:bodyPr>
+          <a:lstStyle/>
+          <a:p>
+            <a:r>
+              <a:rPr lang="en-US" altLang="ja-JP" sz="2400" dirty="0" smtClean="0"/>
+              <a:t>PW(</a:t>
+            </a:r>
+            <a:r>
+              <a:rPr lang="ja-JP" altLang="en-US" sz="2400" dirty="0" smtClean="0"/>
+              <a:t>暗号化</a:t>
+            </a:r>
+            <a:r>
+              <a:rPr lang="en-US" altLang="ja-JP" sz="2400" dirty="0" smtClean="0"/>
+              <a:t>):</a:t>
+            </a:r>
+          </a:p>
+          <a:p>
+            <a:r>
+              <a:rPr lang="en-US" altLang="ja-JP" sz="1600" dirty="0" smtClean="0"/>
+              <a:t>b415f121bed5418d497277b7e51556dff74b8e55</a:t>
+            </a:r>
+            <a:endParaRPr lang="ja-JP" altLang="en-US" sz="1600" dirty="0"/>
+          </a:p>
+        </p:txBody>
+      </p:sp>
+      <p:cxnSp>
+        <p:nvCxnSpPr>
+          <p:cNvPr id="18" name="直線矢印コネクタ 17"/>
+          <p:cNvCxnSpPr/>
+          <p:nvPr/>
+        </p:nvCxnSpPr>
+        <p:spPr>
+          <a:xfrm flipV="1">
+            <a:off x="1288088" y="3546264"/>
+            <a:ext cx="4567" cy="766656"/>
+          </a:xfrm>
+          <a:prstGeom prst="straightConnector1">
+            <a:avLst/>
+          </a:prstGeom>
+          <a:ln w="25400">
+            <a:solidFill>
+              <a:srgbClr val="00B050"/>
+            </a:solidFill>
+            <a:tailEnd type="triangle"/>
+          </a:ln>
+        </p:spPr>
+        <p:style>
+          <a:lnRef idx="1">
+            <a:schemeClr val="accent1"/>
+          </a:lnRef>
+          <a:fillRef idx="0">
+            <a:schemeClr val="accent1"/>
+          </a:fillRef>
+          <a:effectRef idx="0">
+            <a:schemeClr val="accent1"/>
+          </a:effectRef>
+          <a:fontRef idx="minor">
+            <a:schemeClr val="tx1"/>
+          </a:fontRef>
+        </p:style>
+      </p:cxnSp>
+      <p:cxnSp>
+        <p:nvCxnSpPr>
+          <p:cNvPr id="19" name="直線コネクタ 18"/>
+          <p:cNvCxnSpPr/>
+          <p:nvPr/>
+        </p:nvCxnSpPr>
+        <p:spPr>
+          <a:xfrm>
+            <a:off x="3075498" y="2999644"/>
+            <a:ext cx="611102" cy="299531"/>
+          </a:xfrm>
+          <a:prstGeom prst="line">
+            <a:avLst/>
+          </a:prstGeom>
+          <a:ln w="25400">
+            <a:solidFill>
+              <a:schemeClr val="tx1"/>
+            </a:solidFill>
+          </a:ln>
+        </p:spPr>
+        <p:style>
+          <a:lnRef idx="1">
+            <a:schemeClr val="accent1"/>
+          </a:lnRef>
+          <a:fillRef idx="0">
+            <a:schemeClr val="accent1"/>
+          </a:fillRef>
+          <a:effectRef idx="0">
+            <a:schemeClr val="accent1"/>
+          </a:effectRef>
+          <a:fontRef idx="minor">
+            <a:schemeClr val="tx1"/>
+          </a:fontRef>
+        </p:style>
+      </p:cxnSp>
+      <p:cxnSp>
+        <p:nvCxnSpPr>
+          <p:cNvPr id="20" name="直線コネクタ 19"/>
+          <p:cNvCxnSpPr/>
+          <p:nvPr/>
+        </p:nvCxnSpPr>
+        <p:spPr>
+          <a:xfrm flipH="1">
+            <a:off x="3023074" y="2971256"/>
+            <a:ext cx="663526" cy="356306"/>
+          </a:xfrm>
+          <a:prstGeom prst="line">
+            <a:avLst/>
+          </a:prstGeom>
+          <a:ln w="25400">
+            <a:solidFill>
+              <a:schemeClr val="tx1"/>
+            </a:solidFill>
+          </a:ln>
+        </p:spPr>
+        <p:style>
+          <a:lnRef idx="1">
+            <a:schemeClr val="accent1"/>
+          </a:lnRef>
+          <a:fillRef idx="0">
+            <a:schemeClr val="accent1"/>
+          </a:fillRef>
+          <a:effectRef idx="0">
+            <a:schemeClr val="accent1"/>
+          </a:effectRef>
+          <a:fontRef idx="minor">
+            <a:schemeClr val="tx1"/>
+          </a:fontRef>
+        </p:style>
+      </p:cxnSp>
+      <p:cxnSp>
+        <p:nvCxnSpPr>
+          <p:cNvPr id="21" name="直線コネクタ 20"/>
+          <p:cNvCxnSpPr/>
+          <p:nvPr/>
+        </p:nvCxnSpPr>
+        <p:spPr>
+          <a:xfrm>
+            <a:off x="1002566" y="3772622"/>
+            <a:ext cx="611102" cy="299531"/>
+          </a:xfrm>
+          <a:prstGeom prst="line">
+            <a:avLst/>
+          </a:prstGeom>
+          <a:ln w="25400">
+            <a:solidFill>
+              <a:schemeClr val="tx1"/>
+            </a:solidFill>
+          </a:ln>
+        </p:spPr>
+        <p:style>
+          <a:lnRef idx="1">
+            <a:schemeClr val="accent1"/>
+          </a:lnRef>
+          <a:fillRef idx="0">
+            <a:schemeClr val="accent1"/>
+          </a:fillRef>
+          <a:effectRef idx="0">
+            <a:schemeClr val="accent1"/>
+          </a:effectRef>
+          <a:fontRef idx="minor">
+            <a:schemeClr val="tx1"/>
+          </a:fontRef>
+        </p:style>
+      </p:cxnSp>
+      <p:cxnSp>
+        <p:nvCxnSpPr>
+          <p:cNvPr id="22" name="直線コネクタ 21"/>
+          <p:cNvCxnSpPr/>
+          <p:nvPr/>
+        </p:nvCxnSpPr>
+        <p:spPr>
+          <a:xfrm flipH="1">
+            <a:off x="950142" y="3744234"/>
+            <a:ext cx="663526" cy="356306"/>
+          </a:xfrm>
+          <a:prstGeom prst="line">
+            <a:avLst/>
+          </a:prstGeom>
+          <a:ln w="25400">
+            <a:solidFill>
+              <a:schemeClr val="tx1"/>
+            </a:solidFill>
+          </a:ln>
+        </p:spPr>
+        <p:style>
+          <a:lnRef idx="1">
+            <a:schemeClr val="accent1"/>
+          </a:lnRef>
+          <a:fillRef idx="0">
+            <a:schemeClr val="accent1"/>
+          </a:fillRef>
+          <a:effectRef idx="0">
+            <a:schemeClr val="accent1"/>
+          </a:effectRef>
+          <a:fontRef idx="minor">
+            <a:schemeClr val="tx1"/>
+          </a:fontRef>
+        </p:style>
+      </p:cxnSp>
+      <p:sp>
+        <p:nvSpPr>
+          <p:cNvPr id="23" name="テキスト ボックス 22"/>
+          <p:cNvSpPr txBox="1"/>
+          <p:nvPr/>
+        </p:nvSpPr>
+        <p:spPr>
+          <a:xfrm>
+            <a:off x="2138774" y="1114059"/>
+            <a:ext cx="2847591" cy="523220"/>
+          </a:xfrm>
+          <a:prstGeom prst="rect">
+            <a:avLst/>
+          </a:prstGeom>
+          <a:noFill/>
+        </p:spPr>
+        <p:txBody>
+          <a:bodyPr wrap="square" rtlCol="0">
+            <a:spAutoFit/>
+          </a:bodyPr>
+          <a:lstStyle/>
+          <a:p>
+            <a:r>
+              <a:rPr lang="ja-JP" altLang="en-US" sz="2800" dirty="0"/>
+              <a:t>サーバーへ</a:t>
+            </a:r>
+            <a:r>
+              <a:rPr lang="ja-JP" altLang="en-US" sz="2800" dirty="0" smtClean="0"/>
+              <a:t>送信</a:t>
+            </a:r>
+            <a:endParaRPr kumimoji="1" lang="ja-JP" altLang="en-US" sz="2800" dirty="0"/>
+          </a:p>
+        </p:txBody>
+      </p:sp>
+      <p:cxnSp>
+        <p:nvCxnSpPr>
+          <p:cNvPr id="24" name="直線矢印コネクタ 23"/>
+          <p:cNvCxnSpPr/>
+          <p:nvPr/>
+        </p:nvCxnSpPr>
+        <p:spPr>
+          <a:xfrm flipH="1">
+            <a:off x="6421878" y="2999644"/>
+            <a:ext cx="1944882" cy="0"/>
+          </a:xfrm>
+          <a:prstGeom prst="straightConnector1">
+            <a:avLst/>
+          </a:prstGeom>
+          <a:ln w="25400">
+            <a:solidFill>
+              <a:srgbClr val="00B050"/>
+            </a:solidFill>
+            <a:tailEnd type="triangle"/>
+          </a:ln>
+        </p:spPr>
+        <p:style>
+          <a:lnRef idx="1">
+            <a:schemeClr val="accent1"/>
+          </a:lnRef>
+          <a:fillRef idx="0">
+            <a:schemeClr val="accent1"/>
+          </a:fillRef>
+          <a:effectRef idx="0">
+            <a:schemeClr val="accent1"/>
+          </a:effectRef>
+          <a:fontRef idx="minor">
+            <a:schemeClr val="tx1"/>
+          </a:fontRef>
+        </p:style>
+      </p:cxnSp>
+      <p:cxnSp>
+        <p:nvCxnSpPr>
+          <p:cNvPr id="26" name="直線矢印コネクタ 25"/>
+          <p:cNvCxnSpPr/>
+          <p:nvPr/>
+        </p:nvCxnSpPr>
+        <p:spPr>
+          <a:xfrm flipV="1">
+            <a:off x="9673602" y="3546264"/>
+            <a:ext cx="0" cy="895587"/>
+          </a:xfrm>
+          <a:prstGeom prst="straightConnector1">
+            <a:avLst/>
+          </a:prstGeom>
+          <a:ln w="25400">
+            <a:solidFill>
+              <a:srgbClr val="00B050"/>
+            </a:solidFill>
+            <a:tailEnd type="triangle"/>
+          </a:ln>
+        </p:spPr>
+        <p:style>
+          <a:lnRef idx="1">
+            <a:schemeClr val="accent1"/>
+          </a:lnRef>
+          <a:fillRef idx="0">
+            <a:schemeClr val="accent1"/>
+          </a:fillRef>
+          <a:effectRef idx="0">
+            <a:schemeClr val="accent1"/>
+          </a:effectRef>
+          <a:fontRef idx="minor">
+            <a:schemeClr val="tx1"/>
+          </a:fontRef>
+        </p:style>
+      </p:cxnSp>
+      <p:cxnSp>
+        <p:nvCxnSpPr>
+          <p:cNvPr id="31" name="直線矢印コネクタ 30"/>
+          <p:cNvCxnSpPr/>
+          <p:nvPr/>
+        </p:nvCxnSpPr>
+        <p:spPr>
+          <a:xfrm flipH="1">
+            <a:off x="2273071" y="3546264"/>
+            <a:ext cx="2349304" cy="855057"/>
+          </a:xfrm>
+          <a:prstGeom prst="straightConnector1">
+            <a:avLst/>
+          </a:prstGeom>
+          <a:ln w="25400">
+            <a:solidFill>
+              <a:srgbClr val="C00000"/>
+            </a:solidFill>
+            <a:tailEnd type="triangle"/>
+          </a:ln>
+        </p:spPr>
+        <p:style>
+          <a:lnRef idx="1">
+            <a:schemeClr val="accent1"/>
+          </a:lnRef>
+          <a:fillRef idx="0">
+            <a:schemeClr val="accent1"/>
+          </a:fillRef>
+          <a:effectRef idx="0">
+            <a:schemeClr val="accent1"/>
+          </a:effectRef>
+          <a:fontRef idx="minor">
+            <a:schemeClr val="tx1"/>
+          </a:fontRef>
+        </p:style>
+      </p:cxnSp>
+      <p:sp>
+        <p:nvSpPr>
+          <p:cNvPr id="32" name="テキスト ボックス 31"/>
+          <p:cNvSpPr txBox="1"/>
+          <p:nvPr/>
+        </p:nvSpPr>
+        <p:spPr>
+          <a:xfrm>
+            <a:off x="6162410" y="3194824"/>
+            <a:ext cx="1143000" cy="523220"/>
+          </a:xfrm>
+          <a:prstGeom prst="rect">
+            <a:avLst/>
+          </a:prstGeom>
+          <a:noFill/>
+        </p:spPr>
+        <p:txBody>
+          <a:bodyPr wrap="square" rtlCol="0">
+            <a:spAutoFit/>
+          </a:bodyPr>
+          <a:lstStyle/>
+          <a:p>
+            <a:r>
+              <a:rPr kumimoji="1" lang="ja-JP" altLang="en-US" sz="2800" dirty="0" smtClean="0"/>
+              <a:t>比較</a:t>
+            </a:r>
+            <a:endParaRPr kumimoji="1" lang="ja-JP" altLang="en-US" sz="2800" dirty="0"/>
+          </a:p>
+        </p:txBody>
+      </p:sp>
+      <p:sp>
+        <p:nvSpPr>
+          <p:cNvPr id="33" name="テキスト ボックス 32"/>
+          <p:cNvSpPr txBox="1"/>
+          <p:nvPr/>
+        </p:nvSpPr>
+        <p:spPr>
+          <a:xfrm>
+            <a:off x="3237038" y="4042544"/>
+            <a:ext cx="1143000" cy="523220"/>
+          </a:xfrm>
+          <a:prstGeom prst="rect">
+            <a:avLst/>
+          </a:prstGeom>
+          <a:noFill/>
+        </p:spPr>
+        <p:txBody>
+          <a:bodyPr wrap="square" rtlCol="0">
+            <a:spAutoFit/>
+          </a:bodyPr>
+          <a:lstStyle/>
+          <a:p>
+            <a:r>
+              <a:rPr lang="ja-JP" altLang="en-US" sz="2800" dirty="0"/>
+              <a:t>承認</a:t>
+            </a:r>
+            <a:endParaRPr kumimoji="1" lang="ja-JP" altLang="en-US" sz="2800" dirty="0"/>
+          </a:p>
+        </p:txBody>
+      </p:sp>
+    </p:spTree>
+    <p:extLst>
+      <p:ext uri="{BB962C8B-B14F-4D97-AF65-F5344CB8AC3E}">
+        <p14:creationId xmlns:p14="http://schemas.microsoft.com/office/powerpoint/2010/main" val="2947296618"/>
+      </p:ext>
+    </p:extLst>
+  </p:cSld>
+  <p:clrMapOvr>
+    <a:masterClrMapping/>
+  </p:clrMapOvr>
+</p:sld>
+</file>
+
 <file path=ppt/slides/slide2.xml><?xml version="1.0" encoding="utf-8"?>
 <p:sld xmlns:a="http://schemas.openxmlformats.org/drawingml/2006/main" xmlns:r="http://schemas.openxmlformats.org/officeDocument/2006/relationships" xmlns:p="http://schemas.openxmlformats.org/presentationml/2006/main">
   <p:cSld>
@@ -5394,6 +6949,1916 @@
       </p:grpSpPr>
       <p:sp>
         <p:nvSpPr>
+          <p:cNvPr id="2" name="テキスト ボックス 1"/>
+          <p:cNvSpPr txBox="1"/>
+          <p:nvPr/>
+        </p:nvSpPr>
+        <p:spPr>
+          <a:xfrm>
+            <a:off x="1467462" y="106922"/>
+            <a:ext cx="9254758" cy="769441"/>
+          </a:xfrm>
+          <a:prstGeom prst="rect">
+            <a:avLst/>
+          </a:prstGeom>
+          <a:noFill/>
+        </p:spPr>
+        <p:txBody>
+          <a:bodyPr wrap="square" rtlCol="0">
+            <a:spAutoFit/>
+          </a:bodyPr>
+          <a:lstStyle/>
+          <a:p>
+            <a:pPr algn="ctr"/>
+            <a:r>
+              <a:rPr lang="ja-JP" altLang="en-US" sz="4400" b="1" dirty="0" smtClean="0">
+                <a:solidFill>
+                  <a:srgbClr val="7030A0"/>
+                </a:solidFill>
+              </a:rPr>
+              <a:t>会員登録</a:t>
+            </a:r>
+            <a:r>
+              <a:rPr lang="ja-JP" altLang="en-US" sz="4400" b="1" dirty="0" smtClean="0">
+                <a:solidFill>
+                  <a:srgbClr val="7030A0"/>
+                </a:solidFill>
+              </a:rPr>
+              <a:t>システム（</a:t>
+            </a:r>
+            <a:r>
+              <a:rPr lang="en-US" altLang="ja-JP" sz="4400" b="1" dirty="0" smtClean="0">
+                <a:solidFill>
+                  <a:srgbClr val="7030A0"/>
+                </a:solidFill>
+              </a:rPr>
+              <a:t>JavaScript</a:t>
+            </a:r>
+            <a:r>
+              <a:rPr lang="ja-JP" altLang="en-US" sz="4400" b="1" dirty="0" smtClean="0">
+                <a:solidFill>
+                  <a:srgbClr val="7030A0"/>
+                </a:solidFill>
+              </a:rPr>
+              <a:t>未対応</a:t>
+            </a:r>
+            <a:r>
+              <a:rPr lang="ja-JP" altLang="en-US" sz="4400" b="1" dirty="0">
+                <a:solidFill>
+                  <a:srgbClr val="7030A0"/>
+                </a:solidFill>
+              </a:rPr>
+              <a:t>）</a:t>
+            </a:r>
+            <a:endParaRPr kumimoji="1" lang="ja-JP" altLang="en-US" sz="4400" b="1" dirty="0">
+              <a:solidFill>
+                <a:srgbClr val="7030A0"/>
+              </a:solidFill>
+            </a:endParaRPr>
+          </a:p>
+        </p:txBody>
+      </p:sp>
+      <p:sp>
+        <p:nvSpPr>
+          <p:cNvPr id="3" name="テキスト ボックス 2"/>
+          <p:cNvSpPr txBox="1"/>
+          <p:nvPr/>
+        </p:nvSpPr>
+        <p:spPr>
+          <a:xfrm>
+            <a:off x="491022" y="2675808"/>
+            <a:ext cx="1638384" cy="523220"/>
+          </a:xfrm>
+          <a:prstGeom prst="rect">
+            <a:avLst/>
+          </a:prstGeom>
+          <a:noFill/>
+          <a:ln>
+            <a:solidFill>
+              <a:schemeClr val="tx1"/>
+            </a:solidFill>
+          </a:ln>
+        </p:spPr>
+        <p:txBody>
+          <a:bodyPr wrap="square" rtlCol="0">
+            <a:spAutoFit/>
+          </a:bodyPr>
+          <a:lstStyle/>
+          <a:p>
+            <a:pPr algn="ctr"/>
+            <a:r>
+              <a:rPr kumimoji="1" lang="ja-JP" altLang="en-US" sz="2800" dirty="0" smtClean="0"/>
+              <a:t>ユーザー</a:t>
+            </a:r>
+            <a:endParaRPr kumimoji="1" lang="ja-JP" altLang="en-US" sz="2800" dirty="0"/>
+          </a:p>
+        </p:txBody>
+      </p:sp>
+      <p:cxnSp>
+        <p:nvCxnSpPr>
+          <p:cNvPr id="4" name="直線矢印コネクタ 3"/>
+          <p:cNvCxnSpPr/>
+          <p:nvPr/>
+        </p:nvCxnSpPr>
+        <p:spPr>
+          <a:xfrm>
+            <a:off x="2264384" y="2937418"/>
+            <a:ext cx="712501" cy="0"/>
+          </a:xfrm>
+          <a:prstGeom prst="straightConnector1">
+            <a:avLst/>
+          </a:prstGeom>
+          <a:ln w="25400">
+            <a:solidFill>
+              <a:srgbClr val="00B050"/>
+            </a:solidFill>
+            <a:tailEnd type="triangle"/>
+          </a:ln>
+        </p:spPr>
+        <p:style>
+          <a:lnRef idx="1">
+            <a:schemeClr val="accent1"/>
+          </a:lnRef>
+          <a:fillRef idx="0">
+            <a:schemeClr val="accent1"/>
+          </a:fillRef>
+          <a:effectRef idx="0">
+            <a:schemeClr val="accent1"/>
+          </a:effectRef>
+          <a:fontRef idx="minor">
+            <a:schemeClr val="tx1"/>
+          </a:fontRef>
+        </p:style>
+      </p:cxnSp>
+      <p:sp>
+        <p:nvSpPr>
+          <p:cNvPr id="5" name="テキスト ボックス 4"/>
+          <p:cNvSpPr txBox="1"/>
+          <p:nvPr/>
+        </p:nvSpPr>
+        <p:spPr>
+          <a:xfrm>
+            <a:off x="1942081" y="1012770"/>
+            <a:ext cx="2478001" cy="1569660"/>
+          </a:xfrm>
+          <a:prstGeom prst="rect">
+            <a:avLst/>
+          </a:prstGeom>
+          <a:noFill/>
+        </p:spPr>
+        <p:txBody>
+          <a:bodyPr wrap="square" rtlCol="0">
+            <a:spAutoFit/>
+          </a:bodyPr>
+          <a:lstStyle/>
+          <a:p>
+            <a:r>
+              <a:rPr kumimoji="1" lang="en-US" altLang="ja-JP" sz="3200" dirty="0" smtClean="0"/>
+              <a:t>ID</a:t>
+            </a:r>
+          </a:p>
+          <a:p>
+            <a:r>
+              <a:rPr lang="ja-JP" altLang="en-US" sz="3200" dirty="0"/>
+              <a:t>ニックネーム</a:t>
+            </a:r>
+            <a:endParaRPr kumimoji="1" lang="en-US" altLang="ja-JP" sz="3200" dirty="0" smtClean="0"/>
+          </a:p>
+          <a:p>
+            <a:r>
+              <a:rPr lang="en-US" altLang="ja-JP" sz="3200" dirty="0" smtClean="0"/>
+              <a:t>PW</a:t>
+            </a:r>
+            <a:endParaRPr kumimoji="1" lang="ja-JP" altLang="en-US" sz="3200" dirty="0"/>
+          </a:p>
+        </p:txBody>
+      </p:sp>
+      <p:sp>
+        <p:nvSpPr>
+          <p:cNvPr id="6" name="テキスト ボックス 5"/>
+          <p:cNvSpPr txBox="1"/>
+          <p:nvPr/>
+        </p:nvSpPr>
+        <p:spPr>
+          <a:xfrm>
+            <a:off x="3122236" y="2582430"/>
+            <a:ext cx="2197511" cy="584775"/>
+          </a:xfrm>
+          <a:prstGeom prst="rect">
+            <a:avLst/>
+          </a:prstGeom>
+          <a:noFill/>
+          <a:ln>
+            <a:solidFill>
+              <a:schemeClr val="tx1"/>
+            </a:solidFill>
+          </a:ln>
+        </p:spPr>
+        <p:txBody>
+          <a:bodyPr wrap="square" rtlCol="0">
+            <a:spAutoFit/>
+          </a:bodyPr>
+          <a:lstStyle/>
+          <a:p>
+            <a:pPr algn="ctr"/>
+            <a:r>
+              <a:rPr kumimoji="1" lang="en-US" altLang="ja-JP" sz="3200" dirty="0" err="1" smtClean="0"/>
+              <a:t>Javascript</a:t>
+            </a:r>
+            <a:endParaRPr kumimoji="1" lang="ja-JP" altLang="en-US" sz="3200" dirty="0"/>
+          </a:p>
+        </p:txBody>
+      </p:sp>
+      <p:cxnSp>
+        <p:nvCxnSpPr>
+          <p:cNvPr id="7" name="直線矢印コネクタ 6"/>
+          <p:cNvCxnSpPr/>
+          <p:nvPr/>
+        </p:nvCxnSpPr>
+        <p:spPr>
+          <a:xfrm>
+            <a:off x="8125031" y="2906642"/>
+            <a:ext cx="1440772" cy="0"/>
+          </a:xfrm>
+          <a:prstGeom prst="straightConnector1">
+            <a:avLst/>
+          </a:prstGeom>
+          <a:ln w="25400">
+            <a:solidFill>
+              <a:srgbClr val="00B050"/>
+            </a:solidFill>
+            <a:tailEnd type="triangle"/>
+          </a:ln>
+        </p:spPr>
+        <p:style>
+          <a:lnRef idx="1">
+            <a:schemeClr val="accent1"/>
+          </a:lnRef>
+          <a:fillRef idx="0">
+            <a:schemeClr val="accent1"/>
+          </a:fillRef>
+          <a:effectRef idx="0">
+            <a:schemeClr val="accent1"/>
+          </a:effectRef>
+          <a:fontRef idx="minor">
+            <a:schemeClr val="tx1"/>
+          </a:fontRef>
+        </p:style>
+      </p:cxnSp>
+      <p:sp>
+        <p:nvSpPr>
+          <p:cNvPr id="8" name="テキスト ボックス 7"/>
+          <p:cNvSpPr txBox="1"/>
+          <p:nvPr/>
+        </p:nvSpPr>
+        <p:spPr>
+          <a:xfrm>
+            <a:off x="7901779" y="1106148"/>
+            <a:ext cx="2365005" cy="1569660"/>
+          </a:xfrm>
+          <a:prstGeom prst="rect">
+            <a:avLst/>
+          </a:prstGeom>
+          <a:noFill/>
+        </p:spPr>
+        <p:txBody>
+          <a:bodyPr wrap="square" rtlCol="0">
+            <a:spAutoFit/>
+          </a:bodyPr>
+          <a:lstStyle/>
+          <a:p>
+            <a:r>
+              <a:rPr kumimoji="1" lang="en-US" altLang="ja-JP" sz="3200" dirty="0" smtClean="0"/>
+              <a:t>ID</a:t>
+            </a:r>
+          </a:p>
+          <a:p>
+            <a:r>
+              <a:rPr lang="ja-JP" altLang="en-US" sz="3200" dirty="0"/>
+              <a:t>ニックネーム</a:t>
+            </a:r>
+            <a:endParaRPr kumimoji="1" lang="en-US" altLang="ja-JP" sz="3200" dirty="0" smtClean="0"/>
+          </a:p>
+          <a:p>
+            <a:r>
+              <a:rPr lang="en-US" altLang="ja-JP" sz="3200" dirty="0" smtClean="0"/>
+              <a:t>PW(</a:t>
+            </a:r>
+            <a:r>
+              <a:rPr lang="ja-JP" altLang="en-US" sz="3200" dirty="0" smtClean="0"/>
+              <a:t>暗号化</a:t>
+            </a:r>
+            <a:r>
+              <a:rPr lang="en-US" altLang="ja-JP" sz="3200" dirty="0" smtClean="0"/>
+              <a:t>)</a:t>
+            </a:r>
+            <a:endParaRPr kumimoji="1" lang="ja-JP" altLang="en-US" sz="3200" dirty="0"/>
+          </a:p>
+        </p:txBody>
+      </p:sp>
+      <p:sp>
+        <p:nvSpPr>
+          <p:cNvPr id="9" name="テキスト ボックス 8"/>
+          <p:cNvSpPr txBox="1"/>
+          <p:nvPr/>
+        </p:nvSpPr>
+        <p:spPr>
+          <a:xfrm>
+            <a:off x="6675117" y="2614254"/>
+            <a:ext cx="1204454" cy="584775"/>
+          </a:xfrm>
+          <a:prstGeom prst="rect">
+            <a:avLst/>
+          </a:prstGeom>
+          <a:noFill/>
+          <a:ln>
+            <a:solidFill>
+              <a:schemeClr val="tx1"/>
+            </a:solidFill>
+          </a:ln>
+        </p:spPr>
+        <p:txBody>
+          <a:bodyPr wrap="square" rtlCol="0">
+            <a:spAutoFit/>
+          </a:bodyPr>
+          <a:lstStyle/>
+          <a:p>
+            <a:pPr algn="ctr"/>
+            <a:r>
+              <a:rPr kumimoji="1" lang="en-US" altLang="ja-JP" sz="3200" dirty="0" smtClean="0"/>
+              <a:t>PHP</a:t>
+            </a:r>
+            <a:endParaRPr kumimoji="1" lang="ja-JP" altLang="en-US" sz="3200" dirty="0"/>
+          </a:p>
+        </p:txBody>
+      </p:sp>
+      <p:sp>
+        <p:nvSpPr>
+          <p:cNvPr id="10" name="テキスト ボックス 9"/>
+          <p:cNvSpPr txBox="1"/>
+          <p:nvPr/>
+        </p:nvSpPr>
+        <p:spPr>
+          <a:xfrm>
+            <a:off x="10288992" y="2614254"/>
+            <a:ext cx="1435512" cy="584775"/>
+          </a:xfrm>
+          <a:prstGeom prst="rect">
+            <a:avLst/>
+          </a:prstGeom>
+          <a:noFill/>
+          <a:ln>
+            <a:solidFill>
+              <a:schemeClr val="tx1"/>
+            </a:solidFill>
+          </a:ln>
+        </p:spPr>
+        <p:txBody>
+          <a:bodyPr wrap="square" rtlCol="0">
+            <a:spAutoFit/>
+          </a:bodyPr>
+          <a:lstStyle/>
+          <a:p>
+            <a:pPr algn="ctr"/>
+            <a:r>
+              <a:rPr kumimoji="1" lang="en-US" altLang="ja-JP" sz="3200" dirty="0" err="1" smtClean="0"/>
+              <a:t>mySQL</a:t>
+            </a:r>
+            <a:endParaRPr kumimoji="1" lang="ja-JP" altLang="en-US" sz="3200" dirty="0"/>
+          </a:p>
+        </p:txBody>
+      </p:sp>
+      <p:cxnSp>
+        <p:nvCxnSpPr>
+          <p:cNvPr id="11" name="直線矢印コネクタ 10"/>
+          <p:cNvCxnSpPr/>
+          <p:nvPr/>
+        </p:nvCxnSpPr>
+        <p:spPr>
+          <a:xfrm flipV="1">
+            <a:off x="5611505" y="2906641"/>
+            <a:ext cx="818152" cy="3072"/>
+          </a:xfrm>
+          <a:prstGeom prst="straightConnector1">
+            <a:avLst/>
+          </a:prstGeom>
+          <a:ln w="25400">
+            <a:solidFill>
+              <a:srgbClr val="00B050"/>
+            </a:solidFill>
+            <a:tailEnd type="triangle"/>
+          </a:ln>
+        </p:spPr>
+        <p:style>
+          <a:lnRef idx="1">
+            <a:schemeClr val="accent1"/>
+          </a:lnRef>
+          <a:fillRef idx="0">
+            <a:schemeClr val="accent1"/>
+          </a:fillRef>
+          <a:effectRef idx="0">
+            <a:schemeClr val="accent1"/>
+          </a:effectRef>
+          <a:fontRef idx="minor">
+            <a:schemeClr val="tx1"/>
+          </a:fontRef>
+        </p:style>
+      </p:cxnSp>
+      <p:sp>
+        <p:nvSpPr>
+          <p:cNvPr id="12" name="テキスト ボックス 11"/>
+          <p:cNvSpPr txBox="1"/>
+          <p:nvPr/>
+        </p:nvSpPr>
+        <p:spPr>
+          <a:xfrm>
+            <a:off x="4961816" y="847022"/>
+            <a:ext cx="2365005" cy="1569660"/>
+          </a:xfrm>
+          <a:prstGeom prst="rect">
+            <a:avLst/>
+          </a:prstGeom>
+          <a:noFill/>
+        </p:spPr>
+        <p:txBody>
+          <a:bodyPr wrap="square" rtlCol="0">
+            <a:spAutoFit/>
+          </a:bodyPr>
+          <a:lstStyle/>
+          <a:p>
+            <a:r>
+              <a:rPr kumimoji="1" lang="en-US" altLang="ja-JP" sz="3200" dirty="0" smtClean="0"/>
+              <a:t>ID</a:t>
+            </a:r>
+          </a:p>
+          <a:p>
+            <a:r>
+              <a:rPr lang="ja-JP" altLang="en-US" sz="3200" dirty="0"/>
+              <a:t>ニックネーム</a:t>
+            </a:r>
+            <a:endParaRPr kumimoji="1" lang="en-US" altLang="ja-JP" sz="3200" dirty="0" smtClean="0"/>
+          </a:p>
+          <a:p>
+            <a:r>
+              <a:rPr lang="en-US" altLang="ja-JP" sz="3200" dirty="0" smtClean="0"/>
+              <a:t>PW</a:t>
+            </a:r>
+            <a:r>
+              <a:rPr lang="en-US" altLang="ja-JP" sz="3200" strike="sngStrike" dirty="0" smtClean="0"/>
+              <a:t>(</a:t>
+            </a:r>
+            <a:r>
+              <a:rPr lang="ja-JP" altLang="en-US" sz="3200" strike="sngStrike" dirty="0" smtClean="0"/>
+              <a:t>暗号化</a:t>
+            </a:r>
+            <a:r>
+              <a:rPr lang="en-US" altLang="ja-JP" sz="3200" strike="sngStrike" dirty="0" smtClean="0"/>
+              <a:t>)</a:t>
+            </a:r>
+            <a:endParaRPr kumimoji="1" lang="ja-JP" altLang="en-US" sz="3200" strike="sngStrike" dirty="0"/>
+          </a:p>
+        </p:txBody>
+      </p:sp>
+      <p:sp>
+        <p:nvSpPr>
+          <p:cNvPr id="13" name="テキスト ボックス 12"/>
+          <p:cNvSpPr txBox="1"/>
+          <p:nvPr/>
+        </p:nvSpPr>
+        <p:spPr>
+          <a:xfrm>
+            <a:off x="5712804" y="3214423"/>
+            <a:ext cx="615553" cy="2407920"/>
+          </a:xfrm>
+          <a:prstGeom prst="rect">
+            <a:avLst/>
+          </a:prstGeom>
+          <a:noFill/>
+        </p:spPr>
+        <p:txBody>
+          <a:bodyPr vert="eaVert" wrap="square" rtlCol="0">
+            <a:spAutoFit/>
+          </a:bodyPr>
+          <a:lstStyle/>
+          <a:p>
+            <a:r>
+              <a:rPr kumimoji="1" lang="ja-JP" altLang="en-US" sz="2800" dirty="0" smtClean="0"/>
+              <a:t>サーバーへ送信</a:t>
+            </a:r>
+            <a:endParaRPr kumimoji="1" lang="ja-JP" altLang="en-US" sz="2800" dirty="0"/>
+          </a:p>
+        </p:txBody>
+      </p:sp>
+      <p:cxnSp>
+        <p:nvCxnSpPr>
+          <p:cNvPr id="15" name="直線コネクタ 14"/>
+          <p:cNvCxnSpPr/>
+          <p:nvPr/>
+        </p:nvCxnSpPr>
+        <p:spPr>
+          <a:xfrm>
+            <a:off x="3132042" y="2271948"/>
+            <a:ext cx="2333056" cy="1096092"/>
+          </a:xfrm>
+          <a:prstGeom prst="line">
+            <a:avLst/>
+          </a:prstGeom>
+          <a:ln w="25400">
+            <a:solidFill>
+              <a:schemeClr val="tx1"/>
+            </a:solidFill>
+          </a:ln>
+        </p:spPr>
+        <p:style>
+          <a:lnRef idx="1">
+            <a:schemeClr val="accent1"/>
+          </a:lnRef>
+          <a:fillRef idx="0">
+            <a:schemeClr val="accent1"/>
+          </a:fillRef>
+          <a:effectRef idx="0">
+            <a:schemeClr val="accent1"/>
+          </a:effectRef>
+          <a:fontRef idx="minor">
+            <a:schemeClr val="tx1"/>
+          </a:fontRef>
+        </p:style>
+      </p:cxnSp>
+      <p:cxnSp>
+        <p:nvCxnSpPr>
+          <p:cNvPr id="17" name="直線コネクタ 16"/>
+          <p:cNvCxnSpPr/>
+          <p:nvPr/>
+        </p:nvCxnSpPr>
+        <p:spPr>
+          <a:xfrm flipH="1">
+            <a:off x="3070538" y="2292963"/>
+            <a:ext cx="2315768" cy="1137066"/>
+          </a:xfrm>
+          <a:prstGeom prst="line">
+            <a:avLst/>
+          </a:prstGeom>
+          <a:ln w="25400">
+            <a:solidFill>
+              <a:schemeClr val="tx1"/>
+            </a:solidFill>
+          </a:ln>
+        </p:spPr>
+        <p:style>
+          <a:lnRef idx="1">
+            <a:schemeClr val="accent1"/>
+          </a:lnRef>
+          <a:fillRef idx="0">
+            <a:schemeClr val="accent1"/>
+          </a:fillRef>
+          <a:effectRef idx="0">
+            <a:schemeClr val="accent1"/>
+          </a:effectRef>
+          <a:fontRef idx="minor">
+            <a:schemeClr val="tx1"/>
+          </a:fontRef>
+        </p:style>
+      </p:cxnSp>
+      <p:cxnSp>
+        <p:nvCxnSpPr>
+          <p:cNvPr id="25" name="直線矢印コネクタ 24"/>
+          <p:cNvCxnSpPr/>
+          <p:nvPr/>
+        </p:nvCxnSpPr>
+        <p:spPr>
+          <a:xfrm flipV="1">
+            <a:off x="3322320" y="3430030"/>
+            <a:ext cx="502920" cy="669530"/>
+          </a:xfrm>
+          <a:prstGeom prst="straightConnector1">
+            <a:avLst/>
+          </a:prstGeom>
+          <a:ln w="25400">
+            <a:tailEnd type="triangle"/>
+          </a:ln>
+        </p:spPr>
+        <p:style>
+          <a:lnRef idx="1">
+            <a:schemeClr val="accent1"/>
+          </a:lnRef>
+          <a:fillRef idx="0">
+            <a:schemeClr val="accent1"/>
+          </a:fillRef>
+          <a:effectRef idx="0">
+            <a:schemeClr val="accent1"/>
+          </a:effectRef>
+          <a:fontRef idx="minor">
+            <a:schemeClr val="tx1"/>
+          </a:fontRef>
+        </p:style>
+      </p:cxnSp>
+      <p:sp>
+        <p:nvSpPr>
+          <p:cNvPr id="27" name="テキスト ボックス 26"/>
+          <p:cNvSpPr txBox="1"/>
+          <p:nvPr/>
+        </p:nvSpPr>
+        <p:spPr>
+          <a:xfrm>
+            <a:off x="632537" y="4099560"/>
+            <a:ext cx="3976193" cy="1938992"/>
+          </a:xfrm>
+          <a:prstGeom prst="rect">
+            <a:avLst/>
+          </a:prstGeom>
+          <a:noFill/>
+        </p:spPr>
+        <p:txBody>
+          <a:bodyPr wrap="square" rtlCol="0">
+            <a:spAutoFit/>
+          </a:bodyPr>
+          <a:lstStyle/>
+          <a:p>
+            <a:r>
+              <a:rPr kumimoji="1" lang="ja-JP" altLang="en-US" sz="2000" dirty="0" smtClean="0"/>
+              <a:t>フォームのチェック自体</a:t>
+            </a:r>
+            <a:r>
+              <a:rPr lang="ja-JP" altLang="en-US" sz="2000" dirty="0" smtClean="0"/>
+              <a:t>は簡単ではあるが、フォームの中身をいじってそれを送信させるのは少し難しい。</a:t>
+            </a:r>
+            <a:endParaRPr lang="en-US" altLang="ja-JP" sz="2000" dirty="0" smtClean="0"/>
+          </a:p>
+          <a:p>
+            <a:r>
+              <a:rPr lang="ja-JP" altLang="en-US" sz="2000" dirty="0" smtClean="0"/>
+              <a:t>加えて、その処理に対応していないものもあるらしい。</a:t>
+            </a:r>
+            <a:endParaRPr lang="en-US" altLang="ja-JP" sz="2000" dirty="0" smtClean="0"/>
+          </a:p>
+          <a:p>
+            <a:r>
+              <a:rPr lang="ja-JP" altLang="en-US" sz="2000" dirty="0" smtClean="0"/>
+              <a:t>従って出来ない場合もある。</a:t>
+            </a:r>
+            <a:endParaRPr kumimoji="1" lang="ja-JP" altLang="en-US" sz="2000" dirty="0"/>
+          </a:p>
+        </p:txBody>
+      </p:sp>
+      <p:sp>
+        <p:nvSpPr>
+          <p:cNvPr id="28" name="円弧 27"/>
+          <p:cNvSpPr/>
+          <p:nvPr/>
+        </p:nvSpPr>
+        <p:spPr>
+          <a:xfrm rot="3706451">
+            <a:off x="6983215" y="3137335"/>
+            <a:ext cx="1787660" cy="585386"/>
+          </a:xfrm>
+          <a:prstGeom prst="arc">
+            <a:avLst>
+              <a:gd name="adj1" fmla="val 13933702"/>
+              <a:gd name="adj2" fmla="val 6737379"/>
+            </a:avLst>
+          </a:prstGeom>
+          <a:ln w="31750">
+            <a:solidFill>
+              <a:srgbClr val="7030A0"/>
+            </a:solidFill>
+            <a:tailEnd type="stealth"/>
+          </a:ln>
+        </p:spPr>
+        <p:style>
+          <a:lnRef idx="1">
+            <a:schemeClr val="accent1"/>
+          </a:lnRef>
+          <a:fillRef idx="0">
+            <a:schemeClr val="accent1"/>
+          </a:fillRef>
+          <a:effectRef idx="0">
+            <a:schemeClr val="accent1"/>
+          </a:effectRef>
+          <a:fontRef idx="minor">
+            <a:schemeClr val="tx1"/>
+          </a:fontRef>
+        </p:style>
+        <p:txBody>
+          <a:bodyPr rtlCol="0" anchor="ctr"/>
+          <a:lstStyle/>
+          <a:p>
+            <a:pPr algn="ctr"/>
+            <a:endParaRPr kumimoji="1" lang="ja-JP" altLang="en-US"/>
+          </a:p>
+        </p:txBody>
+      </p:sp>
+      <p:sp>
+        <p:nvSpPr>
+          <p:cNvPr id="29" name="テキスト ボックス 28"/>
+          <p:cNvSpPr txBox="1"/>
+          <p:nvPr/>
+        </p:nvSpPr>
+        <p:spPr>
+          <a:xfrm>
+            <a:off x="7662914" y="4295852"/>
+            <a:ext cx="2365005" cy="584775"/>
+          </a:xfrm>
+          <a:prstGeom prst="rect">
+            <a:avLst/>
+          </a:prstGeom>
+          <a:noFill/>
+        </p:spPr>
+        <p:txBody>
+          <a:bodyPr wrap="square" rtlCol="0">
+            <a:spAutoFit/>
+          </a:bodyPr>
+          <a:lstStyle/>
+          <a:p>
+            <a:r>
+              <a:rPr lang="en-US" altLang="ja-JP" sz="3200" dirty="0" smtClean="0"/>
+              <a:t>PW</a:t>
+            </a:r>
+            <a:r>
+              <a:rPr lang="en-US" altLang="ja-JP" sz="3200" dirty="0" smtClean="0"/>
+              <a:t>(</a:t>
+            </a:r>
+            <a:r>
+              <a:rPr lang="ja-JP" altLang="en-US" sz="3200" dirty="0" smtClean="0"/>
+              <a:t>暗号化</a:t>
+            </a:r>
+            <a:r>
+              <a:rPr lang="en-US" altLang="ja-JP" sz="3200" dirty="0" smtClean="0"/>
+              <a:t>)</a:t>
+            </a:r>
+            <a:endParaRPr kumimoji="1" lang="ja-JP" altLang="en-US" sz="3200" dirty="0"/>
+          </a:p>
+        </p:txBody>
+      </p:sp>
+    </p:spTree>
+    <p:extLst>
+      <p:ext uri="{BB962C8B-B14F-4D97-AF65-F5344CB8AC3E}">
+        <p14:creationId xmlns:p14="http://schemas.microsoft.com/office/powerpoint/2010/main" val="3517056581"/>
+      </p:ext>
+    </p:extLst>
+  </p:cSld>
+  <p:clrMapOvr>
+    <a:masterClrMapping/>
+  </p:clrMapOvr>
+</p:sld>
+</file>
+
+<file path=ppt/slides/slide4.xml><?xml version="1.0" encoding="utf-8"?>
+<p:sld xmlns:a="http://schemas.openxmlformats.org/drawingml/2006/main" xmlns:r="http://schemas.openxmlformats.org/officeDocument/2006/relationships" xmlns:p="http://schemas.openxmlformats.org/presentationml/2006/main">
+  <p:cSld>
+    <p:spTree>
+      <p:nvGrpSpPr>
+        <p:cNvPr id="1" name=""/>
+        <p:cNvGrpSpPr/>
+        <p:nvPr/>
+      </p:nvGrpSpPr>
+      <p:grpSpPr>
+        <a:xfrm>
+          <a:off x="0" y="0"/>
+          <a:ext cx="0" cy="0"/>
+          <a:chOff x="0" y="0"/>
+          <a:chExt cx="0" cy="0"/>
+        </a:xfrm>
+      </p:grpSpPr>
+      <p:sp>
+        <p:nvSpPr>
+          <p:cNvPr id="3" name="テキスト ボックス 2"/>
+          <p:cNvSpPr txBox="1"/>
+          <p:nvPr/>
+        </p:nvSpPr>
+        <p:spPr>
+          <a:xfrm>
+            <a:off x="339249" y="4401321"/>
+            <a:ext cx="1638384" cy="523220"/>
+          </a:xfrm>
+          <a:prstGeom prst="rect">
+            <a:avLst/>
+          </a:prstGeom>
+          <a:noFill/>
+          <a:ln>
+            <a:solidFill>
+              <a:schemeClr val="tx1"/>
+            </a:solidFill>
+          </a:ln>
+        </p:spPr>
+        <p:txBody>
+          <a:bodyPr wrap="square" rtlCol="0">
+            <a:spAutoFit/>
+          </a:bodyPr>
+          <a:lstStyle/>
+          <a:p>
+            <a:pPr algn="ctr"/>
+            <a:r>
+              <a:rPr kumimoji="1" lang="ja-JP" altLang="en-US" sz="2800" dirty="0" smtClean="0"/>
+              <a:t>ユーザー</a:t>
+            </a:r>
+            <a:endParaRPr kumimoji="1" lang="ja-JP" altLang="en-US" sz="2800" dirty="0"/>
+          </a:p>
+        </p:txBody>
+      </p:sp>
+      <p:cxnSp>
+        <p:nvCxnSpPr>
+          <p:cNvPr id="4" name="直線矢印コネクタ 3"/>
+          <p:cNvCxnSpPr/>
+          <p:nvPr/>
+        </p:nvCxnSpPr>
+        <p:spPr>
+          <a:xfrm flipV="1">
+            <a:off x="2073833" y="3426308"/>
+            <a:ext cx="2208607" cy="834745"/>
+          </a:xfrm>
+          <a:prstGeom prst="straightConnector1">
+            <a:avLst/>
+          </a:prstGeom>
+          <a:ln w="25400">
+            <a:solidFill>
+              <a:srgbClr val="00B050"/>
+            </a:solidFill>
+            <a:tailEnd type="triangle"/>
+          </a:ln>
+        </p:spPr>
+        <p:style>
+          <a:lnRef idx="1">
+            <a:schemeClr val="accent1"/>
+          </a:lnRef>
+          <a:fillRef idx="0">
+            <a:schemeClr val="accent1"/>
+          </a:fillRef>
+          <a:effectRef idx="0">
+            <a:schemeClr val="accent1"/>
+          </a:effectRef>
+          <a:fontRef idx="minor">
+            <a:schemeClr val="tx1"/>
+          </a:fontRef>
+        </p:style>
+      </p:cxnSp>
+      <p:sp>
+        <p:nvSpPr>
+          <p:cNvPr id="5" name="テキスト ボックス 4"/>
+          <p:cNvSpPr txBox="1"/>
+          <p:nvPr/>
+        </p:nvSpPr>
+        <p:spPr>
+          <a:xfrm>
+            <a:off x="2021989" y="4276448"/>
+            <a:ext cx="2600386" cy="1815882"/>
+          </a:xfrm>
+          <a:prstGeom prst="rect">
+            <a:avLst/>
+          </a:prstGeom>
+          <a:noFill/>
+        </p:spPr>
+        <p:txBody>
+          <a:bodyPr wrap="square" rtlCol="0">
+            <a:spAutoFit/>
+          </a:bodyPr>
+          <a:lstStyle/>
+          <a:p>
+            <a:r>
+              <a:rPr kumimoji="1" lang="en-US" altLang="ja-JP" sz="2800" dirty="0" err="1" smtClean="0"/>
+              <a:t>ID:hirose</a:t>
+            </a:r>
+            <a:endParaRPr kumimoji="1" lang="en-US" altLang="ja-JP" sz="2800" dirty="0" smtClean="0"/>
+          </a:p>
+          <a:p>
+            <a:r>
+              <a:rPr kumimoji="1" lang="ja-JP" altLang="en-US" sz="2800" dirty="0" smtClean="0"/>
+              <a:t>ニックネーム：広瀬太郎</a:t>
+            </a:r>
+            <a:endParaRPr kumimoji="1" lang="en-US" altLang="ja-JP" sz="2800" dirty="0" smtClean="0"/>
+          </a:p>
+          <a:p>
+            <a:r>
+              <a:rPr lang="en-US" altLang="ja-JP" sz="2800" dirty="0" err="1" smtClean="0"/>
+              <a:t>PW:hirose</a:t>
+            </a:r>
+            <a:endParaRPr kumimoji="1" lang="ja-JP" altLang="en-US" sz="2800" dirty="0"/>
+          </a:p>
+        </p:txBody>
+      </p:sp>
+      <p:cxnSp>
+        <p:nvCxnSpPr>
+          <p:cNvPr id="7" name="直線矢印コネクタ 6"/>
+          <p:cNvCxnSpPr/>
+          <p:nvPr/>
+        </p:nvCxnSpPr>
+        <p:spPr>
+          <a:xfrm>
+            <a:off x="6525691" y="3118526"/>
+            <a:ext cx="1440772" cy="0"/>
+          </a:xfrm>
+          <a:prstGeom prst="straightConnector1">
+            <a:avLst/>
+          </a:prstGeom>
+          <a:ln w="25400">
+            <a:solidFill>
+              <a:srgbClr val="00B050"/>
+            </a:solidFill>
+            <a:tailEnd type="triangle"/>
+          </a:ln>
+        </p:spPr>
+        <p:style>
+          <a:lnRef idx="1">
+            <a:schemeClr val="accent1"/>
+          </a:lnRef>
+          <a:fillRef idx="0">
+            <a:schemeClr val="accent1"/>
+          </a:fillRef>
+          <a:effectRef idx="0">
+            <a:schemeClr val="accent1"/>
+          </a:effectRef>
+          <a:fontRef idx="minor">
+            <a:schemeClr val="tx1"/>
+          </a:fontRef>
+        </p:style>
+      </p:cxnSp>
+      <p:sp>
+        <p:nvSpPr>
+          <p:cNvPr id="8" name="テキスト ボックス 7"/>
+          <p:cNvSpPr txBox="1"/>
+          <p:nvPr/>
+        </p:nvSpPr>
+        <p:spPr>
+          <a:xfrm>
+            <a:off x="4646555" y="2751914"/>
+            <a:ext cx="1204454" cy="584775"/>
+          </a:xfrm>
+          <a:prstGeom prst="rect">
+            <a:avLst/>
+          </a:prstGeom>
+          <a:noFill/>
+          <a:ln>
+            <a:solidFill>
+              <a:schemeClr val="tx1"/>
+            </a:solidFill>
+          </a:ln>
+        </p:spPr>
+        <p:txBody>
+          <a:bodyPr wrap="square" rtlCol="0">
+            <a:spAutoFit/>
+          </a:bodyPr>
+          <a:lstStyle/>
+          <a:p>
+            <a:pPr algn="ctr"/>
+            <a:r>
+              <a:rPr kumimoji="1" lang="en-US" altLang="ja-JP" sz="3200" dirty="0" smtClean="0"/>
+              <a:t>PHP</a:t>
+            </a:r>
+            <a:endParaRPr kumimoji="1" lang="ja-JP" altLang="en-US" sz="3200" dirty="0"/>
+          </a:p>
+        </p:txBody>
+      </p:sp>
+      <p:sp>
+        <p:nvSpPr>
+          <p:cNvPr id="9" name="テキスト ボックス 8"/>
+          <p:cNvSpPr txBox="1"/>
+          <p:nvPr/>
+        </p:nvSpPr>
+        <p:spPr>
+          <a:xfrm>
+            <a:off x="8955846" y="2778321"/>
+            <a:ext cx="1435512" cy="584775"/>
+          </a:xfrm>
+          <a:prstGeom prst="rect">
+            <a:avLst/>
+          </a:prstGeom>
+          <a:noFill/>
+          <a:ln>
+            <a:solidFill>
+              <a:schemeClr val="tx1"/>
+            </a:solidFill>
+          </a:ln>
+        </p:spPr>
+        <p:txBody>
+          <a:bodyPr wrap="square" rtlCol="0">
+            <a:spAutoFit/>
+          </a:bodyPr>
+          <a:lstStyle/>
+          <a:p>
+            <a:pPr algn="ctr"/>
+            <a:r>
+              <a:rPr kumimoji="1" lang="en-US" altLang="ja-JP" sz="3200" dirty="0" err="1" smtClean="0"/>
+              <a:t>mySQL</a:t>
+            </a:r>
+            <a:endParaRPr kumimoji="1" lang="ja-JP" altLang="en-US" sz="3200" dirty="0"/>
+          </a:p>
+        </p:txBody>
+      </p:sp>
+      <p:cxnSp>
+        <p:nvCxnSpPr>
+          <p:cNvPr id="10" name="直線矢印コネクタ 9"/>
+          <p:cNvCxnSpPr/>
+          <p:nvPr/>
+        </p:nvCxnSpPr>
+        <p:spPr>
+          <a:xfrm flipV="1">
+            <a:off x="3004569" y="3118525"/>
+            <a:ext cx="818152" cy="3072"/>
+          </a:xfrm>
+          <a:prstGeom prst="straightConnector1">
+            <a:avLst/>
+          </a:prstGeom>
+          <a:ln w="25400">
+            <a:solidFill>
+              <a:srgbClr val="00B050"/>
+            </a:solidFill>
+            <a:tailEnd type="triangle"/>
+          </a:ln>
+        </p:spPr>
+        <p:style>
+          <a:lnRef idx="1">
+            <a:schemeClr val="accent1"/>
+          </a:lnRef>
+          <a:fillRef idx="0">
+            <a:schemeClr val="accent1"/>
+          </a:fillRef>
+          <a:effectRef idx="0">
+            <a:schemeClr val="accent1"/>
+          </a:effectRef>
+          <a:fontRef idx="minor">
+            <a:schemeClr val="tx1"/>
+          </a:fontRef>
+        </p:style>
+      </p:cxnSp>
+      <p:graphicFrame>
+        <p:nvGraphicFramePr>
+          <p:cNvPr id="13" name="表 12"/>
+          <p:cNvGraphicFramePr>
+            <a:graphicFrameLocks noGrp="1"/>
+          </p:cNvGraphicFramePr>
+          <p:nvPr>
+            <p:extLst>
+              <p:ext uri="{D42A27DB-BD31-4B8C-83A1-F6EECF244321}">
+                <p14:modId xmlns:p14="http://schemas.microsoft.com/office/powerpoint/2010/main" val="3702519167"/>
+              </p:ext>
+            </p:extLst>
+          </p:nvPr>
+        </p:nvGraphicFramePr>
+        <p:xfrm>
+          <a:off x="7224589" y="4533053"/>
+          <a:ext cx="4888889" cy="1798320"/>
+        </p:xfrm>
+        <a:graphic>
+          <a:graphicData uri="http://schemas.openxmlformats.org/drawingml/2006/table">
+            <a:tbl>
+              <a:tblPr firstRow="1" bandRow="1">
+                <a:tableStyleId>{5C22544A-7EE6-4342-B048-85BDC9FD1C3A}</a:tableStyleId>
+              </a:tblPr>
+              <a:tblGrid>
+                <a:gridCol w="1090122"/>
+                <a:gridCol w="807720"/>
+                <a:gridCol w="1218566"/>
+                <a:gridCol w="1772481"/>
+              </a:tblGrid>
+              <a:tr h="457584">
+                <a:tc gridSpan="4">
+                  <a:txBody>
+                    <a:bodyPr/>
+                    <a:lstStyle/>
+                    <a:p>
+                      <a:pPr algn="ctr"/>
+                      <a:r>
+                        <a:rPr kumimoji="1" lang="en-US" altLang="ja-JP" sz="2800" dirty="0" smtClean="0"/>
+                        <a:t>account</a:t>
+                      </a:r>
+                      <a:endParaRPr kumimoji="1" lang="ja-JP" altLang="en-US" sz="2800" dirty="0"/>
+                    </a:p>
+                  </a:txBody>
+                  <a:tcPr/>
+                </a:tc>
+                <a:tc hMerge="1">
+                  <a:txBody>
+                    <a:bodyPr/>
+                    <a:lstStyle/>
+                    <a:p>
+                      <a:endParaRPr kumimoji="1" lang="ja-JP" altLang="en-US" dirty="0"/>
+                    </a:p>
+                  </a:txBody>
+                  <a:tcPr/>
+                </a:tc>
+                <a:tc hMerge="1">
+                  <a:txBody>
+                    <a:bodyPr/>
+                    <a:lstStyle/>
+                    <a:p>
+                      <a:endParaRPr kumimoji="1" lang="ja-JP" altLang="en-US"/>
+                    </a:p>
+                  </a:txBody>
+                  <a:tcPr/>
+                </a:tc>
+                <a:tc hMerge="1">
+                  <a:txBody>
+                    <a:bodyPr/>
+                    <a:lstStyle/>
+                    <a:p>
+                      <a:endParaRPr kumimoji="1" lang="ja-JP" altLang="en-US" dirty="0"/>
+                    </a:p>
+                  </a:txBody>
+                  <a:tcPr/>
+                </a:tc>
+              </a:tr>
+              <a:tr h="207619">
+                <a:tc>
+                  <a:txBody>
+                    <a:bodyPr/>
+                    <a:lstStyle/>
+                    <a:p>
+                      <a:pPr marL="0" marR="0" indent="0" algn="l" defTabSz="914400" rtl="0" eaLnBrk="1" fontAlgn="auto" latinLnBrk="0" hangingPunct="1">
+                        <a:lnSpc>
+                          <a:spcPct val="100000"/>
+                        </a:lnSpc>
+                        <a:spcBef>
+                          <a:spcPts val="0"/>
+                        </a:spcBef>
+                        <a:spcAft>
+                          <a:spcPts val="0"/>
+                        </a:spcAft>
+                        <a:buClrTx/>
+                        <a:buSzTx/>
+                        <a:buFontTx/>
+                        <a:buNone/>
+                        <a:tabLst/>
+                        <a:defRPr/>
+                      </a:pPr>
+                      <a:r>
+                        <a:rPr kumimoji="1" lang="en-US" altLang="ja-JP" dirty="0" smtClean="0"/>
+                        <a:t>number</a:t>
+                      </a:r>
+                      <a:endParaRPr kumimoji="1" lang="ja-JP" altLang="en-US" dirty="0" smtClean="0"/>
+                    </a:p>
+                  </a:txBody>
+                  <a:tcPr/>
+                </a:tc>
+                <a:tc>
+                  <a:txBody>
+                    <a:bodyPr/>
+                    <a:lstStyle/>
+                    <a:p>
+                      <a:pPr marL="0" marR="0" indent="0" algn="l" defTabSz="914400" rtl="0" eaLnBrk="1" fontAlgn="auto" latinLnBrk="0" hangingPunct="1">
+                        <a:lnSpc>
+                          <a:spcPct val="100000"/>
+                        </a:lnSpc>
+                        <a:spcBef>
+                          <a:spcPts val="0"/>
+                        </a:spcBef>
+                        <a:spcAft>
+                          <a:spcPts val="0"/>
+                        </a:spcAft>
+                        <a:buClrTx/>
+                        <a:buSzTx/>
+                        <a:buFontTx/>
+                        <a:buNone/>
+                        <a:tabLst/>
+                        <a:defRPr/>
+                      </a:pPr>
+                      <a:r>
+                        <a:rPr kumimoji="1" lang="en-US" altLang="ja-JP" dirty="0" smtClean="0"/>
+                        <a:t>id</a:t>
+                      </a:r>
+                      <a:endParaRPr kumimoji="1" lang="ja-JP" altLang="en-US" dirty="0" smtClean="0"/>
+                    </a:p>
+                  </a:txBody>
+                  <a:tcPr/>
+                </a:tc>
+                <a:tc>
+                  <a:txBody>
+                    <a:bodyPr/>
+                    <a:lstStyle/>
+                    <a:p>
+                      <a:pPr marL="0" marR="0" indent="0" algn="l" defTabSz="914400" rtl="0" eaLnBrk="1" fontAlgn="auto" latinLnBrk="0" hangingPunct="1">
+                        <a:lnSpc>
+                          <a:spcPct val="100000"/>
+                        </a:lnSpc>
+                        <a:spcBef>
+                          <a:spcPts val="0"/>
+                        </a:spcBef>
+                        <a:spcAft>
+                          <a:spcPts val="0"/>
+                        </a:spcAft>
+                        <a:buClrTx/>
+                        <a:buSzTx/>
+                        <a:buFontTx/>
+                        <a:buNone/>
+                        <a:tabLst/>
+                        <a:defRPr/>
+                      </a:pPr>
+                      <a:r>
+                        <a:rPr kumimoji="1" lang="en-US" altLang="ja-JP" dirty="0" smtClean="0"/>
+                        <a:t>nickname</a:t>
+                      </a:r>
+                      <a:endParaRPr kumimoji="1" lang="ja-JP" altLang="en-US" dirty="0" smtClean="0"/>
+                    </a:p>
+                  </a:txBody>
+                  <a:tcPr/>
+                </a:tc>
+                <a:tc>
+                  <a:txBody>
+                    <a:bodyPr/>
+                    <a:lstStyle/>
+                    <a:p>
+                      <a:pPr marL="0" marR="0" indent="0" algn="l" defTabSz="914400" rtl="0" eaLnBrk="1" fontAlgn="auto" latinLnBrk="0" hangingPunct="1">
+                        <a:lnSpc>
+                          <a:spcPct val="100000"/>
+                        </a:lnSpc>
+                        <a:spcBef>
+                          <a:spcPts val="0"/>
+                        </a:spcBef>
+                        <a:spcAft>
+                          <a:spcPts val="0"/>
+                        </a:spcAft>
+                        <a:buClrTx/>
+                        <a:buSzTx/>
+                        <a:buFontTx/>
+                        <a:buNone/>
+                        <a:tabLst/>
+                        <a:defRPr/>
+                      </a:pPr>
+                      <a:r>
+                        <a:rPr kumimoji="1" lang="en-US" altLang="ja-JP" dirty="0" smtClean="0"/>
+                        <a:t>password</a:t>
+                      </a:r>
+                      <a:endParaRPr kumimoji="1" lang="ja-JP" altLang="en-US" dirty="0" smtClean="0"/>
+                    </a:p>
+                  </a:txBody>
+                  <a:tcPr/>
+                </a:tc>
+              </a:tr>
+              <a:tr h="738456">
+                <a:tc>
+                  <a:txBody>
+                    <a:bodyPr/>
+                    <a:lstStyle/>
+                    <a:p>
+                      <a:r>
+                        <a:rPr kumimoji="1" lang="en-US" altLang="ja-JP" dirty="0" smtClean="0"/>
+                        <a:t>1</a:t>
+                      </a:r>
+                      <a:endParaRPr kumimoji="1" lang="ja-JP" altLang="en-US" dirty="0"/>
+                    </a:p>
+                  </a:txBody>
+                  <a:tcPr/>
+                </a:tc>
+                <a:tc>
+                  <a:txBody>
+                    <a:bodyPr/>
+                    <a:lstStyle/>
+                    <a:p>
+                      <a:r>
+                        <a:rPr kumimoji="1" lang="en-US" altLang="ja-JP" dirty="0" err="1" smtClean="0"/>
+                        <a:t>hirose</a:t>
+                      </a:r>
+                      <a:endParaRPr kumimoji="1" lang="ja-JP" altLang="en-US" dirty="0"/>
+                    </a:p>
+                  </a:txBody>
+                  <a:tcPr/>
+                </a:tc>
+                <a:tc>
+                  <a:txBody>
+                    <a:bodyPr/>
+                    <a:lstStyle/>
+                    <a:p>
+                      <a:r>
+                        <a:rPr kumimoji="1" lang="ja-JP" altLang="en-US" dirty="0" smtClean="0"/>
+                        <a:t>広瀬太郎</a:t>
+                      </a:r>
+                      <a:endParaRPr kumimoji="1" lang="ja-JP" altLang="en-US" dirty="0"/>
+                    </a:p>
+                  </a:txBody>
+                  <a:tcPr/>
+                </a:tc>
+                <a:tc>
+                  <a:txBody>
+                    <a:bodyPr/>
+                    <a:lstStyle/>
+                    <a:p>
+                      <a:r>
+                        <a:rPr kumimoji="1" lang="en-US" altLang="ja-JP" dirty="0" smtClean="0"/>
+                        <a:t>b415f121bed5418d497277b7e51556dff74b8e55</a:t>
+                      </a:r>
+                      <a:endParaRPr kumimoji="1" lang="ja-JP" altLang="en-US" dirty="0"/>
+                    </a:p>
+                  </a:txBody>
+                  <a:tcPr/>
+                </a:tc>
+              </a:tr>
+            </a:tbl>
+          </a:graphicData>
+        </a:graphic>
+      </p:graphicFrame>
+      <p:sp>
+        <p:nvSpPr>
+          <p:cNvPr id="14" name="テキスト ボックス 13"/>
+          <p:cNvSpPr txBox="1"/>
+          <p:nvPr/>
+        </p:nvSpPr>
+        <p:spPr>
+          <a:xfrm>
+            <a:off x="6315224" y="845901"/>
+            <a:ext cx="2747275" cy="2123658"/>
+          </a:xfrm>
+          <a:prstGeom prst="rect">
+            <a:avLst/>
+          </a:prstGeom>
+          <a:noFill/>
+        </p:spPr>
+        <p:txBody>
+          <a:bodyPr wrap="square" rtlCol="0">
+            <a:spAutoFit/>
+          </a:bodyPr>
+          <a:lstStyle/>
+          <a:p>
+            <a:r>
+              <a:rPr kumimoji="1" lang="en-US" altLang="ja-JP" sz="2400" dirty="0" err="1" smtClean="0"/>
+              <a:t>ID:hirose</a:t>
+            </a:r>
+            <a:endParaRPr kumimoji="1" lang="en-US" altLang="ja-JP" sz="2400" dirty="0" smtClean="0"/>
+          </a:p>
+          <a:p>
+            <a:r>
+              <a:rPr lang="ja-JP" altLang="en-US" sz="2400" dirty="0" smtClean="0"/>
+              <a:t>ニックネーム：</a:t>
+            </a:r>
+            <a:endParaRPr lang="en-US" altLang="ja-JP" sz="2400" dirty="0" smtClean="0"/>
+          </a:p>
+          <a:p>
+            <a:r>
+              <a:rPr kumimoji="1" lang="ja-JP" altLang="en-US" sz="2400" dirty="0" smtClean="0"/>
+              <a:t>広瀬</a:t>
+            </a:r>
+            <a:r>
+              <a:rPr kumimoji="1" lang="ja-JP" altLang="en-US" sz="2400" dirty="0"/>
+              <a:t>太郎</a:t>
+            </a:r>
+            <a:endParaRPr kumimoji="1" lang="en-US" altLang="ja-JP" sz="2400" dirty="0" smtClean="0"/>
+          </a:p>
+          <a:p>
+            <a:r>
+              <a:rPr lang="en-US" altLang="ja-JP" sz="2400" dirty="0" smtClean="0"/>
+              <a:t>PW(</a:t>
+            </a:r>
+            <a:r>
+              <a:rPr lang="ja-JP" altLang="en-US" sz="2400" dirty="0" smtClean="0"/>
+              <a:t>暗号化</a:t>
+            </a:r>
+            <a:r>
+              <a:rPr lang="en-US" altLang="ja-JP" sz="2400" dirty="0" smtClean="0"/>
+              <a:t>):</a:t>
+            </a:r>
+          </a:p>
+          <a:p>
+            <a:r>
+              <a:rPr lang="en-US" altLang="ja-JP" sz="1600" dirty="0"/>
+              <a:t>b415f121bed5418d497277b7e51556dff74b8e55</a:t>
+            </a:r>
+            <a:endParaRPr lang="ja-JP" altLang="en-US" sz="1600" dirty="0"/>
+          </a:p>
+        </p:txBody>
+      </p:sp>
+      <p:cxnSp>
+        <p:nvCxnSpPr>
+          <p:cNvPr id="15" name="直線矢印コネクタ 14"/>
+          <p:cNvCxnSpPr/>
+          <p:nvPr/>
+        </p:nvCxnSpPr>
+        <p:spPr>
+          <a:xfrm>
+            <a:off x="9673602" y="3426308"/>
+            <a:ext cx="0" cy="886612"/>
+          </a:xfrm>
+          <a:prstGeom prst="straightConnector1">
+            <a:avLst/>
+          </a:prstGeom>
+          <a:ln w="25400">
+            <a:solidFill>
+              <a:srgbClr val="00B050"/>
+            </a:solidFill>
+            <a:tailEnd type="triangle"/>
+          </a:ln>
+        </p:spPr>
+        <p:style>
+          <a:lnRef idx="1">
+            <a:schemeClr val="accent1"/>
+          </a:lnRef>
+          <a:fillRef idx="0">
+            <a:schemeClr val="accent1"/>
+          </a:fillRef>
+          <a:effectRef idx="0">
+            <a:schemeClr val="accent1"/>
+          </a:effectRef>
+          <a:fontRef idx="minor">
+            <a:schemeClr val="tx1"/>
+          </a:fontRef>
+        </p:style>
+      </p:cxnSp>
+      <p:sp>
+        <p:nvSpPr>
+          <p:cNvPr id="16" name="テキスト ボックス 15"/>
+          <p:cNvSpPr txBox="1"/>
+          <p:nvPr/>
+        </p:nvSpPr>
+        <p:spPr>
+          <a:xfrm>
+            <a:off x="950142" y="92429"/>
+            <a:ext cx="10511178" cy="769441"/>
+          </a:xfrm>
+          <a:prstGeom prst="rect">
+            <a:avLst/>
+          </a:prstGeom>
+          <a:noFill/>
+        </p:spPr>
+        <p:txBody>
+          <a:bodyPr wrap="square" rtlCol="0">
+            <a:spAutoFit/>
+          </a:bodyPr>
+          <a:lstStyle/>
+          <a:p>
+            <a:pPr algn="ctr"/>
+            <a:r>
+              <a:rPr lang="ja-JP" altLang="en-US" sz="4400" b="1" dirty="0" smtClean="0">
+                <a:solidFill>
+                  <a:srgbClr val="7030A0"/>
+                </a:solidFill>
+              </a:rPr>
+              <a:t>会員登録</a:t>
+            </a:r>
+            <a:r>
+              <a:rPr lang="ja-JP" altLang="en-US" sz="4400" b="1" dirty="0" smtClean="0">
+                <a:solidFill>
+                  <a:srgbClr val="7030A0"/>
+                </a:solidFill>
+              </a:rPr>
+              <a:t>システム（</a:t>
+            </a:r>
+            <a:r>
+              <a:rPr lang="en-US" altLang="ja-JP" sz="4400" b="1" dirty="0" smtClean="0">
+                <a:solidFill>
+                  <a:srgbClr val="7030A0"/>
+                </a:solidFill>
+              </a:rPr>
+              <a:t>JavaScript</a:t>
+            </a:r>
+            <a:r>
+              <a:rPr lang="ja-JP" altLang="en-US" sz="4400" b="1" dirty="0" smtClean="0">
+                <a:solidFill>
+                  <a:srgbClr val="7030A0"/>
+                </a:solidFill>
+              </a:rPr>
+              <a:t>未対応</a:t>
+            </a:r>
+            <a:r>
+              <a:rPr lang="ja-JP" altLang="en-US" sz="4400" b="1" dirty="0" smtClean="0">
+                <a:solidFill>
+                  <a:srgbClr val="7030A0"/>
+                </a:solidFill>
+              </a:rPr>
+              <a:t>）（例）</a:t>
+            </a:r>
+            <a:endParaRPr kumimoji="1" lang="ja-JP" altLang="en-US" sz="4400" b="1" dirty="0">
+              <a:solidFill>
+                <a:srgbClr val="7030A0"/>
+              </a:solidFill>
+            </a:endParaRPr>
+          </a:p>
+        </p:txBody>
+      </p:sp>
+      <p:sp>
+        <p:nvSpPr>
+          <p:cNvPr id="17" name="テキスト ボックス 16"/>
+          <p:cNvSpPr txBox="1"/>
+          <p:nvPr/>
+        </p:nvSpPr>
+        <p:spPr>
+          <a:xfrm>
+            <a:off x="241957" y="2808234"/>
+            <a:ext cx="2197511" cy="584775"/>
+          </a:xfrm>
+          <a:prstGeom prst="rect">
+            <a:avLst/>
+          </a:prstGeom>
+          <a:noFill/>
+          <a:ln>
+            <a:solidFill>
+              <a:schemeClr val="tx1"/>
+            </a:solidFill>
+          </a:ln>
+        </p:spPr>
+        <p:txBody>
+          <a:bodyPr wrap="square" rtlCol="0">
+            <a:spAutoFit/>
+          </a:bodyPr>
+          <a:lstStyle/>
+          <a:p>
+            <a:pPr algn="ctr"/>
+            <a:r>
+              <a:rPr kumimoji="1" lang="en-US" altLang="ja-JP" sz="3200" dirty="0" err="1" smtClean="0"/>
+              <a:t>Javascript</a:t>
+            </a:r>
+            <a:endParaRPr kumimoji="1" lang="ja-JP" altLang="en-US" sz="3200" dirty="0"/>
+          </a:p>
+        </p:txBody>
+      </p:sp>
+      <p:cxnSp>
+        <p:nvCxnSpPr>
+          <p:cNvPr id="18" name="直線コネクタ 17"/>
+          <p:cNvCxnSpPr/>
+          <p:nvPr/>
+        </p:nvCxnSpPr>
+        <p:spPr>
+          <a:xfrm>
+            <a:off x="251763" y="2497752"/>
+            <a:ext cx="2333056" cy="1096092"/>
+          </a:xfrm>
+          <a:prstGeom prst="line">
+            <a:avLst/>
+          </a:prstGeom>
+          <a:ln w="25400">
+            <a:solidFill>
+              <a:schemeClr val="tx1"/>
+            </a:solidFill>
+          </a:ln>
+        </p:spPr>
+        <p:style>
+          <a:lnRef idx="1">
+            <a:schemeClr val="accent1"/>
+          </a:lnRef>
+          <a:fillRef idx="0">
+            <a:schemeClr val="accent1"/>
+          </a:fillRef>
+          <a:effectRef idx="0">
+            <a:schemeClr val="accent1"/>
+          </a:effectRef>
+          <a:fontRef idx="minor">
+            <a:schemeClr val="tx1"/>
+          </a:fontRef>
+        </p:style>
+      </p:cxnSp>
+      <p:cxnSp>
+        <p:nvCxnSpPr>
+          <p:cNvPr id="19" name="直線コネクタ 18"/>
+          <p:cNvCxnSpPr/>
+          <p:nvPr/>
+        </p:nvCxnSpPr>
+        <p:spPr>
+          <a:xfrm flipH="1">
+            <a:off x="190259" y="2518767"/>
+            <a:ext cx="2315768" cy="1137066"/>
+          </a:xfrm>
+          <a:prstGeom prst="line">
+            <a:avLst/>
+          </a:prstGeom>
+          <a:ln w="25400">
+            <a:solidFill>
+              <a:schemeClr val="tx1"/>
+            </a:solidFill>
+          </a:ln>
+        </p:spPr>
+        <p:style>
+          <a:lnRef idx="1">
+            <a:schemeClr val="accent1"/>
+          </a:lnRef>
+          <a:fillRef idx="0">
+            <a:schemeClr val="accent1"/>
+          </a:fillRef>
+          <a:effectRef idx="0">
+            <a:schemeClr val="accent1"/>
+          </a:effectRef>
+          <a:fontRef idx="minor">
+            <a:schemeClr val="tx1"/>
+          </a:fontRef>
+        </p:style>
+      </p:cxnSp>
+      <p:sp>
+        <p:nvSpPr>
+          <p:cNvPr id="20" name="円弧 19"/>
+          <p:cNvSpPr/>
+          <p:nvPr/>
+        </p:nvSpPr>
+        <p:spPr>
+          <a:xfrm rot="3706451">
+            <a:off x="4847423" y="3223183"/>
+            <a:ext cx="1787660" cy="585386"/>
+          </a:xfrm>
+          <a:prstGeom prst="arc">
+            <a:avLst>
+              <a:gd name="adj1" fmla="val 13933702"/>
+              <a:gd name="adj2" fmla="val 6737379"/>
+            </a:avLst>
+          </a:prstGeom>
+          <a:ln w="31750">
+            <a:solidFill>
+              <a:srgbClr val="7030A0"/>
+            </a:solidFill>
+            <a:tailEnd type="stealth"/>
+          </a:ln>
+        </p:spPr>
+        <p:style>
+          <a:lnRef idx="1">
+            <a:schemeClr val="accent1"/>
+          </a:lnRef>
+          <a:fillRef idx="0">
+            <a:schemeClr val="accent1"/>
+          </a:fillRef>
+          <a:effectRef idx="0">
+            <a:schemeClr val="accent1"/>
+          </a:effectRef>
+          <a:fontRef idx="minor">
+            <a:schemeClr val="tx1"/>
+          </a:fontRef>
+        </p:style>
+        <p:txBody>
+          <a:bodyPr rtlCol="0" anchor="ctr"/>
+          <a:lstStyle/>
+          <a:p>
+            <a:pPr algn="ctr"/>
+            <a:endParaRPr kumimoji="1" lang="ja-JP" altLang="en-US"/>
+          </a:p>
+        </p:txBody>
+      </p:sp>
+      <p:sp>
+        <p:nvSpPr>
+          <p:cNvPr id="21" name="テキスト ボックス 20"/>
+          <p:cNvSpPr txBox="1"/>
+          <p:nvPr/>
+        </p:nvSpPr>
+        <p:spPr>
+          <a:xfrm>
+            <a:off x="4594364" y="4457245"/>
+            <a:ext cx="2365005" cy="954107"/>
+          </a:xfrm>
+          <a:prstGeom prst="rect">
+            <a:avLst/>
+          </a:prstGeom>
+          <a:noFill/>
+        </p:spPr>
+        <p:txBody>
+          <a:bodyPr wrap="square" rtlCol="0">
+            <a:spAutoFit/>
+          </a:bodyPr>
+          <a:lstStyle/>
+          <a:p>
+            <a:r>
+              <a:rPr lang="en-US" altLang="ja-JP" sz="2400" dirty="0" smtClean="0"/>
+              <a:t>PW(</a:t>
+            </a:r>
+            <a:r>
+              <a:rPr lang="ja-JP" altLang="en-US" sz="2400" dirty="0" smtClean="0"/>
+              <a:t>暗号化</a:t>
+            </a:r>
+            <a:r>
+              <a:rPr lang="en-US" altLang="ja-JP" sz="2400" dirty="0" smtClean="0"/>
+              <a:t>):</a:t>
+            </a:r>
+          </a:p>
+          <a:p>
+            <a:r>
+              <a:rPr lang="en-US" altLang="ja-JP" sz="1600" dirty="0" smtClean="0"/>
+              <a:t>b415f121bed5418d497277b7e51556dff74b8e55</a:t>
+            </a:r>
+            <a:endParaRPr lang="ja-JP" altLang="en-US" sz="1600" dirty="0"/>
+          </a:p>
+        </p:txBody>
+      </p:sp>
+      <p:cxnSp>
+        <p:nvCxnSpPr>
+          <p:cNvPr id="24" name="直線矢印コネクタ 23"/>
+          <p:cNvCxnSpPr/>
+          <p:nvPr/>
+        </p:nvCxnSpPr>
+        <p:spPr>
+          <a:xfrm flipV="1">
+            <a:off x="1288088" y="3546264"/>
+            <a:ext cx="4567" cy="766656"/>
+          </a:xfrm>
+          <a:prstGeom prst="straightConnector1">
+            <a:avLst/>
+          </a:prstGeom>
+          <a:ln w="25400">
+            <a:solidFill>
+              <a:srgbClr val="00B050"/>
+            </a:solidFill>
+            <a:tailEnd type="triangle"/>
+          </a:ln>
+        </p:spPr>
+        <p:style>
+          <a:lnRef idx="1">
+            <a:schemeClr val="accent1"/>
+          </a:lnRef>
+          <a:fillRef idx="0">
+            <a:schemeClr val="accent1"/>
+          </a:fillRef>
+          <a:effectRef idx="0">
+            <a:schemeClr val="accent1"/>
+          </a:effectRef>
+          <a:fontRef idx="minor">
+            <a:schemeClr val="tx1"/>
+          </a:fontRef>
+        </p:style>
+      </p:cxnSp>
+      <p:cxnSp>
+        <p:nvCxnSpPr>
+          <p:cNvPr id="29" name="直線コネクタ 28"/>
+          <p:cNvCxnSpPr/>
+          <p:nvPr/>
+        </p:nvCxnSpPr>
+        <p:spPr>
+          <a:xfrm>
+            <a:off x="3075498" y="2999644"/>
+            <a:ext cx="611102" cy="299531"/>
+          </a:xfrm>
+          <a:prstGeom prst="line">
+            <a:avLst/>
+          </a:prstGeom>
+          <a:ln w="25400">
+            <a:solidFill>
+              <a:schemeClr val="tx1"/>
+            </a:solidFill>
+          </a:ln>
+        </p:spPr>
+        <p:style>
+          <a:lnRef idx="1">
+            <a:schemeClr val="accent1"/>
+          </a:lnRef>
+          <a:fillRef idx="0">
+            <a:schemeClr val="accent1"/>
+          </a:fillRef>
+          <a:effectRef idx="0">
+            <a:schemeClr val="accent1"/>
+          </a:effectRef>
+          <a:fontRef idx="minor">
+            <a:schemeClr val="tx1"/>
+          </a:fontRef>
+        </p:style>
+      </p:cxnSp>
+      <p:cxnSp>
+        <p:nvCxnSpPr>
+          <p:cNvPr id="30" name="直線コネクタ 29"/>
+          <p:cNvCxnSpPr/>
+          <p:nvPr/>
+        </p:nvCxnSpPr>
+        <p:spPr>
+          <a:xfrm flipH="1">
+            <a:off x="3023074" y="2971256"/>
+            <a:ext cx="663526" cy="356306"/>
+          </a:xfrm>
+          <a:prstGeom prst="line">
+            <a:avLst/>
+          </a:prstGeom>
+          <a:ln w="25400">
+            <a:solidFill>
+              <a:schemeClr val="tx1"/>
+            </a:solidFill>
+          </a:ln>
+        </p:spPr>
+        <p:style>
+          <a:lnRef idx="1">
+            <a:schemeClr val="accent1"/>
+          </a:lnRef>
+          <a:fillRef idx="0">
+            <a:schemeClr val="accent1"/>
+          </a:fillRef>
+          <a:effectRef idx="0">
+            <a:schemeClr val="accent1"/>
+          </a:effectRef>
+          <a:fontRef idx="minor">
+            <a:schemeClr val="tx1"/>
+          </a:fontRef>
+        </p:style>
+      </p:cxnSp>
+      <p:cxnSp>
+        <p:nvCxnSpPr>
+          <p:cNvPr id="34" name="直線コネクタ 33"/>
+          <p:cNvCxnSpPr/>
+          <p:nvPr/>
+        </p:nvCxnSpPr>
+        <p:spPr>
+          <a:xfrm>
+            <a:off x="1002566" y="3772622"/>
+            <a:ext cx="611102" cy="299531"/>
+          </a:xfrm>
+          <a:prstGeom prst="line">
+            <a:avLst/>
+          </a:prstGeom>
+          <a:ln w="25400">
+            <a:solidFill>
+              <a:schemeClr val="tx1"/>
+            </a:solidFill>
+          </a:ln>
+        </p:spPr>
+        <p:style>
+          <a:lnRef idx="1">
+            <a:schemeClr val="accent1"/>
+          </a:lnRef>
+          <a:fillRef idx="0">
+            <a:schemeClr val="accent1"/>
+          </a:fillRef>
+          <a:effectRef idx="0">
+            <a:schemeClr val="accent1"/>
+          </a:effectRef>
+          <a:fontRef idx="minor">
+            <a:schemeClr val="tx1"/>
+          </a:fontRef>
+        </p:style>
+      </p:cxnSp>
+      <p:cxnSp>
+        <p:nvCxnSpPr>
+          <p:cNvPr id="35" name="直線コネクタ 34"/>
+          <p:cNvCxnSpPr/>
+          <p:nvPr/>
+        </p:nvCxnSpPr>
+        <p:spPr>
+          <a:xfrm flipH="1">
+            <a:off x="950142" y="3744234"/>
+            <a:ext cx="663526" cy="356306"/>
+          </a:xfrm>
+          <a:prstGeom prst="line">
+            <a:avLst/>
+          </a:prstGeom>
+          <a:ln w="25400">
+            <a:solidFill>
+              <a:schemeClr val="tx1"/>
+            </a:solidFill>
+          </a:ln>
+        </p:spPr>
+        <p:style>
+          <a:lnRef idx="1">
+            <a:schemeClr val="accent1"/>
+          </a:lnRef>
+          <a:fillRef idx="0">
+            <a:schemeClr val="accent1"/>
+          </a:fillRef>
+          <a:effectRef idx="0">
+            <a:schemeClr val="accent1"/>
+          </a:effectRef>
+          <a:fontRef idx="minor">
+            <a:schemeClr val="tx1"/>
+          </a:fontRef>
+        </p:style>
+      </p:cxnSp>
+      <p:sp>
+        <p:nvSpPr>
+          <p:cNvPr id="38" name="テキスト ボックス 37"/>
+          <p:cNvSpPr txBox="1"/>
+          <p:nvPr/>
+        </p:nvSpPr>
+        <p:spPr>
+          <a:xfrm>
+            <a:off x="1774784" y="1966835"/>
+            <a:ext cx="2847591" cy="523220"/>
+          </a:xfrm>
+          <a:prstGeom prst="rect">
+            <a:avLst/>
+          </a:prstGeom>
+          <a:noFill/>
+        </p:spPr>
+        <p:txBody>
+          <a:bodyPr wrap="square" rtlCol="0">
+            <a:spAutoFit/>
+          </a:bodyPr>
+          <a:lstStyle/>
+          <a:p>
+            <a:r>
+              <a:rPr lang="ja-JP" altLang="en-US" sz="2800" dirty="0"/>
+              <a:t>サーバーへ</a:t>
+            </a:r>
+            <a:r>
+              <a:rPr lang="ja-JP" altLang="en-US" sz="2800" dirty="0" smtClean="0"/>
+              <a:t>送信</a:t>
+            </a:r>
+            <a:endParaRPr kumimoji="1" lang="ja-JP" altLang="en-US" sz="2800" dirty="0"/>
+          </a:p>
+        </p:txBody>
+      </p:sp>
+    </p:spTree>
+    <p:extLst>
+      <p:ext uri="{BB962C8B-B14F-4D97-AF65-F5344CB8AC3E}">
+        <p14:creationId xmlns:p14="http://schemas.microsoft.com/office/powerpoint/2010/main" val="449667532"/>
+      </p:ext>
+    </p:extLst>
+  </p:cSld>
+  <p:clrMapOvr>
+    <a:masterClrMapping/>
+  </p:clrMapOvr>
+</p:sld>
+</file>
+
+<file path=ppt/slides/slide5.xml><?xml version="1.0" encoding="utf-8"?>
+<p:sld xmlns:a="http://schemas.openxmlformats.org/drawingml/2006/main" xmlns:r="http://schemas.openxmlformats.org/officeDocument/2006/relationships" xmlns:p="http://schemas.openxmlformats.org/presentationml/2006/main">
+  <p:cSld>
+    <p:spTree>
+      <p:nvGrpSpPr>
+        <p:cNvPr id="1" name=""/>
+        <p:cNvGrpSpPr/>
+        <p:nvPr/>
+      </p:nvGrpSpPr>
+      <p:grpSpPr>
+        <a:xfrm>
+          <a:off x="0" y="0"/>
+          <a:ext cx="0" cy="0"/>
+          <a:chOff x="0" y="0"/>
+          <a:chExt cx="0" cy="0"/>
+        </a:xfrm>
+      </p:grpSpPr>
+      <p:sp>
+        <p:nvSpPr>
           <p:cNvPr id="3" name="テキスト ボックス 2"/>
           <p:cNvSpPr txBox="1"/>
           <p:nvPr/>
@@ -5906,7 +9371,7 @@
               <a:t>20</a:t>
             </a:r>
             <a:r>
-              <a:rPr lang="ja-JP" altLang="en-US" smtClean="0"/>
+              <a:rPr lang="ja-JP" altLang="en-US" dirty="0" smtClean="0"/>
               <a:t>文字の半角英数字とする。</a:t>
             </a:r>
             <a:endParaRPr kumimoji="1" lang="ja-JP" altLang="en-US" dirty="0"/>
@@ -5926,7 +9391,7 @@
 </p:sld>
 </file>
 
-<file path=ppt/slides/slide4.xml><?xml version="1.0" encoding="utf-8"?>
+<file path=ppt/slides/slide6.xml><?xml version="1.0" encoding="utf-8"?>
 <p:sld xmlns:a="http://schemas.openxmlformats.org/drawingml/2006/main" xmlns:r="http://schemas.openxmlformats.org/officeDocument/2006/relationships" xmlns:p="http://schemas.openxmlformats.org/presentationml/2006/main">
   <p:cSld>
     <p:spTree>
@@ -6255,7 +9720,7 @@
 </p:sld>
 </file>
 
-<file path=ppt/slides/slide5.xml><?xml version="1.0" encoding="utf-8"?>
+<file path=ppt/slides/slide7.xml><?xml version="1.0" encoding="utf-8"?>
 <p:sld xmlns:a="http://schemas.openxmlformats.org/drawingml/2006/main" xmlns:r="http://schemas.openxmlformats.org/officeDocument/2006/relationships" xmlns:p="http://schemas.openxmlformats.org/presentationml/2006/main">
   <p:cSld>
     <p:spTree>
@@ -6903,7 +10368,7 @@
 </p:sld>
 </file>
 
-<file path=ppt/slides/slide6.xml><?xml version="1.0" encoding="utf-8"?>
+<file path=ppt/slides/slide8.xml><?xml version="1.0" encoding="utf-8"?>
 <p:sld xmlns:a="http://schemas.openxmlformats.org/drawingml/2006/main" xmlns:r="http://schemas.openxmlformats.org/officeDocument/2006/relationships" xmlns:p="http://schemas.openxmlformats.org/presentationml/2006/main">
   <p:cSld>
     <p:spTree>
@@ -7882,6 +11347,882 @@
     <p:extLst>
       <p:ext uri="{BB962C8B-B14F-4D97-AF65-F5344CB8AC3E}">
         <p14:creationId xmlns:p14="http://schemas.microsoft.com/office/powerpoint/2010/main" val="4160863369"/>
+      </p:ext>
+    </p:extLst>
+  </p:cSld>
+  <p:clrMapOvr>
+    <a:masterClrMapping/>
+  </p:clrMapOvr>
+</p:sld>
+</file>
+
+<file path=ppt/slides/slide9.xml><?xml version="1.0" encoding="utf-8"?>
+<p:sld xmlns:a="http://schemas.openxmlformats.org/drawingml/2006/main" xmlns:r="http://schemas.openxmlformats.org/officeDocument/2006/relationships" xmlns:p="http://schemas.openxmlformats.org/presentationml/2006/main">
+  <p:cSld>
+    <p:spTree>
+      <p:nvGrpSpPr>
+        <p:cNvPr id="1" name=""/>
+        <p:cNvGrpSpPr/>
+        <p:nvPr/>
+      </p:nvGrpSpPr>
+      <p:grpSpPr>
+        <a:xfrm>
+          <a:off x="0" y="0"/>
+          <a:ext cx="0" cy="0"/>
+          <a:chOff x="0" y="0"/>
+          <a:chExt cx="0" cy="0"/>
+        </a:xfrm>
+      </p:grpSpPr>
+      <p:sp>
+        <p:nvSpPr>
+          <p:cNvPr id="2" name="テキスト ボックス 1"/>
+          <p:cNvSpPr txBox="1"/>
+          <p:nvPr/>
+        </p:nvSpPr>
+        <p:spPr>
+          <a:xfrm>
+            <a:off x="2015638" y="182359"/>
+            <a:ext cx="8828038" cy="769441"/>
+          </a:xfrm>
+          <a:prstGeom prst="rect">
+            <a:avLst/>
+          </a:prstGeom>
+          <a:noFill/>
+        </p:spPr>
+        <p:txBody>
+          <a:bodyPr wrap="square" rtlCol="0">
+            <a:spAutoFit/>
+          </a:bodyPr>
+          <a:lstStyle/>
+          <a:p>
+            <a:pPr algn="ctr"/>
+            <a:r>
+              <a:rPr lang="ja-JP" altLang="en-US" sz="4400" b="1" dirty="0" smtClean="0">
+                <a:solidFill>
+                  <a:srgbClr val="7030A0"/>
+                </a:solidFill>
+              </a:rPr>
+              <a:t>ログインシステム（</a:t>
+            </a:r>
+            <a:r>
+              <a:rPr lang="en-US" altLang="ja-JP" sz="4400" b="1" dirty="0" smtClean="0">
+                <a:solidFill>
+                  <a:srgbClr val="7030A0"/>
+                </a:solidFill>
+              </a:rPr>
+              <a:t>JavaScript</a:t>
+            </a:r>
+            <a:r>
+              <a:rPr lang="ja-JP" altLang="en-US" sz="4400" b="1" dirty="0" smtClean="0">
+                <a:solidFill>
+                  <a:srgbClr val="7030A0"/>
+                </a:solidFill>
+              </a:rPr>
+              <a:t>未対応）</a:t>
+            </a:r>
+            <a:endParaRPr kumimoji="1" lang="ja-JP" altLang="en-US" sz="4400" b="1" dirty="0">
+              <a:solidFill>
+                <a:srgbClr val="7030A0"/>
+              </a:solidFill>
+            </a:endParaRPr>
+          </a:p>
+        </p:txBody>
+      </p:sp>
+      <p:sp>
+        <p:nvSpPr>
+          <p:cNvPr id="3" name="テキスト ボックス 2"/>
+          <p:cNvSpPr txBox="1"/>
+          <p:nvPr/>
+        </p:nvSpPr>
+        <p:spPr>
+          <a:xfrm>
+            <a:off x="491022" y="2675808"/>
+            <a:ext cx="1638384" cy="523220"/>
+          </a:xfrm>
+          <a:prstGeom prst="rect">
+            <a:avLst/>
+          </a:prstGeom>
+          <a:noFill/>
+          <a:ln>
+            <a:solidFill>
+              <a:schemeClr val="tx1"/>
+            </a:solidFill>
+          </a:ln>
+        </p:spPr>
+        <p:txBody>
+          <a:bodyPr wrap="square" rtlCol="0">
+            <a:spAutoFit/>
+          </a:bodyPr>
+          <a:lstStyle/>
+          <a:p>
+            <a:pPr algn="ctr"/>
+            <a:r>
+              <a:rPr kumimoji="1" lang="ja-JP" altLang="en-US" sz="2800" dirty="0" smtClean="0"/>
+              <a:t>ユーザー</a:t>
+            </a:r>
+            <a:endParaRPr kumimoji="1" lang="ja-JP" altLang="en-US" sz="2800" dirty="0"/>
+          </a:p>
+        </p:txBody>
+      </p:sp>
+      <p:cxnSp>
+        <p:nvCxnSpPr>
+          <p:cNvPr id="4" name="直線矢印コネクタ 3"/>
+          <p:cNvCxnSpPr/>
+          <p:nvPr/>
+        </p:nvCxnSpPr>
+        <p:spPr>
+          <a:xfrm>
+            <a:off x="2264384" y="2937418"/>
+            <a:ext cx="712501" cy="0"/>
+          </a:xfrm>
+          <a:prstGeom prst="straightConnector1">
+            <a:avLst/>
+          </a:prstGeom>
+          <a:ln w="25400">
+            <a:solidFill>
+              <a:srgbClr val="00B050"/>
+            </a:solidFill>
+            <a:tailEnd type="triangle"/>
+          </a:ln>
+        </p:spPr>
+        <p:style>
+          <a:lnRef idx="1">
+            <a:schemeClr val="accent1"/>
+          </a:lnRef>
+          <a:fillRef idx="0">
+            <a:schemeClr val="accent1"/>
+          </a:fillRef>
+          <a:effectRef idx="0">
+            <a:schemeClr val="accent1"/>
+          </a:effectRef>
+          <a:fontRef idx="minor">
+            <a:schemeClr val="tx1"/>
+          </a:fontRef>
+        </p:style>
+      </p:cxnSp>
+      <p:sp>
+        <p:nvSpPr>
+          <p:cNvPr id="5" name="テキスト ボックス 4"/>
+          <p:cNvSpPr txBox="1"/>
+          <p:nvPr/>
+        </p:nvSpPr>
+        <p:spPr>
+          <a:xfrm>
+            <a:off x="2225337" y="1797599"/>
+            <a:ext cx="1070609" cy="1077218"/>
+          </a:xfrm>
+          <a:prstGeom prst="rect">
+            <a:avLst/>
+          </a:prstGeom>
+          <a:noFill/>
+        </p:spPr>
+        <p:txBody>
+          <a:bodyPr wrap="square" rtlCol="0">
+            <a:spAutoFit/>
+          </a:bodyPr>
+          <a:lstStyle/>
+          <a:p>
+            <a:r>
+              <a:rPr kumimoji="1" lang="en-US" altLang="ja-JP" sz="3200" dirty="0" smtClean="0"/>
+              <a:t>ID</a:t>
+            </a:r>
+          </a:p>
+          <a:p>
+            <a:r>
+              <a:rPr lang="en-US" altLang="ja-JP" sz="3200" dirty="0" smtClean="0"/>
+              <a:t>PW</a:t>
+            </a:r>
+            <a:endParaRPr kumimoji="1" lang="ja-JP" altLang="en-US" sz="3200" dirty="0"/>
+          </a:p>
+        </p:txBody>
+      </p:sp>
+      <p:sp>
+        <p:nvSpPr>
+          <p:cNvPr id="7" name="テキスト ボックス 6"/>
+          <p:cNvSpPr txBox="1"/>
+          <p:nvPr/>
+        </p:nvSpPr>
+        <p:spPr>
+          <a:xfrm>
+            <a:off x="7879571" y="1462829"/>
+            <a:ext cx="2365005" cy="1077218"/>
+          </a:xfrm>
+          <a:prstGeom prst="rect">
+            <a:avLst/>
+          </a:prstGeom>
+          <a:noFill/>
+        </p:spPr>
+        <p:txBody>
+          <a:bodyPr wrap="square" rtlCol="0">
+            <a:spAutoFit/>
+          </a:bodyPr>
+          <a:lstStyle/>
+          <a:p>
+            <a:r>
+              <a:rPr kumimoji="1" lang="en-US" altLang="ja-JP" sz="3200" dirty="0" smtClean="0"/>
+              <a:t>ID</a:t>
+            </a:r>
+          </a:p>
+          <a:p>
+            <a:r>
+              <a:rPr lang="en-US" altLang="ja-JP" sz="3200" dirty="0" smtClean="0"/>
+              <a:t>PW(</a:t>
+            </a:r>
+            <a:r>
+              <a:rPr lang="ja-JP" altLang="en-US" sz="3200" dirty="0" smtClean="0"/>
+              <a:t>暗号化</a:t>
+            </a:r>
+            <a:r>
+              <a:rPr lang="en-US" altLang="ja-JP" sz="3200" dirty="0" smtClean="0"/>
+              <a:t>)</a:t>
+            </a:r>
+            <a:endParaRPr kumimoji="1" lang="ja-JP" altLang="en-US" sz="3200" dirty="0"/>
+          </a:p>
+        </p:txBody>
+      </p:sp>
+      <p:sp>
+        <p:nvSpPr>
+          <p:cNvPr id="8" name="テキスト ボックス 7"/>
+          <p:cNvSpPr txBox="1"/>
+          <p:nvPr/>
+        </p:nvSpPr>
+        <p:spPr>
+          <a:xfrm>
+            <a:off x="6675117" y="2614254"/>
+            <a:ext cx="1204454" cy="584775"/>
+          </a:xfrm>
+          <a:prstGeom prst="rect">
+            <a:avLst/>
+          </a:prstGeom>
+          <a:noFill/>
+          <a:ln>
+            <a:solidFill>
+              <a:schemeClr val="tx1"/>
+            </a:solidFill>
+          </a:ln>
+        </p:spPr>
+        <p:txBody>
+          <a:bodyPr wrap="square" rtlCol="0">
+            <a:spAutoFit/>
+          </a:bodyPr>
+          <a:lstStyle/>
+          <a:p>
+            <a:pPr algn="ctr"/>
+            <a:r>
+              <a:rPr kumimoji="1" lang="en-US" altLang="ja-JP" sz="3200" dirty="0" smtClean="0"/>
+              <a:t>PHP</a:t>
+            </a:r>
+            <a:endParaRPr kumimoji="1" lang="ja-JP" altLang="en-US" sz="3200" dirty="0"/>
+          </a:p>
+        </p:txBody>
+      </p:sp>
+      <p:sp>
+        <p:nvSpPr>
+          <p:cNvPr id="9" name="テキスト ボックス 8"/>
+          <p:cNvSpPr txBox="1"/>
+          <p:nvPr/>
+        </p:nvSpPr>
+        <p:spPr>
+          <a:xfrm>
+            <a:off x="10288992" y="2614254"/>
+            <a:ext cx="1435512" cy="584775"/>
+          </a:xfrm>
+          <a:prstGeom prst="rect">
+            <a:avLst/>
+          </a:prstGeom>
+          <a:noFill/>
+          <a:ln>
+            <a:solidFill>
+              <a:schemeClr val="tx1"/>
+            </a:solidFill>
+          </a:ln>
+        </p:spPr>
+        <p:txBody>
+          <a:bodyPr wrap="square" rtlCol="0">
+            <a:spAutoFit/>
+          </a:bodyPr>
+          <a:lstStyle/>
+          <a:p>
+            <a:pPr algn="ctr"/>
+            <a:r>
+              <a:rPr kumimoji="1" lang="en-US" altLang="ja-JP" sz="3200" dirty="0" err="1" smtClean="0"/>
+              <a:t>mySQL</a:t>
+            </a:r>
+            <a:endParaRPr kumimoji="1" lang="ja-JP" altLang="en-US" sz="3200" dirty="0"/>
+          </a:p>
+        </p:txBody>
+      </p:sp>
+      <p:cxnSp>
+        <p:nvCxnSpPr>
+          <p:cNvPr id="10" name="直線矢印コネクタ 9"/>
+          <p:cNvCxnSpPr/>
+          <p:nvPr/>
+        </p:nvCxnSpPr>
+        <p:spPr>
+          <a:xfrm flipV="1">
+            <a:off x="5611505" y="2906641"/>
+            <a:ext cx="818152" cy="3072"/>
+          </a:xfrm>
+          <a:prstGeom prst="straightConnector1">
+            <a:avLst/>
+          </a:prstGeom>
+          <a:ln w="25400">
+            <a:solidFill>
+              <a:srgbClr val="00B050"/>
+            </a:solidFill>
+            <a:tailEnd type="triangle"/>
+          </a:ln>
+        </p:spPr>
+        <p:style>
+          <a:lnRef idx="1">
+            <a:schemeClr val="accent1"/>
+          </a:lnRef>
+          <a:fillRef idx="0">
+            <a:schemeClr val="accent1"/>
+          </a:fillRef>
+          <a:effectRef idx="0">
+            <a:schemeClr val="accent1"/>
+          </a:effectRef>
+          <a:fontRef idx="minor">
+            <a:schemeClr val="tx1"/>
+          </a:fontRef>
+        </p:style>
+      </p:cxnSp>
+      <p:sp>
+        <p:nvSpPr>
+          <p:cNvPr id="11" name="テキスト ボックス 10"/>
+          <p:cNvSpPr txBox="1"/>
+          <p:nvPr/>
+        </p:nvSpPr>
+        <p:spPr>
+          <a:xfrm>
+            <a:off x="4912339" y="1286926"/>
+            <a:ext cx="2365005" cy="1077218"/>
+          </a:xfrm>
+          <a:prstGeom prst="rect">
+            <a:avLst/>
+          </a:prstGeom>
+          <a:noFill/>
+        </p:spPr>
+        <p:txBody>
+          <a:bodyPr wrap="square" rtlCol="0">
+            <a:spAutoFit/>
+          </a:bodyPr>
+          <a:lstStyle/>
+          <a:p>
+            <a:r>
+              <a:rPr kumimoji="1" lang="en-US" altLang="ja-JP" sz="3200" dirty="0" smtClean="0"/>
+              <a:t>ID</a:t>
+            </a:r>
+          </a:p>
+          <a:p>
+            <a:r>
+              <a:rPr lang="en-US" altLang="ja-JP" sz="3200" dirty="0" smtClean="0"/>
+              <a:t>PW</a:t>
+            </a:r>
+            <a:r>
+              <a:rPr lang="en-US" altLang="ja-JP" sz="3200" strike="sngStrike" dirty="0" smtClean="0"/>
+              <a:t>(</a:t>
+            </a:r>
+            <a:r>
+              <a:rPr lang="ja-JP" altLang="en-US" sz="3200" strike="sngStrike" dirty="0" smtClean="0"/>
+              <a:t>暗号化</a:t>
+            </a:r>
+            <a:r>
+              <a:rPr lang="en-US" altLang="ja-JP" sz="3200" strike="sngStrike" dirty="0" smtClean="0"/>
+              <a:t>)</a:t>
+            </a:r>
+            <a:endParaRPr kumimoji="1" lang="ja-JP" altLang="en-US" sz="3200" strike="sngStrike" dirty="0"/>
+          </a:p>
+        </p:txBody>
+      </p:sp>
+      <p:sp>
+        <p:nvSpPr>
+          <p:cNvPr id="12" name="テキスト ボックス 11"/>
+          <p:cNvSpPr txBox="1"/>
+          <p:nvPr/>
+        </p:nvSpPr>
+        <p:spPr>
+          <a:xfrm>
+            <a:off x="5712804" y="3214423"/>
+            <a:ext cx="615553" cy="2407920"/>
+          </a:xfrm>
+          <a:prstGeom prst="rect">
+            <a:avLst/>
+          </a:prstGeom>
+          <a:noFill/>
+        </p:spPr>
+        <p:txBody>
+          <a:bodyPr vert="eaVert" wrap="square" rtlCol="0">
+            <a:spAutoFit/>
+          </a:bodyPr>
+          <a:lstStyle/>
+          <a:p>
+            <a:r>
+              <a:rPr kumimoji="1" lang="ja-JP" altLang="en-US" sz="2800" dirty="0" smtClean="0"/>
+              <a:t>サーバーへ送信</a:t>
+            </a:r>
+            <a:endParaRPr kumimoji="1" lang="ja-JP" altLang="en-US" sz="2800" dirty="0"/>
+          </a:p>
+        </p:txBody>
+      </p:sp>
+      <p:cxnSp>
+        <p:nvCxnSpPr>
+          <p:cNvPr id="13" name="直線矢印コネクタ 12"/>
+          <p:cNvCxnSpPr/>
+          <p:nvPr/>
+        </p:nvCxnSpPr>
+        <p:spPr>
+          <a:xfrm flipH="1">
+            <a:off x="8169131" y="2892230"/>
+            <a:ext cx="1639415" cy="0"/>
+          </a:xfrm>
+          <a:prstGeom prst="straightConnector1">
+            <a:avLst/>
+          </a:prstGeom>
+          <a:ln w="25400">
+            <a:solidFill>
+              <a:srgbClr val="00B050"/>
+            </a:solidFill>
+            <a:tailEnd type="triangle"/>
+          </a:ln>
+        </p:spPr>
+        <p:style>
+          <a:lnRef idx="1">
+            <a:schemeClr val="accent1"/>
+          </a:lnRef>
+          <a:fillRef idx="0">
+            <a:schemeClr val="accent1"/>
+          </a:fillRef>
+          <a:effectRef idx="0">
+            <a:schemeClr val="accent1"/>
+          </a:effectRef>
+          <a:fontRef idx="minor">
+            <a:schemeClr val="tx1"/>
+          </a:fontRef>
+        </p:style>
+      </p:cxnSp>
+      <p:sp>
+        <p:nvSpPr>
+          <p:cNvPr id="14" name="テキスト ボックス 13"/>
+          <p:cNvSpPr txBox="1"/>
+          <p:nvPr/>
+        </p:nvSpPr>
+        <p:spPr>
+          <a:xfrm>
+            <a:off x="8019416" y="2937418"/>
+            <a:ext cx="1143000" cy="523220"/>
+          </a:xfrm>
+          <a:prstGeom prst="rect">
+            <a:avLst/>
+          </a:prstGeom>
+          <a:noFill/>
+        </p:spPr>
+        <p:txBody>
+          <a:bodyPr wrap="square" rtlCol="0">
+            <a:spAutoFit/>
+          </a:bodyPr>
+          <a:lstStyle/>
+          <a:p>
+            <a:r>
+              <a:rPr kumimoji="1" lang="ja-JP" altLang="en-US" sz="2800" dirty="0" smtClean="0"/>
+              <a:t>比較</a:t>
+            </a:r>
+            <a:endParaRPr kumimoji="1" lang="ja-JP" altLang="en-US" sz="2800" dirty="0"/>
+          </a:p>
+        </p:txBody>
+      </p:sp>
+      <p:sp>
+        <p:nvSpPr>
+          <p:cNvPr id="15" name="円弧 14"/>
+          <p:cNvSpPr/>
+          <p:nvPr/>
+        </p:nvSpPr>
+        <p:spPr>
+          <a:xfrm>
+            <a:off x="2129406" y="2259011"/>
+            <a:ext cx="4746016" cy="1524000"/>
+          </a:xfrm>
+          <a:prstGeom prst="arc">
+            <a:avLst>
+              <a:gd name="adj1" fmla="val 589712"/>
+              <a:gd name="adj2" fmla="val 10293142"/>
+            </a:avLst>
+          </a:prstGeom>
+          <a:ln w="25400">
+            <a:solidFill>
+              <a:srgbClr val="C00000"/>
+            </a:solidFill>
+            <a:tailEnd type="stealth"/>
+          </a:ln>
+        </p:spPr>
+        <p:style>
+          <a:lnRef idx="1">
+            <a:schemeClr val="accent1"/>
+          </a:lnRef>
+          <a:fillRef idx="0">
+            <a:schemeClr val="accent1"/>
+          </a:fillRef>
+          <a:effectRef idx="0">
+            <a:schemeClr val="accent1"/>
+          </a:effectRef>
+          <a:fontRef idx="minor">
+            <a:schemeClr val="tx1"/>
+          </a:fontRef>
+        </p:style>
+        <p:txBody>
+          <a:bodyPr rtlCol="0" anchor="ctr"/>
+          <a:lstStyle/>
+          <a:p>
+            <a:pPr algn="ctr"/>
+            <a:endParaRPr kumimoji="1" lang="ja-JP" altLang="en-US"/>
+          </a:p>
+        </p:txBody>
+      </p:sp>
+      <p:sp>
+        <p:nvSpPr>
+          <p:cNvPr id="16" name="テキスト ボックス 15"/>
+          <p:cNvSpPr txBox="1"/>
+          <p:nvPr/>
+        </p:nvSpPr>
+        <p:spPr>
+          <a:xfrm>
+            <a:off x="2789157" y="3829304"/>
+            <a:ext cx="1031562" cy="523220"/>
+          </a:xfrm>
+          <a:prstGeom prst="rect">
+            <a:avLst/>
+          </a:prstGeom>
+          <a:noFill/>
+        </p:spPr>
+        <p:txBody>
+          <a:bodyPr wrap="square" rtlCol="0">
+            <a:spAutoFit/>
+          </a:bodyPr>
+          <a:lstStyle/>
+          <a:p>
+            <a:r>
+              <a:rPr kumimoji="1" lang="ja-JP" altLang="en-US" sz="2800" dirty="0" smtClean="0"/>
+              <a:t>承認</a:t>
+            </a:r>
+            <a:endParaRPr kumimoji="1" lang="ja-JP" altLang="en-US" sz="2800" dirty="0"/>
+          </a:p>
+        </p:txBody>
+      </p:sp>
+      <p:sp>
+        <p:nvSpPr>
+          <p:cNvPr id="17" name="テキスト ボックス 16"/>
+          <p:cNvSpPr txBox="1"/>
+          <p:nvPr/>
+        </p:nvSpPr>
+        <p:spPr>
+          <a:xfrm>
+            <a:off x="405186" y="5114511"/>
+            <a:ext cx="3515919" cy="1015663"/>
+          </a:xfrm>
+          <a:prstGeom prst="rect">
+            <a:avLst/>
+          </a:prstGeom>
+          <a:noFill/>
+        </p:spPr>
+        <p:txBody>
+          <a:bodyPr wrap="square" rtlCol="0">
+            <a:spAutoFit/>
+          </a:bodyPr>
+          <a:lstStyle/>
+          <a:p>
+            <a:r>
+              <a:rPr kumimoji="1" lang="ja-JP" altLang="en-US" sz="2000" dirty="0" smtClean="0"/>
+              <a:t>ここを傍受されたら勝手にログインされる気が・・・・・（認証なしログインをされる危険がある）</a:t>
+            </a:r>
+            <a:endParaRPr kumimoji="1" lang="ja-JP" altLang="en-US" sz="2000" dirty="0"/>
+          </a:p>
+        </p:txBody>
+      </p:sp>
+      <p:cxnSp>
+        <p:nvCxnSpPr>
+          <p:cNvPr id="18" name="直線矢印コネクタ 17"/>
+          <p:cNvCxnSpPr/>
+          <p:nvPr/>
+        </p:nvCxnSpPr>
+        <p:spPr>
+          <a:xfrm flipV="1">
+            <a:off x="2620634" y="4352524"/>
+            <a:ext cx="356251" cy="585236"/>
+          </a:xfrm>
+          <a:prstGeom prst="straightConnector1">
+            <a:avLst/>
+          </a:prstGeom>
+          <a:ln w="25400">
+            <a:solidFill>
+              <a:srgbClr val="0070C0"/>
+            </a:solidFill>
+            <a:tailEnd type="triangle"/>
+          </a:ln>
+        </p:spPr>
+        <p:style>
+          <a:lnRef idx="1">
+            <a:schemeClr val="accent1"/>
+          </a:lnRef>
+          <a:fillRef idx="0">
+            <a:schemeClr val="accent1"/>
+          </a:fillRef>
+          <a:effectRef idx="0">
+            <a:schemeClr val="accent1"/>
+          </a:effectRef>
+          <a:fontRef idx="minor">
+            <a:schemeClr val="tx1"/>
+          </a:fontRef>
+        </p:style>
+      </p:cxnSp>
+      <p:sp>
+        <p:nvSpPr>
+          <p:cNvPr id="22" name="テキスト ボックス 21"/>
+          <p:cNvSpPr txBox="1"/>
+          <p:nvPr/>
+        </p:nvSpPr>
+        <p:spPr>
+          <a:xfrm>
+            <a:off x="3122236" y="2582430"/>
+            <a:ext cx="2197511" cy="584775"/>
+          </a:xfrm>
+          <a:prstGeom prst="rect">
+            <a:avLst/>
+          </a:prstGeom>
+          <a:noFill/>
+          <a:ln>
+            <a:solidFill>
+              <a:schemeClr val="tx1"/>
+            </a:solidFill>
+          </a:ln>
+        </p:spPr>
+        <p:txBody>
+          <a:bodyPr wrap="square" rtlCol="0">
+            <a:spAutoFit/>
+          </a:bodyPr>
+          <a:lstStyle/>
+          <a:p>
+            <a:pPr algn="ctr"/>
+            <a:r>
+              <a:rPr kumimoji="1" lang="en-US" altLang="ja-JP" sz="3200" dirty="0" err="1" smtClean="0"/>
+              <a:t>Javascript</a:t>
+            </a:r>
+            <a:endParaRPr kumimoji="1" lang="ja-JP" altLang="en-US" sz="3200" dirty="0"/>
+          </a:p>
+        </p:txBody>
+      </p:sp>
+      <p:cxnSp>
+        <p:nvCxnSpPr>
+          <p:cNvPr id="23" name="直線コネクタ 22"/>
+          <p:cNvCxnSpPr/>
+          <p:nvPr/>
+        </p:nvCxnSpPr>
+        <p:spPr>
+          <a:xfrm>
+            <a:off x="3132042" y="2271948"/>
+            <a:ext cx="2333056" cy="1096092"/>
+          </a:xfrm>
+          <a:prstGeom prst="line">
+            <a:avLst/>
+          </a:prstGeom>
+          <a:ln w="25400">
+            <a:solidFill>
+              <a:schemeClr val="tx1"/>
+            </a:solidFill>
+          </a:ln>
+        </p:spPr>
+        <p:style>
+          <a:lnRef idx="1">
+            <a:schemeClr val="accent1"/>
+          </a:lnRef>
+          <a:fillRef idx="0">
+            <a:schemeClr val="accent1"/>
+          </a:fillRef>
+          <a:effectRef idx="0">
+            <a:schemeClr val="accent1"/>
+          </a:effectRef>
+          <a:fontRef idx="minor">
+            <a:schemeClr val="tx1"/>
+          </a:fontRef>
+        </p:style>
+      </p:cxnSp>
+      <p:cxnSp>
+        <p:nvCxnSpPr>
+          <p:cNvPr id="24" name="直線コネクタ 23"/>
+          <p:cNvCxnSpPr/>
+          <p:nvPr/>
+        </p:nvCxnSpPr>
+        <p:spPr>
+          <a:xfrm flipH="1">
+            <a:off x="3070538" y="2292963"/>
+            <a:ext cx="2315768" cy="1137066"/>
+          </a:xfrm>
+          <a:prstGeom prst="line">
+            <a:avLst/>
+          </a:prstGeom>
+          <a:ln w="25400">
+            <a:solidFill>
+              <a:schemeClr val="tx1"/>
+            </a:solidFill>
+          </a:ln>
+        </p:spPr>
+        <p:style>
+          <a:lnRef idx="1">
+            <a:schemeClr val="accent1"/>
+          </a:lnRef>
+          <a:fillRef idx="0">
+            <a:schemeClr val="accent1"/>
+          </a:fillRef>
+          <a:effectRef idx="0">
+            <a:schemeClr val="accent1"/>
+          </a:effectRef>
+          <a:fontRef idx="minor">
+            <a:schemeClr val="tx1"/>
+          </a:fontRef>
+        </p:style>
+      </p:cxnSp>
+      <p:sp>
+        <p:nvSpPr>
+          <p:cNvPr id="25" name="円弧 24"/>
+          <p:cNvSpPr/>
+          <p:nvPr/>
+        </p:nvSpPr>
+        <p:spPr>
+          <a:xfrm rot="3706451">
+            <a:off x="6872442" y="3077186"/>
+            <a:ext cx="1787660" cy="585386"/>
+          </a:xfrm>
+          <a:prstGeom prst="arc">
+            <a:avLst>
+              <a:gd name="adj1" fmla="val 13933702"/>
+              <a:gd name="adj2" fmla="val 6737379"/>
+            </a:avLst>
+          </a:prstGeom>
+          <a:ln w="31750">
+            <a:solidFill>
+              <a:srgbClr val="7030A0"/>
+            </a:solidFill>
+            <a:tailEnd type="stealth"/>
+          </a:ln>
+        </p:spPr>
+        <p:style>
+          <a:lnRef idx="1">
+            <a:schemeClr val="accent1"/>
+          </a:lnRef>
+          <a:fillRef idx="0">
+            <a:schemeClr val="accent1"/>
+          </a:fillRef>
+          <a:effectRef idx="0">
+            <a:schemeClr val="accent1"/>
+          </a:effectRef>
+          <a:fontRef idx="minor">
+            <a:schemeClr val="tx1"/>
+          </a:fontRef>
+        </p:style>
+        <p:txBody>
+          <a:bodyPr rtlCol="0" anchor="ctr"/>
+          <a:lstStyle/>
+          <a:p>
+            <a:pPr algn="ctr"/>
+            <a:endParaRPr kumimoji="1" lang="ja-JP" altLang="en-US"/>
+          </a:p>
+        </p:txBody>
+      </p:sp>
+      <p:sp>
+        <p:nvSpPr>
+          <p:cNvPr id="26" name="テキスト ボックス 25"/>
+          <p:cNvSpPr txBox="1"/>
+          <p:nvPr/>
+        </p:nvSpPr>
+        <p:spPr>
+          <a:xfrm>
+            <a:off x="7196421" y="4236939"/>
+            <a:ext cx="2365005" cy="584775"/>
+          </a:xfrm>
+          <a:prstGeom prst="rect">
+            <a:avLst/>
+          </a:prstGeom>
+          <a:noFill/>
+        </p:spPr>
+        <p:txBody>
+          <a:bodyPr wrap="square" rtlCol="0">
+            <a:spAutoFit/>
+          </a:bodyPr>
+          <a:lstStyle/>
+          <a:p>
+            <a:r>
+              <a:rPr lang="en-US" altLang="ja-JP" sz="3200" dirty="0" smtClean="0"/>
+              <a:t>PW</a:t>
+            </a:r>
+            <a:r>
+              <a:rPr lang="en-US" altLang="ja-JP" sz="3200" dirty="0" smtClean="0"/>
+              <a:t>(</a:t>
+            </a:r>
+            <a:r>
+              <a:rPr lang="ja-JP" altLang="en-US" sz="3200" dirty="0" smtClean="0"/>
+              <a:t>暗号化</a:t>
+            </a:r>
+            <a:r>
+              <a:rPr lang="en-US" altLang="ja-JP" sz="3200" dirty="0" smtClean="0"/>
+              <a:t>)</a:t>
+            </a:r>
+            <a:endParaRPr kumimoji="1" lang="ja-JP" altLang="en-US" sz="3200" dirty="0"/>
+          </a:p>
+        </p:txBody>
+      </p:sp>
+      <p:sp>
+        <p:nvSpPr>
+          <p:cNvPr id="27" name="テキスト ボックス 26"/>
+          <p:cNvSpPr txBox="1"/>
+          <p:nvPr/>
+        </p:nvSpPr>
+        <p:spPr>
+          <a:xfrm>
+            <a:off x="7196421" y="5384254"/>
+            <a:ext cx="3974499" cy="1015663"/>
+          </a:xfrm>
+          <a:prstGeom prst="rect">
+            <a:avLst/>
+          </a:prstGeom>
+          <a:noFill/>
+        </p:spPr>
+        <p:txBody>
+          <a:bodyPr wrap="square" rtlCol="0">
+            <a:spAutoFit/>
+          </a:bodyPr>
+          <a:lstStyle/>
+          <a:p>
+            <a:r>
+              <a:rPr lang="en-US" altLang="ja-JP" sz="2000" dirty="0" smtClean="0"/>
+              <a:t>PHP</a:t>
+            </a:r>
+            <a:r>
+              <a:rPr lang="ja-JP" altLang="en-US" sz="2000" dirty="0" smtClean="0"/>
+              <a:t>で暗号化したものと、</a:t>
+            </a:r>
+            <a:endParaRPr lang="en-US" altLang="ja-JP" sz="2000" dirty="0" smtClean="0"/>
+          </a:p>
+          <a:p>
+            <a:r>
+              <a:rPr kumimoji="1" lang="ja-JP" altLang="en-US" sz="2000" dirty="0" smtClean="0"/>
+              <a:t>既に暗号化してあるデータを</a:t>
+            </a:r>
+            <a:r>
+              <a:rPr kumimoji="1" lang="en-US" altLang="ja-JP" sz="2000" dirty="0" err="1" smtClean="0"/>
+              <a:t>mySQL</a:t>
+            </a:r>
+            <a:r>
+              <a:rPr kumimoji="1" lang="ja-JP" altLang="en-US" sz="2000" dirty="0" smtClean="0"/>
+              <a:t>から貰ってそれと比較する</a:t>
+            </a:r>
+            <a:endParaRPr kumimoji="1" lang="ja-JP" altLang="en-US" sz="2000" dirty="0"/>
+          </a:p>
+        </p:txBody>
+      </p:sp>
+    </p:spTree>
+    <p:extLst>
+      <p:ext uri="{BB962C8B-B14F-4D97-AF65-F5344CB8AC3E}">
+        <p14:creationId xmlns:p14="http://schemas.microsoft.com/office/powerpoint/2010/main" val="2140878211"/>
       </p:ext>
     </p:extLst>
   </p:cSld>

--- a/design/Webアプリケーションシステム.pptx
+++ b/design/Webアプリケーションシステム.pptx
@@ -5092,7 +5092,7 @@
           <p:nvPr>
             <p:extLst>
               <p:ext uri="{D42A27DB-BD31-4B8C-83A1-F6EECF244321}">
-                <p14:modId xmlns:p14="http://schemas.microsoft.com/office/powerpoint/2010/main" val="2149692944"/>
+                <p14:modId xmlns:p14="http://schemas.microsoft.com/office/powerpoint/2010/main" val="3860686328"/>
               </p:ext>
             </p:extLst>
           </p:nvPr>
@@ -5122,7 +5122,7 @@
                       <a:pPr algn="ctr"/>
                       <a:r>
                         <a:rPr kumimoji="1" lang="en-US" altLang="ja-JP" sz="2800" dirty="0" smtClean="0"/>
-                        <a:t>account</a:t>
+                        <a:t>accounts</a:t>
                       </a:r>
                       <a:endParaRPr kumimoji="1" lang="ja-JP" altLang="en-US" sz="2800" dirty="0"/>
                     </a:p>
@@ -5470,15 +5470,7 @@
                   <a:srgbClr val="7030A0"/>
                 </a:solidFill>
               </a:rPr>
-              <a:t>未対応</a:t>
-            </a:r>
-            <a:r>
-              <a:rPr lang="ja-JP" altLang="en-US" sz="4400" b="1" dirty="0" smtClean="0">
-                <a:solidFill>
-                  <a:srgbClr val="7030A0"/>
-                </a:solidFill>
-              </a:rPr>
-              <a:t>）（例）</a:t>
+              <a:t>未対応）（例）</a:t>
             </a:r>
             <a:endParaRPr kumimoji="1" lang="ja-JP" altLang="en-US" sz="4400" b="1" dirty="0">
               <a:solidFill>
@@ -6556,7 +6548,7 @@
           <p:nvPr>
             <p:extLst>
               <p:ext uri="{D42A27DB-BD31-4B8C-83A1-F6EECF244321}">
-                <p14:modId xmlns:p14="http://schemas.microsoft.com/office/powerpoint/2010/main" val="1682193232"/>
+                <p14:modId xmlns:p14="http://schemas.microsoft.com/office/powerpoint/2010/main" val="2268699450"/>
               </p:ext>
             </p:extLst>
           </p:nvPr>
@@ -6586,7 +6578,7 @@
                       <a:pPr algn="ctr"/>
                       <a:r>
                         <a:rPr kumimoji="1" lang="en-US" altLang="ja-JP" sz="2800" dirty="0" smtClean="0"/>
-                        <a:t>account</a:t>
+                        <a:t>accounts</a:t>
                       </a:r>
                       <a:endParaRPr kumimoji="1" lang="ja-JP" altLang="en-US" sz="2800" dirty="0"/>
                     </a:p>
@@ -6976,15 +6968,7 @@
                   <a:srgbClr val="7030A0"/>
                 </a:solidFill>
               </a:rPr>
-              <a:t>会員登録</a:t>
-            </a:r>
-            <a:r>
-              <a:rPr lang="ja-JP" altLang="en-US" sz="4400" b="1" dirty="0" smtClean="0">
-                <a:solidFill>
-                  <a:srgbClr val="7030A0"/>
-                </a:solidFill>
-              </a:rPr>
-              <a:t>システム（</a:t>
+              <a:t>会員登録システム（</a:t>
             </a:r>
             <a:r>
               <a:rPr lang="en-US" altLang="ja-JP" sz="4400" b="1" dirty="0" smtClean="0">
@@ -7671,11 +7655,7 @@
           <a:p>
             <a:r>
               <a:rPr lang="en-US" altLang="ja-JP" sz="3200" dirty="0" smtClean="0"/>
-              <a:t>PW</a:t>
-            </a:r>
-            <a:r>
-              <a:rPr lang="en-US" altLang="ja-JP" sz="3200" dirty="0" smtClean="0"/>
-              <a:t>(</a:t>
+              <a:t>PW(</a:t>
             </a:r>
             <a:r>
               <a:rPr lang="ja-JP" altLang="en-US" sz="3200" dirty="0" smtClean="0"/>
@@ -7988,7 +7968,7 @@
           <p:nvPr>
             <p:extLst>
               <p:ext uri="{D42A27DB-BD31-4B8C-83A1-F6EECF244321}">
-                <p14:modId xmlns:p14="http://schemas.microsoft.com/office/powerpoint/2010/main" val="3702519167"/>
+                <p14:modId xmlns:p14="http://schemas.microsoft.com/office/powerpoint/2010/main" val="3734765836"/>
               </p:ext>
             </p:extLst>
           </p:nvPr>
@@ -8018,7 +7998,7 @@
                       <a:pPr algn="ctr"/>
                       <a:r>
                         <a:rPr kumimoji="1" lang="en-US" altLang="ja-JP" sz="2800" dirty="0" smtClean="0"/>
-                        <a:t>account</a:t>
+                        <a:t>accounts</a:t>
                       </a:r>
                       <a:endParaRPr kumimoji="1" lang="ja-JP" altLang="en-US" sz="2800" dirty="0"/>
                     </a:p>
@@ -8378,15 +8358,7 @@
                   <a:srgbClr val="7030A0"/>
                 </a:solidFill>
               </a:rPr>
-              <a:t>会員登録</a:t>
-            </a:r>
-            <a:r>
-              <a:rPr lang="ja-JP" altLang="en-US" sz="4400" b="1" dirty="0" smtClean="0">
-                <a:solidFill>
-                  <a:srgbClr val="7030A0"/>
-                </a:solidFill>
-              </a:rPr>
-              <a:t>システム（</a:t>
+              <a:t>会員登録システム（</a:t>
             </a:r>
             <a:r>
               <a:rPr lang="en-US" altLang="ja-JP" sz="4400" b="1" dirty="0" smtClean="0">
@@ -8402,15 +8374,7 @@
                   <a:srgbClr val="7030A0"/>
                 </a:solidFill>
               </a:rPr>
-              <a:t>未対応</a:t>
-            </a:r>
-            <a:r>
-              <a:rPr lang="ja-JP" altLang="en-US" sz="4400" b="1" dirty="0" smtClean="0">
-                <a:solidFill>
-                  <a:srgbClr val="7030A0"/>
-                </a:solidFill>
-              </a:rPr>
-              <a:t>）（例）</a:t>
+              <a:t>未対応）（例）</a:t>
             </a:r>
             <a:endParaRPr kumimoji="1" lang="ja-JP" altLang="en-US" sz="4400" b="1" dirty="0">
               <a:solidFill>
@@ -8905,7 +8869,7 @@
           <p:nvPr>
             <p:extLst>
               <p:ext uri="{D42A27DB-BD31-4B8C-83A1-F6EECF244321}">
-                <p14:modId xmlns:p14="http://schemas.microsoft.com/office/powerpoint/2010/main" val="3232099986"/>
+                <p14:modId xmlns:p14="http://schemas.microsoft.com/office/powerpoint/2010/main" val="736945221"/>
               </p:ext>
             </p:extLst>
           </p:nvPr>
@@ -8935,7 +8899,7 @@
                       <a:pPr algn="ctr"/>
                       <a:r>
                         <a:rPr kumimoji="1" lang="en-US" altLang="ja-JP" sz="2800" dirty="0" smtClean="0"/>
-                        <a:t>account</a:t>
+                        <a:t>accounts</a:t>
                       </a:r>
                       <a:endParaRPr kumimoji="1" lang="ja-JP" altLang="en-US" sz="2800" dirty="0"/>
                     </a:p>
@@ -9189,8 +9153,9 @@
             </a:r>
             <a:r>
               <a:rPr lang="en-US" altLang="ja-JP" dirty="0" smtClean="0"/>
-              <a:t>account</a:t>
-            </a:r>
+              <a:t>accounts</a:t>
+            </a:r>
+            <a:endParaRPr lang="en-US" altLang="ja-JP" dirty="0" smtClean="0"/>
           </a:p>
           <a:p>
             <a:pPr lvl="1"/>
@@ -9336,11 +9301,7 @@
             </a:r>
             <a:r>
               <a:rPr lang="ja-JP" altLang="en-US" dirty="0" smtClean="0"/>
-              <a:t>進数を保存</a:t>
-            </a:r>
-            <a:r>
-              <a:rPr lang="ja-JP" altLang="en-US" dirty="0" smtClean="0"/>
-              <a:t>する</a:t>
+              <a:t>進数を保存する</a:t>
             </a:r>
             <a:endParaRPr lang="en-US" altLang="ja-JP" dirty="0" smtClean="0"/>
           </a:p>
@@ -11051,7 +11012,7 @@
           <p:nvPr>
             <p:extLst>
               <p:ext uri="{D42A27DB-BD31-4B8C-83A1-F6EECF244321}">
-                <p14:modId xmlns:p14="http://schemas.microsoft.com/office/powerpoint/2010/main" val="1395389353"/>
+                <p14:modId xmlns:p14="http://schemas.microsoft.com/office/powerpoint/2010/main" val="46847494"/>
               </p:ext>
             </p:extLst>
           </p:nvPr>
@@ -11081,7 +11042,7 @@
                       <a:pPr algn="ctr"/>
                       <a:r>
                         <a:rPr kumimoji="1" lang="en-US" altLang="ja-JP" sz="2800" dirty="0" smtClean="0"/>
-                        <a:t>account</a:t>
+                        <a:t>accounts</a:t>
                       </a:r>
                       <a:endParaRPr kumimoji="1" lang="ja-JP" altLang="en-US" sz="2800" dirty="0"/>
                     </a:p>
@@ -12152,11 +12113,7 @@
           <a:p>
             <a:r>
               <a:rPr lang="en-US" altLang="ja-JP" sz="3200" dirty="0" smtClean="0"/>
-              <a:t>PW</a:t>
-            </a:r>
-            <a:r>
-              <a:rPr lang="en-US" altLang="ja-JP" sz="3200" dirty="0" smtClean="0"/>
-              <a:t>(</a:t>
+              <a:t>PW(</a:t>
             </a:r>
             <a:r>
               <a:rPr lang="ja-JP" altLang="en-US" sz="3200" dirty="0" smtClean="0"/>

--- a/design/Webアプリケーションシステム.pptx
+++ b/design/Webアプリケーションシステム.pptx
@@ -5,7 +5,7 @@
     <p:sldMasterId id="2147483648" r:id="rId1"/>
   </p:sldMasterIdLst>
   <p:notesMasterIdLst>
-    <p:notesMasterId r:id="rId12"/>
+    <p:notesMasterId r:id="rId14"/>
   </p:notesMasterIdLst>
   <p:sldIdLst>
     <p:sldId id="256" r:id="rId2"/>
@@ -18,6 +18,8 @@
     <p:sldId id="261" r:id="rId9"/>
     <p:sldId id="265" r:id="rId10"/>
     <p:sldId id="266" r:id="rId11"/>
+    <p:sldId id="267" r:id="rId12"/>
+    <p:sldId id="268" r:id="rId13"/>
   </p:sldIdLst>
   <p:sldSz cx="12192000" cy="6858000"/>
   <p:notesSz cx="6858000" cy="9144000"/>
@@ -206,7 +208,7 @@
           <a:p>
             <a:fld id="{D69DC826-EC42-4CF3-9404-97187E0C6B30}" type="datetimeFigureOut">
               <a:rPr kumimoji="1" lang="ja-JP" altLang="en-US" smtClean="0"/>
-              <a:t>2014/1/2</a:t>
+              <a:t>2014/2/17</a:t>
             </a:fld>
             <a:endParaRPr kumimoji="1" lang="ja-JP" altLang="en-US"/>
           </a:p>
@@ -1348,7 +1350,7 @@
           <a:p>
             <a:fld id="{F168E968-C88F-4183-9E10-2B943E46417A}" type="datetimeFigureOut">
               <a:rPr kumimoji="1" lang="ja-JP" altLang="en-US" smtClean="0"/>
-              <a:t>2014/1/2</a:t>
+              <a:t>2014/2/17</a:t>
             </a:fld>
             <a:endParaRPr kumimoji="1" lang="ja-JP" altLang="en-US"/>
           </a:p>
@@ -1550,7 +1552,7 @@
           <a:p>
             <a:fld id="{F168E968-C88F-4183-9E10-2B943E46417A}" type="datetimeFigureOut">
               <a:rPr kumimoji="1" lang="ja-JP" altLang="en-US" smtClean="0"/>
-              <a:t>2014/1/2</a:t>
+              <a:t>2014/2/17</a:t>
             </a:fld>
             <a:endParaRPr kumimoji="1" lang="ja-JP" altLang="en-US"/>
           </a:p>
@@ -1762,7 +1764,7 @@
           <a:p>
             <a:fld id="{F168E968-C88F-4183-9E10-2B943E46417A}" type="datetimeFigureOut">
               <a:rPr kumimoji="1" lang="ja-JP" altLang="en-US" smtClean="0"/>
-              <a:t>2014/1/2</a:t>
+              <a:t>2014/2/17</a:t>
             </a:fld>
             <a:endParaRPr kumimoji="1" lang="ja-JP" altLang="en-US"/>
           </a:p>
@@ -1964,7 +1966,7 @@
           <a:p>
             <a:fld id="{F168E968-C88F-4183-9E10-2B943E46417A}" type="datetimeFigureOut">
               <a:rPr kumimoji="1" lang="ja-JP" altLang="en-US" smtClean="0"/>
-              <a:t>2014/1/2</a:t>
+              <a:t>2014/2/17</a:t>
             </a:fld>
             <a:endParaRPr kumimoji="1" lang="ja-JP" altLang="en-US"/>
           </a:p>
@@ -2210,7 +2212,7 @@
           <a:p>
             <a:fld id="{F168E968-C88F-4183-9E10-2B943E46417A}" type="datetimeFigureOut">
               <a:rPr kumimoji="1" lang="ja-JP" altLang="en-US" smtClean="0"/>
-              <a:t>2014/1/2</a:t>
+              <a:t>2014/2/17</a:t>
             </a:fld>
             <a:endParaRPr kumimoji="1" lang="ja-JP" altLang="en-US"/>
           </a:p>
@@ -2506,7 +2508,7 @@
           <a:p>
             <a:fld id="{F168E968-C88F-4183-9E10-2B943E46417A}" type="datetimeFigureOut">
               <a:rPr kumimoji="1" lang="ja-JP" altLang="en-US" smtClean="0"/>
-              <a:t>2014/1/2</a:t>
+              <a:t>2014/2/17</a:t>
             </a:fld>
             <a:endParaRPr kumimoji="1" lang="ja-JP" altLang="en-US"/>
           </a:p>
@@ -2937,7 +2939,7 @@
           <a:p>
             <a:fld id="{F168E968-C88F-4183-9E10-2B943E46417A}" type="datetimeFigureOut">
               <a:rPr kumimoji="1" lang="ja-JP" altLang="en-US" smtClean="0"/>
-              <a:t>2014/1/2</a:t>
+              <a:t>2014/2/17</a:t>
             </a:fld>
             <a:endParaRPr kumimoji="1" lang="ja-JP" altLang="en-US"/>
           </a:p>
@@ -3055,7 +3057,7 @@
           <a:p>
             <a:fld id="{F168E968-C88F-4183-9E10-2B943E46417A}" type="datetimeFigureOut">
               <a:rPr kumimoji="1" lang="ja-JP" altLang="en-US" smtClean="0"/>
-              <a:t>2014/1/2</a:t>
+              <a:t>2014/2/17</a:t>
             </a:fld>
             <a:endParaRPr kumimoji="1" lang="ja-JP" altLang="en-US"/>
           </a:p>
@@ -3150,7 +3152,7 @@
           <a:p>
             <a:fld id="{F168E968-C88F-4183-9E10-2B943E46417A}" type="datetimeFigureOut">
               <a:rPr kumimoji="1" lang="ja-JP" altLang="en-US" smtClean="0"/>
-              <a:t>2014/1/2</a:t>
+              <a:t>2014/2/17</a:t>
             </a:fld>
             <a:endParaRPr kumimoji="1" lang="ja-JP" altLang="en-US"/>
           </a:p>
@@ -3459,7 +3461,7 @@
           <a:p>
             <a:fld id="{F168E968-C88F-4183-9E10-2B943E46417A}" type="datetimeFigureOut">
               <a:rPr kumimoji="1" lang="ja-JP" altLang="en-US" smtClean="0"/>
-              <a:t>2014/1/2</a:t>
+              <a:t>2014/2/17</a:t>
             </a:fld>
             <a:endParaRPr kumimoji="1" lang="ja-JP" altLang="en-US"/>
           </a:p>
@@ -3712,7 +3714,7 @@
           <a:p>
             <a:fld id="{F168E968-C88F-4183-9E10-2B943E46417A}" type="datetimeFigureOut">
               <a:rPr kumimoji="1" lang="ja-JP" altLang="en-US" smtClean="0"/>
-              <a:t>2014/1/2</a:t>
+              <a:t>2014/2/17</a:t>
             </a:fld>
             <a:endParaRPr kumimoji="1" lang="ja-JP" altLang="en-US"/>
           </a:p>
@@ -3957,7 +3959,7 @@
           <a:p>
             <a:fld id="{F168E968-C88F-4183-9E10-2B943E46417A}" type="datetimeFigureOut">
               <a:rPr kumimoji="1" lang="ja-JP" altLang="en-US" smtClean="0"/>
-              <a:t>2014/1/2</a:t>
+              <a:t>2014/2/17</a:t>
             </a:fld>
             <a:endParaRPr kumimoji="1" lang="ja-JP" altLang="en-US"/>
           </a:p>
@@ -6068,6 +6070,1409 @@
 </p:sld>
 </file>
 
+<file path=ppt/slides/slide11.xml><?xml version="1.0" encoding="utf-8"?>
+<p:sld xmlns:a="http://schemas.openxmlformats.org/drawingml/2006/main" xmlns:r="http://schemas.openxmlformats.org/officeDocument/2006/relationships" xmlns:p="http://schemas.openxmlformats.org/presentationml/2006/main">
+  <p:cSld>
+    <p:spTree>
+      <p:nvGrpSpPr>
+        <p:cNvPr id="1" name=""/>
+        <p:cNvGrpSpPr/>
+        <p:nvPr/>
+      </p:nvGrpSpPr>
+      <p:grpSpPr>
+        <a:xfrm>
+          <a:off x="0" y="0"/>
+          <a:ext cx="0" cy="0"/>
+          <a:chOff x="0" y="0"/>
+          <a:chExt cx="0" cy="0"/>
+        </a:xfrm>
+      </p:grpSpPr>
+      <p:sp>
+        <p:nvSpPr>
+          <p:cNvPr id="2" name="テキスト ボックス 1"/>
+          <p:cNvSpPr txBox="1"/>
+          <p:nvPr/>
+        </p:nvSpPr>
+        <p:spPr>
+          <a:xfrm>
+            <a:off x="950142" y="92429"/>
+            <a:ext cx="10511178" cy="769441"/>
+          </a:xfrm>
+          <a:prstGeom prst="rect">
+            <a:avLst/>
+          </a:prstGeom>
+          <a:noFill/>
+        </p:spPr>
+        <p:txBody>
+          <a:bodyPr wrap="square" rtlCol="0">
+            <a:spAutoFit/>
+          </a:bodyPr>
+          <a:lstStyle/>
+          <a:p>
+            <a:pPr algn="ctr"/>
+            <a:r>
+              <a:rPr kumimoji="1" lang="ja-JP" altLang="en-US" sz="4400" b="1" dirty="0" smtClean="0">
+                <a:solidFill>
+                  <a:srgbClr val="7030A0"/>
+                </a:solidFill>
+              </a:rPr>
+              <a:t>オセロのゲームスコアのデータ定義</a:t>
+            </a:r>
+            <a:endParaRPr kumimoji="1" lang="ja-JP" altLang="en-US" sz="4400" b="1" dirty="0">
+              <a:solidFill>
+                <a:srgbClr val="7030A0"/>
+              </a:solidFill>
+            </a:endParaRPr>
+          </a:p>
+        </p:txBody>
+      </p:sp>
+      <p:graphicFrame>
+        <p:nvGraphicFramePr>
+          <p:cNvPr id="3" name="表 2"/>
+          <p:cNvGraphicFramePr>
+            <a:graphicFrameLocks noGrp="1"/>
+          </p:cNvGraphicFramePr>
+          <p:nvPr>
+            <p:extLst>
+              <p:ext uri="{D42A27DB-BD31-4B8C-83A1-F6EECF244321}">
+                <p14:modId xmlns:p14="http://schemas.microsoft.com/office/powerpoint/2010/main" val="3834189502"/>
+              </p:ext>
+            </p:extLst>
+          </p:nvPr>
+        </p:nvGraphicFramePr>
+        <p:xfrm>
+          <a:off x="2933014" y="4711977"/>
+          <a:ext cx="5555666" cy="1495802"/>
+        </p:xfrm>
+        <a:graphic>
+          <a:graphicData uri="http://schemas.openxmlformats.org/drawingml/2006/table">
+            <a:tbl>
+              <a:tblPr firstRow="1" bandRow="1">
+                <a:tableStyleId>{5C22544A-7EE6-4342-B048-85BDC9FD1C3A}</a:tableStyleId>
+              </a:tblPr>
+              <a:tblGrid>
+                <a:gridCol w="1638986"/>
+                <a:gridCol w="1935480"/>
+                <a:gridCol w="1981200"/>
+              </a:tblGrid>
+              <a:tr h="429346">
+                <a:tc gridSpan="3">
+                  <a:txBody>
+                    <a:bodyPr/>
+                    <a:lstStyle/>
+                    <a:p>
+                      <a:pPr algn="ctr"/>
+                      <a:r>
+                        <a:rPr kumimoji="1" lang="en-US" altLang="ja-JP" sz="2800" dirty="0" err="1" smtClean="0"/>
+                        <a:t>game_scores</a:t>
+                      </a:r>
+                      <a:endParaRPr kumimoji="1" lang="ja-JP" altLang="en-US" sz="2800" dirty="0"/>
+                    </a:p>
+                  </a:txBody>
+                  <a:tcPr/>
+                </a:tc>
+                <a:tc hMerge="1">
+                  <a:txBody>
+                    <a:bodyPr/>
+                    <a:lstStyle/>
+                    <a:p>
+                      <a:endParaRPr kumimoji="1" lang="ja-JP" altLang="en-US" dirty="0"/>
+                    </a:p>
+                  </a:txBody>
+                  <a:tcPr/>
+                </a:tc>
+                <a:tc hMerge="1">
+                  <a:txBody>
+                    <a:bodyPr/>
+                    <a:lstStyle/>
+                    <a:p>
+                      <a:endParaRPr kumimoji="1" lang="ja-JP" altLang="en-US"/>
+                    </a:p>
+                  </a:txBody>
+                  <a:tcPr/>
+                </a:tc>
+              </a:tr>
+              <a:tr h="303067">
+                <a:tc>
+                  <a:txBody>
+                    <a:bodyPr/>
+                    <a:lstStyle/>
+                    <a:p>
+                      <a:pPr marL="0" marR="0" indent="0" algn="l" defTabSz="914400" rtl="0" eaLnBrk="1" fontAlgn="auto" latinLnBrk="0" hangingPunct="1">
+                        <a:lnSpc>
+                          <a:spcPct val="100000"/>
+                        </a:lnSpc>
+                        <a:spcBef>
+                          <a:spcPts val="0"/>
+                        </a:spcBef>
+                        <a:spcAft>
+                          <a:spcPts val="0"/>
+                        </a:spcAft>
+                        <a:buClrTx/>
+                        <a:buSzTx/>
+                        <a:buFontTx/>
+                        <a:buNone/>
+                        <a:tabLst/>
+                        <a:defRPr/>
+                      </a:pPr>
+                      <a:r>
+                        <a:rPr kumimoji="1" lang="en-US" altLang="ja-JP" dirty="0" smtClean="0"/>
+                        <a:t>number</a:t>
+                      </a:r>
+                      <a:endParaRPr kumimoji="1" lang="ja-JP" altLang="en-US" dirty="0" smtClean="0"/>
+                    </a:p>
+                  </a:txBody>
+                  <a:tcPr/>
+                </a:tc>
+                <a:tc>
+                  <a:txBody>
+                    <a:bodyPr/>
+                    <a:lstStyle/>
+                    <a:p>
+                      <a:pPr marL="0" marR="0" indent="0" algn="l" defTabSz="914400" rtl="0" eaLnBrk="1" fontAlgn="auto" latinLnBrk="0" hangingPunct="1">
+                        <a:lnSpc>
+                          <a:spcPct val="100000"/>
+                        </a:lnSpc>
+                        <a:spcBef>
+                          <a:spcPts val="0"/>
+                        </a:spcBef>
+                        <a:spcAft>
+                          <a:spcPts val="0"/>
+                        </a:spcAft>
+                        <a:buClrTx/>
+                        <a:buSzTx/>
+                        <a:buFontTx/>
+                        <a:buNone/>
+                        <a:tabLst/>
+                        <a:defRPr/>
+                      </a:pPr>
+                      <a:r>
+                        <a:rPr kumimoji="1" lang="en-US" altLang="ja-JP" dirty="0" err="1" smtClean="0"/>
+                        <a:t>game_num</a:t>
+                      </a:r>
+                      <a:endParaRPr kumimoji="1" lang="ja-JP" altLang="en-US" dirty="0" smtClean="0"/>
+                    </a:p>
+                  </a:txBody>
+                  <a:tcPr/>
+                </a:tc>
+                <a:tc>
+                  <a:txBody>
+                    <a:bodyPr/>
+                    <a:lstStyle/>
+                    <a:p>
+                      <a:pPr marL="0" marR="0" indent="0" algn="l" defTabSz="914400" rtl="0" eaLnBrk="1" fontAlgn="auto" latinLnBrk="0" hangingPunct="1">
+                        <a:lnSpc>
+                          <a:spcPct val="100000"/>
+                        </a:lnSpc>
+                        <a:spcBef>
+                          <a:spcPts val="0"/>
+                        </a:spcBef>
+                        <a:spcAft>
+                          <a:spcPts val="0"/>
+                        </a:spcAft>
+                        <a:buClrTx/>
+                        <a:buSzTx/>
+                        <a:buFontTx/>
+                        <a:buNone/>
+                        <a:tabLst/>
+                        <a:defRPr/>
+                      </a:pPr>
+                      <a:r>
+                        <a:rPr kumimoji="1" lang="en-US" altLang="ja-JP" dirty="0" err="1" smtClean="0"/>
+                        <a:t>winning_num</a:t>
+                      </a:r>
+                      <a:endParaRPr kumimoji="1" lang="ja-JP" altLang="en-US" dirty="0" smtClean="0"/>
+                    </a:p>
+                  </a:txBody>
+                  <a:tcPr/>
+                </a:tc>
+              </a:tr>
+              <a:tr h="611882">
+                <a:tc>
+                  <a:txBody>
+                    <a:bodyPr/>
+                    <a:lstStyle/>
+                    <a:p>
+                      <a:r>
+                        <a:rPr kumimoji="1" lang="en-US" altLang="ja-JP" dirty="0" smtClean="0"/>
+                        <a:t>1</a:t>
+                      </a:r>
+                      <a:endParaRPr kumimoji="1" lang="ja-JP" altLang="en-US" dirty="0"/>
+                    </a:p>
+                  </a:txBody>
+                  <a:tcPr/>
+                </a:tc>
+                <a:tc>
+                  <a:txBody>
+                    <a:bodyPr/>
+                    <a:lstStyle/>
+                    <a:p>
+                      <a:r>
+                        <a:rPr kumimoji="1" lang="en-US" altLang="ja-JP" dirty="0" smtClean="0"/>
+                        <a:t>10</a:t>
+                      </a:r>
+                      <a:endParaRPr kumimoji="1" lang="ja-JP" altLang="en-US" dirty="0"/>
+                    </a:p>
+                  </a:txBody>
+                  <a:tcPr/>
+                </a:tc>
+                <a:tc>
+                  <a:txBody>
+                    <a:bodyPr/>
+                    <a:lstStyle/>
+                    <a:p>
+                      <a:r>
+                        <a:rPr kumimoji="1" lang="en-US" altLang="ja-JP" dirty="0" smtClean="0"/>
+                        <a:t>5</a:t>
+                      </a:r>
+                      <a:endParaRPr kumimoji="1" lang="ja-JP" altLang="en-US" dirty="0"/>
+                    </a:p>
+                  </a:txBody>
+                  <a:tcPr/>
+                </a:tc>
+              </a:tr>
+            </a:tbl>
+          </a:graphicData>
+        </a:graphic>
+      </p:graphicFrame>
+      <p:sp>
+        <p:nvSpPr>
+          <p:cNvPr id="4" name="コンテンツ プレースホルダー 20"/>
+          <p:cNvSpPr txBox="1">
+            <a:spLocks/>
+          </p:cNvSpPr>
+          <p:nvPr/>
+        </p:nvSpPr>
+        <p:spPr>
+          <a:xfrm>
+            <a:off x="585758" y="1287601"/>
+            <a:ext cx="10515600" cy="2933879"/>
+          </a:xfrm>
+          <a:prstGeom prst="rect">
+            <a:avLst/>
+          </a:prstGeom>
+        </p:spPr>
+        <p:txBody>
+          <a:bodyPr>
+            <a:normAutofit/>
+          </a:bodyPr>
+          <a:lstStyle>
+            <a:lvl1pPr marL="228600" indent="-228600" algn="l" defTabSz="914400" rtl="0" eaLnBrk="1" latinLnBrk="0" hangingPunct="1">
+              <a:lnSpc>
+                <a:spcPct val="90000"/>
+              </a:lnSpc>
+              <a:spcBef>
+                <a:spcPts val="1000"/>
+              </a:spcBef>
+              <a:buFont typeface="Arial" panose="020B0604020202020204" pitchFamily="34" charset="0"/>
+              <a:buChar char="•"/>
+              <a:defRPr kumimoji="1" sz="2800" kern="1200">
+                <a:solidFill>
+                  <a:schemeClr val="tx1"/>
+                </a:solidFill>
+                <a:latin typeface="+mn-lt"/>
+                <a:ea typeface="+mn-ea"/>
+                <a:cs typeface="+mn-cs"/>
+              </a:defRPr>
+            </a:lvl1pPr>
+            <a:lvl2pPr marL="685800" indent="-228600" algn="l" defTabSz="914400" rtl="0" eaLnBrk="1" latinLnBrk="0" hangingPunct="1">
+              <a:lnSpc>
+                <a:spcPct val="90000"/>
+              </a:lnSpc>
+              <a:spcBef>
+                <a:spcPts val="500"/>
+              </a:spcBef>
+              <a:buFont typeface="Arial" panose="020B0604020202020204" pitchFamily="34" charset="0"/>
+              <a:buChar char="•"/>
+              <a:defRPr kumimoji="1" sz="2400" kern="1200">
+                <a:solidFill>
+                  <a:schemeClr val="tx1"/>
+                </a:solidFill>
+                <a:latin typeface="+mn-lt"/>
+                <a:ea typeface="+mn-ea"/>
+                <a:cs typeface="+mn-cs"/>
+              </a:defRPr>
+            </a:lvl2pPr>
+            <a:lvl3pPr marL="1143000" indent="-228600" algn="l" defTabSz="914400" rtl="0" eaLnBrk="1" latinLnBrk="0" hangingPunct="1">
+              <a:lnSpc>
+                <a:spcPct val="90000"/>
+              </a:lnSpc>
+              <a:spcBef>
+                <a:spcPts val="500"/>
+              </a:spcBef>
+              <a:buFont typeface="Arial" panose="020B0604020202020204" pitchFamily="34" charset="0"/>
+              <a:buChar char="•"/>
+              <a:defRPr kumimoji="1" sz="2000" kern="1200">
+                <a:solidFill>
+                  <a:schemeClr val="tx1"/>
+                </a:solidFill>
+                <a:latin typeface="+mn-lt"/>
+                <a:ea typeface="+mn-ea"/>
+                <a:cs typeface="+mn-cs"/>
+              </a:defRPr>
+            </a:lvl3pPr>
+            <a:lvl4pPr marL="1600200" indent="-228600" algn="l" defTabSz="914400" rtl="0" eaLnBrk="1" latinLnBrk="0" hangingPunct="1">
+              <a:lnSpc>
+                <a:spcPct val="90000"/>
+              </a:lnSpc>
+              <a:spcBef>
+                <a:spcPts val="500"/>
+              </a:spcBef>
+              <a:buFont typeface="Arial" panose="020B0604020202020204" pitchFamily="34" charset="0"/>
+              <a:buChar char="•"/>
+              <a:defRPr kumimoji="1" sz="1800" kern="1200">
+                <a:solidFill>
+                  <a:schemeClr val="tx1"/>
+                </a:solidFill>
+                <a:latin typeface="+mn-lt"/>
+                <a:ea typeface="+mn-ea"/>
+                <a:cs typeface="+mn-cs"/>
+              </a:defRPr>
+            </a:lvl4pPr>
+            <a:lvl5pPr marL="2057400" indent="-228600" algn="l" defTabSz="914400" rtl="0" eaLnBrk="1" latinLnBrk="0" hangingPunct="1">
+              <a:lnSpc>
+                <a:spcPct val="90000"/>
+              </a:lnSpc>
+              <a:spcBef>
+                <a:spcPts val="500"/>
+              </a:spcBef>
+              <a:buFont typeface="Arial" panose="020B0604020202020204" pitchFamily="34" charset="0"/>
+              <a:buChar char="•"/>
+              <a:defRPr kumimoji="1" sz="1800" kern="1200">
+                <a:solidFill>
+                  <a:schemeClr val="tx1"/>
+                </a:solidFill>
+                <a:latin typeface="+mn-lt"/>
+                <a:ea typeface="+mn-ea"/>
+                <a:cs typeface="+mn-cs"/>
+              </a:defRPr>
+            </a:lvl5pPr>
+            <a:lvl6pPr marL="2514600" indent="-228600" algn="l" defTabSz="914400" rtl="0" eaLnBrk="1" latinLnBrk="0" hangingPunct="1">
+              <a:lnSpc>
+                <a:spcPct val="90000"/>
+              </a:lnSpc>
+              <a:spcBef>
+                <a:spcPts val="500"/>
+              </a:spcBef>
+              <a:buFont typeface="Arial" panose="020B0604020202020204" pitchFamily="34" charset="0"/>
+              <a:buChar char="•"/>
+              <a:defRPr kumimoji="1" sz="1800" kern="1200">
+                <a:solidFill>
+                  <a:schemeClr val="tx1"/>
+                </a:solidFill>
+                <a:latin typeface="+mn-lt"/>
+                <a:ea typeface="+mn-ea"/>
+                <a:cs typeface="+mn-cs"/>
+              </a:defRPr>
+            </a:lvl6pPr>
+            <a:lvl7pPr marL="2971800" indent="-228600" algn="l" defTabSz="914400" rtl="0" eaLnBrk="1" latinLnBrk="0" hangingPunct="1">
+              <a:lnSpc>
+                <a:spcPct val="90000"/>
+              </a:lnSpc>
+              <a:spcBef>
+                <a:spcPts val="500"/>
+              </a:spcBef>
+              <a:buFont typeface="Arial" panose="020B0604020202020204" pitchFamily="34" charset="0"/>
+              <a:buChar char="•"/>
+              <a:defRPr kumimoji="1" sz="1800" kern="1200">
+                <a:solidFill>
+                  <a:schemeClr val="tx1"/>
+                </a:solidFill>
+                <a:latin typeface="+mn-lt"/>
+                <a:ea typeface="+mn-ea"/>
+                <a:cs typeface="+mn-cs"/>
+              </a:defRPr>
+            </a:lvl7pPr>
+            <a:lvl8pPr marL="3429000" indent="-228600" algn="l" defTabSz="914400" rtl="0" eaLnBrk="1" latinLnBrk="0" hangingPunct="1">
+              <a:lnSpc>
+                <a:spcPct val="90000"/>
+              </a:lnSpc>
+              <a:spcBef>
+                <a:spcPts val="500"/>
+              </a:spcBef>
+              <a:buFont typeface="Arial" panose="020B0604020202020204" pitchFamily="34" charset="0"/>
+              <a:buChar char="•"/>
+              <a:defRPr kumimoji="1" sz="1800" kern="1200">
+                <a:solidFill>
+                  <a:schemeClr val="tx1"/>
+                </a:solidFill>
+                <a:latin typeface="+mn-lt"/>
+                <a:ea typeface="+mn-ea"/>
+                <a:cs typeface="+mn-cs"/>
+              </a:defRPr>
+            </a:lvl8pPr>
+            <a:lvl9pPr marL="3886200" indent="-228600" algn="l" defTabSz="914400" rtl="0" eaLnBrk="1" latinLnBrk="0" hangingPunct="1">
+              <a:lnSpc>
+                <a:spcPct val="90000"/>
+              </a:lnSpc>
+              <a:spcBef>
+                <a:spcPts val="500"/>
+              </a:spcBef>
+              <a:buFont typeface="Arial" panose="020B0604020202020204" pitchFamily="34" charset="0"/>
+              <a:buChar char="•"/>
+              <a:defRPr kumimoji="1" sz="1800" kern="1200">
+                <a:solidFill>
+                  <a:schemeClr val="tx1"/>
+                </a:solidFill>
+                <a:latin typeface="+mn-lt"/>
+                <a:ea typeface="+mn-ea"/>
+                <a:cs typeface="+mn-cs"/>
+              </a:defRPr>
+            </a:lvl9pPr>
+          </a:lstStyle>
+          <a:p>
+            <a:r>
+              <a:rPr lang="ja-JP" altLang="en-US" dirty="0" smtClean="0"/>
+              <a:t>テーブル名 → </a:t>
+            </a:r>
+            <a:r>
+              <a:rPr lang="en-US" altLang="ja-JP" dirty="0" err="1" smtClean="0"/>
+              <a:t>game_scores</a:t>
+            </a:r>
+            <a:endParaRPr lang="en-US" altLang="ja-JP" dirty="0" smtClean="0"/>
+          </a:p>
+          <a:p>
+            <a:pPr lvl="1"/>
+            <a:r>
+              <a:rPr lang="ja-JP" altLang="en-US" dirty="0" smtClean="0"/>
+              <a:t>会員番号 → </a:t>
+            </a:r>
+            <a:r>
+              <a:rPr lang="en-US" altLang="ja-JP" dirty="0" smtClean="0"/>
+              <a:t>number</a:t>
+            </a:r>
+          </a:p>
+          <a:p>
+            <a:pPr lvl="2"/>
+            <a:r>
+              <a:rPr lang="ja-JP" altLang="en-US" dirty="0" smtClean="0"/>
+              <a:t>会員</a:t>
+            </a:r>
+            <a:r>
+              <a:rPr lang="ja-JP" altLang="en-US" dirty="0"/>
+              <a:t>番号</a:t>
+            </a:r>
+            <a:r>
+              <a:rPr lang="ja-JP" altLang="en-US" dirty="0" smtClean="0"/>
+              <a:t>をプライマリーキーとする</a:t>
+            </a:r>
+            <a:endParaRPr lang="en-US" altLang="ja-JP" dirty="0" smtClean="0"/>
+          </a:p>
+          <a:p>
+            <a:pPr lvl="1"/>
+            <a:r>
+              <a:rPr lang="ja-JP" altLang="en-US" dirty="0" smtClean="0"/>
+              <a:t>対戦数 → </a:t>
+            </a:r>
+            <a:r>
+              <a:rPr lang="en-US" altLang="ja-JP" dirty="0" err="1" smtClean="0"/>
+              <a:t>game_num</a:t>
+            </a:r>
+            <a:endParaRPr lang="en-US" altLang="ja-JP" dirty="0" smtClean="0"/>
+          </a:p>
+          <a:p>
+            <a:pPr lvl="2"/>
+            <a:r>
+              <a:rPr lang="ja-JP" altLang="en-US" dirty="0"/>
+              <a:t>全部</a:t>
+            </a:r>
+            <a:r>
+              <a:rPr lang="ja-JP" altLang="en-US" dirty="0" smtClean="0"/>
+              <a:t>の対戦数を記録</a:t>
+            </a:r>
+            <a:endParaRPr lang="en-US" altLang="ja-JP" dirty="0" smtClean="0"/>
+          </a:p>
+          <a:p>
+            <a:pPr lvl="1"/>
+            <a:r>
+              <a:rPr lang="ja-JP" altLang="en-US" dirty="0" smtClean="0"/>
+              <a:t>勝数 → </a:t>
+            </a:r>
+            <a:r>
+              <a:rPr lang="en-US" altLang="ja-JP" dirty="0" err="1" smtClean="0"/>
+              <a:t>winning_num</a:t>
+            </a:r>
+            <a:endParaRPr lang="en-US" altLang="ja-JP" dirty="0" smtClean="0"/>
+          </a:p>
+          <a:p>
+            <a:pPr lvl="2"/>
+            <a:r>
+              <a:rPr lang="ja-JP" altLang="en-US" dirty="0" smtClean="0"/>
+              <a:t>勝った</a:t>
+            </a:r>
+            <a:r>
+              <a:rPr lang="ja-JP" altLang="en-US" dirty="0"/>
+              <a:t>数</a:t>
+            </a:r>
+            <a:endParaRPr lang="en-US" altLang="ja-JP" dirty="0" smtClean="0"/>
+          </a:p>
+        </p:txBody>
+      </p:sp>
+    </p:spTree>
+    <p:extLst>
+      <p:ext uri="{BB962C8B-B14F-4D97-AF65-F5344CB8AC3E}">
+        <p14:creationId xmlns:p14="http://schemas.microsoft.com/office/powerpoint/2010/main" val="1212455209"/>
+      </p:ext>
+    </p:extLst>
+  </p:cSld>
+  <p:clrMapOvr>
+    <a:masterClrMapping/>
+  </p:clrMapOvr>
+</p:sld>
+</file>
+
+<file path=ppt/slides/slide12.xml><?xml version="1.0" encoding="utf-8"?>
+<p:sld xmlns:a="http://schemas.openxmlformats.org/drawingml/2006/main" xmlns:r="http://schemas.openxmlformats.org/officeDocument/2006/relationships" xmlns:p="http://schemas.openxmlformats.org/presentationml/2006/main">
+  <p:cSld>
+    <p:spTree>
+      <p:nvGrpSpPr>
+        <p:cNvPr id="1" name=""/>
+        <p:cNvGrpSpPr/>
+        <p:nvPr/>
+      </p:nvGrpSpPr>
+      <p:grpSpPr>
+        <a:xfrm>
+          <a:off x="0" y="0"/>
+          <a:ext cx="0" cy="0"/>
+          <a:chOff x="0" y="0"/>
+          <a:chExt cx="0" cy="0"/>
+        </a:xfrm>
+      </p:grpSpPr>
+      <p:sp>
+        <p:nvSpPr>
+          <p:cNvPr id="2" name="正方形/長方形 1"/>
+          <p:cNvSpPr/>
+          <p:nvPr/>
+        </p:nvSpPr>
+        <p:spPr>
+          <a:xfrm>
+            <a:off x="758560" y="1526575"/>
+            <a:ext cx="5132437" cy="4826048"/>
+          </a:xfrm>
+          <a:prstGeom prst="rect">
+            <a:avLst/>
+          </a:prstGeom>
+          <a:noFill/>
+          <a:ln>
+            <a:solidFill>
+              <a:schemeClr val="tx1"/>
+            </a:solidFill>
+          </a:ln>
+        </p:spPr>
+        <p:style>
+          <a:lnRef idx="2">
+            <a:schemeClr val="accent1">
+              <a:shade val="50000"/>
+            </a:schemeClr>
+          </a:lnRef>
+          <a:fillRef idx="1">
+            <a:schemeClr val="accent1"/>
+          </a:fillRef>
+          <a:effectRef idx="0">
+            <a:schemeClr val="accent1"/>
+          </a:effectRef>
+          <a:fontRef idx="minor">
+            <a:schemeClr val="lt1"/>
+          </a:fontRef>
+        </p:style>
+        <p:txBody>
+          <a:bodyPr rtlCol="0" anchor="ctr"/>
+          <a:lstStyle/>
+          <a:p>
+            <a:pPr algn="ctr"/>
+            <a:endParaRPr kumimoji="1" lang="ja-JP" altLang="en-US"/>
+          </a:p>
+        </p:txBody>
+      </p:sp>
+      <p:sp>
+        <p:nvSpPr>
+          <p:cNvPr id="3" name="テキスト ボックス 2"/>
+          <p:cNvSpPr txBox="1"/>
+          <p:nvPr/>
+        </p:nvSpPr>
+        <p:spPr>
+          <a:xfrm>
+            <a:off x="906041" y="3628275"/>
+            <a:ext cx="1445342" cy="523220"/>
+          </a:xfrm>
+          <a:prstGeom prst="rect">
+            <a:avLst/>
+          </a:prstGeom>
+          <a:noFill/>
+        </p:spPr>
+        <p:txBody>
+          <a:bodyPr wrap="square" rtlCol="0">
+            <a:spAutoFit/>
+          </a:bodyPr>
+          <a:lstStyle/>
+          <a:p>
+            <a:r>
+              <a:rPr kumimoji="1" lang="ja-JP" altLang="en-US" sz="2800" dirty="0" smtClean="0"/>
+              <a:t>部屋</a:t>
+            </a:r>
+            <a:endParaRPr kumimoji="1" lang="ja-JP" altLang="en-US" sz="2800" dirty="0"/>
+          </a:p>
+        </p:txBody>
+      </p:sp>
+      <p:sp>
+        <p:nvSpPr>
+          <p:cNvPr id="4" name="テキスト ボックス 3"/>
+          <p:cNvSpPr txBox="1"/>
+          <p:nvPr/>
+        </p:nvSpPr>
+        <p:spPr>
+          <a:xfrm>
+            <a:off x="1377990" y="4151495"/>
+            <a:ext cx="3982066" cy="400110"/>
+          </a:xfrm>
+          <a:prstGeom prst="rect">
+            <a:avLst/>
+          </a:prstGeom>
+          <a:noFill/>
+        </p:spPr>
+        <p:txBody>
+          <a:bodyPr wrap="square" rtlCol="0">
+            <a:spAutoFit/>
+          </a:bodyPr>
+          <a:lstStyle/>
+          <a:p>
+            <a:r>
+              <a:rPr lang="ja-JP" altLang="en-US" sz="2000" u="sng" dirty="0" smtClean="0">
+                <a:solidFill>
+                  <a:srgbClr val="0070C0"/>
+                </a:solidFill>
+              </a:rPr>
+              <a:t>たろ</a:t>
+            </a:r>
+            <a:r>
+              <a:rPr lang="ja-JP" altLang="en-US" sz="2000" u="sng" dirty="0">
+                <a:solidFill>
+                  <a:srgbClr val="0070C0"/>
+                </a:solidFill>
+              </a:rPr>
+              <a:t>う</a:t>
+            </a:r>
+            <a:r>
+              <a:rPr kumimoji="1" lang="ja-JP" altLang="en-US" sz="2000" u="sng" dirty="0" smtClean="0">
+                <a:solidFill>
+                  <a:srgbClr val="0070C0"/>
+                </a:solidFill>
+              </a:rPr>
+              <a:t>さんの部屋</a:t>
+            </a:r>
+            <a:endParaRPr kumimoji="1" lang="ja-JP" altLang="en-US" sz="2000" u="sng" dirty="0">
+              <a:solidFill>
+                <a:srgbClr val="0070C0"/>
+              </a:solidFill>
+            </a:endParaRPr>
+          </a:p>
+        </p:txBody>
+      </p:sp>
+      <p:sp>
+        <p:nvSpPr>
+          <p:cNvPr id="5" name="テキスト ボックス 4"/>
+          <p:cNvSpPr txBox="1"/>
+          <p:nvPr/>
+        </p:nvSpPr>
+        <p:spPr>
+          <a:xfrm>
+            <a:off x="1377990" y="4556955"/>
+            <a:ext cx="3982066" cy="400110"/>
+          </a:xfrm>
+          <a:prstGeom prst="rect">
+            <a:avLst/>
+          </a:prstGeom>
+          <a:noFill/>
+        </p:spPr>
+        <p:txBody>
+          <a:bodyPr wrap="square" rtlCol="0">
+            <a:spAutoFit/>
+          </a:bodyPr>
+          <a:lstStyle/>
+          <a:p>
+            <a:r>
+              <a:rPr kumimoji="1" lang="ja-JP" altLang="en-US" sz="2000" dirty="0" smtClean="0"/>
+              <a:t>はなこさんの部屋（対戦中）</a:t>
+            </a:r>
+            <a:endParaRPr kumimoji="1" lang="ja-JP" altLang="en-US" sz="2000" dirty="0"/>
+          </a:p>
+        </p:txBody>
+      </p:sp>
+      <p:sp>
+        <p:nvSpPr>
+          <p:cNvPr id="6" name="テキスト ボックス 5"/>
+          <p:cNvSpPr txBox="1"/>
+          <p:nvPr/>
+        </p:nvSpPr>
+        <p:spPr>
+          <a:xfrm>
+            <a:off x="906041" y="5390449"/>
+            <a:ext cx="2743200" cy="369332"/>
+          </a:xfrm>
+          <a:prstGeom prst="rect">
+            <a:avLst/>
+          </a:prstGeom>
+          <a:noFill/>
+        </p:spPr>
+        <p:txBody>
+          <a:bodyPr wrap="square" rtlCol="0">
+            <a:spAutoFit/>
+          </a:bodyPr>
+          <a:lstStyle/>
+          <a:p>
+            <a:r>
+              <a:rPr kumimoji="1" lang="ja-JP" altLang="en-US" u="sng" dirty="0" smtClean="0">
+                <a:solidFill>
+                  <a:srgbClr val="0070C0"/>
+                </a:solidFill>
+              </a:rPr>
+              <a:t>新しい部屋を作成する</a:t>
+            </a:r>
+            <a:endParaRPr kumimoji="1" lang="ja-JP" altLang="en-US" u="sng" dirty="0">
+              <a:solidFill>
+                <a:srgbClr val="0070C0"/>
+              </a:solidFill>
+            </a:endParaRPr>
+          </a:p>
+        </p:txBody>
+      </p:sp>
+      <p:sp>
+        <p:nvSpPr>
+          <p:cNvPr id="7" name="テキスト ボックス 6"/>
+          <p:cNvSpPr txBox="1"/>
+          <p:nvPr/>
+        </p:nvSpPr>
+        <p:spPr>
+          <a:xfrm>
+            <a:off x="906041" y="5826687"/>
+            <a:ext cx="2743200" cy="369332"/>
+          </a:xfrm>
+          <a:prstGeom prst="rect">
+            <a:avLst/>
+          </a:prstGeom>
+          <a:noFill/>
+        </p:spPr>
+        <p:txBody>
+          <a:bodyPr wrap="square" rtlCol="0">
+            <a:spAutoFit/>
+          </a:bodyPr>
+          <a:lstStyle/>
+          <a:p>
+            <a:r>
+              <a:rPr lang="ja-JP" altLang="en-US" u="sng" dirty="0" smtClean="0">
+                <a:solidFill>
+                  <a:srgbClr val="0070C0"/>
+                </a:solidFill>
+              </a:rPr>
+              <a:t>コンピュータと対戦</a:t>
+            </a:r>
+            <a:r>
+              <a:rPr kumimoji="1" lang="ja-JP" altLang="en-US" u="sng" dirty="0" smtClean="0">
+                <a:solidFill>
+                  <a:srgbClr val="0070C0"/>
+                </a:solidFill>
+              </a:rPr>
+              <a:t>する</a:t>
+            </a:r>
+            <a:endParaRPr kumimoji="1" lang="ja-JP" altLang="en-US" u="sng" dirty="0">
+              <a:solidFill>
+                <a:srgbClr val="0070C0"/>
+              </a:solidFill>
+            </a:endParaRPr>
+          </a:p>
+        </p:txBody>
+      </p:sp>
+      <p:sp>
+        <p:nvSpPr>
+          <p:cNvPr id="8" name="テキスト ボックス 7"/>
+          <p:cNvSpPr txBox="1"/>
+          <p:nvPr/>
+        </p:nvSpPr>
+        <p:spPr>
+          <a:xfrm>
+            <a:off x="906041" y="1977261"/>
+            <a:ext cx="2934929" cy="1200329"/>
+          </a:xfrm>
+          <a:prstGeom prst="rect">
+            <a:avLst/>
+          </a:prstGeom>
+          <a:noFill/>
+        </p:spPr>
+        <p:txBody>
+          <a:bodyPr wrap="square" rtlCol="0">
+            <a:spAutoFit/>
+          </a:bodyPr>
+          <a:lstStyle/>
+          <a:p>
+            <a:r>
+              <a:rPr kumimoji="1" lang="ja-JP" altLang="en-US" dirty="0" smtClean="0"/>
+              <a:t>広瀬太郎さん</a:t>
+            </a:r>
+            <a:endParaRPr kumimoji="1" lang="en-US" altLang="ja-JP" dirty="0" smtClean="0"/>
+          </a:p>
+          <a:p>
+            <a:r>
+              <a:rPr kumimoji="1" lang="ja-JP" altLang="en-US" dirty="0" smtClean="0"/>
+              <a:t>ゲーム数：</a:t>
+            </a:r>
+            <a:r>
+              <a:rPr kumimoji="1" lang="en-US" altLang="ja-JP" dirty="0" smtClean="0"/>
+              <a:t>10</a:t>
+            </a:r>
+          </a:p>
+          <a:p>
+            <a:r>
+              <a:rPr kumimoji="1" lang="ja-JP" altLang="en-US" dirty="0" smtClean="0"/>
+              <a:t>勝数：</a:t>
+            </a:r>
+            <a:r>
+              <a:rPr kumimoji="1" lang="en-US" altLang="ja-JP" dirty="0" smtClean="0"/>
+              <a:t>5</a:t>
+            </a:r>
+          </a:p>
+          <a:p>
+            <a:r>
+              <a:rPr lang="ja-JP" altLang="en-US" dirty="0" smtClean="0"/>
+              <a:t>勝率：</a:t>
+            </a:r>
+            <a:r>
+              <a:rPr lang="en-US" altLang="ja-JP" dirty="0" smtClean="0"/>
+              <a:t>50%</a:t>
+            </a:r>
+            <a:endParaRPr kumimoji="1" lang="en-US" altLang="ja-JP" dirty="0" smtClean="0"/>
+          </a:p>
+        </p:txBody>
+      </p:sp>
+      <p:cxnSp>
+        <p:nvCxnSpPr>
+          <p:cNvPr id="12" name="直線矢印コネクタ 11"/>
+          <p:cNvCxnSpPr/>
+          <p:nvPr/>
+        </p:nvCxnSpPr>
+        <p:spPr>
+          <a:xfrm flipH="1">
+            <a:off x="3535680" y="3939599"/>
+            <a:ext cx="2712720" cy="411951"/>
+          </a:xfrm>
+          <a:prstGeom prst="straightConnector1">
+            <a:avLst/>
+          </a:prstGeom>
+          <a:ln w="25400">
+            <a:tailEnd type="triangle"/>
+          </a:ln>
+        </p:spPr>
+        <p:style>
+          <a:lnRef idx="1">
+            <a:schemeClr val="accent1"/>
+          </a:lnRef>
+          <a:fillRef idx="0">
+            <a:schemeClr val="accent1"/>
+          </a:fillRef>
+          <a:effectRef idx="0">
+            <a:schemeClr val="accent1"/>
+          </a:effectRef>
+          <a:fontRef idx="minor">
+            <a:schemeClr val="tx1"/>
+          </a:fontRef>
+        </p:style>
+      </p:cxnSp>
+      <p:sp>
+        <p:nvSpPr>
+          <p:cNvPr id="15" name="テキスト ボックス 14"/>
+          <p:cNvSpPr txBox="1"/>
+          <p:nvPr/>
+        </p:nvSpPr>
+        <p:spPr>
+          <a:xfrm>
+            <a:off x="6280724" y="3137581"/>
+            <a:ext cx="2382850" cy="1015663"/>
+          </a:xfrm>
+          <a:prstGeom prst="rect">
+            <a:avLst/>
+          </a:prstGeom>
+          <a:noFill/>
+        </p:spPr>
+        <p:txBody>
+          <a:bodyPr wrap="square" rtlCol="0">
+            <a:spAutoFit/>
+          </a:bodyPr>
+          <a:lstStyle/>
+          <a:p>
+            <a:r>
+              <a:rPr lang="en-US" altLang="ja-JP" sz="2000" dirty="0" smtClean="0"/>
+              <a:t>g</a:t>
+            </a:r>
+            <a:r>
+              <a:rPr kumimoji="1" lang="en-US" altLang="ja-JP" sz="2000" dirty="0" smtClean="0"/>
+              <a:t>ame_player_5.dat</a:t>
+            </a:r>
+          </a:p>
+          <a:p>
+            <a:r>
+              <a:rPr lang="ja-JP" altLang="en-US" sz="2000" dirty="0" smtClean="0"/>
+              <a:t>黒：たろう</a:t>
+            </a:r>
+            <a:endParaRPr lang="en-US" altLang="ja-JP" sz="2000" dirty="0" smtClean="0"/>
+          </a:p>
+          <a:p>
+            <a:r>
+              <a:rPr kumimoji="1" lang="ja-JP" altLang="en-US" sz="2000" dirty="0" smtClean="0"/>
+              <a:t>白：</a:t>
+            </a:r>
+            <a:endParaRPr kumimoji="1" lang="ja-JP" altLang="en-US" sz="2000" dirty="0"/>
+          </a:p>
+        </p:txBody>
+      </p:sp>
+      <p:cxnSp>
+        <p:nvCxnSpPr>
+          <p:cNvPr id="16" name="直線矢印コネクタ 15"/>
+          <p:cNvCxnSpPr/>
+          <p:nvPr/>
+        </p:nvCxnSpPr>
+        <p:spPr>
+          <a:xfrm flipH="1" flipV="1">
+            <a:off x="4371669" y="4829754"/>
+            <a:ext cx="1770051" cy="245071"/>
+          </a:xfrm>
+          <a:prstGeom prst="straightConnector1">
+            <a:avLst/>
+          </a:prstGeom>
+          <a:ln w="25400">
+            <a:tailEnd type="triangle"/>
+          </a:ln>
+        </p:spPr>
+        <p:style>
+          <a:lnRef idx="1">
+            <a:schemeClr val="accent1"/>
+          </a:lnRef>
+          <a:fillRef idx="0">
+            <a:schemeClr val="accent1"/>
+          </a:fillRef>
+          <a:effectRef idx="0">
+            <a:schemeClr val="accent1"/>
+          </a:effectRef>
+          <a:fontRef idx="minor">
+            <a:schemeClr val="tx1"/>
+          </a:fontRef>
+        </p:style>
+      </p:cxnSp>
+      <p:sp>
+        <p:nvSpPr>
+          <p:cNvPr id="20" name="テキスト ボックス 19"/>
+          <p:cNvSpPr txBox="1"/>
+          <p:nvPr/>
+        </p:nvSpPr>
+        <p:spPr>
+          <a:xfrm>
+            <a:off x="6235127" y="4651894"/>
+            <a:ext cx="2474044" cy="1015663"/>
+          </a:xfrm>
+          <a:prstGeom prst="rect">
+            <a:avLst/>
+          </a:prstGeom>
+          <a:noFill/>
+        </p:spPr>
+        <p:txBody>
+          <a:bodyPr wrap="square" rtlCol="0">
+            <a:spAutoFit/>
+          </a:bodyPr>
+          <a:lstStyle/>
+          <a:p>
+            <a:r>
+              <a:rPr lang="en-US" altLang="ja-JP" sz="2000" dirty="0"/>
+              <a:t>g</a:t>
+            </a:r>
+            <a:r>
+              <a:rPr lang="en-US" altLang="ja-JP" sz="2000" dirty="0" smtClean="0"/>
+              <a:t>ame_player_6.dat</a:t>
+            </a:r>
+            <a:endParaRPr kumimoji="1" lang="en-US" altLang="ja-JP" sz="2000" dirty="0" smtClean="0"/>
+          </a:p>
+          <a:p>
+            <a:r>
+              <a:rPr lang="ja-JP" altLang="en-US" sz="2000" dirty="0" smtClean="0"/>
+              <a:t>黒：はな</a:t>
+            </a:r>
+            <a:r>
+              <a:rPr lang="ja-JP" altLang="en-US" sz="2000" dirty="0"/>
+              <a:t>こ</a:t>
+            </a:r>
+            <a:endParaRPr lang="en-US" altLang="ja-JP" sz="2000" dirty="0" smtClean="0"/>
+          </a:p>
+          <a:p>
+            <a:r>
+              <a:rPr kumimoji="1" lang="ja-JP" altLang="en-US" sz="2000" dirty="0" smtClean="0"/>
+              <a:t>白：たけし</a:t>
+            </a:r>
+            <a:endParaRPr kumimoji="1" lang="ja-JP" altLang="en-US" sz="2000" dirty="0"/>
+          </a:p>
+        </p:txBody>
+      </p:sp>
+      <p:sp>
+        <p:nvSpPr>
+          <p:cNvPr id="21" name="テキスト ボックス 20"/>
+          <p:cNvSpPr txBox="1"/>
+          <p:nvPr/>
+        </p:nvSpPr>
+        <p:spPr>
+          <a:xfrm>
+            <a:off x="9053301" y="3177590"/>
+            <a:ext cx="2621280" cy="707886"/>
+          </a:xfrm>
+          <a:prstGeom prst="rect">
+            <a:avLst/>
+          </a:prstGeom>
+          <a:noFill/>
+        </p:spPr>
+        <p:txBody>
+          <a:bodyPr wrap="square" rtlCol="0">
+            <a:spAutoFit/>
+          </a:bodyPr>
+          <a:lstStyle/>
+          <a:p>
+            <a:r>
+              <a:rPr lang="en-US" altLang="ja-JP" sz="2000" dirty="0" smtClean="0"/>
+              <a:t>s</a:t>
+            </a:r>
+            <a:r>
+              <a:rPr kumimoji="1" lang="en-US" altLang="ja-JP" sz="2000" dirty="0" smtClean="0"/>
+              <a:t>erial_number.dat</a:t>
+            </a:r>
+          </a:p>
+          <a:p>
+            <a:r>
+              <a:rPr lang="en-US" altLang="ja-JP" sz="2000" dirty="0"/>
+              <a:t>7</a:t>
+            </a:r>
+            <a:endParaRPr kumimoji="1" lang="ja-JP" altLang="en-US" sz="2000" dirty="0"/>
+          </a:p>
+        </p:txBody>
+      </p:sp>
+      <p:cxnSp>
+        <p:nvCxnSpPr>
+          <p:cNvPr id="22" name="直線矢印コネクタ 21"/>
+          <p:cNvCxnSpPr/>
+          <p:nvPr/>
+        </p:nvCxnSpPr>
+        <p:spPr>
+          <a:xfrm>
+            <a:off x="7894320" y="2320920"/>
+            <a:ext cx="0" cy="862637"/>
+          </a:xfrm>
+          <a:prstGeom prst="straightConnector1">
+            <a:avLst/>
+          </a:prstGeom>
+          <a:ln w="25400">
+            <a:tailEnd type="triangle"/>
+          </a:ln>
+        </p:spPr>
+        <p:style>
+          <a:lnRef idx="1">
+            <a:schemeClr val="accent1"/>
+          </a:lnRef>
+          <a:fillRef idx="0">
+            <a:schemeClr val="accent1"/>
+          </a:fillRef>
+          <a:effectRef idx="0">
+            <a:schemeClr val="accent1"/>
+          </a:effectRef>
+          <a:fontRef idx="minor">
+            <a:schemeClr val="tx1"/>
+          </a:fontRef>
+        </p:style>
+      </p:cxnSp>
+      <p:sp>
+        <p:nvSpPr>
+          <p:cNvPr id="24" name="テキスト ボックス 23"/>
+          <p:cNvSpPr txBox="1"/>
+          <p:nvPr/>
+        </p:nvSpPr>
+        <p:spPr>
+          <a:xfrm>
+            <a:off x="6293855" y="1432402"/>
+            <a:ext cx="4427221" cy="1015663"/>
+          </a:xfrm>
+          <a:prstGeom prst="rect">
+            <a:avLst/>
+          </a:prstGeom>
+          <a:noFill/>
+        </p:spPr>
+        <p:txBody>
+          <a:bodyPr wrap="square" rtlCol="0">
+            <a:spAutoFit/>
+          </a:bodyPr>
+          <a:lstStyle/>
+          <a:p>
+            <a:r>
+              <a:rPr kumimoji="1" lang="ja-JP" altLang="en-US" sz="2000" dirty="0" smtClean="0"/>
+              <a:t>この番号は</a:t>
+            </a:r>
+            <a:r>
+              <a:rPr kumimoji="1" lang="en-US" altLang="ja-JP" sz="2000" dirty="0" smtClean="0"/>
+              <a:t>serial_numer.dat</a:t>
+            </a:r>
+            <a:r>
+              <a:rPr kumimoji="1" lang="ja-JP" altLang="en-US" sz="2000" dirty="0" smtClean="0"/>
+              <a:t>から取る</a:t>
+            </a:r>
+            <a:endParaRPr kumimoji="1" lang="en-US" altLang="ja-JP" sz="2000" dirty="0" smtClean="0"/>
+          </a:p>
+          <a:p>
+            <a:r>
+              <a:rPr lang="ja-JP" altLang="en-US" sz="2000" dirty="0" smtClean="0"/>
+              <a:t>リンクも</a:t>
+            </a:r>
+            <a:r>
+              <a:rPr lang="en-US" altLang="ja-JP" sz="2000" dirty="0" smtClean="0"/>
+              <a:t>GET</a:t>
+            </a:r>
+            <a:r>
+              <a:rPr lang="ja-JP" altLang="en-US" sz="2000" dirty="0" smtClean="0"/>
+              <a:t>でこの番号を取れるようにする</a:t>
+            </a:r>
+            <a:endParaRPr kumimoji="1" lang="ja-JP" altLang="en-US" sz="2000" dirty="0"/>
+          </a:p>
+        </p:txBody>
+      </p:sp>
+      <p:sp>
+        <p:nvSpPr>
+          <p:cNvPr id="25" name="テキスト ボックス 24"/>
+          <p:cNvSpPr txBox="1"/>
+          <p:nvPr/>
+        </p:nvSpPr>
+        <p:spPr>
+          <a:xfrm>
+            <a:off x="950142" y="92429"/>
+            <a:ext cx="10511178" cy="769441"/>
+          </a:xfrm>
+          <a:prstGeom prst="rect">
+            <a:avLst/>
+          </a:prstGeom>
+          <a:noFill/>
+        </p:spPr>
+        <p:txBody>
+          <a:bodyPr wrap="square" rtlCol="0">
+            <a:spAutoFit/>
+          </a:bodyPr>
+          <a:lstStyle/>
+          <a:p>
+            <a:pPr algn="ctr"/>
+            <a:r>
+              <a:rPr kumimoji="1" lang="ja-JP" altLang="en-US" sz="4400" b="1" dirty="0" smtClean="0">
+                <a:solidFill>
+                  <a:srgbClr val="7030A0"/>
+                </a:solidFill>
+              </a:rPr>
+              <a:t>オセロの部屋の実装方法</a:t>
+            </a:r>
+            <a:endParaRPr kumimoji="1" lang="ja-JP" altLang="en-US" sz="4400" b="1" dirty="0">
+              <a:solidFill>
+                <a:srgbClr val="7030A0"/>
+              </a:solidFill>
+            </a:endParaRPr>
+          </a:p>
+        </p:txBody>
+      </p:sp>
+      <p:cxnSp>
+        <p:nvCxnSpPr>
+          <p:cNvPr id="27" name="直線コネクタ 26"/>
+          <p:cNvCxnSpPr/>
+          <p:nvPr/>
+        </p:nvCxnSpPr>
+        <p:spPr>
+          <a:xfrm>
+            <a:off x="6280724" y="5630416"/>
+            <a:ext cx="1112520" cy="0"/>
+          </a:xfrm>
+          <a:prstGeom prst="line">
+            <a:avLst/>
+          </a:prstGeom>
+          <a:ln w="25400">
+            <a:solidFill>
+              <a:srgbClr val="00B050"/>
+            </a:solidFill>
+          </a:ln>
+        </p:spPr>
+        <p:style>
+          <a:lnRef idx="1">
+            <a:schemeClr val="accent1"/>
+          </a:lnRef>
+          <a:fillRef idx="0">
+            <a:schemeClr val="accent1"/>
+          </a:fillRef>
+          <a:effectRef idx="0">
+            <a:schemeClr val="accent1"/>
+          </a:effectRef>
+          <a:fontRef idx="minor">
+            <a:schemeClr val="tx1"/>
+          </a:fontRef>
+        </p:style>
+      </p:cxnSp>
+      <p:cxnSp>
+        <p:nvCxnSpPr>
+          <p:cNvPr id="28" name="直線矢印コネクタ 27"/>
+          <p:cNvCxnSpPr/>
+          <p:nvPr/>
+        </p:nvCxnSpPr>
+        <p:spPr>
+          <a:xfrm flipH="1" flipV="1">
+            <a:off x="7220444" y="5660896"/>
+            <a:ext cx="345599" cy="350639"/>
+          </a:xfrm>
+          <a:prstGeom prst="straightConnector1">
+            <a:avLst/>
+          </a:prstGeom>
+          <a:ln w="25400">
+            <a:solidFill>
+              <a:srgbClr val="00B050"/>
+            </a:solidFill>
+            <a:tailEnd type="triangle"/>
+          </a:ln>
+        </p:spPr>
+        <p:style>
+          <a:lnRef idx="1">
+            <a:schemeClr val="accent1"/>
+          </a:lnRef>
+          <a:fillRef idx="0">
+            <a:schemeClr val="accent1"/>
+          </a:fillRef>
+          <a:effectRef idx="0">
+            <a:schemeClr val="accent1"/>
+          </a:effectRef>
+          <a:fontRef idx="minor">
+            <a:schemeClr val="tx1"/>
+          </a:fontRef>
+        </p:style>
+      </p:cxnSp>
+      <p:sp>
+        <p:nvSpPr>
+          <p:cNvPr id="30" name="テキスト ボックス 29"/>
+          <p:cNvSpPr txBox="1"/>
+          <p:nvPr/>
+        </p:nvSpPr>
+        <p:spPr>
+          <a:xfrm>
+            <a:off x="6474350" y="6035836"/>
+            <a:ext cx="5157901" cy="707886"/>
+          </a:xfrm>
+          <a:prstGeom prst="rect">
+            <a:avLst/>
+          </a:prstGeom>
+          <a:noFill/>
+        </p:spPr>
+        <p:txBody>
+          <a:bodyPr wrap="square" rtlCol="0">
+            <a:spAutoFit/>
+          </a:bodyPr>
+          <a:lstStyle/>
+          <a:p>
+            <a:r>
+              <a:rPr lang="ja-JP" altLang="en-US" sz="2000" dirty="0" smtClean="0"/>
+              <a:t>白にプレイヤーがいれば対戦中になる</a:t>
+            </a:r>
+            <a:endParaRPr lang="en-US" altLang="ja-JP" sz="2000" dirty="0" smtClean="0"/>
+          </a:p>
+          <a:p>
+            <a:r>
+              <a:rPr kumimoji="1" lang="ja-JP" altLang="en-US" sz="2000" dirty="0" smtClean="0"/>
+              <a:t>（対戦終了後空くことはないため削除となる）</a:t>
+            </a:r>
+            <a:endParaRPr kumimoji="1" lang="en-US" altLang="ja-JP" sz="2000" dirty="0" smtClean="0"/>
+          </a:p>
+        </p:txBody>
+      </p:sp>
+      <p:cxnSp>
+        <p:nvCxnSpPr>
+          <p:cNvPr id="31" name="直線矢印コネクタ 30"/>
+          <p:cNvCxnSpPr/>
+          <p:nvPr/>
+        </p:nvCxnSpPr>
+        <p:spPr>
+          <a:xfrm flipH="1" flipV="1">
+            <a:off x="9281160" y="3793896"/>
+            <a:ext cx="381000" cy="466074"/>
+          </a:xfrm>
+          <a:prstGeom prst="straightConnector1">
+            <a:avLst/>
+          </a:prstGeom>
+          <a:ln w="25400">
+            <a:tailEnd type="triangle"/>
+          </a:ln>
+        </p:spPr>
+        <p:style>
+          <a:lnRef idx="1">
+            <a:schemeClr val="accent1"/>
+          </a:lnRef>
+          <a:fillRef idx="0">
+            <a:schemeClr val="accent1"/>
+          </a:fillRef>
+          <a:effectRef idx="0">
+            <a:schemeClr val="accent1"/>
+          </a:effectRef>
+          <a:fontRef idx="minor">
+            <a:schemeClr val="tx1"/>
+          </a:fontRef>
+        </p:style>
+      </p:cxnSp>
+      <p:sp>
+        <p:nvSpPr>
+          <p:cNvPr id="34" name="テキスト ボックス 33"/>
+          <p:cNvSpPr txBox="1"/>
+          <p:nvPr/>
+        </p:nvSpPr>
+        <p:spPr>
+          <a:xfrm>
+            <a:off x="8973165" y="4337457"/>
+            <a:ext cx="2417680" cy="1323439"/>
+          </a:xfrm>
+          <a:prstGeom prst="rect">
+            <a:avLst/>
+          </a:prstGeom>
+          <a:noFill/>
+        </p:spPr>
+        <p:txBody>
+          <a:bodyPr wrap="square" rtlCol="0">
+            <a:spAutoFit/>
+          </a:bodyPr>
+          <a:lstStyle/>
+          <a:p>
+            <a:r>
+              <a:rPr kumimoji="1" lang="ja-JP" altLang="en-US" sz="2000" dirty="0" smtClean="0"/>
+              <a:t>限界をしらないのはやばいから</a:t>
+            </a:r>
+            <a:r>
+              <a:rPr kumimoji="1" lang="en-US" altLang="ja-JP" sz="2000" dirty="0" smtClean="0"/>
+              <a:t>100</a:t>
+            </a:r>
+            <a:r>
+              <a:rPr lang="ja-JP" altLang="en-US" sz="2000" dirty="0" smtClean="0"/>
+              <a:t>を達したらまた</a:t>
+            </a:r>
+            <a:r>
+              <a:rPr lang="en-US" altLang="ja-JP" sz="2000" dirty="0" smtClean="0"/>
+              <a:t>0</a:t>
+            </a:r>
+            <a:r>
+              <a:rPr lang="ja-JP" altLang="en-US" sz="2000" dirty="0" smtClean="0"/>
+              <a:t>から始めるようにする。</a:t>
+            </a:r>
+            <a:endParaRPr kumimoji="1" lang="en-US" altLang="ja-JP" sz="2000" dirty="0" smtClean="0"/>
+          </a:p>
+        </p:txBody>
+      </p:sp>
+    </p:spTree>
+    <p:extLst>
+      <p:ext uri="{BB962C8B-B14F-4D97-AF65-F5344CB8AC3E}">
+        <p14:creationId xmlns:p14="http://schemas.microsoft.com/office/powerpoint/2010/main" val="2340918993"/>
+      </p:ext>
+    </p:extLst>
+  </p:cSld>
+  <p:clrMapOvr>
+    <a:masterClrMapping/>
+  </p:clrMapOvr>
+</p:sld>
+</file>
+
 <file path=ppt/slides/slide2.xml><?xml version="1.0" encoding="utf-8"?>
 <p:sld xmlns:a="http://schemas.openxmlformats.org/drawingml/2006/main" xmlns:r="http://schemas.openxmlformats.org/officeDocument/2006/relationships" xmlns:p="http://schemas.openxmlformats.org/presentationml/2006/main">
   <p:cSld>
@@ -9155,7 +10560,6 @@
               <a:rPr lang="en-US" altLang="ja-JP" dirty="0" smtClean="0"/>
               <a:t>accounts</a:t>
             </a:r>
-            <a:endParaRPr lang="en-US" altLang="ja-JP" dirty="0" smtClean="0"/>
           </a:p>
           <a:p>
             <a:pPr lvl="1"/>

--- a/design/Webアプリケーションシステム.pptx
+++ b/design/Webアプリケーションシステム.pptx
@@ -5,7 +5,7 @@
     <p:sldMasterId id="2147483648" r:id="rId1"/>
   </p:sldMasterIdLst>
   <p:notesMasterIdLst>
-    <p:notesMasterId r:id="rId14"/>
+    <p:notesMasterId r:id="rId15"/>
   </p:notesMasterIdLst>
   <p:sldIdLst>
     <p:sldId id="256" r:id="rId2"/>
@@ -20,6 +20,7 @@
     <p:sldId id="266" r:id="rId11"/>
     <p:sldId id="267" r:id="rId12"/>
     <p:sldId id="268" r:id="rId13"/>
+    <p:sldId id="269" r:id="rId14"/>
   </p:sldIdLst>
   <p:sldSz cx="12192000" cy="6858000"/>
   <p:notesSz cx="6858000" cy="9144000"/>
@@ -208,7 +209,7 @@
           <a:p>
             <a:fld id="{D69DC826-EC42-4CF3-9404-97187E0C6B30}" type="datetimeFigureOut">
               <a:rPr kumimoji="1" lang="ja-JP" altLang="en-US" smtClean="0"/>
-              <a:t>2014/2/17</a:t>
+              <a:t>2014/2/18</a:t>
             </a:fld>
             <a:endParaRPr kumimoji="1" lang="ja-JP" altLang="en-US"/>
           </a:p>
@@ -1350,7 +1351,7 @@
           <a:p>
             <a:fld id="{F168E968-C88F-4183-9E10-2B943E46417A}" type="datetimeFigureOut">
               <a:rPr kumimoji="1" lang="ja-JP" altLang="en-US" smtClean="0"/>
-              <a:t>2014/2/17</a:t>
+              <a:t>2014/2/18</a:t>
             </a:fld>
             <a:endParaRPr kumimoji="1" lang="ja-JP" altLang="en-US"/>
           </a:p>
@@ -1552,7 +1553,7 @@
           <a:p>
             <a:fld id="{F168E968-C88F-4183-9E10-2B943E46417A}" type="datetimeFigureOut">
               <a:rPr kumimoji="1" lang="ja-JP" altLang="en-US" smtClean="0"/>
-              <a:t>2014/2/17</a:t>
+              <a:t>2014/2/18</a:t>
             </a:fld>
             <a:endParaRPr kumimoji="1" lang="ja-JP" altLang="en-US"/>
           </a:p>
@@ -1764,7 +1765,7 @@
           <a:p>
             <a:fld id="{F168E968-C88F-4183-9E10-2B943E46417A}" type="datetimeFigureOut">
               <a:rPr kumimoji="1" lang="ja-JP" altLang="en-US" smtClean="0"/>
-              <a:t>2014/2/17</a:t>
+              <a:t>2014/2/18</a:t>
             </a:fld>
             <a:endParaRPr kumimoji="1" lang="ja-JP" altLang="en-US"/>
           </a:p>
@@ -1966,7 +1967,7 @@
           <a:p>
             <a:fld id="{F168E968-C88F-4183-9E10-2B943E46417A}" type="datetimeFigureOut">
               <a:rPr kumimoji="1" lang="ja-JP" altLang="en-US" smtClean="0"/>
-              <a:t>2014/2/17</a:t>
+              <a:t>2014/2/18</a:t>
             </a:fld>
             <a:endParaRPr kumimoji="1" lang="ja-JP" altLang="en-US"/>
           </a:p>
@@ -2212,7 +2213,7 @@
           <a:p>
             <a:fld id="{F168E968-C88F-4183-9E10-2B943E46417A}" type="datetimeFigureOut">
               <a:rPr kumimoji="1" lang="ja-JP" altLang="en-US" smtClean="0"/>
-              <a:t>2014/2/17</a:t>
+              <a:t>2014/2/18</a:t>
             </a:fld>
             <a:endParaRPr kumimoji="1" lang="ja-JP" altLang="en-US"/>
           </a:p>
@@ -2508,7 +2509,7 @@
           <a:p>
             <a:fld id="{F168E968-C88F-4183-9E10-2B943E46417A}" type="datetimeFigureOut">
               <a:rPr kumimoji="1" lang="ja-JP" altLang="en-US" smtClean="0"/>
-              <a:t>2014/2/17</a:t>
+              <a:t>2014/2/18</a:t>
             </a:fld>
             <a:endParaRPr kumimoji="1" lang="ja-JP" altLang="en-US"/>
           </a:p>
@@ -2939,7 +2940,7 @@
           <a:p>
             <a:fld id="{F168E968-C88F-4183-9E10-2B943E46417A}" type="datetimeFigureOut">
               <a:rPr kumimoji="1" lang="ja-JP" altLang="en-US" smtClean="0"/>
-              <a:t>2014/2/17</a:t>
+              <a:t>2014/2/18</a:t>
             </a:fld>
             <a:endParaRPr kumimoji="1" lang="ja-JP" altLang="en-US"/>
           </a:p>
@@ -3057,7 +3058,7 @@
           <a:p>
             <a:fld id="{F168E968-C88F-4183-9E10-2B943E46417A}" type="datetimeFigureOut">
               <a:rPr kumimoji="1" lang="ja-JP" altLang="en-US" smtClean="0"/>
-              <a:t>2014/2/17</a:t>
+              <a:t>2014/2/18</a:t>
             </a:fld>
             <a:endParaRPr kumimoji="1" lang="ja-JP" altLang="en-US"/>
           </a:p>
@@ -3152,7 +3153,7 @@
           <a:p>
             <a:fld id="{F168E968-C88F-4183-9E10-2B943E46417A}" type="datetimeFigureOut">
               <a:rPr kumimoji="1" lang="ja-JP" altLang="en-US" smtClean="0"/>
-              <a:t>2014/2/17</a:t>
+              <a:t>2014/2/18</a:t>
             </a:fld>
             <a:endParaRPr kumimoji="1" lang="ja-JP" altLang="en-US"/>
           </a:p>
@@ -3461,7 +3462,7 @@
           <a:p>
             <a:fld id="{F168E968-C88F-4183-9E10-2B943E46417A}" type="datetimeFigureOut">
               <a:rPr kumimoji="1" lang="ja-JP" altLang="en-US" smtClean="0"/>
-              <a:t>2014/2/17</a:t>
+              <a:t>2014/2/18</a:t>
             </a:fld>
             <a:endParaRPr kumimoji="1" lang="ja-JP" altLang="en-US"/>
           </a:p>
@@ -3714,7 +3715,7 @@
           <a:p>
             <a:fld id="{F168E968-C88F-4183-9E10-2B943E46417A}" type="datetimeFigureOut">
               <a:rPr kumimoji="1" lang="ja-JP" altLang="en-US" smtClean="0"/>
-              <a:t>2014/2/17</a:t>
+              <a:t>2014/2/18</a:t>
             </a:fld>
             <a:endParaRPr kumimoji="1" lang="ja-JP" altLang="en-US"/>
           </a:p>
@@ -3959,7 +3960,7 @@
           <a:p>
             <a:fld id="{F168E968-C88F-4183-9E10-2B943E46417A}" type="datetimeFigureOut">
               <a:rPr kumimoji="1" lang="ja-JP" altLang="en-US" smtClean="0"/>
-              <a:t>2014/2/17</a:t>
+              <a:t>2014/2/18</a:t>
             </a:fld>
             <a:endParaRPr kumimoji="1" lang="ja-JP" altLang="en-US"/>
           </a:p>
@@ -7464,6 +7465,761 @@
     <p:extLst>
       <p:ext uri="{BB962C8B-B14F-4D97-AF65-F5344CB8AC3E}">
         <p14:creationId xmlns:p14="http://schemas.microsoft.com/office/powerpoint/2010/main" val="2340918993"/>
+      </p:ext>
+    </p:extLst>
+  </p:cSld>
+  <p:clrMapOvr>
+    <a:masterClrMapping/>
+  </p:clrMapOvr>
+</p:sld>
+</file>
+
+<file path=ppt/slides/slide13.xml><?xml version="1.0" encoding="utf-8"?>
+<p:sld xmlns:a="http://schemas.openxmlformats.org/drawingml/2006/main" xmlns:r="http://schemas.openxmlformats.org/officeDocument/2006/relationships" xmlns:p="http://schemas.openxmlformats.org/presentationml/2006/main">
+  <p:cSld>
+    <p:spTree>
+      <p:nvGrpSpPr>
+        <p:cNvPr id="1" name=""/>
+        <p:cNvGrpSpPr/>
+        <p:nvPr/>
+      </p:nvGrpSpPr>
+      <p:grpSpPr>
+        <a:xfrm>
+          <a:off x="0" y="0"/>
+          <a:ext cx="0" cy="0"/>
+          <a:chOff x="0" y="0"/>
+          <a:chExt cx="0" cy="0"/>
+        </a:xfrm>
+      </p:grpSpPr>
+      <p:sp>
+        <p:nvSpPr>
+          <p:cNvPr id="2" name="テキスト ボックス 1"/>
+          <p:cNvSpPr txBox="1"/>
+          <p:nvPr/>
+        </p:nvSpPr>
+        <p:spPr>
+          <a:xfrm>
+            <a:off x="950142" y="92429"/>
+            <a:ext cx="10511178" cy="769441"/>
+          </a:xfrm>
+          <a:prstGeom prst="rect">
+            <a:avLst/>
+          </a:prstGeom>
+          <a:noFill/>
+        </p:spPr>
+        <p:txBody>
+          <a:bodyPr wrap="square" rtlCol="0">
+            <a:spAutoFit/>
+          </a:bodyPr>
+          <a:lstStyle/>
+          <a:p>
+            <a:pPr algn="ctr"/>
+            <a:r>
+              <a:rPr kumimoji="1" lang="ja-JP" altLang="en-US" sz="4400" b="1" dirty="0" smtClean="0">
+                <a:solidFill>
+                  <a:srgbClr val="7030A0"/>
+                </a:solidFill>
+              </a:rPr>
+              <a:t>掲示板のデータ定義</a:t>
+            </a:r>
+            <a:endParaRPr kumimoji="1" lang="ja-JP" altLang="en-US" sz="4400" b="1" dirty="0">
+              <a:solidFill>
+                <a:srgbClr val="7030A0"/>
+              </a:solidFill>
+            </a:endParaRPr>
+          </a:p>
+        </p:txBody>
+      </p:sp>
+      <p:graphicFrame>
+        <p:nvGraphicFramePr>
+          <p:cNvPr id="3" name="表 2"/>
+          <p:cNvGraphicFramePr>
+            <a:graphicFrameLocks noGrp="1"/>
+          </p:cNvGraphicFramePr>
+          <p:nvPr>
+            <p:extLst>
+              <p:ext uri="{D42A27DB-BD31-4B8C-83A1-F6EECF244321}">
+                <p14:modId xmlns:p14="http://schemas.microsoft.com/office/powerpoint/2010/main" val="2552534301"/>
+              </p:ext>
+            </p:extLst>
+          </p:nvPr>
+        </p:nvGraphicFramePr>
+        <p:xfrm>
+          <a:off x="2079574" y="4990292"/>
+          <a:ext cx="7893728" cy="1495802"/>
+        </p:xfrm>
+        <a:graphic>
+          <a:graphicData uri="http://schemas.openxmlformats.org/drawingml/2006/table">
+            <a:tbl>
+              <a:tblPr firstRow="1" bandRow="1">
+                <a:tableStyleId>{5C22544A-7EE6-4342-B048-85BDC9FD1C3A}</a:tableStyleId>
+              </a:tblPr>
+              <a:tblGrid>
+                <a:gridCol w="1075106"/>
+                <a:gridCol w="853440"/>
+                <a:gridCol w="1249680"/>
+                <a:gridCol w="2357751"/>
+                <a:gridCol w="2357751"/>
+              </a:tblGrid>
+              <a:tr h="429346">
+                <a:tc gridSpan="5">
+                  <a:txBody>
+                    <a:bodyPr/>
+                    <a:lstStyle/>
+                    <a:p>
+                      <a:pPr algn="ctr"/>
+                      <a:r>
+                        <a:rPr kumimoji="1" lang="en-US" altLang="ja-JP" sz="2800" dirty="0" smtClean="0"/>
+                        <a:t>articles</a:t>
+                      </a:r>
+                      <a:endParaRPr kumimoji="1" lang="ja-JP" altLang="en-US" sz="2800" dirty="0"/>
+                    </a:p>
+                  </a:txBody>
+                  <a:tcPr/>
+                </a:tc>
+                <a:tc hMerge="1">
+                  <a:txBody>
+                    <a:bodyPr/>
+                    <a:lstStyle/>
+                    <a:p>
+                      <a:endParaRPr kumimoji="1" lang="ja-JP" altLang="en-US" dirty="0"/>
+                    </a:p>
+                  </a:txBody>
+                  <a:tcPr/>
+                </a:tc>
+                <a:tc hMerge="1">
+                  <a:txBody>
+                    <a:bodyPr/>
+                    <a:lstStyle/>
+                    <a:p>
+                      <a:endParaRPr kumimoji="1" lang="ja-JP" altLang="en-US"/>
+                    </a:p>
+                  </a:txBody>
+                  <a:tcPr/>
+                </a:tc>
+                <a:tc hMerge="1">
+                  <a:txBody>
+                    <a:bodyPr/>
+                    <a:lstStyle/>
+                    <a:p>
+                      <a:endParaRPr kumimoji="1" lang="ja-JP" altLang="en-US" dirty="0"/>
+                    </a:p>
+                  </a:txBody>
+                  <a:tcPr/>
+                </a:tc>
+                <a:tc hMerge="1">
+                  <a:txBody>
+                    <a:bodyPr/>
+                    <a:lstStyle/>
+                    <a:p>
+                      <a:endParaRPr kumimoji="1" lang="ja-JP" altLang="en-US"/>
+                    </a:p>
+                  </a:txBody>
+                  <a:tcPr/>
+                </a:tc>
+              </a:tr>
+              <a:tr h="303067">
+                <a:tc>
+                  <a:txBody>
+                    <a:bodyPr/>
+                    <a:lstStyle/>
+                    <a:p>
+                      <a:pPr marL="0" marR="0" indent="0" algn="l" defTabSz="914400" rtl="0" eaLnBrk="1" fontAlgn="auto" latinLnBrk="0" hangingPunct="1">
+                        <a:lnSpc>
+                          <a:spcPct val="100000"/>
+                        </a:lnSpc>
+                        <a:spcBef>
+                          <a:spcPts val="0"/>
+                        </a:spcBef>
+                        <a:spcAft>
+                          <a:spcPts val="0"/>
+                        </a:spcAft>
+                        <a:buClrTx/>
+                        <a:buSzTx/>
+                        <a:buFontTx/>
+                        <a:buNone/>
+                        <a:tabLst/>
+                        <a:defRPr/>
+                      </a:pPr>
+                      <a:r>
+                        <a:rPr kumimoji="1" lang="en-US" altLang="ja-JP" dirty="0" smtClean="0"/>
+                        <a:t>id</a:t>
+                      </a:r>
+                      <a:endParaRPr kumimoji="1" lang="ja-JP" altLang="en-US" dirty="0" smtClean="0"/>
+                    </a:p>
+                  </a:txBody>
+                  <a:tcPr/>
+                </a:tc>
+                <a:tc>
+                  <a:txBody>
+                    <a:bodyPr/>
+                    <a:lstStyle/>
+                    <a:p>
+                      <a:pPr marL="0" marR="0" indent="0" algn="l" defTabSz="914400" rtl="0" eaLnBrk="1" fontAlgn="auto" latinLnBrk="0" hangingPunct="1">
+                        <a:lnSpc>
+                          <a:spcPct val="100000"/>
+                        </a:lnSpc>
+                        <a:spcBef>
+                          <a:spcPts val="0"/>
+                        </a:spcBef>
+                        <a:spcAft>
+                          <a:spcPts val="0"/>
+                        </a:spcAft>
+                        <a:buClrTx/>
+                        <a:buSzTx/>
+                        <a:buFontTx/>
+                        <a:buNone/>
+                        <a:tabLst/>
+                        <a:defRPr/>
+                      </a:pPr>
+                      <a:r>
+                        <a:rPr kumimoji="1" lang="en-US" altLang="ja-JP" dirty="0" smtClean="0"/>
+                        <a:t>title</a:t>
+                      </a:r>
+                      <a:endParaRPr kumimoji="1" lang="ja-JP" altLang="en-US" dirty="0" smtClean="0"/>
+                    </a:p>
+                  </a:txBody>
+                  <a:tcPr/>
+                </a:tc>
+                <a:tc>
+                  <a:txBody>
+                    <a:bodyPr/>
+                    <a:lstStyle/>
+                    <a:p>
+                      <a:pPr marL="0" marR="0" indent="0" algn="l" defTabSz="914400" rtl="0" eaLnBrk="1" fontAlgn="auto" latinLnBrk="0" hangingPunct="1">
+                        <a:lnSpc>
+                          <a:spcPct val="100000"/>
+                        </a:lnSpc>
+                        <a:spcBef>
+                          <a:spcPts val="0"/>
+                        </a:spcBef>
+                        <a:spcAft>
+                          <a:spcPts val="0"/>
+                        </a:spcAft>
+                        <a:buClrTx/>
+                        <a:buSzTx/>
+                        <a:buFontTx/>
+                        <a:buNone/>
+                        <a:tabLst/>
+                        <a:defRPr/>
+                      </a:pPr>
+                      <a:r>
+                        <a:rPr kumimoji="1" lang="en-US" altLang="ja-JP" smtClean="0"/>
+                        <a:t>author</a:t>
+                      </a:r>
+                      <a:endParaRPr kumimoji="1" lang="ja-JP" altLang="en-US" dirty="0" smtClean="0"/>
+                    </a:p>
+                  </a:txBody>
+                  <a:tcPr/>
+                </a:tc>
+                <a:tc>
+                  <a:txBody>
+                    <a:bodyPr/>
+                    <a:lstStyle/>
+                    <a:p>
+                      <a:pPr marL="0" marR="0" indent="0" algn="l" defTabSz="914400" rtl="0" eaLnBrk="1" fontAlgn="auto" latinLnBrk="0" hangingPunct="1">
+                        <a:lnSpc>
+                          <a:spcPct val="100000"/>
+                        </a:lnSpc>
+                        <a:spcBef>
+                          <a:spcPts val="0"/>
+                        </a:spcBef>
+                        <a:spcAft>
+                          <a:spcPts val="0"/>
+                        </a:spcAft>
+                        <a:buClrTx/>
+                        <a:buSzTx/>
+                        <a:buFontTx/>
+                        <a:buNone/>
+                        <a:tabLst/>
+                        <a:defRPr/>
+                      </a:pPr>
+                      <a:r>
+                        <a:rPr kumimoji="1" lang="en-US" altLang="ja-JP" dirty="0" smtClean="0"/>
+                        <a:t>detail</a:t>
+                      </a:r>
+                      <a:endParaRPr kumimoji="1" lang="ja-JP" altLang="en-US" dirty="0" smtClean="0"/>
+                    </a:p>
+                  </a:txBody>
+                  <a:tcPr/>
+                </a:tc>
+                <a:tc>
+                  <a:txBody>
+                    <a:bodyPr/>
+                    <a:lstStyle/>
+                    <a:p>
+                      <a:pPr marL="0" marR="0" indent="0" algn="l" defTabSz="914400" rtl="0" eaLnBrk="1" fontAlgn="auto" latinLnBrk="0" hangingPunct="1">
+                        <a:lnSpc>
+                          <a:spcPct val="100000"/>
+                        </a:lnSpc>
+                        <a:spcBef>
+                          <a:spcPts val="0"/>
+                        </a:spcBef>
+                        <a:spcAft>
+                          <a:spcPts val="0"/>
+                        </a:spcAft>
+                        <a:buClrTx/>
+                        <a:buSzTx/>
+                        <a:buFontTx/>
+                        <a:buNone/>
+                        <a:tabLst/>
+                        <a:defRPr/>
+                      </a:pPr>
+                      <a:r>
+                        <a:rPr kumimoji="1" lang="en-US" altLang="ja-JP" dirty="0" smtClean="0"/>
+                        <a:t>created</a:t>
+                      </a:r>
+                      <a:endParaRPr kumimoji="1" lang="ja-JP" altLang="en-US" dirty="0" smtClean="0"/>
+                    </a:p>
+                  </a:txBody>
+                  <a:tcPr/>
+                </a:tc>
+              </a:tr>
+              <a:tr h="611882">
+                <a:tc>
+                  <a:txBody>
+                    <a:bodyPr/>
+                    <a:lstStyle/>
+                    <a:p>
+                      <a:r>
+                        <a:rPr kumimoji="1" lang="en-US" altLang="ja-JP" dirty="0" smtClean="0"/>
+                        <a:t>1</a:t>
+                      </a:r>
+                      <a:endParaRPr kumimoji="1" lang="ja-JP" altLang="en-US" dirty="0"/>
+                    </a:p>
+                  </a:txBody>
+                  <a:tcPr/>
+                </a:tc>
+                <a:tc>
+                  <a:txBody>
+                    <a:bodyPr/>
+                    <a:lstStyle/>
+                    <a:p>
+                      <a:r>
+                        <a:rPr kumimoji="1" lang="en-US" altLang="ja-JP" dirty="0" smtClean="0"/>
+                        <a:t>test</a:t>
+                      </a:r>
+                      <a:endParaRPr kumimoji="1" lang="ja-JP" altLang="en-US" dirty="0"/>
+                    </a:p>
+                  </a:txBody>
+                  <a:tcPr/>
+                </a:tc>
+                <a:tc>
+                  <a:txBody>
+                    <a:bodyPr/>
+                    <a:lstStyle/>
+                    <a:p>
+                      <a:r>
+                        <a:rPr kumimoji="1" lang="ja-JP" altLang="en-US" dirty="0" smtClean="0"/>
+                        <a:t>広瀬太郎</a:t>
+                      </a:r>
+                      <a:endParaRPr kumimoji="1" lang="ja-JP" altLang="en-US" dirty="0"/>
+                    </a:p>
+                  </a:txBody>
+                  <a:tcPr/>
+                </a:tc>
+                <a:tc>
+                  <a:txBody>
+                    <a:bodyPr/>
+                    <a:lstStyle/>
+                    <a:p>
+                      <a:r>
+                        <a:rPr kumimoji="1" lang="ja-JP" altLang="en-US" dirty="0" smtClean="0"/>
+                        <a:t>テストです</a:t>
+                      </a:r>
+                      <a:endParaRPr kumimoji="1" lang="ja-JP" altLang="en-US" dirty="0"/>
+                    </a:p>
+                  </a:txBody>
+                  <a:tcPr/>
+                </a:tc>
+                <a:tc>
+                  <a:txBody>
+                    <a:bodyPr/>
+                    <a:lstStyle/>
+                    <a:p>
+                      <a:r>
+                        <a:rPr kumimoji="1" lang="en-US" altLang="ja-JP" sz="1800" b="0" i="0" kern="1200" dirty="0" smtClean="0">
+                          <a:solidFill>
+                            <a:schemeClr val="dk1"/>
+                          </a:solidFill>
+                          <a:effectLst/>
+                          <a:latin typeface="+mn-lt"/>
+                          <a:ea typeface="+mn-ea"/>
+                          <a:cs typeface="+mn-cs"/>
+                        </a:rPr>
+                        <a:t>2014-02-18 10:45:29</a:t>
+                      </a:r>
+                      <a:endParaRPr kumimoji="1" lang="ja-JP" altLang="en-US" dirty="0"/>
+                    </a:p>
+                  </a:txBody>
+                  <a:tcPr/>
+                </a:tc>
+              </a:tr>
+            </a:tbl>
+          </a:graphicData>
+        </a:graphic>
+      </p:graphicFrame>
+      <p:sp>
+        <p:nvSpPr>
+          <p:cNvPr id="4" name="コンテンツ プレースホルダー 20"/>
+          <p:cNvSpPr txBox="1">
+            <a:spLocks/>
+          </p:cNvSpPr>
+          <p:nvPr/>
+        </p:nvSpPr>
+        <p:spPr>
+          <a:xfrm>
+            <a:off x="570518" y="1005841"/>
+            <a:ext cx="10515600" cy="3840480"/>
+          </a:xfrm>
+          <a:prstGeom prst="rect">
+            <a:avLst/>
+          </a:prstGeom>
+        </p:spPr>
+        <p:txBody>
+          <a:bodyPr>
+            <a:normAutofit fontScale="92500" lnSpcReduction="10000"/>
+          </a:bodyPr>
+          <a:lstStyle>
+            <a:lvl1pPr marL="228600" indent="-228600" algn="l" defTabSz="914400" rtl="0" eaLnBrk="1" latinLnBrk="0" hangingPunct="1">
+              <a:lnSpc>
+                <a:spcPct val="90000"/>
+              </a:lnSpc>
+              <a:spcBef>
+                <a:spcPts val="1000"/>
+              </a:spcBef>
+              <a:buFont typeface="Arial" panose="020B0604020202020204" pitchFamily="34" charset="0"/>
+              <a:buChar char="•"/>
+              <a:defRPr kumimoji="1" sz="2800" kern="1200">
+                <a:solidFill>
+                  <a:schemeClr val="tx1"/>
+                </a:solidFill>
+                <a:latin typeface="+mn-lt"/>
+                <a:ea typeface="+mn-ea"/>
+                <a:cs typeface="+mn-cs"/>
+              </a:defRPr>
+            </a:lvl1pPr>
+            <a:lvl2pPr marL="685800" indent="-228600" algn="l" defTabSz="914400" rtl="0" eaLnBrk="1" latinLnBrk="0" hangingPunct="1">
+              <a:lnSpc>
+                <a:spcPct val="90000"/>
+              </a:lnSpc>
+              <a:spcBef>
+                <a:spcPts val="500"/>
+              </a:spcBef>
+              <a:buFont typeface="Arial" panose="020B0604020202020204" pitchFamily="34" charset="0"/>
+              <a:buChar char="•"/>
+              <a:defRPr kumimoji="1" sz="2400" kern="1200">
+                <a:solidFill>
+                  <a:schemeClr val="tx1"/>
+                </a:solidFill>
+                <a:latin typeface="+mn-lt"/>
+                <a:ea typeface="+mn-ea"/>
+                <a:cs typeface="+mn-cs"/>
+              </a:defRPr>
+            </a:lvl2pPr>
+            <a:lvl3pPr marL="1143000" indent="-228600" algn="l" defTabSz="914400" rtl="0" eaLnBrk="1" latinLnBrk="0" hangingPunct="1">
+              <a:lnSpc>
+                <a:spcPct val="90000"/>
+              </a:lnSpc>
+              <a:spcBef>
+                <a:spcPts val="500"/>
+              </a:spcBef>
+              <a:buFont typeface="Arial" panose="020B0604020202020204" pitchFamily="34" charset="0"/>
+              <a:buChar char="•"/>
+              <a:defRPr kumimoji="1" sz="2000" kern="1200">
+                <a:solidFill>
+                  <a:schemeClr val="tx1"/>
+                </a:solidFill>
+                <a:latin typeface="+mn-lt"/>
+                <a:ea typeface="+mn-ea"/>
+                <a:cs typeface="+mn-cs"/>
+              </a:defRPr>
+            </a:lvl3pPr>
+            <a:lvl4pPr marL="1600200" indent="-228600" algn="l" defTabSz="914400" rtl="0" eaLnBrk="1" latinLnBrk="0" hangingPunct="1">
+              <a:lnSpc>
+                <a:spcPct val="90000"/>
+              </a:lnSpc>
+              <a:spcBef>
+                <a:spcPts val="500"/>
+              </a:spcBef>
+              <a:buFont typeface="Arial" panose="020B0604020202020204" pitchFamily="34" charset="0"/>
+              <a:buChar char="•"/>
+              <a:defRPr kumimoji="1" sz="1800" kern="1200">
+                <a:solidFill>
+                  <a:schemeClr val="tx1"/>
+                </a:solidFill>
+                <a:latin typeface="+mn-lt"/>
+                <a:ea typeface="+mn-ea"/>
+                <a:cs typeface="+mn-cs"/>
+              </a:defRPr>
+            </a:lvl4pPr>
+            <a:lvl5pPr marL="2057400" indent="-228600" algn="l" defTabSz="914400" rtl="0" eaLnBrk="1" latinLnBrk="0" hangingPunct="1">
+              <a:lnSpc>
+                <a:spcPct val="90000"/>
+              </a:lnSpc>
+              <a:spcBef>
+                <a:spcPts val="500"/>
+              </a:spcBef>
+              <a:buFont typeface="Arial" panose="020B0604020202020204" pitchFamily="34" charset="0"/>
+              <a:buChar char="•"/>
+              <a:defRPr kumimoji="1" sz="1800" kern="1200">
+                <a:solidFill>
+                  <a:schemeClr val="tx1"/>
+                </a:solidFill>
+                <a:latin typeface="+mn-lt"/>
+                <a:ea typeface="+mn-ea"/>
+                <a:cs typeface="+mn-cs"/>
+              </a:defRPr>
+            </a:lvl5pPr>
+            <a:lvl6pPr marL="2514600" indent="-228600" algn="l" defTabSz="914400" rtl="0" eaLnBrk="1" latinLnBrk="0" hangingPunct="1">
+              <a:lnSpc>
+                <a:spcPct val="90000"/>
+              </a:lnSpc>
+              <a:spcBef>
+                <a:spcPts val="500"/>
+              </a:spcBef>
+              <a:buFont typeface="Arial" panose="020B0604020202020204" pitchFamily="34" charset="0"/>
+              <a:buChar char="•"/>
+              <a:defRPr kumimoji="1" sz="1800" kern="1200">
+                <a:solidFill>
+                  <a:schemeClr val="tx1"/>
+                </a:solidFill>
+                <a:latin typeface="+mn-lt"/>
+                <a:ea typeface="+mn-ea"/>
+                <a:cs typeface="+mn-cs"/>
+              </a:defRPr>
+            </a:lvl6pPr>
+            <a:lvl7pPr marL="2971800" indent="-228600" algn="l" defTabSz="914400" rtl="0" eaLnBrk="1" latinLnBrk="0" hangingPunct="1">
+              <a:lnSpc>
+                <a:spcPct val="90000"/>
+              </a:lnSpc>
+              <a:spcBef>
+                <a:spcPts val="500"/>
+              </a:spcBef>
+              <a:buFont typeface="Arial" panose="020B0604020202020204" pitchFamily="34" charset="0"/>
+              <a:buChar char="•"/>
+              <a:defRPr kumimoji="1" sz="1800" kern="1200">
+                <a:solidFill>
+                  <a:schemeClr val="tx1"/>
+                </a:solidFill>
+                <a:latin typeface="+mn-lt"/>
+                <a:ea typeface="+mn-ea"/>
+                <a:cs typeface="+mn-cs"/>
+              </a:defRPr>
+            </a:lvl7pPr>
+            <a:lvl8pPr marL="3429000" indent="-228600" algn="l" defTabSz="914400" rtl="0" eaLnBrk="1" latinLnBrk="0" hangingPunct="1">
+              <a:lnSpc>
+                <a:spcPct val="90000"/>
+              </a:lnSpc>
+              <a:spcBef>
+                <a:spcPts val="500"/>
+              </a:spcBef>
+              <a:buFont typeface="Arial" panose="020B0604020202020204" pitchFamily="34" charset="0"/>
+              <a:buChar char="•"/>
+              <a:defRPr kumimoji="1" sz="1800" kern="1200">
+                <a:solidFill>
+                  <a:schemeClr val="tx1"/>
+                </a:solidFill>
+                <a:latin typeface="+mn-lt"/>
+                <a:ea typeface="+mn-ea"/>
+                <a:cs typeface="+mn-cs"/>
+              </a:defRPr>
+            </a:lvl8pPr>
+            <a:lvl9pPr marL="3886200" indent="-228600" algn="l" defTabSz="914400" rtl="0" eaLnBrk="1" latinLnBrk="0" hangingPunct="1">
+              <a:lnSpc>
+                <a:spcPct val="90000"/>
+              </a:lnSpc>
+              <a:spcBef>
+                <a:spcPts val="500"/>
+              </a:spcBef>
+              <a:buFont typeface="Arial" panose="020B0604020202020204" pitchFamily="34" charset="0"/>
+              <a:buChar char="•"/>
+              <a:defRPr kumimoji="1" sz="1800" kern="1200">
+                <a:solidFill>
+                  <a:schemeClr val="tx1"/>
+                </a:solidFill>
+                <a:latin typeface="+mn-lt"/>
+                <a:ea typeface="+mn-ea"/>
+                <a:cs typeface="+mn-cs"/>
+              </a:defRPr>
+            </a:lvl9pPr>
+          </a:lstStyle>
+          <a:p>
+            <a:r>
+              <a:rPr lang="ja-JP" altLang="en-US" dirty="0" smtClean="0"/>
+              <a:t>テーブル名 → </a:t>
+            </a:r>
+            <a:r>
+              <a:rPr lang="en-US" altLang="ja-JP" dirty="0" smtClean="0"/>
+              <a:t>articles</a:t>
+            </a:r>
+          </a:p>
+          <a:p>
+            <a:pPr lvl="1"/>
+            <a:r>
+              <a:rPr lang="ja-JP" altLang="en-US" dirty="0"/>
+              <a:t>通し番号</a:t>
+            </a:r>
+            <a:r>
+              <a:rPr lang="ja-JP" altLang="en-US" dirty="0" smtClean="0"/>
+              <a:t> → </a:t>
+            </a:r>
+            <a:r>
+              <a:rPr lang="en-US" altLang="ja-JP" dirty="0" smtClean="0"/>
+              <a:t>id</a:t>
+            </a:r>
+          </a:p>
+          <a:p>
+            <a:pPr lvl="2"/>
+            <a:r>
+              <a:rPr lang="en-US" altLang="ja-JP" dirty="0" smtClean="0"/>
+              <a:t>AUTO INCREMENT</a:t>
+            </a:r>
+            <a:r>
+              <a:rPr lang="ja-JP" altLang="en-US" dirty="0" smtClean="0"/>
+              <a:t>にして、</a:t>
+            </a:r>
+            <a:r>
+              <a:rPr lang="en-US" altLang="ja-JP" dirty="0" smtClean="0"/>
+              <a:t>SQL</a:t>
+            </a:r>
+            <a:r>
+              <a:rPr lang="ja-JP" altLang="en-US" dirty="0" smtClean="0"/>
+              <a:t>側で自動で入れるようにする</a:t>
+            </a:r>
+            <a:endParaRPr lang="en-US" altLang="ja-JP" dirty="0" smtClean="0"/>
+          </a:p>
+          <a:p>
+            <a:pPr lvl="1"/>
+            <a:r>
+              <a:rPr lang="ja-JP" altLang="en-US" dirty="0"/>
+              <a:t>タイトル</a:t>
+            </a:r>
+            <a:r>
+              <a:rPr lang="en-US" altLang="ja-JP" dirty="0" smtClean="0"/>
+              <a:t> </a:t>
+            </a:r>
+            <a:r>
+              <a:rPr lang="ja-JP" altLang="en-US" dirty="0" smtClean="0"/>
+              <a:t>→ </a:t>
+            </a:r>
+            <a:r>
+              <a:rPr lang="en-US" altLang="ja-JP" dirty="0" smtClean="0"/>
+              <a:t>title</a:t>
+            </a:r>
+          </a:p>
+          <a:p>
+            <a:pPr lvl="2"/>
+            <a:r>
+              <a:rPr lang="ja-JP" altLang="en-US" dirty="0"/>
+              <a:t>掲示板</a:t>
+            </a:r>
+            <a:r>
+              <a:rPr lang="ja-JP" altLang="en-US" dirty="0" smtClean="0"/>
+              <a:t>のタイトル</a:t>
+            </a:r>
+            <a:endParaRPr lang="en-US" altLang="ja-JP" dirty="0" smtClean="0"/>
+          </a:p>
+          <a:p>
+            <a:pPr lvl="1"/>
+            <a:r>
+              <a:rPr lang="ja-JP" altLang="en-US" dirty="0" smtClean="0"/>
+              <a:t>作成者 → </a:t>
+            </a:r>
+            <a:r>
+              <a:rPr lang="en-US" altLang="ja-JP" dirty="0" err="1" smtClean="0"/>
+              <a:t>auther</a:t>
+            </a:r>
+            <a:endParaRPr lang="en-US" altLang="ja-JP" dirty="0" smtClean="0"/>
+          </a:p>
+          <a:p>
+            <a:pPr lvl="2"/>
+            <a:r>
+              <a:rPr lang="en-US" altLang="ja-JP" dirty="0"/>
+              <a:t>a</a:t>
+            </a:r>
+            <a:r>
+              <a:rPr lang="en-US" altLang="ja-JP" dirty="0" smtClean="0"/>
+              <a:t>ccounts</a:t>
+            </a:r>
+            <a:r>
+              <a:rPr lang="ja-JP" altLang="en-US" dirty="0" smtClean="0"/>
+              <a:t>テーブルの</a:t>
+            </a:r>
+            <a:r>
+              <a:rPr lang="en-US" altLang="ja-JP" dirty="0" smtClean="0"/>
+              <a:t>nickname</a:t>
+            </a:r>
+            <a:r>
+              <a:rPr lang="ja-JP" altLang="en-US" dirty="0" smtClean="0"/>
+              <a:t>がここに入る</a:t>
+            </a:r>
+            <a:endParaRPr lang="en-US" altLang="ja-JP" dirty="0" smtClean="0"/>
+          </a:p>
+          <a:p>
+            <a:pPr lvl="1"/>
+            <a:r>
+              <a:rPr lang="ja-JP" altLang="en-US" dirty="0" smtClean="0"/>
+              <a:t>詳細 → </a:t>
+            </a:r>
+            <a:r>
+              <a:rPr lang="en-US" altLang="ja-JP" dirty="0" smtClean="0"/>
+              <a:t>detail</a:t>
+            </a:r>
+          </a:p>
+          <a:p>
+            <a:pPr lvl="2"/>
+            <a:r>
+              <a:rPr lang="ja-JP" altLang="en-US" dirty="0" smtClean="0"/>
+              <a:t>掲示板の中身を書く</a:t>
+            </a:r>
+            <a:endParaRPr lang="en-US" altLang="ja-JP" dirty="0" smtClean="0"/>
+          </a:p>
+          <a:p>
+            <a:pPr lvl="1"/>
+            <a:r>
+              <a:rPr lang="ja-JP" altLang="en-US" dirty="0"/>
+              <a:t>作成日</a:t>
+            </a:r>
+            <a:r>
+              <a:rPr lang="en-US" altLang="ja-JP" dirty="0" smtClean="0"/>
+              <a:t> </a:t>
+            </a:r>
+            <a:r>
+              <a:rPr lang="ja-JP" altLang="en-US" dirty="0" smtClean="0"/>
+              <a:t>→ </a:t>
+            </a:r>
+            <a:r>
+              <a:rPr lang="en-US" altLang="ja-JP" dirty="0" smtClean="0"/>
+              <a:t>created</a:t>
+            </a:r>
+          </a:p>
+          <a:p>
+            <a:pPr lvl="2"/>
+            <a:r>
+              <a:rPr lang="ja-JP" altLang="en-US" dirty="0" smtClean="0"/>
+              <a:t>いつ</a:t>
+            </a:r>
+            <a:r>
+              <a:rPr lang="ja-JP" altLang="en-US" dirty="0"/>
+              <a:t>作成</a:t>
+            </a:r>
+            <a:r>
+              <a:rPr lang="ja-JP" altLang="en-US" dirty="0" smtClean="0"/>
+              <a:t>した</a:t>
+            </a:r>
+            <a:r>
+              <a:rPr lang="ja-JP" altLang="en-US" dirty="0"/>
+              <a:t>か</a:t>
+            </a:r>
+            <a:endParaRPr lang="en-US" altLang="ja-JP" dirty="0" smtClean="0"/>
+          </a:p>
+        </p:txBody>
+      </p:sp>
+    </p:spTree>
+    <p:extLst>
+      <p:ext uri="{BB962C8B-B14F-4D97-AF65-F5344CB8AC3E}">
+        <p14:creationId xmlns:p14="http://schemas.microsoft.com/office/powerpoint/2010/main" val="2822926242"/>
       </p:ext>
     </p:extLst>
   </p:cSld>

--- a/design/Webアプリケーションシステム.pptx
+++ b/design/Webアプリケーションシステム.pptx
@@ -5,7 +5,7 @@
     <p:sldMasterId id="2147483648" r:id="rId1"/>
   </p:sldMasterIdLst>
   <p:notesMasterIdLst>
-    <p:notesMasterId r:id="rId15"/>
+    <p:notesMasterId r:id="rId16"/>
   </p:notesMasterIdLst>
   <p:sldIdLst>
     <p:sldId id="256" r:id="rId2"/>
@@ -21,6 +21,7 @@
     <p:sldId id="267" r:id="rId12"/>
     <p:sldId id="268" r:id="rId13"/>
     <p:sldId id="269" r:id="rId14"/>
+    <p:sldId id="270" r:id="rId15"/>
   </p:sldIdLst>
   <p:sldSz cx="12192000" cy="6858000"/>
   <p:notesSz cx="6858000" cy="9144000"/>
@@ -209,7 +210,7 @@
           <a:p>
             <a:fld id="{D69DC826-EC42-4CF3-9404-97187E0C6B30}" type="datetimeFigureOut">
               <a:rPr kumimoji="1" lang="ja-JP" altLang="en-US" smtClean="0"/>
-              <a:t>2014/2/18</a:t>
+              <a:t>2014/2/19</a:t>
             </a:fld>
             <a:endParaRPr kumimoji="1" lang="ja-JP" altLang="en-US"/>
           </a:p>
@@ -1351,7 +1352,7 @@
           <a:p>
             <a:fld id="{F168E968-C88F-4183-9E10-2B943E46417A}" type="datetimeFigureOut">
               <a:rPr kumimoji="1" lang="ja-JP" altLang="en-US" smtClean="0"/>
-              <a:t>2014/2/18</a:t>
+              <a:t>2014/2/19</a:t>
             </a:fld>
             <a:endParaRPr kumimoji="1" lang="ja-JP" altLang="en-US"/>
           </a:p>
@@ -1553,7 +1554,7 @@
           <a:p>
             <a:fld id="{F168E968-C88F-4183-9E10-2B943E46417A}" type="datetimeFigureOut">
               <a:rPr kumimoji="1" lang="ja-JP" altLang="en-US" smtClean="0"/>
-              <a:t>2014/2/18</a:t>
+              <a:t>2014/2/19</a:t>
             </a:fld>
             <a:endParaRPr kumimoji="1" lang="ja-JP" altLang="en-US"/>
           </a:p>
@@ -1765,7 +1766,7 @@
           <a:p>
             <a:fld id="{F168E968-C88F-4183-9E10-2B943E46417A}" type="datetimeFigureOut">
               <a:rPr kumimoji="1" lang="ja-JP" altLang="en-US" smtClean="0"/>
-              <a:t>2014/2/18</a:t>
+              <a:t>2014/2/19</a:t>
             </a:fld>
             <a:endParaRPr kumimoji="1" lang="ja-JP" altLang="en-US"/>
           </a:p>
@@ -1967,7 +1968,7 @@
           <a:p>
             <a:fld id="{F168E968-C88F-4183-9E10-2B943E46417A}" type="datetimeFigureOut">
               <a:rPr kumimoji="1" lang="ja-JP" altLang="en-US" smtClean="0"/>
-              <a:t>2014/2/18</a:t>
+              <a:t>2014/2/19</a:t>
             </a:fld>
             <a:endParaRPr kumimoji="1" lang="ja-JP" altLang="en-US"/>
           </a:p>
@@ -2213,7 +2214,7 @@
           <a:p>
             <a:fld id="{F168E968-C88F-4183-9E10-2B943E46417A}" type="datetimeFigureOut">
               <a:rPr kumimoji="1" lang="ja-JP" altLang="en-US" smtClean="0"/>
-              <a:t>2014/2/18</a:t>
+              <a:t>2014/2/19</a:t>
             </a:fld>
             <a:endParaRPr kumimoji="1" lang="ja-JP" altLang="en-US"/>
           </a:p>
@@ -2509,7 +2510,7 @@
           <a:p>
             <a:fld id="{F168E968-C88F-4183-9E10-2B943E46417A}" type="datetimeFigureOut">
               <a:rPr kumimoji="1" lang="ja-JP" altLang="en-US" smtClean="0"/>
-              <a:t>2014/2/18</a:t>
+              <a:t>2014/2/19</a:t>
             </a:fld>
             <a:endParaRPr kumimoji="1" lang="ja-JP" altLang="en-US"/>
           </a:p>
@@ -2940,7 +2941,7 @@
           <a:p>
             <a:fld id="{F168E968-C88F-4183-9E10-2B943E46417A}" type="datetimeFigureOut">
               <a:rPr kumimoji="1" lang="ja-JP" altLang="en-US" smtClean="0"/>
-              <a:t>2014/2/18</a:t>
+              <a:t>2014/2/19</a:t>
             </a:fld>
             <a:endParaRPr kumimoji="1" lang="ja-JP" altLang="en-US"/>
           </a:p>
@@ -3058,7 +3059,7 @@
           <a:p>
             <a:fld id="{F168E968-C88F-4183-9E10-2B943E46417A}" type="datetimeFigureOut">
               <a:rPr kumimoji="1" lang="ja-JP" altLang="en-US" smtClean="0"/>
-              <a:t>2014/2/18</a:t>
+              <a:t>2014/2/19</a:t>
             </a:fld>
             <a:endParaRPr kumimoji="1" lang="ja-JP" altLang="en-US"/>
           </a:p>
@@ -3153,7 +3154,7 @@
           <a:p>
             <a:fld id="{F168E968-C88F-4183-9E10-2B943E46417A}" type="datetimeFigureOut">
               <a:rPr kumimoji="1" lang="ja-JP" altLang="en-US" smtClean="0"/>
-              <a:t>2014/2/18</a:t>
+              <a:t>2014/2/19</a:t>
             </a:fld>
             <a:endParaRPr kumimoji="1" lang="ja-JP" altLang="en-US"/>
           </a:p>
@@ -3462,7 +3463,7 @@
           <a:p>
             <a:fld id="{F168E968-C88F-4183-9E10-2B943E46417A}" type="datetimeFigureOut">
               <a:rPr kumimoji="1" lang="ja-JP" altLang="en-US" smtClean="0"/>
-              <a:t>2014/2/18</a:t>
+              <a:t>2014/2/19</a:t>
             </a:fld>
             <a:endParaRPr kumimoji="1" lang="ja-JP" altLang="en-US"/>
           </a:p>
@@ -3715,7 +3716,7 @@
           <a:p>
             <a:fld id="{F168E968-C88F-4183-9E10-2B943E46417A}" type="datetimeFigureOut">
               <a:rPr kumimoji="1" lang="ja-JP" altLang="en-US" smtClean="0"/>
-              <a:t>2014/2/18</a:t>
+              <a:t>2014/2/19</a:t>
             </a:fld>
             <a:endParaRPr kumimoji="1" lang="ja-JP" altLang="en-US"/>
           </a:p>
@@ -3960,7 +3961,7 @@
           <a:p>
             <a:fld id="{F168E968-C88F-4183-9E10-2B943E46417A}" type="datetimeFigureOut">
               <a:rPr kumimoji="1" lang="ja-JP" altLang="en-US" smtClean="0"/>
-              <a:t>2014/2/18</a:t>
+              <a:t>2014/2/19</a:t>
             </a:fld>
             <a:endParaRPr kumimoji="1" lang="ja-JP" altLang="en-US"/>
           </a:p>
@@ -8220,6 +8221,728 @@
     <p:extLst>
       <p:ext uri="{BB962C8B-B14F-4D97-AF65-F5344CB8AC3E}">
         <p14:creationId xmlns:p14="http://schemas.microsoft.com/office/powerpoint/2010/main" val="2822926242"/>
+      </p:ext>
+    </p:extLst>
+  </p:cSld>
+  <p:clrMapOvr>
+    <a:masterClrMapping/>
+  </p:clrMapOvr>
+</p:sld>
+</file>
+
+<file path=ppt/slides/slide14.xml><?xml version="1.0" encoding="utf-8"?>
+<p:sld xmlns:a="http://schemas.openxmlformats.org/drawingml/2006/main" xmlns:r="http://schemas.openxmlformats.org/officeDocument/2006/relationships" xmlns:p="http://schemas.openxmlformats.org/presentationml/2006/main">
+  <p:cSld>
+    <p:spTree>
+      <p:nvGrpSpPr>
+        <p:cNvPr id="1" name=""/>
+        <p:cNvGrpSpPr/>
+        <p:nvPr/>
+      </p:nvGrpSpPr>
+      <p:grpSpPr>
+        <a:xfrm>
+          <a:off x="0" y="0"/>
+          <a:ext cx="0" cy="0"/>
+          <a:chOff x="0" y="0"/>
+          <a:chExt cx="0" cy="0"/>
+        </a:xfrm>
+      </p:grpSpPr>
+      <p:sp>
+        <p:nvSpPr>
+          <p:cNvPr id="2" name="テキスト ボックス 1"/>
+          <p:cNvSpPr txBox="1"/>
+          <p:nvPr/>
+        </p:nvSpPr>
+        <p:spPr>
+          <a:xfrm>
+            <a:off x="950142" y="92429"/>
+            <a:ext cx="10511178" cy="769441"/>
+          </a:xfrm>
+          <a:prstGeom prst="rect">
+            <a:avLst/>
+          </a:prstGeom>
+          <a:noFill/>
+        </p:spPr>
+        <p:txBody>
+          <a:bodyPr wrap="square" rtlCol="0">
+            <a:spAutoFit/>
+          </a:bodyPr>
+          <a:lstStyle/>
+          <a:p>
+            <a:pPr algn="ctr"/>
+            <a:r>
+              <a:rPr kumimoji="1" lang="ja-JP" altLang="en-US" sz="4400" b="1" dirty="0" smtClean="0">
+                <a:solidFill>
+                  <a:srgbClr val="7030A0"/>
+                </a:solidFill>
+              </a:rPr>
+              <a:t>掲示板のコメントのデータ</a:t>
+            </a:r>
+            <a:r>
+              <a:rPr kumimoji="1" lang="ja-JP" altLang="en-US" sz="4400" b="1" dirty="0" smtClean="0">
+                <a:solidFill>
+                  <a:srgbClr val="7030A0"/>
+                </a:solidFill>
+              </a:rPr>
+              <a:t>定義</a:t>
+            </a:r>
+            <a:endParaRPr kumimoji="1" lang="ja-JP" altLang="en-US" sz="4400" b="1" dirty="0">
+              <a:solidFill>
+                <a:srgbClr val="7030A0"/>
+              </a:solidFill>
+            </a:endParaRPr>
+          </a:p>
+        </p:txBody>
+      </p:sp>
+      <p:graphicFrame>
+        <p:nvGraphicFramePr>
+          <p:cNvPr id="4" name="表 3"/>
+          <p:cNvGraphicFramePr>
+            <a:graphicFrameLocks noGrp="1"/>
+          </p:cNvGraphicFramePr>
+          <p:nvPr>
+            <p:extLst>
+              <p:ext uri="{D42A27DB-BD31-4B8C-83A1-F6EECF244321}">
+                <p14:modId xmlns:p14="http://schemas.microsoft.com/office/powerpoint/2010/main" val="3519661337"/>
+              </p:ext>
+            </p:extLst>
+          </p:nvPr>
+        </p:nvGraphicFramePr>
+        <p:xfrm>
+          <a:off x="2110054" y="4861562"/>
+          <a:ext cx="6851066" cy="1524000"/>
+        </p:xfrm>
+        <a:graphic>
+          <a:graphicData uri="http://schemas.openxmlformats.org/drawingml/2006/table">
+            <a:tbl>
+              <a:tblPr firstRow="1" bandRow="1">
+                <a:tableStyleId>{5C22544A-7EE6-4342-B048-85BDC9FD1C3A}</a:tableStyleId>
+              </a:tblPr>
+              <a:tblGrid>
+                <a:gridCol w="1212266"/>
+                <a:gridCol w="1234440"/>
+                <a:gridCol w="1584960"/>
+                <a:gridCol w="2819400"/>
+              </a:tblGrid>
+              <a:tr h="429346">
+                <a:tc gridSpan="4">
+                  <a:txBody>
+                    <a:bodyPr/>
+                    <a:lstStyle/>
+                    <a:p>
+                      <a:pPr algn="ctr"/>
+                      <a:r>
+                        <a:rPr kumimoji="1" lang="en-US" altLang="ja-JP" sz="2800" dirty="0" smtClean="0"/>
+                        <a:t>comments</a:t>
+                      </a:r>
+                      <a:endParaRPr kumimoji="1" lang="ja-JP" altLang="en-US" sz="2800" dirty="0"/>
+                    </a:p>
+                  </a:txBody>
+                  <a:tcPr/>
+                </a:tc>
+                <a:tc hMerge="1">
+                  <a:txBody>
+                    <a:bodyPr/>
+                    <a:lstStyle/>
+                    <a:p>
+                      <a:endParaRPr kumimoji="1" lang="ja-JP" altLang="en-US" dirty="0"/>
+                    </a:p>
+                  </a:txBody>
+                  <a:tcPr/>
+                </a:tc>
+                <a:tc hMerge="1">
+                  <a:txBody>
+                    <a:bodyPr/>
+                    <a:lstStyle/>
+                    <a:p>
+                      <a:endParaRPr kumimoji="1" lang="ja-JP" altLang="en-US"/>
+                    </a:p>
+                  </a:txBody>
+                  <a:tcPr/>
+                </a:tc>
+                <a:tc hMerge="1">
+                  <a:txBody>
+                    <a:bodyPr/>
+                    <a:lstStyle/>
+                    <a:p>
+                      <a:endParaRPr kumimoji="1" lang="ja-JP" altLang="en-US" dirty="0"/>
+                    </a:p>
+                  </a:txBody>
+                  <a:tcPr/>
+                </a:tc>
+              </a:tr>
+              <a:tr h="303067">
+                <a:tc>
+                  <a:txBody>
+                    <a:bodyPr/>
+                    <a:lstStyle/>
+                    <a:p>
+                      <a:pPr marL="0" marR="0" indent="0" algn="l" defTabSz="914400" rtl="0" eaLnBrk="1" fontAlgn="auto" latinLnBrk="0" hangingPunct="1">
+                        <a:lnSpc>
+                          <a:spcPct val="100000"/>
+                        </a:lnSpc>
+                        <a:spcBef>
+                          <a:spcPts val="0"/>
+                        </a:spcBef>
+                        <a:spcAft>
+                          <a:spcPts val="0"/>
+                        </a:spcAft>
+                        <a:buClrTx/>
+                        <a:buSzTx/>
+                        <a:buFontTx/>
+                        <a:buNone/>
+                        <a:tabLst/>
+                        <a:defRPr/>
+                      </a:pPr>
+                      <a:r>
+                        <a:rPr kumimoji="1" lang="en-US" altLang="ja-JP" dirty="0" err="1" smtClean="0"/>
+                        <a:t>news_id</a:t>
+                      </a:r>
+                      <a:endParaRPr kumimoji="1" lang="ja-JP" altLang="en-US" dirty="0" smtClean="0"/>
+                    </a:p>
+                  </a:txBody>
+                  <a:tcPr/>
+                </a:tc>
+                <a:tc>
+                  <a:txBody>
+                    <a:bodyPr/>
+                    <a:lstStyle/>
+                    <a:p>
+                      <a:pPr marL="0" marR="0" indent="0" algn="l" defTabSz="914400" rtl="0" eaLnBrk="1" fontAlgn="auto" latinLnBrk="0" hangingPunct="1">
+                        <a:lnSpc>
+                          <a:spcPct val="100000"/>
+                        </a:lnSpc>
+                        <a:spcBef>
+                          <a:spcPts val="0"/>
+                        </a:spcBef>
+                        <a:spcAft>
+                          <a:spcPts val="0"/>
+                        </a:spcAft>
+                        <a:buClrTx/>
+                        <a:buSzTx/>
+                        <a:buFontTx/>
+                        <a:buNone/>
+                        <a:tabLst/>
+                        <a:defRPr/>
+                      </a:pPr>
+                      <a:r>
+                        <a:rPr kumimoji="1" lang="en-US" altLang="ja-JP" dirty="0" smtClean="0"/>
+                        <a:t>name</a:t>
+                      </a:r>
+                      <a:endParaRPr kumimoji="1" lang="ja-JP" altLang="en-US" dirty="0" smtClean="0"/>
+                    </a:p>
+                  </a:txBody>
+                  <a:tcPr/>
+                </a:tc>
+                <a:tc>
+                  <a:txBody>
+                    <a:bodyPr/>
+                    <a:lstStyle/>
+                    <a:p>
+                      <a:pPr marL="0" marR="0" indent="0" algn="l" defTabSz="914400" rtl="0" eaLnBrk="1" fontAlgn="auto" latinLnBrk="0" hangingPunct="1">
+                        <a:lnSpc>
+                          <a:spcPct val="100000"/>
+                        </a:lnSpc>
+                        <a:spcBef>
+                          <a:spcPts val="0"/>
+                        </a:spcBef>
+                        <a:spcAft>
+                          <a:spcPts val="0"/>
+                        </a:spcAft>
+                        <a:buClrTx/>
+                        <a:buSzTx/>
+                        <a:buFontTx/>
+                        <a:buNone/>
+                        <a:tabLst/>
+                        <a:defRPr/>
+                      </a:pPr>
+                      <a:r>
+                        <a:rPr kumimoji="1" lang="en-US" altLang="ja-JP" dirty="0" smtClean="0"/>
+                        <a:t>comment</a:t>
+                      </a:r>
+                      <a:endParaRPr kumimoji="1" lang="ja-JP" altLang="en-US" dirty="0" smtClean="0"/>
+                    </a:p>
+                  </a:txBody>
+                  <a:tcPr/>
+                </a:tc>
+                <a:tc>
+                  <a:txBody>
+                    <a:bodyPr/>
+                    <a:lstStyle/>
+                    <a:p>
+                      <a:pPr marL="0" marR="0" indent="0" algn="l" defTabSz="914400" rtl="0" eaLnBrk="1" fontAlgn="auto" latinLnBrk="0" hangingPunct="1">
+                        <a:lnSpc>
+                          <a:spcPct val="100000"/>
+                        </a:lnSpc>
+                        <a:spcBef>
+                          <a:spcPts val="0"/>
+                        </a:spcBef>
+                        <a:spcAft>
+                          <a:spcPts val="0"/>
+                        </a:spcAft>
+                        <a:buClrTx/>
+                        <a:buSzTx/>
+                        <a:buFontTx/>
+                        <a:buNone/>
+                        <a:tabLst/>
+                        <a:defRPr/>
+                      </a:pPr>
+                      <a:r>
+                        <a:rPr kumimoji="1" lang="en-US" altLang="ja-JP" dirty="0" smtClean="0"/>
+                        <a:t>created</a:t>
+                      </a:r>
+                      <a:endParaRPr kumimoji="1" lang="ja-JP" altLang="en-US" dirty="0" smtClean="0"/>
+                    </a:p>
+                  </a:txBody>
+                  <a:tcPr/>
+                </a:tc>
+              </a:tr>
+              <a:tr h="611882">
+                <a:tc>
+                  <a:txBody>
+                    <a:bodyPr/>
+                    <a:lstStyle/>
+                    <a:p>
+                      <a:r>
+                        <a:rPr kumimoji="1" lang="en-US" altLang="ja-JP" dirty="0" smtClean="0"/>
+                        <a:t>1</a:t>
+                      </a:r>
+                      <a:endParaRPr kumimoji="1" lang="ja-JP" altLang="en-US" dirty="0"/>
+                    </a:p>
+                  </a:txBody>
+                  <a:tcPr/>
+                </a:tc>
+                <a:tc>
+                  <a:txBody>
+                    <a:bodyPr/>
+                    <a:lstStyle/>
+                    <a:p>
+                      <a:pPr marL="0" marR="0" indent="0" algn="l" defTabSz="914400" rtl="0" eaLnBrk="1" fontAlgn="auto" latinLnBrk="0" hangingPunct="1">
+                        <a:lnSpc>
+                          <a:spcPct val="100000"/>
+                        </a:lnSpc>
+                        <a:spcBef>
+                          <a:spcPts val="0"/>
+                        </a:spcBef>
+                        <a:spcAft>
+                          <a:spcPts val="0"/>
+                        </a:spcAft>
+                        <a:buClrTx/>
+                        <a:buSzTx/>
+                        <a:buFontTx/>
+                        <a:buNone/>
+                        <a:tabLst/>
+                        <a:defRPr/>
+                      </a:pPr>
+                      <a:r>
+                        <a:rPr kumimoji="1" lang="ja-JP" altLang="en-US" dirty="0" smtClean="0"/>
+                        <a:t>広瀬太郎</a:t>
+                      </a:r>
+                    </a:p>
+                    <a:p>
+                      <a:endParaRPr kumimoji="1" lang="ja-JP" altLang="en-US" dirty="0"/>
+                    </a:p>
+                  </a:txBody>
+                  <a:tcPr/>
+                </a:tc>
+                <a:tc>
+                  <a:txBody>
+                    <a:bodyPr/>
+                    <a:lstStyle/>
+                    <a:p>
+                      <a:r>
+                        <a:rPr kumimoji="1" lang="ja-JP" altLang="en-US" dirty="0" smtClean="0"/>
+                        <a:t>コメント</a:t>
+                      </a:r>
+                      <a:endParaRPr kumimoji="1" lang="ja-JP" altLang="en-US" dirty="0"/>
+                    </a:p>
+                  </a:txBody>
+                  <a:tcPr/>
+                </a:tc>
+                <a:tc>
+                  <a:txBody>
+                    <a:bodyPr/>
+                    <a:lstStyle/>
+                    <a:p>
+                      <a:r>
+                        <a:rPr kumimoji="1" lang="en-US" altLang="ja-JP" sz="1800" b="0" i="0" kern="1200" dirty="0" smtClean="0">
+                          <a:solidFill>
+                            <a:schemeClr val="dk1"/>
+                          </a:solidFill>
+                          <a:effectLst/>
+                          <a:latin typeface="+mn-lt"/>
+                          <a:ea typeface="+mn-ea"/>
+                          <a:cs typeface="+mn-cs"/>
+                        </a:rPr>
+                        <a:t>2014-02-20 1:11:13</a:t>
+                      </a:r>
+                      <a:endParaRPr kumimoji="1" lang="ja-JP" altLang="en-US" dirty="0"/>
+                    </a:p>
+                  </a:txBody>
+                  <a:tcPr/>
+                </a:tc>
+              </a:tr>
+            </a:tbl>
+          </a:graphicData>
+        </a:graphic>
+      </p:graphicFrame>
+      <p:sp>
+        <p:nvSpPr>
+          <p:cNvPr id="5" name="コンテンツ プレースホルダー 20"/>
+          <p:cNvSpPr txBox="1">
+            <a:spLocks/>
+          </p:cNvSpPr>
+          <p:nvPr/>
+        </p:nvSpPr>
+        <p:spPr>
+          <a:xfrm>
+            <a:off x="570518" y="1005841"/>
+            <a:ext cx="10515600" cy="3840480"/>
+          </a:xfrm>
+          <a:prstGeom prst="rect">
+            <a:avLst/>
+          </a:prstGeom>
+        </p:spPr>
+        <p:txBody>
+          <a:bodyPr>
+            <a:normAutofit/>
+          </a:bodyPr>
+          <a:lstStyle>
+            <a:lvl1pPr marL="228600" indent="-228600" algn="l" defTabSz="914400" rtl="0" eaLnBrk="1" latinLnBrk="0" hangingPunct="1">
+              <a:lnSpc>
+                <a:spcPct val="90000"/>
+              </a:lnSpc>
+              <a:spcBef>
+                <a:spcPts val="1000"/>
+              </a:spcBef>
+              <a:buFont typeface="Arial" panose="020B0604020202020204" pitchFamily="34" charset="0"/>
+              <a:buChar char="•"/>
+              <a:defRPr kumimoji="1" sz="2800" kern="1200">
+                <a:solidFill>
+                  <a:schemeClr val="tx1"/>
+                </a:solidFill>
+                <a:latin typeface="+mn-lt"/>
+                <a:ea typeface="+mn-ea"/>
+                <a:cs typeface="+mn-cs"/>
+              </a:defRPr>
+            </a:lvl1pPr>
+            <a:lvl2pPr marL="685800" indent="-228600" algn="l" defTabSz="914400" rtl="0" eaLnBrk="1" latinLnBrk="0" hangingPunct="1">
+              <a:lnSpc>
+                <a:spcPct val="90000"/>
+              </a:lnSpc>
+              <a:spcBef>
+                <a:spcPts val="500"/>
+              </a:spcBef>
+              <a:buFont typeface="Arial" panose="020B0604020202020204" pitchFamily="34" charset="0"/>
+              <a:buChar char="•"/>
+              <a:defRPr kumimoji="1" sz="2400" kern="1200">
+                <a:solidFill>
+                  <a:schemeClr val="tx1"/>
+                </a:solidFill>
+                <a:latin typeface="+mn-lt"/>
+                <a:ea typeface="+mn-ea"/>
+                <a:cs typeface="+mn-cs"/>
+              </a:defRPr>
+            </a:lvl2pPr>
+            <a:lvl3pPr marL="1143000" indent="-228600" algn="l" defTabSz="914400" rtl="0" eaLnBrk="1" latinLnBrk="0" hangingPunct="1">
+              <a:lnSpc>
+                <a:spcPct val="90000"/>
+              </a:lnSpc>
+              <a:spcBef>
+                <a:spcPts val="500"/>
+              </a:spcBef>
+              <a:buFont typeface="Arial" panose="020B0604020202020204" pitchFamily="34" charset="0"/>
+              <a:buChar char="•"/>
+              <a:defRPr kumimoji="1" sz="2000" kern="1200">
+                <a:solidFill>
+                  <a:schemeClr val="tx1"/>
+                </a:solidFill>
+                <a:latin typeface="+mn-lt"/>
+                <a:ea typeface="+mn-ea"/>
+                <a:cs typeface="+mn-cs"/>
+              </a:defRPr>
+            </a:lvl3pPr>
+            <a:lvl4pPr marL="1600200" indent="-228600" algn="l" defTabSz="914400" rtl="0" eaLnBrk="1" latinLnBrk="0" hangingPunct="1">
+              <a:lnSpc>
+                <a:spcPct val="90000"/>
+              </a:lnSpc>
+              <a:spcBef>
+                <a:spcPts val="500"/>
+              </a:spcBef>
+              <a:buFont typeface="Arial" panose="020B0604020202020204" pitchFamily="34" charset="0"/>
+              <a:buChar char="•"/>
+              <a:defRPr kumimoji="1" sz="1800" kern="1200">
+                <a:solidFill>
+                  <a:schemeClr val="tx1"/>
+                </a:solidFill>
+                <a:latin typeface="+mn-lt"/>
+                <a:ea typeface="+mn-ea"/>
+                <a:cs typeface="+mn-cs"/>
+              </a:defRPr>
+            </a:lvl4pPr>
+            <a:lvl5pPr marL="2057400" indent="-228600" algn="l" defTabSz="914400" rtl="0" eaLnBrk="1" latinLnBrk="0" hangingPunct="1">
+              <a:lnSpc>
+                <a:spcPct val="90000"/>
+              </a:lnSpc>
+              <a:spcBef>
+                <a:spcPts val="500"/>
+              </a:spcBef>
+              <a:buFont typeface="Arial" panose="020B0604020202020204" pitchFamily="34" charset="0"/>
+              <a:buChar char="•"/>
+              <a:defRPr kumimoji="1" sz="1800" kern="1200">
+                <a:solidFill>
+                  <a:schemeClr val="tx1"/>
+                </a:solidFill>
+                <a:latin typeface="+mn-lt"/>
+                <a:ea typeface="+mn-ea"/>
+                <a:cs typeface="+mn-cs"/>
+              </a:defRPr>
+            </a:lvl5pPr>
+            <a:lvl6pPr marL="2514600" indent="-228600" algn="l" defTabSz="914400" rtl="0" eaLnBrk="1" latinLnBrk="0" hangingPunct="1">
+              <a:lnSpc>
+                <a:spcPct val="90000"/>
+              </a:lnSpc>
+              <a:spcBef>
+                <a:spcPts val="500"/>
+              </a:spcBef>
+              <a:buFont typeface="Arial" panose="020B0604020202020204" pitchFamily="34" charset="0"/>
+              <a:buChar char="•"/>
+              <a:defRPr kumimoji="1" sz="1800" kern="1200">
+                <a:solidFill>
+                  <a:schemeClr val="tx1"/>
+                </a:solidFill>
+                <a:latin typeface="+mn-lt"/>
+                <a:ea typeface="+mn-ea"/>
+                <a:cs typeface="+mn-cs"/>
+              </a:defRPr>
+            </a:lvl6pPr>
+            <a:lvl7pPr marL="2971800" indent="-228600" algn="l" defTabSz="914400" rtl="0" eaLnBrk="1" latinLnBrk="0" hangingPunct="1">
+              <a:lnSpc>
+                <a:spcPct val="90000"/>
+              </a:lnSpc>
+              <a:spcBef>
+                <a:spcPts val="500"/>
+              </a:spcBef>
+              <a:buFont typeface="Arial" panose="020B0604020202020204" pitchFamily="34" charset="0"/>
+              <a:buChar char="•"/>
+              <a:defRPr kumimoji="1" sz="1800" kern="1200">
+                <a:solidFill>
+                  <a:schemeClr val="tx1"/>
+                </a:solidFill>
+                <a:latin typeface="+mn-lt"/>
+                <a:ea typeface="+mn-ea"/>
+                <a:cs typeface="+mn-cs"/>
+              </a:defRPr>
+            </a:lvl7pPr>
+            <a:lvl8pPr marL="3429000" indent="-228600" algn="l" defTabSz="914400" rtl="0" eaLnBrk="1" latinLnBrk="0" hangingPunct="1">
+              <a:lnSpc>
+                <a:spcPct val="90000"/>
+              </a:lnSpc>
+              <a:spcBef>
+                <a:spcPts val="500"/>
+              </a:spcBef>
+              <a:buFont typeface="Arial" panose="020B0604020202020204" pitchFamily="34" charset="0"/>
+              <a:buChar char="•"/>
+              <a:defRPr kumimoji="1" sz="1800" kern="1200">
+                <a:solidFill>
+                  <a:schemeClr val="tx1"/>
+                </a:solidFill>
+                <a:latin typeface="+mn-lt"/>
+                <a:ea typeface="+mn-ea"/>
+                <a:cs typeface="+mn-cs"/>
+              </a:defRPr>
+            </a:lvl8pPr>
+            <a:lvl9pPr marL="3886200" indent="-228600" algn="l" defTabSz="914400" rtl="0" eaLnBrk="1" latinLnBrk="0" hangingPunct="1">
+              <a:lnSpc>
+                <a:spcPct val="90000"/>
+              </a:lnSpc>
+              <a:spcBef>
+                <a:spcPts val="500"/>
+              </a:spcBef>
+              <a:buFont typeface="Arial" panose="020B0604020202020204" pitchFamily="34" charset="0"/>
+              <a:buChar char="•"/>
+              <a:defRPr kumimoji="1" sz="1800" kern="1200">
+                <a:solidFill>
+                  <a:schemeClr val="tx1"/>
+                </a:solidFill>
+                <a:latin typeface="+mn-lt"/>
+                <a:ea typeface="+mn-ea"/>
+                <a:cs typeface="+mn-cs"/>
+              </a:defRPr>
+            </a:lvl9pPr>
+          </a:lstStyle>
+          <a:p>
+            <a:r>
+              <a:rPr lang="ja-JP" altLang="en-US" dirty="0" smtClean="0"/>
+              <a:t>テーブル名 → </a:t>
+            </a:r>
+            <a:r>
+              <a:rPr lang="en-US" altLang="ja-JP" dirty="0" smtClean="0"/>
+              <a:t>comment</a:t>
+            </a:r>
+            <a:r>
+              <a:rPr lang="en-US" altLang="ja-JP" dirty="0" smtClean="0"/>
+              <a:t>s</a:t>
+            </a:r>
+            <a:endParaRPr lang="en-US" altLang="ja-JP" dirty="0" smtClean="0"/>
+          </a:p>
+          <a:p>
+            <a:pPr lvl="1"/>
+            <a:r>
+              <a:rPr lang="ja-JP" altLang="en-US" dirty="0" smtClean="0"/>
+              <a:t>掲示板の</a:t>
+            </a:r>
+            <a:r>
+              <a:rPr lang="en-US" altLang="ja-JP" dirty="0" smtClean="0"/>
+              <a:t>id</a:t>
+            </a:r>
+            <a:r>
+              <a:rPr lang="ja-JP" altLang="en-US" dirty="0" smtClean="0"/>
+              <a:t>番号 </a:t>
+            </a:r>
+            <a:r>
+              <a:rPr lang="ja-JP" altLang="en-US" dirty="0" smtClean="0"/>
+              <a:t>→ </a:t>
+            </a:r>
+            <a:r>
+              <a:rPr lang="en-US" altLang="ja-JP" dirty="0" err="1" smtClean="0"/>
+              <a:t>news_id</a:t>
+            </a:r>
+            <a:endParaRPr lang="en-US" altLang="ja-JP" dirty="0" smtClean="0"/>
+          </a:p>
+          <a:p>
+            <a:pPr lvl="2"/>
+            <a:r>
+              <a:rPr lang="en-US" altLang="ja-JP" dirty="0"/>
+              <a:t>a</a:t>
+            </a:r>
+            <a:r>
+              <a:rPr lang="en-US" altLang="ja-JP" dirty="0" smtClean="0"/>
+              <a:t>rticles</a:t>
+            </a:r>
+            <a:r>
+              <a:rPr lang="ja-JP" altLang="en-US" dirty="0" smtClean="0"/>
+              <a:t>テーブル</a:t>
+            </a:r>
+            <a:r>
+              <a:rPr lang="ja-JP" altLang="en-US" dirty="0" smtClean="0"/>
+              <a:t>の</a:t>
+            </a:r>
+            <a:r>
+              <a:rPr lang="en-US" altLang="ja-JP" dirty="0" smtClean="0"/>
+              <a:t>id</a:t>
+            </a:r>
+            <a:r>
+              <a:rPr lang="ja-JP" altLang="en-US" dirty="0" smtClean="0"/>
+              <a:t>と同じようにする</a:t>
+            </a:r>
+            <a:endParaRPr lang="en-US" altLang="ja-JP" dirty="0" smtClean="0"/>
+          </a:p>
+          <a:p>
+            <a:pPr lvl="1"/>
+            <a:r>
+              <a:rPr lang="ja-JP" altLang="en-US" dirty="0" smtClean="0"/>
+              <a:t>コメント投稿者</a:t>
+            </a:r>
+            <a:r>
+              <a:rPr lang="en-US" altLang="ja-JP" dirty="0" smtClean="0"/>
+              <a:t> </a:t>
+            </a:r>
+            <a:r>
+              <a:rPr lang="ja-JP" altLang="en-US" dirty="0" smtClean="0"/>
+              <a:t>→ </a:t>
+            </a:r>
+            <a:r>
+              <a:rPr lang="en-US" altLang="ja-JP" dirty="0" smtClean="0"/>
+              <a:t>name</a:t>
+            </a:r>
+            <a:endParaRPr lang="en-US" altLang="ja-JP" dirty="0" smtClean="0"/>
+          </a:p>
+          <a:p>
+            <a:pPr lvl="2"/>
+            <a:r>
+              <a:rPr lang="ja-JP" altLang="en-US" dirty="0" smtClean="0"/>
+              <a:t>コメントをした人の名前が入る</a:t>
+            </a:r>
+            <a:endParaRPr lang="en-US" altLang="ja-JP" dirty="0" smtClean="0"/>
+          </a:p>
+          <a:p>
+            <a:pPr lvl="1"/>
+            <a:r>
+              <a:rPr lang="ja-JP" altLang="en-US" dirty="0"/>
+              <a:t>コメント</a:t>
+            </a:r>
+            <a:r>
+              <a:rPr lang="ja-JP" altLang="en-US" dirty="0" smtClean="0"/>
+              <a:t> </a:t>
+            </a:r>
+            <a:r>
+              <a:rPr lang="ja-JP" altLang="en-US" dirty="0" smtClean="0"/>
+              <a:t>→ </a:t>
+            </a:r>
+            <a:r>
+              <a:rPr lang="en-US" altLang="ja-JP" dirty="0" smtClean="0"/>
+              <a:t>comment</a:t>
+            </a:r>
+            <a:endParaRPr lang="en-US" altLang="ja-JP" dirty="0" smtClean="0"/>
+          </a:p>
+          <a:p>
+            <a:pPr lvl="2"/>
+            <a:r>
+              <a:rPr lang="ja-JP" altLang="en-US" dirty="0" smtClean="0"/>
+              <a:t>コメントが入る</a:t>
+            </a:r>
+            <a:endParaRPr lang="en-US" altLang="ja-JP" dirty="0" smtClean="0"/>
+          </a:p>
+          <a:p>
+            <a:pPr lvl="1"/>
+            <a:r>
+              <a:rPr lang="ja-JP" altLang="en-US" dirty="0" smtClean="0"/>
+              <a:t>作成</a:t>
+            </a:r>
+            <a:r>
+              <a:rPr lang="ja-JP" altLang="en-US" dirty="0"/>
+              <a:t>日</a:t>
+            </a:r>
+            <a:r>
+              <a:rPr lang="en-US" altLang="ja-JP" dirty="0" smtClean="0"/>
+              <a:t> </a:t>
+            </a:r>
+            <a:r>
+              <a:rPr lang="ja-JP" altLang="en-US" dirty="0" smtClean="0"/>
+              <a:t>→ </a:t>
+            </a:r>
+            <a:r>
+              <a:rPr lang="en-US" altLang="ja-JP" dirty="0" smtClean="0"/>
+              <a:t>created</a:t>
+            </a:r>
+          </a:p>
+          <a:p>
+            <a:pPr lvl="2"/>
+            <a:r>
+              <a:rPr lang="ja-JP" altLang="en-US" dirty="0" smtClean="0"/>
+              <a:t>いつ</a:t>
+            </a:r>
+            <a:r>
+              <a:rPr lang="ja-JP" altLang="en-US" dirty="0"/>
+              <a:t>作成</a:t>
+            </a:r>
+            <a:r>
+              <a:rPr lang="ja-JP" altLang="en-US" dirty="0" smtClean="0"/>
+              <a:t>した</a:t>
+            </a:r>
+            <a:r>
+              <a:rPr lang="ja-JP" altLang="en-US" dirty="0"/>
+              <a:t>か</a:t>
+            </a:r>
+            <a:endParaRPr lang="en-US" altLang="ja-JP" dirty="0" smtClean="0"/>
+          </a:p>
+        </p:txBody>
+      </p:sp>
+    </p:spTree>
+    <p:extLst>
+      <p:ext uri="{BB962C8B-B14F-4D97-AF65-F5344CB8AC3E}">
+        <p14:creationId xmlns:p14="http://schemas.microsoft.com/office/powerpoint/2010/main" val="102864231"/>
       </p:ext>
     </p:extLst>
   </p:cSld>
